--- a/threat-detection-wksp/presentations/threat-detection-wksp-module2-presentation.pptx
+++ b/threat-detection-wksp/presentations/threat-detection-wksp-module2-presentation.pptx
@@ -5,7 +5,7 @@
     <p:sldMasterId id="2147483674" r:id="rId4"/>
   </p:sldMasterIdLst>
   <p:notesMasterIdLst>
-    <p:notesMasterId r:id="rId39"/>
+    <p:notesMasterId r:id="rId38"/>
   </p:notesMasterIdLst>
   <p:sldIdLst>
     <p:sldId id="285" r:id="rId5"/>
@@ -15,33 +15,32 @@
     <p:sldId id="471" r:id="rId9"/>
     <p:sldId id="435" r:id="rId10"/>
     <p:sldId id="436" r:id="rId11"/>
-    <p:sldId id="578" r:id="rId12"/>
-    <p:sldId id="581" r:id="rId13"/>
-    <p:sldId id="577" r:id="rId14"/>
-    <p:sldId id="311" r:id="rId15"/>
-    <p:sldId id="434" r:id="rId16"/>
-    <p:sldId id="437" r:id="rId17"/>
-    <p:sldId id="438" r:id="rId18"/>
-    <p:sldId id="479" r:id="rId19"/>
-    <p:sldId id="381" r:id="rId20"/>
-    <p:sldId id="439" r:id="rId21"/>
-    <p:sldId id="469" r:id="rId22"/>
-    <p:sldId id="450" r:id="rId23"/>
-    <p:sldId id="451" r:id="rId24"/>
-    <p:sldId id="456" r:id="rId25"/>
-    <p:sldId id="452" r:id="rId26"/>
-    <p:sldId id="454" r:id="rId27"/>
-    <p:sldId id="453" r:id="rId28"/>
-    <p:sldId id="466" r:id="rId29"/>
-    <p:sldId id="470" r:id="rId30"/>
-    <p:sldId id="455" r:id="rId31"/>
-    <p:sldId id="457" r:id="rId32"/>
-    <p:sldId id="463" r:id="rId33"/>
-    <p:sldId id="384" r:id="rId34"/>
-    <p:sldId id="377" r:id="rId35"/>
-    <p:sldId id="474" r:id="rId36"/>
-    <p:sldId id="476" r:id="rId37"/>
-    <p:sldId id="582" r:id="rId38"/>
+    <p:sldId id="581" r:id="rId12"/>
+    <p:sldId id="577" r:id="rId13"/>
+    <p:sldId id="311" r:id="rId14"/>
+    <p:sldId id="434" r:id="rId15"/>
+    <p:sldId id="437" r:id="rId16"/>
+    <p:sldId id="438" r:id="rId17"/>
+    <p:sldId id="479" r:id="rId18"/>
+    <p:sldId id="381" r:id="rId19"/>
+    <p:sldId id="439" r:id="rId20"/>
+    <p:sldId id="469" r:id="rId21"/>
+    <p:sldId id="450" r:id="rId22"/>
+    <p:sldId id="451" r:id="rId23"/>
+    <p:sldId id="456" r:id="rId24"/>
+    <p:sldId id="452" r:id="rId25"/>
+    <p:sldId id="454" r:id="rId26"/>
+    <p:sldId id="453" r:id="rId27"/>
+    <p:sldId id="466" r:id="rId28"/>
+    <p:sldId id="470" r:id="rId29"/>
+    <p:sldId id="455" r:id="rId30"/>
+    <p:sldId id="457" r:id="rId31"/>
+    <p:sldId id="463" r:id="rId32"/>
+    <p:sldId id="384" r:id="rId33"/>
+    <p:sldId id="377" r:id="rId34"/>
+    <p:sldId id="474" r:id="rId35"/>
+    <p:sldId id="476" r:id="rId36"/>
+    <p:sldId id="582" r:id="rId37"/>
   </p:sldIdLst>
   <p:sldSz cx="9144000" cy="5143500" type="screen16x9"/>
   <p:notesSz cx="6858000" cy="9144000"/>
@@ -156,7 +155,6 @@
             <p14:sldId id="471"/>
             <p14:sldId id="435"/>
             <p14:sldId id="436"/>
-            <p14:sldId id="578"/>
             <p14:sldId id="581"/>
             <p14:sldId id="577"/>
             <p14:sldId id="311"/>
@@ -3258,7 +3256,7 @@
             <a:fld id="{0B25AC41-3BEC-9247-8322-91B80C013F2D}" type="datetimeFigureOut">
               <a:rPr lang="en-US" smtClean="0"/>
               <a:pPr/>
-              <a:t>6/13/18</a:t>
+              <a:t>7/10/18</a:t>
             </a:fld>
             <a:endParaRPr lang="en-US" dirty="0"/>
           </a:p>
@@ -3722,14 +3720,8 @@
               <a:defRPr/>
             </a:pPr>
             <a:r>
-              <a:rPr lang="en-US" dirty="0">
-                <a:solidFill>
-                  <a:schemeClr val="tx1"/>
-                </a:solidFill>
-                <a:latin typeface="Arial" panose="020B0604020202020204" pitchFamily="34" charset="0"/>
-                <a:cs typeface="Arial" panose="020B0604020202020204" pitchFamily="34" charset="0"/>
-              </a:rPr>
-              <a:t>AWS logs -  data source inputs for a threat detection</a:t>
+              <a:rPr lang="en-US" dirty="0"/>
+              <a:t>AWS security services, GuardDuty and Macie, use the power of machine learning to detect threats.</a:t>
             </a:r>
           </a:p>
           <a:p>
@@ -3750,16 +3742,52 @@
               <a:tabLst/>
               <a:defRPr/>
             </a:pPr>
-            <a:r>
-              <a:rPr lang="en-US" dirty="0">
+            <a:endParaRPr lang="en-US" dirty="0"/>
+          </a:p>
+          <a:p>
+            <a:r>
+              <a:rPr lang="en-US" sz="1200" kern="1200" dirty="0">
                 <a:solidFill>
                   <a:schemeClr val="tx1"/>
                 </a:solidFill>
-                <a:latin typeface="Arial" panose="020B0604020202020204" pitchFamily="34" charset="0"/>
-                <a:cs typeface="Arial" panose="020B0604020202020204" pitchFamily="34" charset="0"/>
-              </a:rPr>
-              <a:t>Does anyone know of an AWS service that detects threats by analyzing three out of four of the logs?</a:t>
-            </a:r>
+                <a:effectLst/>
+                <a:latin typeface="Arial"/>
+                <a:ea typeface="+mn-ea"/>
+                <a:cs typeface="+mn-cs"/>
+              </a:rPr>
+              <a:t>GuardDuty continuously monitors for malicious or unauthorized behavior to help you protect your AWS accounts and workloads. </a:t>
+            </a:r>
+          </a:p>
+          <a:p>
+            <a:r>
+              <a:rPr lang="en-US" sz="1200" kern="1200" dirty="0">
+                <a:solidFill>
+                  <a:schemeClr val="tx1"/>
+                </a:solidFill>
+                <a:effectLst/>
+                <a:latin typeface="Arial"/>
+                <a:ea typeface="+mn-ea"/>
+                <a:cs typeface="+mn-cs"/>
+              </a:rPr>
+              <a:t>It uncovers activity such as unusual API calls or potentially unauthorized deployments that indicate a possible account compromise. It also detects potentially compromised instances and reconnaissance by attackers.</a:t>
+            </a:r>
+          </a:p>
+          <a:p>
+            <a:r>
+              <a:rPr lang="en-US" sz="1200" kern="1200" dirty="0">
+                <a:solidFill>
+                  <a:schemeClr val="tx1"/>
+                </a:solidFill>
+                <a:effectLst/>
+                <a:latin typeface="Arial"/>
+                <a:ea typeface="+mn-ea"/>
+                <a:cs typeface="+mn-cs"/>
+              </a:rPr>
+              <a:t>GuardDuty analyzes billions of events across AWS accounts for signs of risk.</a:t>
+            </a:r>
+          </a:p>
+          <a:p>
+            <a:endParaRPr lang="en-US" dirty="0"/>
           </a:p>
           <a:p>
             <a:pPr marL="0" marR="0" lvl="0" indent="0" algn="l" defTabSz="457200" rtl="0" eaLnBrk="1" fontAlgn="auto" latinLnBrk="0" hangingPunct="1">
@@ -3779,79 +3807,9 @@
               <a:tabLst/>
               <a:defRPr/>
             </a:pPr>
-            <a:endParaRPr lang="en-US" dirty="0">
-              <a:solidFill>
-                <a:schemeClr val="tx1"/>
-              </a:solidFill>
-              <a:latin typeface="Arial" panose="020B0604020202020204" pitchFamily="34" charset="0"/>
-              <a:cs typeface="Arial" panose="020B0604020202020204" pitchFamily="34" charset="0"/>
-            </a:endParaRPr>
-          </a:p>
-          <a:p>
-            <a:pPr marL="0" marR="0" lvl="0" indent="0" algn="l" defTabSz="457200" rtl="0" eaLnBrk="1" fontAlgn="auto" latinLnBrk="0" hangingPunct="1">
-              <a:lnSpc>
-                <a:spcPct val="100000"/>
-              </a:lnSpc>
-              <a:spcBef>
-                <a:spcPts val="0"/>
-              </a:spcBef>
-              <a:spcAft>
-                <a:spcPts val="0"/>
-              </a:spcAft>
-              <a:buClrTx/>
-              <a:buSzTx/>
-              <a:buFontTx/>
-              <a:buNone/>
-              <a:tabLst/>
-              <a:defRPr/>
-            </a:pPr>
-            <a:r>
-              <a:rPr lang="en-US" sz="1200" kern="1200" dirty="0">
-                <a:solidFill>
-                  <a:schemeClr val="tx1"/>
-                </a:solidFill>
-                <a:effectLst/>
-                <a:latin typeface="Arial"/>
-                <a:ea typeface="+mn-ea"/>
-                <a:cs typeface="+mn-cs"/>
-              </a:rPr>
-              <a:t>CloudTrail provides visibility into user activity by recording actions taken on your account.  - Audit</a:t>
-            </a:r>
-            <a:endParaRPr lang="en-US" dirty="0">
-              <a:solidFill>
-                <a:schemeClr val="tx1"/>
-              </a:solidFill>
-              <a:latin typeface="Arial" panose="020B0604020202020204" pitchFamily="34" charset="0"/>
-              <a:cs typeface="Arial" panose="020B0604020202020204" pitchFamily="34" charset="0"/>
-            </a:endParaRPr>
-          </a:p>
-          <a:p>
-            <a:pPr marL="0" marR="0" lvl="0" indent="0" algn="l" defTabSz="457200" rtl="0" eaLnBrk="1" fontAlgn="auto" latinLnBrk="0" hangingPunct="1">
-              <a:lnSpc>
-                <a:spcPct val="100000"/>
-              </a:lnSpc>
-              <a:spcBef>
-                <a:spcPts val="0"/>
-              </a:spcBef>
-              <a:spcAft>
-                <a:spcPts val="0"/>
-              </a:spcAft>
-              <a:buClrTx/>
-              <a:buSzTx/>
-              <a:buFontTx/>
-              <a:buNone/>
-              <a:tabLst/>
-              <a:defRPr/>
-            </a:pPr>
-            <a:r>
-              <a:rPr lang="en-US" dirty="0">
-                <a:solidFill>
-                  <a:schemeClr val="tx1"/>
-                </a:solidFill>
-                <a:latin typeface="Arial" panose="020B0604020202020204" pitchFamily="34" charset="0"/>
-                <a:cs typeface="Arial" panose="020B0604020202020204" pitchFamily="34" charset="0"/>
-              </a:rPr>
-              <a:t>Virtual Private Cloud (VPC) Flow Logs:</a:t>
+            <a:r>
+              <a:rPr lang="en-US" dirty="0"/>
+              <a:t>Macie:</a:t>
             </a:r>
           </a:p>
           <a:p>
@@ -3873,14 +3831,8 @@
               <a:defRPr/>
             </a:pPr>
             <a:r>
-              <a:rPr lang="en-US" dirty="0">
-                <a:solidFill>
-                  <a:schemeClr val="tx1"/>
-                </a:solidFill>
-                <a:latin typeface="Arial" panose="020B0604020202020204" pitchFamily="34" charset="0"/>
-                <a:cs typeface="Arial" panose="020B0604020202020204" pitchFamily="34" charset="0"/>
-              </a:rPr>
-              <a:t>Capture information about the IP traffic going to and from network interfaces in your VPC.    </a:t>
+              <a:rPr lang="en-US" dirty="0"/>
+              <a:t>Helps you better understand where sensitive information is stored </a:t>
             </a:r>
           </a:p>
           <a:p>
@@ -3902,39 +3854,12 @@
               <a:defRPr/>
             </a:pPr>
             <a:r>
-              <a:rPr lang="en-US" dirty="0">
-                <a:solidFill>
-                  <a:schemeClr val="tx1"/>
-                </a:solidFill>
-                <a:latin typeface="Arial" panose="020B0604020202020204" pitchFamily="34" charset="0"/>
-                <a:cs typeface="Arial" panose="020B0604020202020204" pitchFamily="34" charset="0"/>
-              </a:rPr>
-              <a:t>Used to monitor the traffic that is reaching your EC2 instances,</a:t>
-            </a:r>
-          </a:p>
-          <a:p>
-            <a:r>
-              <a:rPr lang="en-US" sz="1200" kern="1200" dirty="0">
-                <a:solidFill>
-                  <a:schemeClr val="tx1"/>
-                </a:solidFill>
-                <a:effectLst/>
-                <a:latin typeface="Arial"/>
-                <a:ea typeface="+mn-ea"/>
-                <a:cs typeface="+mn-cs"/>
-              </a:rPr>
-              <a:t>With CloudWatch Logs, you can monitor your logs, in near real-time, for specific phrases, values or patterns to create metrics and implement alarms. </a:t>
-            </a:r>
-            <a:endParaRPr lang="en-US" dirty="0">
-              <a:solidFill>
-                <a:schemeClr val="tx1"/>
-              </a:solidFill>
-              <a:latin typeface="Arial" panose="020B0604020202020204" pitchFamily="34" charset="0"/>
-              <a:cs typeface="Arial" panose="020B0604020202020204" pitchFamily="34" charset="0"/>
-            </a:endParaRPr>
-          </a:p>
-          <a:p>
-            <a:pPr marL="0" marR="0" lvl="0" indent="0" algn="l" defTabSz="457200" rtl="0" eaLnBrk="1" fontAlgn="auto" latinLnBrk="0" hangingPunct="1">
+              <a:rPr lang="en-US" dirty="0"/>
+              <a:t>Shows you how your data is being accessed, including user authentications and access patterns</a:t>
+            </a:r>
+          </a:p>
+          <a:p>
+            <a:pPr marL="171450" marR="0" lvl="0" indent="-171450" algn="l" defTabSz="457200" rtl="0" eaLnBrk="1" fontAlgn="auto" latinLnBrk="0" hangingPunct="1">
               <a:lnSpc>
                 <a:spcPct val="100000"/>
               </a:lnSpc>
@@ -3947,46 +3872,14 @@
               <a:buClrTx/>
               <a:buSzTx/>
               <a:buFont typeface="Arial" panose="020B0604020202020204" pitchFamily="34" charset="0"/>
-              <a:buNone/>
+              <a:buChar char="•"/>
               <a:tabLst/>
               <a:defRPr/>
             </a:pPr>
             <a:r>
-              <a:rPr lang="en-US" dirty="0">
-                <a:solidFill>
-                  <a:schemeClr val="tx1"/>
-                </a:solidFill>
-                <a:latin typeface="Arial" panose="020B0604020202020204" pitchFamily="34" charset="0"/>
-                <a:cs typeface="Arial" panose="020B0604020202020204" pitchFamily="34" charset="0"/>
-              </a:rPr>
-              <a:t>DNS Logs are used by GuardDuty as part of the analysis for continuous threat detection and include all DNS queries to the DNS resolver provided within your VPC. </a:t>
-            </a:r>
-          </a:p>
-          <a:p>
-            <a:pPr marL="0" marR="0" lvl="0" indent="0" algn="l" defTabSz="457200" rtl="0" eaLnBrk="1" fontAlgn="auto" latinLnBrk="0" hangingPunct="1">
-              <a:lnSpc>
-                <a:spcPct val="100000"/>
-              </a:lnSpc>
-              <a:spcBef>
-                <a:spcPts val="0"/>
-              </a:spcBef>
-              <a:spcAft>
-                <a:spcPts val="0"/>
-              </a:spcAft>
-              <a:buClrTx/>
-              <a:buSzTx/>
-              <a:buFont typeface="Arial" panose="020B0604020202020204" pitchFamily="34" charset="0"/>
-              <a:buNone/>
-              <a:tabLst/>
-              <a:defRPr/>
-            </a:pPr>
-            <a:endParaRPr lang="en-US" dirty="0">
-              <a:solidFill>
-                <a:schemeClr val="tx1"/>
-              </a:solidFill>
-              <a:latin typeface="Arial" panose="020B0604020202020204" pitchFamily="34" charset="0"/>
-              <a:cs typeface="Arial" panose="020B0604020202020204" pitchFamily="34" charset="0"/>
-            </a:endParaRPr>
+              <a:rPr lang="en-US" dirty="0"/>
+              <a:t>Macie’s user behavior analytics can also identify indications of compromise</a:t>
+            </a:r>
           </a:p>
         </p:txBody>
       </p:sp>
@@ -4017,7 +3910,7 @@
     </p:spTree>
     <p:extLst>
       <p:ext uri="{BB962C8B-B14F-4D97-AF65-F5344CB8AC3E}">
-        <p14:creationId xmlns:p14="http://schemas.microsoft.com/office/powerpoint/2010/main" val="3258370379"/>
+        <p14:creationId xmlns:p14="http://schemas.microsoft.com/office/powerpoint/2010/main" val="575731450"/>
       </p:ext>
     </p:extLst>
   </p:cSld>
@@ -4090,164 +3983,7 @@
             </a:pPr>
             <a:r>
               <a:rPr lang="en-US" dirty="0"/>
-              <a:t>AWS security services, GuardDuty and Macie, use the power of machine learning to detect threats.</a:t>
-            </a:r>
-          </a:p>
-          <a:p>
-            <a:pPr marL="0" marR="0" lvl="0" indent="0" algn="l" defTabSz="457200" rtl="0" eaLnBrk="1" fontAlgn="auto" latinLnBrk="0" hangingPunct="1">
-              <a:lnSpc>
-                <a:spcPct val="100000"/>
-              </a:lnSpc>
-              <a:spcBef>
-                <a:spcPts val="0"/>
-              </a:spcBef>
-              <a:spcAft>
-                <a:spcPts val="0"/>
-              </a:spcAft>
-              <a:buClrTx/>
-              <a:buSzTx/>
-              <a:buFontTx/>
-              <a:buNone/>
-              <a:tabLst/>
-              <a:defRPr/>
-            </a:pPr>
-            <a:endParaRPr lang="en-US" dirty="0"/>
-          </a:p>
-          <a:p>
-            <a:r>
-              <a:rPr lang="en-US" sz="1200" kern="1200" dirty="0">
-                <a:solidFill>
-                  <a:schemeClr val="tx1"/>
-                </a:solidFill>
-                <a:effectLst/>
-                <a:latin typeface="Arial"/>
-                <a:ea typeface="+mn-ea"/>
-                <a:cs typeface="+mn-cs"/>
-              </a:rPr>
-              <a:t>GuardDuty continuously monitors for malicious or unauthorized behavior to help you protect your AWS accounts and workloads. </a:t>
-            </a:r>
-          </a:p>
-          <a:p>
-            <a:r>
-              <a:rPr lang="en-US" sz="1200" kern="1200" dirty="0">
-                <a:solidFill>
-                  <a:schemeClr val="tx1"/>
-                </a:solidFill>
-                <a:effectLst/>
-                <a:latin typeface="Arial"/>
-                <a:ea typeface="+mn-ea"/>
-                <a:cs typeface="+mn-cs"/>
-              </a:rPr>
-              <a:t>It uncovers activity such as unusual API calls or potentially unauthorized deployments that indicate a possible account compromise. It also detects potentially compromised instances and reconnaissance by attackers.</a:t>
-            </a:r>
-          </a:p>
-          <a:p>
-            <a:r>
-              <a:rPr lang="en-US" sz="1200" kern="1200" dirty="0">
-                <a:solidFill>
-                  <a:schemeClr val="tx1"/>
-                </a:solidFill>
-                <a:effectLst/>
-                <a:latin typeface="Arial"/>
-                <a:ea typeface="+mn-ea"/>
-                <a:cs typeface="+mn-cs"/>
-              </a:rPr>
-              <a:t>GuardDuty analyzes billions of events across AWS accounts for signs of risk.</a:t>
-            </a:r>
-          </a:p>
-          <a:p>
-            <a:endParaRPr lang="en-US" dirty="0"/>
-          </a:p>
-          <a:p>
-            <a:pPr marL="0" marR="0" lvl="0" indent="0" algn="l" defTabSz="457200" rtl="0" eaLnBrk="1" fontAlgn="auto" latinLnBrk="0" hangingPunct="1">
-              <a:lnSpc>
-                <a:spcPct val="100000"/>
-              </a:lnSpc>
-              <a:spcBef>
-                <a:spcPts val="0"/>
-              </a:spcBef>
-              <a:spcAft>
-                <a:spcPts val="0"/>
-              </a:spcAft>
-              <a:buClrTx/>
-              <a:buSzTx/>
-              <a:buFontTx/>
-              <a:buNone/>
-              <a:tabLst/>
-              <a:defRPr/>
-            </a:pPr>
-            <a:r>
-              <a:rPr lang="en-US" dirty="0"/>
-              <a:t>Macie:</a:t>
-            </a:r>
-          </a:p>
-          <a:p>
-            <a:pPr marL="171450" marR="0" lvl="0" indent="-171450" algn="l" defTabSz="457200" rtl="0" eaLnBrk="1" fontAlgn="auto" latinLnBrk="0" hangingPunct="1">
-              <a:lnSpc>
-                <a:spcPct val="100000"/>
-              </a:lnSpc>
-              <a:spcBef>
-                <a:spcPts val="0"/>
-              </a:spcBef>
-              <a:spcAft>
-                <a:spcPts val="0"/>
-              </a:spcAft>
-              <a:buClrTx/>
-              <a:buSzTx/>
-              <a:buFont typeface="Arial" panose="020B0604020202020204" pitchFamily="34" charset="0"/>
-              <a:buChar char="•"/>
-              <a:tabLst/>
-              <a:defRPr/>
-            </a:pPr>
-            <a:r>
-              <a:rPr lang="en-US" dirty="0"/>
-              <a:t>Helps you better understand where sensitive information is stored </a:t>
-            </a:r>
-          </a:p>
-          <a:p>
-            <a:pPr marL="171450" marR="0" lvl="0" indent="-171450" algn="l" defTabSz="457200" rtl="0" eaLnBrk="1" fontAlgn="auto" latinLnBrk="0" hangingPunct="1">
-              <a:lnSpc>
-                <a:spcPct val="100000"/>
-              </a:lnSpc>
-              <a:spcBef>
-                <a:spcPts val="0"/>
-              </a:spcBef>
-              <a:spcAft>
-                <a:spcPts val="0"/>
-              </a:spcAft>
-              <a:buClrTx/>
-              <a:buSzTx/>
-              <a:buFont typeface="Arial" panose="020B0604020202020204" pitchFamily="34" charset="0"/>
-              <a:buChar char="•"/>
-              <a:tabLst/>
-              <a:defRPr/>
-            </a:pPr>
-            <a:r>
-              <a:rPr lang="en-US" dirty="0"/>
-              <a:t>Shows you how your data is being accessed, including user authentications and access patterns</a:t>
-            </a:r>
-          </a:p>
-          <a:p>
-            <a:pPr marL="171450" marR="0" lvl="0" indent="-171450" algn="l" defTabSz="457200" rtl="0" eaLnBrk="1" fontAlgn="auto" latinLnBrk="0" hangingPunct="1">
-              <a:lnSpc>
-                <a:spcPct val="100000"/>
-              </a:lnSpc>
-              <a:spcBef>
-                <a:spcPts val="0"/>
-              </a:spcBef>
-              <a:spcAft>
-                <a:spcPts val="0"/>
-              </a:spcAft>
-              <a:buClrTx/>
-              <a:buSzTx/>
-              <a:buFont typeface="Arial" panose="020B0604020202020204" pitchFamily="34" charset="0"/>
-              <a:buChar char="•"/>
-              <a:tabLst/>
-              <a:defRPr/>
-            </a:pPr>
-            <a:r>
-              <a:rPr lang="en-US" dirty="0"/>
-              <a:t>Macie’s user behavior analytics can also identify indications of compromise</a:t>
+              <a:t>This is an optional presentation method using posters and audience volunteers</a:t>
             </a:r>
           </a:p>
         </p:txBody>
@@ -4279,7 +4015,7 @@
     </p:spTree>
     <p:extLst>
       <p:ext uri="{BB962C8B-B14F-4D97-AF65-F5344CB8AC3E}">
-        <p14:creationId xmlns:p14="http://schemas.microsoft.com/office/powerpoint/2010/main" val="575731450"/>
+        <p14:creationId xmlns:p14="http://schemas.microsoft.com/office/powerpoint/2010/main" val="118267652"/>
       </p:ext>
     </p:extLst>
   </p:cSld>
@@ -4333,7 +4069,17 @@
           <a:bodyPr/>
           <a:lstStyle/>
           <a:p>
-            <a:pPr marL="0" marR="0" lvl="0" indent="0" algn="l" defTabSz="457200" rtl="0" eaLnBrk="1" fontAlgn="auto" latinLnBrk="0" hangingPunct="1">
+            <a:pPr marL="171450" indent="-171450">
+              <a:buFont typeface="Arial" panose="020B0604020202020204" pitchFamily="34" charset="0"/>
+              <a:buChar char="•"/>
+            </a:pPr>
+            <a:r>
+              <a:rPr lang="en-US" dirty="0"/>
+              <a:t>You can easily enable GuardDuty in the console and authorize it to monitor your accounts without additional security software or infrastructure to deploy or manage. </a:t>
+            </a:r>
+          </a:p>
+          <a:p>
+            <a:pPr marL="171450" marR="0" lvl="0" indent="-171450" algn="l" defTabSz="457200" rtl="0" eaLnBrk="1" fontAlgn="auto" latinLnBrk="0" hangingPunct="1">
               <a:lnSpc>
                 <a:spcPct val="100000"/>
               </a:lnSpc>
@@ -4345,12 +4091,43 @@
               </a:spcAft>
               <a:buClrTx/>
               <a:buSzTx/>
-              <a:buFontTx/>
-              <a:buNone/>
+              <a:buFont typeface="Arial" panose="020B0604020202020204" pitchFamily="34" charset="0"/>
+              <a:buChar char="•"/>
               <a:tabLst/>
               <a:defRPr/>
             </a:pPr>
-            <a:endParaRPr lang="en-US" dirty="0"/>
+            <a:r>
+              <a:rPr lang="en-US" sz="1200" kern="1200" dirty="0">
+                <a:solidFill>
+                  <a:schemeClr val="tx1"/>
+                </a:solidFill>
+                <a:effectLst/>
+                <a:latin typeface="Arial"/>
+                <a:ea typeface="+mn-ea"/>
+                <a:cs typeface="+mn-cs"/>
+              </a:rPr>
+              <a:t>It can analyze and correlate billions of events from CloudTrail, VPC Flow Logs, and DNS Logs across all of your associated AWS accounts. </a:t>
+            </a:r>
+          </a:p>
+          <a:p>
+            <a:pPr marL="171450" indent="-171450">
+              <a:buFont typeface="Arial" panose="020B0604020202020204" pitchFamily="34" charset="0"/>
+              <a:buChar char="•"/>
+            </a:pPr>
+            <a:r>
+              <a:rPr lang="en-US" dirty="0"/>
+              <a:t>Performs continuous monitoring using managed rule-sets, integrated threat intelligence, anomaly detection, and machine learning to detect malicious or unauthorized behavior.</a:t>
+            </a:r>
+          </a:p>
+          <a:p>
+            <a:pPr marL="171450" indent="-171450">
+              <a:buFont typeface="Arial" panose="020B0604020202020204" pitchFamily="34" charset="0"/>
+              <a:buChar char="•"/>
+            </a:pPr>
+            <a:r>
+              <a:rPr lang="en-US" dirty="0"/>
+              <a:t>Review details findings in the console, integrate into event management or workflow systems, or trigger Lambda for automated remediation or prevention.</a:t>
+            </a:r>
           </a:p>
         </p:txBody>
       </p:sp>
@@ -4381,7 +4158,7 @@
     </p:spTree>
     <p:extLst>
       <p:ext uri="{BB962C8B-B14F-4D97-AF65-F5344CB8AC3E}">
-        <p14:creationId xmlns:p14="http://schemas.microsoft.com/office/powerpoint/2010/main" val="118267652"/>
+        <p14:creationId xmlns:p14="http://schemas.microsoft.com/office/powerpoint/2010/main" val="2177158964"/>
       </p:ext>
     </p:extLst>
   </p:cSld>
@@ -4435,17 +4212,7 @@
           <a:bodyPr/>
           <a:lstStyle/>
           <a:p>
-            <a:pPr marL="171450" indent="-171450">
-              <a:buFont typeface="Arial" panose="020B0604020202020204" pitchFamily="34" charset="0"/>
-              <a:buChar char="•"/>
-            </a:pPr>
-            <a:r>
-              <a:rPr lang="en-US" dirty="0"/>
-              <a:t>You can easily enable GuardDuty in the console and authorize it to monitor your accounts without additional security software or infrastructure to deploy or manage. </a:t>
-            </a:r>
-          </a:p>
-          <a:p>
-            <a:pPr marL="171450" marR="0" lvl="0" indent="-171450" algn="l" defTabSz="457200" rtl="0" eaLnBrk="1" fontAlgn="auto" latinLnBrk="0" hangingPunct="1">
+            <a:pPr marL="0" marR="0" lvl="0" indent="0" algn="l" defTabSz="457200" rtl="0" eaLnBrk="1" fontAlgn="auto" latinLnBrk="0" hangingPunct="1">
               <a:lnSpc>
                 <a:spcPct val="100000"/>
               </a:lnSpc>
@@ -4457,8 +4224,8 @@
               </a:spcAft>
               <a:buClrTx/>
               <a:buSzTx/>
-              <a:buFont typeface="Arial" panose="020B0604020202020204" pitchFamily="34" charset="0"/>
-              <a:buChar char="•"/>
+              <a:buFontTx/>
+              <a:buNone/>
               <a:tabLst/>
               <a:defRPr/>
             </a:pPr>
@@ -4472,27 +4239,111 @@
                 <a:ea typeface="+mn-ea"/>
                 <a:cs typeface="+mn-cs"/>
               </a:rPr>
-              <a:t>It can analyze and correlate billions of events from CloudTrail, VPC Flow Logs, and DNS Logs across all of your associated AWS accounts. </a:t>
-            </a:r>
-          </a:p>
-          <a:p>
-            <a:pPr marL="171450" indent="-171450">
-              <a:buFont typeface="Arial" panose="020B0604020202020204" pitchFamily="34" charset="0"/>
-              <a:buChar char="•"/>
+              <a:t>GuardDuty can help identify potentially malicious activity throughout an attack lifecycle</a:t>
+            </a:r>
+          </a:p>
+          <a:p>
+            <a:pPr marL="0" marR="0" lvl="0" indent="0" algn="l" defTabSz="457200" rtl="0" eaLnBrk="1" fontAlgn="auto" latinLnBrk="0" hangingPunct="1">
+              <a:lnSpc>
+                <a:spcPct val="100000"/>
+              </a:lnSpc>
+              <a:spcBef>
+                <a:spcPts val="0"/>
+              </a:spcBef>
+              <a:spcAft>
+                <a:spcPts val="0"/>
+              </a:spcAft>
+              <a:buClrTx/>
+              <a:buSzTx/>
+              <a:buFontTx/>
+              <a:buNone/>
+              <a:tabLst/>
+              <a:defRPr/>
             </a:pPr>
             <a:r>
-              <a:rPr lang="en-US" dirty="0"/>
-              <a:t>Performs continuous monitoring using managed rule-sets, integrated threat intelligence, anomaly detection, and machine learning to detect malicious or unauthorized behavior.</a:t>
-            </a:r>
-          </a:p>
-          <a:p>
-            <a:pPr marL="171450" indent="-171450">
-              <a:buFont typeface="Arial" panose="020B0604020202020204" pitchFamily="34" charset="0"/>
-              <a:buChar char="•"/>
+              <a:rPr lang="en-US" sz="1200" kern="1200" dirty="0">
+                <a:solidFill>
+                  <a:schemeClr val="tx1"/>
+                </a:solidFill>
+                <a:effectLst/>
+                <a:latin typeface="Arial"/>
+                <a:ea typeface="+mn-ea"/>
+                <a:cs typeface="+mn-cs"/>
+              </a:rPr>
+              <a:t>Starting with reconnaissance &amp; infiltration, whether a user was Phished or credentials leaked, once in, attackers commonly work to:</a:t>
+            </a:r>
+          </a:p>
+          <a:p>
+            <a:pPr marL="0" marR="0" lvl="0" indent="0" algn="l" defTabSz="457200" rtl="0" eaLnBrk="1" fontAlgn="auto" latinLnBrk="0" hangingPunct="1">
+              <a:lnSpc>
+                <a:spcPct val="100000"/>
+              </a:lnSpc>
+              <a:spcBef>
+                <a:spcPts val="0"/>
+              </a:spcBef>
+              <a:spcAft>
+                <a:spcPts val="0"/>
+              </a:spcAft>
+              <a:buClrTx/>
+              <a:buSzTx/>
+              <a:buFontTx/>
+              <a:buNone/>
+              <a:tabLst/>
+              <a:defRPr/>
             </a:pPr>
             <a:r>
-              <a:rPr lang="en-US" dirty="0"/>
-              <a:t>Review details findings in the console, integrate into event management or workflow systems, or trigger Lambda for automated remediation or prevention.</a:t>
+              <a:rPr lang="en-US" sz="1200" kern="1200" dirty="0">
+                <a:solidFill>
+                  <a:schemeClr val="tx1"/>
+                </a:solidFill>
+                <a:effectLst/>
+                <a:latin typeface="Arial"/>
+                <a:ea typeface="+mn-ea"/>
+                <a:cs typeface="+mn-cs"/>
+              </a:rPr>
+              <a:t>connect to the network, anonymize their access, and deploy their Remote Access Trojan to establish a back door to command &amp; control.</a:t>
+            </a:r>
+          </a:p>
+          <a:p>
+            <a:r>
+              <a:rPr lang="en-US" sz="1200" kern="1200" dirty="0">
+                <a:solidFill>
+                  <a:schemeClr val="tx1"/>
+                </a:solidFill>
+                <a:effectLst/>
+                <a:latin typeface="Arial"/>
+                <a:ea typeface="+mn-ea"/>
+                <a:cs typeface="+mn-cs"/>
+              </a:rPr>
+              <a:t>Then, more reconnaissance to figure out what’s there - get user lists, scout targets, and find vulnerabilities.</a:t>
+            </a:r>
+          </a:p>
+          <a:p>
+            <a:r>
+              <a:rPr lang="en-US" sz="1200" kern="1200" dirty="0">
+                <a:solidFill>
+                  <a:schemeClr val="tx1"/>
+                </a:solidFill>
+                <a:effectLst/>
+                <a:latin typeface="Arial"/>
+                <a:ea typeface="+mn-ea"/>
+                <a:cs typeface="+mn-cs"/>
+              </a:rPr>
+              <a:t>Lateral movement looking for ways to access instances with credentials that provide more privileged access.</a:t>
+            </a:r>
+          </a:p>
+          <a:p>
+            <a:r>
+              <a:rPr lang="en-US" sz="1200" kern="1200" dirty="0">
+                <a:solidFill>
+                  <a:schemeClr val="tx1"/>
+                </a:solidFill>
+                <a:effectLst/>
+                <a:latin typeface="Arial"/>
+                <a:ea typeface="+mn-ea"/>
+                <a:cs typeface="+mn-cs"/>
+              </a:rPr>
+              <a:t>Mission target - access to transfer critical data to an external location.</a:t>
             </a:r>
           </a:p>
         </p:txBody>
@@ -4524,7 +4375,7 @@
     </p:spTree>
     <p:extLst>
       <p:ext uri="{BB962C8B-B14F-4D97-AF65-F5344CB8AC3E}">
-        <p14:creationId xmlns:p14="http://schemas.microsoft.com/office/powerpoint/2010/main" val="2177158964"/>
+        <p14:creationId xmlns:p14="http://schemas.microsoft.com/office/powerpoint/2010/main" val="451648949"/>
       </p:ext>
     </p:extLst>
   </p:cSld>
@@ -4578,23 +4429,6 @@
           <a:bodyPr/>
           <a:lstStyle/>
           <a:p>
-            <a:pPr marL="0" marR="0" lvl="0" indent="0" algn="l" defTabSz="457200" rtl="0" eaLnBrk="1" fontAlgn="auto" latinLnBrk="0" hangingPunct="1">
-              <a:lnSpc>
-                <a:spcPct val="100000"/>
-              </a:lnSpc>
-              <a:spcBef>
-                <a:spcPts val="0"/>
-              </a:spcBef>
-              <a:spcAft>
-                <a:spcPts val="0"/>
-              </a:spcAft>
-              <a:buClrTx/>
-              <a:buSzTx/>
-              <a:buFontTx/>
-              <a:buNone/>
-              <a:tabLst/>
-              <a:defRPr/>
-            </a:pPr>
             <a:r>
               <a:rPr lang="en-US" sz="1200" kern="1200" dirty="0">
                 <a:solidFill>
@@ -4605,28 +4439,9 @@
                 <a:ea typeface="+mn-ea"/>
                 <a:cs typeface="+mn-cs"/>
               </a:rPr>
-              <a:t>GuardDuty can help identify potentially malicious activity throughout an attack lifecycle</a:t>
-            </a:r>
-          </a:p>
-          <a:p>
-            <a:pPr marL="0" marR="0" lvl="0" indent="0" algn="l" defTabSz="457200" rtl="0" eaLnBrk="1" fontAlgn="auto" latinLnBrk="0" hangingPunct="1">
-              <a:lnSpc>
-                <a:spcPct val="100000"/>
-              </a:lnSpc>
-              <a:spcBef>
-                <a:spcPts val="0"/>
-              </a:spcBef>
-              <a:spcAft>
-                <a:spcPts val="0"/>
-              </a:spcAft>
-              <a:buClrTx/>
-              <a:buSzTx/>
-              <a:buFontTx/>
-              <a:buNone/>
-              <a:tabLst/>
-              <a:defRPr/>
-            </a:pPr>
-            <a:r>
+              <a:t>GuardDuty detections incorporate threat intelligence -</a:t>
+            </a:r>
+            <a:br>
               <a:rPr lang="en-US" sz="1200" kern="1200" dirty="0">
                 <a:solidFill>
                   <a:schemeClr val="tx1"/>
@@ -4636,27 +4451,7 @@
                 <a:ea typeface="+mn-ea"/>
                 <a:cs typeface="+mn-cs"/>
               </a:rPr>
-              <a:t>Starting with reconnaissance &amp; infiltration, whether a user was Phished or credentials leaked, once in, attackers commonly work to:</a:t>
-            </a:r>
-          </a:p>
-          <a:p>
-            <a:pPr marL="0" marR="0" lvl="0" indent="0" algn="l" defTabSz="457200" rtl="0" eaLnBrk="1" fontAlgn="auto" latinLnBrk="0" hangingPunct="1">
-              <a:lnSpc>
-                <a:spcPct val="100000"/>
-              </a:lnSpc>
-              <a:spcBef>
-                <a:spcPts val="0"/>
-              </a:spcBef>
-              <a:spcAft>
-                <a:spcPts val="0"/>
-              </a:spcAft>
-              <a:buClrTx/>
-              <a:buSzTx/>
-              <a:buFontTx/>
-              <a:buNone/>
-              <a:tabLst/>
-              <a:defRPr/>
-            </a:pPr>
+            </a:br>
             <a:r>
               <a:rPr lang="en-US" sz="1200" kern="1200" dirty="0">
                 <a:solidFill>
@@ -4667,7 +4462,7 @@
                 <a:ea typeface="+mn-ea"/>
                 <a:cs typeface="+mn-cs"/>
               </a:rPr>
-              <a:t>connect to the network, anonymize their access, and deploy their Remote Access Trojan to establish a back door to command &amp; control.</a:t>
+              <a:t>Lists of known malicious IP addresses provided by AWS Security, 3rd party threat intelligence partners, or your own</a:t>
             </a:r>
           </a:p>
           <a:p>
@@ -4681,7 +4476,7 @@
                 <a:ea typeface="+mn-ea"/>
                 <a:cs typeface="+mn-cs"/>
               </a:rPr>
-              <a:t>Then, more reconnaissance to figure out what’s there - get user lists, scout targets, and find vulnerabilities.</a:t>
+              <a:t>It will alert you if it detects remote API calls from a known malicious IP address indicating potentially compromised AWS credentials. </a:t>
             </a:r>
           </a:p>
           <a:p>
@@ -4695,21 +4490,7 @@
                 <a:ea typeface="+mn-ea"/>
                 <a:cs typeface="+mn-cs"/>
               </a:rPr>
-              <a:t>Lateral movement looking for ways to access instances with credentials that provide more privileged access.</a:t>
-            </a:r>
-          </a:p>
-          <a:p>
-            <a:r>
-              <a:rPr lang="en-US" sz="1200" kern="1200" dirty="0">
-                <a:solidFill>
-                  <a:schemeClr val="tx1"/>
-                </a:solidFill>
-                <a:effectLst/>
-                <a:latin typeface="Arial"/>
-                <a:ea typeface="+mn-ea"/>
-                <a:cs typeface="+mn-cs"/>
-              </a:rPr>
-              <a:t>Mission target - access to transfer critical data to an external location.</a:t>
+              <a:t>Also detects threats to your AWS environment indicating a compromised instance, such as an EC2 instance sending encoded data within DNS queries.</a:t>
             </a:r>
           </a:p>
         </p:txBody>
@@ -4741,7 +4522,7 @@
     </p:spTree>
     <p:extLst>
       <p:ext uri="{BB962C8B-B14F-4D97-AF65-F5344CB8AC3E}">
-        <p14:creationId xmlns:p14="http://schemas.microsoft.com/office/powerpoint/2010/main" val="451648949"/>
+        <p14:creationId xmlns:p14="http://schemas.microsoft.com/office/powerpoint/2010/main" val="2321445793"/>
       </p:ext>
     </p:extLst>
   </p:cSld>
@@ -4796,68 +4577,170 @@
           <a:lstStyle/>
           <a:p>
             <a:r>
-              <a:rPr lang="en-US" sz="1200" kern="1200" dirty="0">
+              <a:rPr lang="en-US" sz="1200" b="0" i="0" kern="1200" dirty="0">
                 <a:solidFill>
                   <a:schemeClr val="tx1"/>
                 </a:solidFill>
                 <a:effectLst/>
-                <a:latin typeface="Arial"/>
+                <a:latin typeface="Source Sans Pro Light" panose="020B0403030403020204" pitchFamily="34" charset="0"/>
                 <a:ea typeface="+mn-ea"/>
                 <a:cs typeface="+mn-cs"/>
               </a:rPr>
-              <a:t>GuardDuty detections incorporate threat intelligence -</a:t>
-            </a:r>
-            <a:br>
-              <a:rPr lang="en-US" sz="1200" kern="1200" dirty="0">
+              <a:t>Amazon Macie uses machine learning to automatically</a:t>
+            </a:r>
+            <a:r>
+              <a:rPr lang="en-US" sz="1200" b="0" i="0" kern="1200" baseline="0" dirty="0">
                 <a:solidFill>
                   <a:schemeClr val="tx1"/>
                 </a:solidFill>
                 <a:effectLst/>
-                <a:latin typeface="Arial"/>
+                <a:latin typeface="Source Sans Pro Light" panose="020B0403030403020204" pitchFamily="34" charset="0"/>
                 <a:ea typeface="+mn-ea"/>
                 <a:cs typeface="+mn-cs"/>
               </a:rPr>
-            </a:br>
-            <a:r>
-              <a:rPr lang="en-US" sz="1200" kern="1200" dirty="0">
+              <a:t> classify and provide visibility into </a:t>
+            </a:r>
+            <a:r>
+              <a:rPr lang="en-US" sz="1200" b="0" i="0" kern="1200" dirty="0">
                 <a:solidFill>
                   <a:schemeClr val="tx1"/>
                 </a:solidFill>
                 <a:effectLst/>
-                <a:latin typeface="Arial"/>
+                <a:latin typeface="Source Sans Pro Light" panose="020B0403030403020204" pitchFamily="34" charset="0"/>
                 <a:ea typeface="+mn-ea"/>
                 <a:cs typeface="+mn-cs"/>
               </a:rPr>
-              <a:t>Lists of known malicious IP addresses provided by AWS Security, 3rd party threat intelligence partners, or your own</a:t>
-            </a:r>
-          </a:p>
-          <a:p>
-            <a:r>
-              <a:rPr lang="en-US" sz="1200" kern="1200" dirty="0">
+              <a:t>where important business data exists across an AWS</a:t>
+            </a:r>
+            <a:r>
+              <a:rPr lang="en-US" sz="1200" b="0" i="0" kern="1200" baseline="0" dirty="0">
                 <a:solidFill>
                   <a:schemeClr val="tx1"/>
                 </a:solidFill>
                 <a:effectLst/>
-                <a:latin typeface="Arial"/>
+                <a:latin typeface="Source Sans Pro Light" panose="020B0403030403020204" pitchFamily="34" charset="0"/>
                 <a:ea typeface="+mn-ea"/>
                 <a:cs typeface="+mn-cs"/>
               </a:rPr>
-              <a:t>It will alert you if it detects remote API calls from a known malicious IP address indicating potentially compromised AWS credentials. </a:t>
-            </a:r>
-          </a:p>
-          <a:p>
-            <a:r>
-              <a:rPr lang="en-US" sz="1200" kern="1200" dirty="0">
+              <a:t> environment.</a:t>
+            </a:r>
+            <a:r>
+              <a:rPr lang="en-US" sz="1200" b="0" i="0" kern="1200" dirty="0">
                 <a:solidFill>
                   <a:schemeClr val="tx1"/>
                 </a:solidFill>
                 <a:effectLst/>
-                <a:latin typeface="Arial"/>
+                <a:latin typeface="Source Sans Pro Light" panose="020B0403030403020204" pitchFamily="34" charset="0"/>
                 <a:ea typeface="+mn-ea"/>
                 <a:cs typeface="+mn-cs"/>
               </a:rPr>
-              <a:t>Also detects threats to your AWS environment indicating a compromised instance, such as an EC2 instance sending encoded data within DNS queries.</a:t>
-            </a:r>
+              <a:t> </a:t>
+            </a:r>
+          </a:p>
+          <a:p>
+            <a:r>
+              <a:rPr lang="en-US" sz="1200" b="0" i="0" kern="1200" baseline="0" dirty="0">
+                <a:solidFill>
+                  <a:schemeClr val="tx1"/>
+                </a:solidFill>
+                <a:effectLst/>
+                <a:latin typeface="Source Sans Pro Light" panose="020B0403030403020204" pitchFamily="34" charset="0"/>
+                <a:ea typeface="+mn-ea"/>
+                <a:cs typeface="+mn-cs"/>
+              </a:rPr>
+              <a:t>It is built on frameworks created by our deep learning team</a:t>
+            </a:r>
+          </a:p>
+          <a:p>
+            <a:pPr marL="0" marR="0" lvl="0" indent="0" algn="l" defTabSz="457200" rtl="0" eaLnBrk="1" fontAlgn="auto" latinLnBrk="0" hangingPunct="1">
+              <a:lnSpc>
+                <a:spcPct val="100000"/>
+              </a:lnSpc>
+              <a:spcBef>
+                <a:spcPts val="0"/>
+              </a:spcBef>
+              <a:spcAft>
+                <a:spcPts val="0"/>
+              </a:spcAft>
+              <a:buClrTx/>
+              <a:buSzTx/>
+              <a:buFontTx/>
+              <a:buNone/>
+              <a:tabLst/>
+              <a:defRPr/>
+            </a:pPr>
+            <a:r>
+              <a:rPr lang="en-US" sz="1200" b="0" i="0" kern="1200" baseline="0" dirty="0">
+                <a:solidFill>
+                  <a:schemeClr val="tx1"/>
+                </a:solidFill>
+                <a:effectLst/>
+                <a:latin typeface="Source Sans Pro Light" panose="020B0403030403020204" pitchFamily="34" charset="0"/>
+                <a:ea typeface="+mn-ea"/>
+                <a:cs typeface="+mn-cs"/>
+              </a:rPr>
+              <a:t>Natural Language Processing can detect high value data, such as credentials, in content. </a:t>
+            </a:r>
+          </a:p>
+          <a:p>
+            <a:endParaRPr lang="en-US" sz="1200" b="0" i="0" kern="1200" dirty="0">
+              <a:solidFill>
+                <a:schemeClr val="tx1"/>
+              </a:solidFill>
+              <a:effectLst/>
+              <a:latin typeface="Source Sans Pro Light" panose="020B0403030403020204" pitchFamily="34" charset="0"/>
+              <a:ea typeface="+mn-ea"/>
+              <a:cs typeface="+mn-cs"/>
+            </a:endParaRPr>
+          </a:p>
+          <a:p>
+            <a:r>
+              <a:rPr lang="en-US" sz="1200" b="0" i="0" kern="1200" dirty="0">
+                <a:solidFill>
+                  <a:schemeClr val="tx1"/>
+                </a:solidFill>
+                <a:effectLst/>
+                <a:latin typeface="Source Sans Pro Light" panose="020B0403030403020204" pitchFamily="34" charset="0"/>
+                <a:ea typeface="+mn-ea"/>
+                <a:cs typeface="+mn-cs"/>
+              </a:rPr>
+              <a:t>It combines the knowledge of what data is actually important with knowledge</a:t>
+            </a:r>
+            <a:r>
+              <a:rPr lang="en-US" sz="1200" b="0" i="0" kern="1200" baseline="0" dirty="0">
+                <a:solidFill>
+                  <a:schemeClr val="tx1"/>
+                </a:solidFill>
+                <a:effectLst/>
+                <a:latin typeface="Source Sans Pro Light" panose="020B0403030403020204" pitchFamily="34" charset="0"/>
+                <a:ea typeface="+mn-ea"/>
+                <a:cs typeface="+mn-cs"/>
+              </a:rPr>
+              <a:t> of the data access patterns.  </a:t>
+            </a:r>
+          </a:p>
+          <a:p>
+            <a:r>
+              <a:rPr lang="en-US" sz="1200" b="0" i="0" kern="1200" baseline="0" dirty="0">
+                <a:solidFill>
+                  <a:schemeClr val="tx1"/>
+                </a:solidFill>
+                <a:effectLst/>
+                <a:latin typeface="Source Sans Pro Light" panose="020B0403030403020204" pitchFamily="34" charset="0"/>
+                <a:ea typeface="+mn-ea"/>
+                <a:cs typeface="+mn-cs"/>
+              </a:rPr>
+              <a:t>By combining these 2 pieces of information, Macie can have additional context about whether a user is exhibiting unusual behavior and if that behavior is targeted at critical data.</a:t>
+            </a:r>
+            <a:endParaRPr lang="en-US" sz="1200" b="0" i="0" kern="1200" dirty="0">
+              <a:solidFill>
+                <a:schemeClr val="tx1"/>
+              </a:solidFill>
+              <a:effectLst/>
+              <a:latin typeface="Source Sans Pro Light" panose="020B0403030403020204" pitchFamily="34" charset="0"/>
+              <a:ea typeface="+mn-ea"/>
+              <a:cs typeface="+mn-cs"/>
+            </a:endParaRPr>
           </a:p>
         </p:txBody>
       </p:sp>
@@ -4888,7 +4771,7 @@
     </p:spTree>
     <p:extLst>
       <p:ext uri="{BB962C8B-B14F-4D97-AF65-F5344CB8AC3E}">
-        <p14:creationId xmlns:p14="http://schemas.microsoft.com/office/powerpoint/2010/main" val="2321445793"/>
+        <p14:creationId xmlns:p14="http://schemas.microsoft.com/office/powerpoint/2010/main" val="2497548478"/>
       </p:ext>
     </p:extLst>
   </p:cSld>
@@ -5137,7 +5020,7 @@
     </p:spTree>
     <p:extLst>
       <p:ext uri="{BB962C8B-B14F-4D97-AF65-F5344CB8AC3E}">
-        <p14:creationId xmlns:p14="http://schemas.microsoft.com/office/powerpoint/2010/main" val="2497548478"/>
+        <p14:creationId xmlns:p14="http://schemas.microsoft.com/office/powerpoint/2010/main" val="1111606171"/>
       </p:ext>
     </p:extLst>
   </p:cSld>
@@ -5191,79 +5074,45 @@
           <a:bodyPr/>
           <a:lstStyle/>
           <a:p>
-            <a:r>
-              <a:rPr lang="en-US" sz="1200" b="0" i="0" kern="1200" dirty="0">
-                <a:solidFill>
-                  <a:schemeClr val="tx1"/>
-                </a:solidFill>
-                <a:effectLst/>
-                <a:latin typeface="Source Sans Pro Light" panose="020B0403030403020204" pitchFamily="34" charset="0"/>
-                <a:ea typeface="+mn-ea"/>
-                <a:cs typeface="+mn-cs"/>
-              </a:rPr>
-              <a:t>Amazon Macie uses machine learning to automatically</a:t>
-            </a:r>
-            <a:r>
-              <a:rPr lang="en-US" sz="1200" b="0" i="0" kern="1200" baseline="0" dirty="0">
-                <a:solidFill>
-                  <a:schemeClr val="tx1"/>
-                </a:solidFill>
-                <a:effectLst/>
-                <a:latin typeface="Source Sans Pro Light" panose="020B0403030403020204" pitchFamily="34" charset="0"/>
-                <a:ea typeface="+mn-ea"/>
-                <a:cs typeface="+mn-cs"/>
-              </a:rPr>
-              <a:t> classify and provide visibility into </a:t>
-            </a:r>
-            <a:r>
-              <a:rPr lang="en-US" sz="1200" b="0" i="0" kern="1200" dirty="0">
-                <a:solidFill>
-                  <a:schemeClr val="tx1"/>
-                </a:solidFill>
-                <a:effectLst/>
-                <a:latin typeface="Source Sans Pro Light" panose="020B0403030403020204" pitchFamily="34" charset="0"/>
-                <a:ea typeface="+mn-ea"/>
-                <a:cs typeface="+mn-cs"/>
-              </a:rPr>
-              <a:t>where important business data exists across an AWS</a:t>
-            </a:r>
-            <a:r>
-              <a:rPr lang="en-US" sz="1200" b="0" i="0" kern="1200" baseline="0" dirty="0">
-                <a:solidFill>
-                  <a:schemeClr val="tx1"/>
-                </a:solidFill>
-                <a:effectLst/>
-                <a:latin typeface="Source Sans Pro Light" panose="020B0403030403020204" pitchFamily="34" charset="0"/>
-                <a:ea typeface="+mn-ea"/>
-                <a:cs typeface="+mn-cs"/>
-              </a:rPr>
-              <a:t> environment.</a:t>
-            </a:r>
-            <a:r>
-              <a:rPr lang="en-US" sz="1200" b="0" i="0" kern="1200" dirty="0">
-                <a:solidFill>
-                  <a:schemeClr val="tx1"/>
-                </a:solidFill>
-                <a:effectLst/>
-                <a:latin typeface="Source Sans Pro Light" panose="020B0403030403020204" pitchFamily="34" charset="0"/>
-                <a:ea typeface="+mn-ea"/>
-                <a:cs typeface="+mn-cs"/>
-              </a:rPr>
-              <a:t> </a:t>
-            </a:r>
-          </a:p>
-          <a:p>
-            <a:r>
-              <a:rPr lang="en-US" sz="1200" b="0" i="0" kern="1200" baseline="0" dirty="0">
-                <a:solidFill>
-                  <a:schemeClr val="tx1"/>
-                </a:solidFill>
-                <a:effectLst/>
-                <a:latin typeface="Source Sans Pro Light" panose="020B0403030403020204" pitchFamily="34" charset="0"/>
-                <a:ea typeface="+mn-ea"/>
-                <a:cs typeface="+mn-cs"/>
-              </a:rPr>
-              <a:t>It is built on frameworks created by our deep learning team</a:t>
+            <a:pPr marL="0" lvl="0" indent="0">
+              <a:lnSpc>
+                <a:spcPct val="120000"/>
+              </a:lnSpc>
+              <a:spcBef>
+                <a:spcPts val="0"/>
+              </a:spcBef>
+              <a:buSzPct val="80000"/>
+              <a:buFont typeface="Arial" panose="020B0604020202020204" pitchFamily="34" charset="0"/>
+              <a:buNone/>
+            </a:pPr>
+            <a:r>
+              <a:rPr lang="en-US" sz="1200" spc="0" dirty="0">
+                <a:latin typeface="Arial" panose="020B0604020202020204" pitchFamily="34" charset="0"/>
+                <a:ea typeface="Amazon Ember Thin" charset="0"/>
+                <a:cs typeface="Arial" panose="020B0604020202020204" pitchFamily="34" charset="0"/>
+              </a:rPr>
+              <a:t>Macie helps with security and compliance visibility by identifying:</a:t>
+            </a:r>
+          </a:p>
+          <a:p>
+            <a:pPr marL="171450" lvl="0" indent="-171450">
+              <a:lnSpc>
+                <a:spcPct val="120000"/>
+              </a:lnSpc>
+              <a:spcBef>
+                <a:spcPts val="0"/>
+              </a:spcBef>
+              <a:buSzPct val="80000"/>
+              <a:buFont typeface="Arial" panose="020B0604020202020204" pitchFamily="34" charset="0"/>
+              <a:buChar char="•"/>
+            </a:pPr>
+            <a:r>
+              <a:rPr lang="en-US" sz="1200" spc="0" dirty="0">
+                <a:latin typeface="Arial" panose="020B0604020202020204" pitchFamily="34" charset="0"/>
+                <a:ea typeface="Amazon Ember Thin" charset="0"/>
+                <a:cs typeface="Arial" panose="020B0604020202020204" pitchFamily="34" charset="0"/>
+              </a:rPr>
+              <a:t>Overly permissive policies associated with an S3 bucket or object in context</a:t>
             </a:r>
           </a:p>
           <a:p>
@@ -5279,82 +5128,107 @@
               </a:spcAft>
               <a:buClrTx/>
               <a:buSzTx/>
-              <a:buFontTx/>
+              <a:buFont typeface="Arial" panose="020B0604020202020204" pitchFamily="34" charset="0"/>
               <a:buNone/>
               <a:tabLst/>
               <a:defRPr/>
             </a:pPr>
-            <a:r>
-              <a:rPr lang="en-US" sz="1200" b="0" i="0" kern="1200" baseline="0" dirty="0">
-                <a:solidFill>
-                  <a:schemeClr val="tx1"/>
-                </a:solidFill>
-                <a:effectLst/>
-                <a:latin typeface="Source Sans Pro Light" panose="020B0403030403020204" pitchFamily="34" charset="0"/>
-                <a:ea typeface="+mn-ea"/>
-                <a:cs typeface="+mn-cs"/>
-              </a:rPr>
-              <a:t>Natural Language Processing can detect high value data, such as credentials, in content. </a:t>
-            </a:r>
-          </a:p>
-          <a:p>
-            <a:endParaRPr lang="en-US" sz="1200" b="0" i="0" kern="1200" dirty="0">
+            <a:endParaRPr lang="en-US" dirty="0"/>
+          </a:p>
+          <a:p>
+            <a:pPr marL="0" marR="0" lvl="0" indent="0" algn="l" defTabSz="457200" rtl="0" eaLnBrk="1" fontAlgn="auto" latinLnBrk="0" hangingPunct="1">
+              <a:lnSpc>
+                <a:spcPct val="100000"/>
+              </a:lnSpc>
+              <a:spcBef>
+                <a:spcPts val="0"/>
+              </a:spcBef>
+              <a:spcAft>
+                <a:spcPts val="0"/>
+              </a:spcAft>
+              <a:buClrTx/>
+              <a:buSzTx/>
+              <a:buFont typeface="Arial" panose="020B0604020202020204" pitchFamily="34" charset="0"/>
+              <a:buNone/>
+              <a:tabLst/>
+              <a:defRPr/>
+            </a:pPr>
+            <a:r>
+              <a:rPr lang="en-US" dirty="0"/>
+              <a:t>CloudWatch Events can trigger a Lambda function to automatically remediate Macie findings by revoking access or updating policies</a:t>
+            </a:r>
+          </a:p>
+          <a:p>
+            <a:pPr marL="0" marR="0" lvl="0" indent="0" algn="l" defTabSz="457200" rtl="0" eaLnBrk="1" fontAlgn="auto" latinLnBrk="0" hangingPunct="1">
+              <a:lnSpc>
+                <a:spcPct val="100000"/>
+              </a:lnSpc>
+              <a:spcBef>
+                <a:spcPts val="0"/>
+              </a:spcBef>
+              <a:spcAft>
+                <a:spcPts val="0"/>
+              </a:spcAft>
+              <a:buClrTx/>
+              <a:buSzTx/>
+              <a:buFont typeface="Arial" panose="020B0604020202020204" pitchFamily="34" charset="0"/>
+              <a:buNone/>
+              <a:tabLst/>
+              <a:defRPr/>
+            </a:pPr>
+            <a:endParaRPr lang="en-US" dirty="0">
+              <a:latin typeface="Amazon Ember" panose="020B0603020204020204"/>
+              <a:ea typeface="Amazon Ember Thin" charset="0"/>
+              <a:cs typeface="Amazon Ember Thin" charset="0"/>
+            </a:endParaRPr>
+          </a:p>
+          <a:p>
+            <a:pPr marL="0" marR="0" lvl="0" indent="0" algn="l" defTabSz="457200" rtl="0" eaLnBrk="1" fontAlgn="auto" latinLnBrk="0" hangingPunct="1">
+              <a:lnSpc>
+                <a:spcPct val="100000"/>
+              </a:lnSpc>
+              <a:spcBef>
+                <a:spcPts val="0"/>
+              </a:spcBef>
+              <a:spcAft>
+                <a:spcPts val="0"/>
+              </a:spcAft>
+              <a:buClrTx/>
+              <a:buSzTx/>
+              <a:buFont typeface="Arial" panose="020B0604020202020204" pitchFamily="34" charset="0"/>
+              <a:buNone/>
+              <a:tabLst/>
+              <a:defRPr/>
+            </a:pPr>
+            <a:r>
+              <a:rPr lang="en-US" dirty="0">
+                <a:latin typeface="Amazon Ember" panose="020B0603020204020204"/>
+                <a:ea typeface="Amazon Ember Thin" charset="0"/>
+                <a:cs typeface="Amazon Ember Thin" charset="0"/>
+              </a:rPr>
+              <a:t>Macie currently supports S3 and CloudTrail. Plan to add user and content protection for EC2 Elastic Block Store (EBS), DynamoDB, Relational Database Service (RDS), Elastic File System (EFS), and Glue in the future.</a:t>
+            </a:r>
+            <a:endParaRPr lang="en-US" dirty="0"/>
+          </a:p>
+          <a:p>
+            <a:pPr marL="0" lvl="0" indent="0">
+              <a:lnSpc>
+                <a:spcPct val="120000"/>
+              </a:lnSpc>
+              <a:spcBef>
+                <a:spcPts val="0"/>
+              </a:spcBef>
+              <a:buSzPct val="80000"/>
+              <a:buFont typeface="Arial" panose="020B0604020202020204" pitchFamily="34" charset="0"/>
+              <a:buNone/>
+            </a:pPr>
+            <a:endParaRPr lang="en-US" sz="1200" spc="0" dirty="0">
               <a:solidFill>
-                <a:schemeClr val="tx1"/>
+                <a:schemeClr val="bg1"/>
               </a:solidFill>
-              <a:effectLst/>
-              <a:latin typeface="Source Sans Pro Light" panose="020B0403030403020204" pitchFamily="34" charset="0"/>
-              <a:ea typeface="+mn-ea"/>
-              <a:cs typeface="+mn-cs"/>
-            </a:endParaRPr>
-          </a:p>
-          <a:p>
-            <a:r>
-              <a:rPr lang="en-US" sz="1200" b="0" i="0" kern="1200" dirty="0">
-                <a:solidFill>
-                  <a:schemeClr val="tx1"/>
-                </a:solidFill>
-                <a:effectLst/>
-                <a:latin typeface="Source Sans Pro Light" panose="020B0403030403020204" pitchFamily="34" charset="0"/>
-                <a:ea typeface="+mn-ea"/>
-                <a:cs typeface="+mn-cs"/>
-              </a:rPr>
-              <a:t>It combines the knowledge of what data is actually important with knowledge</a:t>
-            </a:r>
-            <a:r>
-              <a:rPr lang="en-US" sz="1200" b="0" i="0" kern="1200" baseline="0" dirty="0">
-                <a:solidFill>
-                  <a:schemeClr val="tx1"/>
-                </a:solidFill>
-                <a:effectLst/>
-                <a:latin typeface="Source Sans Pro Light" panose="020B0403030403020204" pitchFamily="34" charset="0"/>
-                <a:ea typeface="+mn-ea"/>
-                <a:cs typeface="+mn-cs"/>
-              </a:rPr>
-              <a:t> of the data access patterns.  </a:t>
-            </a:r>
-          </a:p>
-          <a:p>
-            <a:r>
-              <a:rPr lang="en-US" sz="1200" b="0" i="0" kern="1200" baseline="0" dirty="0">
-                <a:solidFill>
-                  <a:schemeClr val="tx1"/>
-                </a:solidFill>
-                <a:effectLst/>
-                <a:latin typeface="Source Sans Pro Light" panose="020B0403030403020204" pitchFamily="34" charset="0"/>
-                <a:ea typeface="+mn-ea"/>
-                <a:cs typeface="+mn-cs"/>
-              </a:rPr>
-              <a:t>By combining these 2 pieces of information, Macie can have additional context about whether a user is exhibiting unusual behavior and if that behavior is targeted at critical data.</a:t>
-            </a:r>
-            <a:endParaRPr lang="en-US" sz="1200" b="0" i="0" kern="1200" dirty="0">
-              <a:solidFill>
-                <a:schemeClr val="tx1"/>
-              </a:solidFill>
-              <a:effectLst/>
-              <a:latin typeface="Source Sans Pro Light" panose="020B0403030403020204" pitchFamily="34" charset="0"/>
-              <a:ea typeface="+mn-ea"/>
-              <a:cs typeface="+mn-cs"/>
+              <a:latin typeface="Arial" panose="020B0604020202020204" pitchFamily="34" charset="0"/>
+              <a:ea typeface="Amazon Ember Light" panose="020B0403020204020204" pitchFamily="34" charset="0"/>
+              <a:cs typeface="Arial" panose="020B0604020202020204" pitchFamily="34" charset="0"/>
             </a:endParaRPr>
           </a:p>
         </p:txBody>
@@ -5386,7 +5260,7 @@
     </p:spTree>
     <p:extLst>
       <p:ext uri="{BB962C8B-B14F-4D97-AF65-F5344CB8AC3E}">
-        <p14:creationId xmlns:p14="http://schemas.microsoft.com/office/powerpoint/2010/main" val="1111606171"/>
+        <p14:creationId xmlns:p14="http://schemas.microsoft.com/office/powerpoint/2010/main" val="4068945135"/>
       </p:ext>
     </p:extLst>
   </p:cSld>
@@ -5440,48 +5314,6 @@
           <a:bodyPr/>
           <a:lstStyle/>
           <a:p>
-            <a:pPr marL="0" lvl="0" indent="0">
-              <a:lnSpc>
-                <a:spcPct val="120000"/>
-              </a:lnSpc>
-              <a:spcBef>
-                <a:spcPts val="0"/>
-              </a:spcBef>
-              <a:buSzPct val="80000"/>
-              <a:buFont typeface="Arial" panose="020B0604020202020204" pitchFamily="34" charset="0"/>
-              <a:buNone/>
-            </a:pPr>
-            <a:r>
-              <a:rPr lang="en-US" sz="1200" spc="0" dirty="0">
-                <a:latin typeface="Arial" panose="020B0604020202020204" pitchFamily="34" charset="0"/>
-                <a:ea typeface="Amazon Ember Thin" charset="0"/>
-                <a:cs typeface="Arial" panose="020B0604020202020204" pitchFamily="34" charset="0"/>
-              </a:rPr>
-              <a:t>Macie helps with security and compliance visibility by identifying:</a:t>
-            </a:r>
-          </a:p>
-          <a:p>
-            <a:pPr marL="171450" lvl="0" indent="-171450">
-              <a:lnSpc>
-                <a:spcPct val="120000"/>
-              </a:lnSpc>
-              <a:spcBef>
-                <a:spcPts val="0"/>
-              </a:spcBef>
-              <a:buSzPct val="80000"/>
-              <a:buFont typeface="Arial" panose="020B0604020202020204" pitchFamily="34" charset="0"/>
-              <a:buChar char="•"/>
-            </a:pPr>
-            <a:r>
-              <a:rPr lang="en-US" sz="1200" spc="0" dirty="0">
-                <a:latin typeface="Arial" panose="020B0604020202020204" pitchFamily="34" charset="0"/>
-                <a:ea typeface="Amazon Ember Thin" charset="0"/>
-                <a:cs typeface="Arial" panose="020B0604020202020204" pitchFamily="34" charset="0"/>
-              </a:rPr>
-              <a:t>Overly permissive policies associated with an S3 bucket or object in context</a:t>
-            </a:r>
-          </a:p>
-          <a:p>
             <a:pPr marL="0" marR="0" lvl="0" indent="0" algn="l" defTabSz="457200" rtl="0" eaLnBrk="1" fontAlgn="auto" latinLnBrk="0" hangingPunct="1">
               <a:lnSpc>
                 <a:spcPct val="100000"/>
@@ -5494,12 +5326,15 @@
               </a:spcAft>
               <a:buClrTx/>
               <a:buSzTx/>
-              <a:buFont typeface="Arial" panose="020B0604020202020204" pitchFamily="34" charset="0"/>
+              <a:buFontTx/>
               <a:buNone/>
               <a:tabLst/>
               <a:defRPr/>
             </a:pPr>
-            <a:endParaRPr lang="en-US" dirty="0"/>
+            <a:r>
+              <a:rPr lang="en-US" dirty="0"/>
+              <a:t>Config Rules and CloudWatch Events can both be used to trigger automated threat response.</a:t>
+            </a:r>
           </a:p>
           <a:p>
             <a:pPr marL="0" marR="0" lvl="0" indent="0" algn="l" defTabSz="457200" rtl="0" eaLnBrk="1" fontAlgn="auto" latinLnBrk="0" hangingPunct="1">
@@ -5514,15 +5349,12 @@
               </a:spcAft>
               <a:buClrTx/>
               <a:buSzTx/>
-              <a:buFont typeface="Arial" panose="020B0604020202020204" pitchFamily="34" charset="0"/>
+              <a:buFontTx/>
               <a:buNone/>
               <a:tabLst/>
               <a:defRPr/>
             </a:pPr>
-            <a:r>
-              <a:rPr lang="en-US" dirty="0"/>
-              <a:t>CloudWatch Events can trigger a Lambda function to automatically remediate Macie findings by revoking access or updating policies</a:t>
-            </a:r>
+            <a:endParaRPr lang="en-US" dirty="0"/>
           </a:p>
           <a:p>
             <a:pPr marL="0" marR="0" lvl="0" indent="0" algn="l" defTabSz="457200" rtl="0" eaLnBrk="1" fontAlgn="auto" latinLnBrk="0" hangingPunct="1">
@@ -5537,16 +5369,73 @@
               </a:spcAft>
               <a:buClrTx/>
               <a:buSzTx/>
-              <a:buFont typeface="Arial" panose="020B0604020202020204" pitchFamily="34" charset="0"/>
+              <a:buFontTx/>
               <a:buNone/>
               <a:tabLst/>
               <a:defRPr/>
             </a:pPr>
-            <a:endParaRPr lang="en-US" dirty="0">
-              <a:latin typeface="Amazon Ember" panose="020B0603020204020204"/>
-              <a:ea typeface="Amazon Ember Thin" charset="0"/>
-              <a:cs typeface="Amazon Ember Thin" charset="0"/>
-            </a:endParaRPr>
+            <a:r>
+              <a:rPr lang="en-US" dirty="0"/>
+              <a:t>Highlights:</a:t>
+            </a:r>
+          </a:p>
+          <a:p>
+            <a:pPr marL="171450" marR="0" lvl="0" indent="-171450" algn="l" defTabSz="457200" rtl="0" eaLnBrk="1" fontAlgn="auto" latinLnBrk="0" hangingPunct="1">
+              <a:lnSpc>
+                <a:spcPct val="100000"/>
+              </a:lnSpc>
+              <a:spcBef>
+                <a:spcPts val="0"/>
+              </a:spcBef>
+              <a:spcAft>
+                <a:spcPts val="0"/>
+              </a:spcAft>
+              <a:buClrTx/>
+              <a:buSzTx/>
+              <a:buFont typeface="Arial" panose="020B0604020202020204" pitchFamily="34" charset="0"/>
+              <a:buChar char="•"/>
+              <a:tabLst/>
+              <a:defRPr/>
+            </a:pPr>
+            <a:r>
+              <a:rPr lang="en-US" dirty="0" err="1"/>
+              <a:t>Cloudwatch</a:t>
+            </a:r>
+            <a:r>
+              <a:rPr lang="en-US" dirty="0"/>
+              <a:t> event timing vs </a:t>
+            </a:r>
+            <a:r>
+              <a:rPr lang="en-US" dirty="0" err="1"/>
+              <a:t>Cloudtrail</a:t>
+            </a:r>
+            <a:r>
+              <a:rPr lang="en-US" dirty="0"/>
+              <a:t> and use cases</a:t>
+            </a:r>
+          </a:p>
+          <a:p>
+            <a:pPr marL="171450" marR="0" lvl="0" indent="-171450" algn="l" defTabSz="457200" rtl="0" eaLnBrk="1" fontAlgn="auto" latinLnBrk="0" hangingPunct="1">
+              <a:lnSpc>
+                <a:spcPct val="100000"/>
+              </a:lnSpc>
+              <a:spcBef>
+                <a:spcPts val="0"/>
+              </a:spcBef>
+              <a:spcAft>
+                <a:spcPts val="0"/>
+              </a:spcAft>
+              <a:buClrTx/>
+              <a:buSzTx/>
+              <a:buFont typeface="Arial" panose="020B0604020202020204" pitchFamily="34" charset="0"/>
+              <a:buChar char="•"/>
+              <a:tabLst/>
+              <a:defRPr/>
+            </a:pPr>
+            <a:r>
+              <a:rPr lang="en-US" dirty="0"/>
+              <a:t>Config multi-region, multi-account</a:t>
+            </a:r>
           </a:p>
           <a:p>
             <a:pPr marL="0" marR="0" lvl="0" indent="0" algn="l" defTabSz="457200" rtl="0" eaLnBrk="1" fontAlgn="auto" latinLnBrk="0" hangingPunct="1">
@@ -5561,41 +5450,147 @@
               </a:spcAft>
               <a:buClrTx/>
               <a:buSzTx/>
-              <a:buFont typeface="Arial" panose="020B0604020202020204" pitchFamily="34" charset="0"/>
+              <a:buFontTx/>
               <a:buNone/>
               <a:tabLst/>
               <a:defRPr/>
             </a:pPr>
-            <a:r>
-              <a:rPr lang="en-US" dirty="0">
-                <a:latin typeface="Amazon Ember" panose="020B0603020204020204"/>
-                <a:ea typeface="Amazon Ember Thin" charset="0"/>
-                <a:cs typeface="Amazon Ember Thin" charset="0"/>
-              </a:rPr>
-              <a:t>Macie currently supports S3 and CloudTrail. Plan to add user and content protection for EC2 Elastic Block Store (EBS), DynamoDB, Relational Database Service (RDS), Elastic File System (EFS), and Glue in the future.</a:t>
-            </a:r>
             <a:endParaRPr lang="en-US" dirty="0"/>
           </a:p>
           <a:p>
-            <a:pPr marL="0" lvl="0" indent="0">
+            <a:pPr marL="0" marR="0" lvl="0" indent="0" algn="l" defTabSz="457200" rtl="0" eaLnBrk="1" fontAlgn="auto" latinLnBrk="0" hangingPunct="1">
               <a:lnSpc>
-                <a:spcPct val="120000"/>
+                <a:spcPct val="100000"/>
               </a:lnSpc>
               <a:spcBef>
                 <a:spcPts val="0"/>
               </a:spcBef>
-              <a:buSzPct val="80000"/>
+              <a:spcAft>
+                <a:spcPts val="0"/>
+              </a:spcAft>
+              <a:buClrTx/>
+              <a:buSzTx/>
+              <a:buFontTx/>
+              <a:buNone/>
+              <a:tabLst/>
+              <a:defRPr/>
+            </a:pPr>
+            <a:r>
+              <a:rPr lang="en-US" dirty="0"/>
+              <a:t>A Config Rule represents desired configurations for a resource and is evaluated against configuration changes recorded by AWS Config. </a:t>
+            </a:r>
+          </a:p>
+          <a:p>
+            <a:pPr marL="0" marR="0" lvl="0" indent="0" algn="l" defTabSz="457200" rtl="0" eaLnBrk="1" fontAlgn="auto" latinLnBrk="0" hangingPunct="1">
+              <a:lnSpc>
+                <a:spcPct val="100000"/>
+              </a:lnSpc>
+              <a:spcBef>
+                <a:spcPts val="0"/>
+              </a:spcBef>
+              <a:spcAft>
+                <a:spcPts val="0"/>
+              </a:spcAft>
+              <a:buClrTx/>
+              <a:buSzTx/>
+              <a:buFontTx/>
+              <a:buNone/>
+              <a:tabLst/>
+              <a:defRPr/>
+            </a:pPr>
+            <a:r>
+              <a:rPr lang="en-US" dirty="0"/>
+              <a:t>Use Config Rules to assess overall compliance and risk status from a configuration perspective, </a:t>
+            </a:r>
+          </a:p>
+          <a:p>
+            <a:pPr marL="171450" marR="0" lvl="0" indent="-171450" algn="l" defTabSz="457200" rtl="0" eaLnBrk="1" fontAlgn="auto" latinLnBrk="0" hangingPunct="1">
+              <a:lnSpc>
+                <a:spcPct val="100000"/>
+              </a:lnSpc>
+              <a:spcBef>
+                <a:spcPts val="0"/>
+              </a:spcBef>
+              <a:spcAft>
+                <a:spcPts val="0"/>
+              </a:spcAft>
+              <a:buClrTx/>
+              <a:buSzTx/>
               <a:buFont typeface="Arial" panose="020B0604020202020204" pitchFamily="34" charset="0"/>
+              <a:buChar char="•"/>
+              <a:tabLst/>
+              <a:defRPr/>
+            </a:pPr>
+            <a:r>
+              <a:rPr lang="en-US" dirty="0"/>
+              <a:t>View compliance trends over time and pinpoint which configuration change caused a resource to drift out of compliance with a rule.</a:t>
+            </a:r>
+          </a:p>
+          <a:p>
+            <a:pPr marL="0" marR="0" lvl="0" indent="0" algn="l" defTabSz="457200" rtl="0" eaLnBrk="1" fontAlgn="auto" latinLnBrk="0" hangingPunct="1">
+              <a:lnSpc>
+                <a:spcPct val="100000"/>
+              </a:lnSpc>
+              <a:spcBef>
+                <a:spcPts val="0"/>
+              </a:spcBef>
+              <a:spcAft>
+                <a:spcPts val="0"/>
+              </a:spcAft>
+              <a:buClrTx/>
+              <a:buSzTx/>
+              <a:buFontTx/>
               <a:buNone/>
+              <a:tabLst/>
+              <a:defRPr/>
             </a:pPr>
-            <a:endParaRPr lang="en-US" sz="1200" spc="0" dirty="0">
-              <a:solidFill>
-                <a:schemeClr val="bg1"/>
-              </a:solidFill>
-              <a:latin typeface="Arial" panose="020B0604020202020204" pitchFamily="34" charset="0"/>
-              <a:ea typeface="Amazon Ember Light" panose="020B0403020204020204" pitchFamily="34" charset="0"/>
-              <a:cs typeface="Arial" panose="020B0604020202020204" pitchFamily="34" charset="0"/>
-            </a:endParaRPr>
+            <a:endParaRPr lang="en-US" dirty="0"/>
+          </a:p>
+          <a:p>
+            <a:pPr marL="0" marR="0" lvl="0" indent="0" algn="l" defTabSz="457200" rtl="0" eaLnBrk="1" fontAlgn="auto" latinLnBrk="0" hangingPunct="1">
+              <a:lnSpc>
+                <a:spcPct val="100000"/>
+              </a:lnSpc>
+              <a:spcBef>
+                <a:spcPts val="0"/>
+              </a:spcBef>
+              <a:spcAft>
+                <a:spcPts val="0"/>
+              </a:spcAft>
+              <a:buClrTx/>
+              <a:buSzTx/>
+              <a:buFontTx/>
+              <a:buNone/>
+              <a:tabLst/>
+              <a:defRPr/>
+            </a:pPr>
+            <a:r>
+              <a:rPr lang="en-US" dirty="0"/>
+              <a:t>CloudWatch becomes aware of changes as they occur for near real-time response</a:t>
+            </a:r>
+          </a:p>
+          <a:p>
+            <a:pPr marL="171450" marR="0" lvl="0" indent="-171450" algn="l" defTabSz="457200" rtl="0" eaLnBrk="1" fontAlgn="auto" latinLnBrk="0" hangingPunct="1">
+              <a:lnSpc>
+                <a:spcPct val="100000"/>
+              </a:lnSpc>
+              <a:spcBef>
+                <a:spcPts val="0"/>
+              </a:spcBef>
+              <a:spcAft>
+                <a:spcPts val="0"/>
+              </a:spcAft>
+              <a:buClrTx/>
+              <a:buSzTx/>
+              <a:buFont typeface="Arial" panose="020B0604020202020204" pitchFamily="34" charset="0"/>
+              <a:buChar char="•"/>
+              <a:tabLst/>
+              <a:defRPr/>
+            </a:pPr>
+            <a:r>
+              <a:rPr lang="en-US" dirty="0"/>
+              <a:t>Take corrective action by activating functions, making changes, and capturing state information.</a:t>
+            </a:r>
           </a:p>
         </p:txBody>
       </p:sp>
@@ -5626,7 +5621,7 @@
     </p:spTree>
     <p:extLst>
       <p:ext uri="{BB962C8B-B14F-4D97-AF65-F5344CB8AC3E}">
-        <p14:creationId xmlns:p14="http://schemas.microsoft.com/office/powerpoint/2010/main" val="4068945135"/>
+        <p14:creationId xmlns:p14="http://schemas.microsoft.com/office/powerpoint/2010/main" val="155637433"/>
       </p:ext>
     </p:extLst>
   </p:cSld>
@@ -5680,282 +5675,33 @@
           <a:bodyPr/>
           <a:lstStyle/>
           <a:p>
-            <a:pPr marL="0" marR="0" lvl="0" indent="0" algn="l" defTabSz="457200" rtl="0" eaLnBrk="1" fontAlgn="auto" latinLnBrk="0" hangingPunct="1">
-              <a:lnSpc>
-                <a:spcPct val="100000"/>
-              </a:lnSpc>
-              <a:spcBef>
-                <a:spcPts val="0"/>
-              </a:spcBef>
-              <a:spcAft>
-                <a:spcPts val="0"/>
-              </a:spcAft>
-              <a:buClrTx/>
-              <a:buSzTx/>
-              <a:buFontTx/>
-              <a:buNone/>
-              <a:tabLst/>
-              <a:defRPr/>
-            </a:pPr>
             <a:r>
               <a:rPr lang="en-US" dirty="0"/>
-              <a:t>Config Rules and CloudWatch Events can both be used to trigger automated threat response.</a:t>
-            </a:r>
-          </a:p>
-          <a:p>
-            <a:pPr marL="0" marR="0" lvl="0" indent="0" algn="l" defTabSz="457200" rtl="0" eaLnBrk="1" fontAlgn="auto" latinLnBrk="0" hangingPunct="1">
-              <a:lnSpc>
-                <a:spcPct val="100000"/>
-              </a:lnSpc>
-              <a:spcBef>
-                <a:spcPts val="0"/>
-              </a:spcBef>
-              <a:spcAft>
-                <a:spcPts val="0"/>
-              </a:spcAft>
-              <a:buClrTx/>
-              <a:buSzTx/>
-              <a:buFontTx/>
-              <a:buNone/>
-              <a:tabLst/>
-              <a:defRPr/>
-            </a:pPr>
-            <a:endParaRPr lang="en-US" dirty="0"/>
-          </a:p>
-          <a:p>
-            <a:pPr marL="0" marR="0" lvl="0" indent="0" algn="l" defTabSz="457200" rtl="0" eaLnBrk="1" fontAlgn="auto" latinLnBrk="0" hangingPunct="1">
-              <a:lnSpc>
-                <a:spcPct val="100000"/>
-              </a:lnSpc>
-              <a:spcBef>
-                <a:spcPts val="0"/>
-              </a:spcBef>
-              <a:spcAft>
-                <a:spcPts val="0"/>
-              </a:spcAft>
-              <a:buClrTx/>
-              <a:buSzTx/>
-              <a:buFontTx/>
-              <a:buNone/>
-              <a:tabLst/>
-              <a:defRPr/>
-            </a:pPr>
+              <a:t>CloudWatch Events delivers a near real-time stream of system events that describe changes in your AWS resources. </a:t>
+            </a:r>
+          </a:p>
+          <a:p>
             <a:r>
               <a:rPr lang="en-US" dirty="0"/>
-              <a:t>Highlights:</a:t>
-            </a:r>
-          </a:p>
-          <a:p>
-            <a:pPr marL="171450" marR="0" lvl="0" indent="-171450" algn="l" defTabSz="457200" rtl="0" eaLnBrk="1" fontAlgn="auto" latinLnBrk="0" hangingPunct="1">
-              <a:lnSpc>
-                <a:spcPct val="100000"/>
-              </a:lnSpc>
-              <a:spcBef>
-                <a:spcPts val="0"/>
-              </a:spcBef>
-              <a:spcAft>
-                <a:spcPts val="0"/>
-              </a:spcAft>
-              <a:buClrTx/>
-              <a:buSzTx/>
-              <a:buFont typeface="Arial" panose="020B0604020202020204" pitchFamily="34" charset="0"/>
-              <a:buChar char="•"/>
-              <a:tabLst/>
-              <a:defRPr/>
-            </a:pPr>
-            <a:r>
-              <a:rPr lang="en-US" dirty="0" err="1"/>
-              <a:t>Cloudwatch</a:t>
-            </a:r>
+              <a:t>Using simple rules that are quick to set up, you can match events and route them to one or more target functions or streams. </a:t>
+            </a:r>
+          </a:p>
+          <a:p>
             <a:r>
               <a:rPr lang="en-US" dirty="0"/>
-              <a:t> event timing vs </a:t>
-            </a:r>
-            <a:r>
-              <a:rPr lang="en-US" dirty="0" err="1"/>
-              <a:t>Cloudtrail</a:t>
-            </a:r>
+              <a:t>Respond to changes, take corrective action by sending messages to activate functions, make changes, capture state information and </a:t>
+            </a:r>
+          </a:p>
+          <a:p>
             <a:r>
               <a:rPr lang="en-US" dirty="0"/>
-              <a:t> and use cases</a:t>
-            </a:r>
-          </a:p>
-          <a:p>
-            <a:pPr marL="171450" marR="0" lvl="0" indent="-171450" algn="l" defTabSz="457200" rtl="0" eaLnBrk="1" fontAlgn="auto" latinLnBrk="0" hangingPunct="1">
-              <a:lnSpc>
-                <a:spcPct val="100000"/>
-              </a:lnSpc>
-              <a:spcBef>
-                <a:spcPts val="0"/>
-              </a:spcBef>
-              <a:spcAft>
-                <a:spcPts val="0"/>
-              </a:spcAft>
-              <a:buClrTx/>
-              <a:buSzTx/>
-              <a:buFont typeface="Arial" panose="020B0604020202020204" pitchFamily="34" charset="0"/>
-              <a:buChar char="•"/>
-              <a:tabLst/>
-              <a:defRPr/>
-            </a:pPr>
+              <a:t>	pass notifications to collaboration and communication tools. </a:t>
+            </a:r>
+          </a:p>
+          <a:p>
             <a:r>
               <a:rPr lang="en-US" dirty="0"/>
-              <a:t>Config multi-region, multi-account</a:t>
-            </a:r>
-          </a:p>
-          <a:p>
-            <a:pPr marL="0" marR="0" lvl="0" indent="0" algn="l" defTabSz="457200" rtl="0" eaLnBrk="1" fontAlgn="auto" latinLnBrk="0" hangingPunct="1">
-              <a:lnSpc>
-                <a:spcPct val="100000"/>
-              </a:lnSpc>
-              <a:spcBef>
-                <a:spcPts val="0"/>
-              </a:spcBef>
-              <a:spcAft>
-                <a:spcPts val="0"/>
-              </a:spcAft>
-              <a:buClrTx/>
-              <a:buSzTx/>
-              <a:buFontTx/>
-              <a:buNone/>
-              <a:tabLst/>
-              <a:defRPr/>
-            </a:pPr>
-            <a:endParaRPr lang="en-US" dirty="0"/>
-          </a:p>
-          <a:p>
-            <a:pPr marL="0" marR="0" lvl="0" indent="0" algn="l" defTabSz="457200" rtl="0" eaLnBrk="1" fontAlgn="auto" latinLnBrk="0" hangingPunct="1">
-              <a:lnSpc>
-                <a:spcPct val="100000"/>
-              </a:lnSpc>
-              <a:spcBef>
-                <a:spcPts val="0"/>
-              </a:spcBef>
-              <a:spcAft>
-                <a:spcPts val="0"/>
-              </a:spcAft>
-              <a:buClrTx/>
-              <a:buSzTx/>
-              <a:buFontTx/>
-              <a:buNone/>
-              <a:tabLst/>
-              <a:defRPr/>
-            </a:pPr>
-            <a:r>
-              <a:rPr lang="en-US" dirty="0"/>
-              <a:t>A Config Rule represents desired configurations for a resource and is evaluated against configuration changes recorded by AWS Config. </a:t>
-            </a:r>
-          </a:p>
-          <a:p>
-            <a:pPr marL="0" marR="0" lvl="0" indent="0" algn="l" defTabSz="457200" rtl="0" eaLnBrk="1" fontAlgn="auto" latinLnBrk="0" hangingPunct="1">
-              <a:lnSpc>
-                <a:spcPct val="100000"/>
-              </a:lnSpc>
-              <a:spcBef>
-                <a:spcPts val="0"/>
-              </a:spcBef>
-              <a:spcAft>
-                <a:spcPts val="0"/>
-              </a:spcAft>
-              <a:buClrTx/>
-              <a:buSzTx/>
-              <a:buFontTx/>
-              <a:buNone/>
-              <a:tabLst/>
-              <a:defRPr/>
-            </a:pPr>
-            <a:r>
-              <a:rPr lang="en-US" dirty="0"/>
-              <a:t>Use Config Rules to assess overall compliance and risk status from a configuration perspective, </a:t>
-            </a:r>
-          </a:p>
-          <a:p>
-            <a:pPr marL="171450" marR="0" lvl="0" indent="-171450" algn="l" defTabSz="457200" rtl="0" eaLnBrk="1" fontAlgn="auto" latinLnBrk="0" hangingPunct="1">
-              <a:lnSpc>
-                <a:spcPct val="100000"/>
-              </a:lnSpc>
-              <a:spcBef>
-                <a:spcPts val="0"/>
-              </a:spcBef>
-              <a:spcAft>
-                <a:spcPts val="0"/>
-              </a:spcAft>
-              <a:buClrTx/>
-              <a:buSzTx/>
-              <a:buFont typeface="Arial" panose="020B0604020202020204" pitchFamily="34" charset="0"/>
-              <a:buChar char="•"/>
-              <a:tabLst/>
-              <a:defRPr/>
-            </a:pPr>
-            <a:r>
-              <a:rPr lang="en-US" dirty="0"/>
-              <a:t>View compliance trends over time and pinpoint which configuration change caused a resource to drift out of compliance with a rule.</a:t>
-            </a:r>
-          </a:p>
-          <a:p>
-            <a:pPr marL="0" marR="0" lvl="0" indent="0" algn="l" defTabSz="457200" rtl="0" eaLnBrk="1" fontAlgn="auto" latinLnBrk="0" hangingPunct="1">
-              <a:lnSpc>
-                <a:spcPct val="100000"/>
-              </a:lnSpc>
-              <a:spcBef>
-                <a:spcPts val="0"/>
-              </a:spcBef>
-              <a:spcAft>
-                <a:spcPts val="0"/>
-              </a:spcAft>
-              <a:buClrTx/>
-              <a:buSzTx/>
-              <a:buFontTx/>
-              <a:buNone/>
-              <a:tabLst/>
-              <a:defRPr/>
-            </a:pPr>
-            <a:endParaRPr lang="en-US" dirty="0"/>
-          </a:p>
-          <a:p>
-            <a:pPr marL="0" marR="0" lvl="0" indent="0" algn="l" defTabSz="457200" rtl="0" eaLnBrk="1" fontAlgn="auto" latinLnBrk="0" hangingPunct="1">
-              <a:lnSpc>
-                <a:spcPct val="100000"/>
-              </a:lnSpc>
-              <a:spcBef>
-                <a:spcPts val="0"/>
-              </a:spcBef>
-              <a:spcAft>
-                <a:spcPts val="0"/>
-              </a:spcAft>
-              <a:buClrTx/>
-              <a:buSzTx/>
-              <a:buFontTx/>
-              <a:buNone/>
-              <a:tabLst/>
-              <a:defRPr/>
-            </a:pPr>
-            <a:r>
-              <a:rPr lang="en-US" dirty="0"/>
-              <a:t>CloudWatch becomes aware of changes as they occur for near real-time response</a:t>
-            </a:r>
-          </a:p>
-          <a:p>
-            <a:pPr marL="171450" marR="0" lvl="0" indent="-171450" algn="l" defTabSz="457200" rtl="0" eaLnBrk="1" fontAlgn="auto" latinLnBrk="0" hangingPunct="1">
-              <a:lnSpc>
-                <a:spcPct val="100000"/>
-              </a:lnSpc>
-              <a:spcBef>
-                <a:spcPts val="0"/>
-              </a:spcBef>
-              <a:spcAft>
-                <a:spcPts val="0"/>
-              </a:spcAft>
-              <a:buClrTx/>
-              <a:buSzTx/>
-              <a:buFont typeface="Arial" panose="020B0604020202020204" pitchFamily="34" charset="0"/>
-              <a:buChar char="•"/>
-              <a:tabLst/>
-              <a:defRPr/>
-            </a:pPr>
-            <a:r>
-              <a:rPr lang="en-US" dirty="0"/>
-              <a:t>Take corrective action by activating functions, making changes, and capturing state information.</a:t>
+              <a:t>This example shows a GuardDuty finding, but it could just as easily be a Macie event. </a:t>
             </a:r>
           </a:p>
         </p:txBody>
@@ -5987,7 +5733,7 @@
     </p:spTree>
     <p:extLst>
       <p:ext uri="{BB962C8B-B14F-4D97-AF65-F5344CB8AC3E}">
-        <p14:creationId xmlns:p14="http://schemas.microsoft.com/office/powerpoint/2010/main" val="155637433"/>
+        <p14:creationId xmlns:p14="http://schemas.microsoft.com/office/powerpoint/2010/main" val="1923673588"/>
       </p:ext>
     </p:extLst>
   </p:cSld>
@@ -6144,33 +5890,187 @@
           <a:bodyPr/>
           <a:lstStyle/>
           <a:p>
+            <a:pPr marL="0" marR="0" lvl="0" indent="0" algn="l" defTabSz="457200" rtl="0" eaLnBrk="1" fontAlgn="auto" latinLnBrk="0" hangingPunct="1">
+              <a:lnSpc>
+                <a:spcPct val="100000"/>
+              </a:lnSpc>
+              <a:spcBef>
+                <a:spcPts val="0"/>
+              </a:spcBef>
+              <a:spcAft>
+                <a:spcPts val="0"/>
+              </a:spcAft>
+              <a:buClrTx/>
+              <a:buSzTx/>
+              <a:buFontTx/>
+              <a:buNone/>
+              <a:tabLst/>
+              <a:defRPr/>
+            </a:pPr>
             <a:r>
               <a:rPr lang="en-US" dirty="0"/>
-              <a:t>CloudWatch Events delivers a near real-time stream of system events that describe changes in your AWS resources. </a:t>
-            </a:r>
-          </a:p>
-          <a:p>
+              <a:t>Evaluation of a Config rule determines whether a resource is compliant at a particular point in time. </a:t>
+            </a:r>
+          </a:p>
+          <a:p>
+            <a:pPr marL="0" marR="0" lvl="0" indent="0" algn="l" defTabSz="457200" rtl="0" eaLnBrk="1" fontAlgn="auto" latinLnBrk="0" hangingPunct="1">
+              <a:lnSpc>
+                <a:spcPct val="100000"/>
+              </a:lnSpc>
+              <a:spcBef>
+                <a:spcPts val="0"/>
+              </a:spcBef>
+              <a:spcAft>
+                <a:spcPts val="0"/>
+              </a:spcAft>
+              <a:buClrTx/>
+              <a:buSzTx/>
+              <a:buFontTx/>
+              <a:buNone/>
+              <a:tabLst/>
+              <a:defRPr/>
+            </a:pPr>
             <a:r>
               <a:rPr lang="en-US" dirty="0"/>
-              <a:t>Using simple rules that are quick to set up, you can match events and route them to one or more target functions or streams. </a:t>
-            </a:r>
-          </a:p>
-          <a:p>
+              <a:t>Config Rules will capture and store the result of each evaluation. </a:t>
+            </a:r>
+          </a:p>
+          <a:p>
+            <a:pPr marL="0" marR="0" lvl="0" indent="0" algn="l" defTabSz="457200" rtl="0" eaLnBrk="1" fontAlgn="auto" latinLnBrk="0" hangingPunct="1">
+              <a:lnSpc>
+                <a:spcPct val="100000"/>
+              </a:lnSpc>
+              <a:spcBef>
+                <a:spcPts val="0"/>
+              </a:spcBef>
+              <a:spcAft>
+                <a:spcPts val="0"/>
+              </a:spcAft>
+              <a:buClrTx/>
+              <a:buSzTx/>
+              <a:buFontTx/>
+              <a:buNone/>
+              <a:tabLst/>
+              <a:defRPr/>
+            </a:pPr>
             <a:r>
               <a:rPr lang="en-US" dirty="0"/>
-              <a:t>Respond to changes, take corrective action by sending messages to activate functions, make changes, capture state information and </a:t>
-            </a:r>
-          </a:p>
-          <a:p>
+              <a:t>Result includes the resource, rule, time of evaluation and a link to non-compliant resources.</a:t>
+            </a:r>
+          </a:p>
+          <a:p>
+            <a:pPr marL="0" marR="0" lvl="0" indent="0" algn="l" defTabSz="457200" rtl="0" eaLnBrk="1" fontAlgn="auto" latinLnBrk="0" hangingPunct="1">
+              <a:lnSpc>
+                <a:spcPct val="100000"/>
+              </a:lnSpc>
+              <a:spcBef>
+                <a:spcPts val="0"/>
+              </a:spcBef>
+              <a:spcAft>
+                <a:spcPts val="0"/>
+              </a:spcAft>
+              <a:buClrTx/>
+              <a:buSzTx/>
+              <a:buFontTx/>
+              <a:buNone/>
+              <a:tabLst/>
+              <a:defRPr/>
+            </a:pPr>
             <a:r>
               <a:rPr lang="en-US" dirty="0"/>
-              <a:t>	pass notifications to collaboration and communication tools. </a:t>
-            </a:r>
-          </a:p>
-          <a:p>
+              <a:t>A rule can be setup as a change-triggered rule or as a periodic rule. </a:t>
+            </a:r>
+          </a:p>
+          <a:p>
+            <a:pPr marL="628650" marR="0" lvl="1" indent="-171450" algn="l" defTabSz="457200" rtl="0" eaLnBrk="1" fontAlgn="auto" latinLnBrk="0" hangingPunct="1">
+              <a:lnSpc>
+                <a:spcPct val="100000"/>
+              </a:lnSpc>
+              <a:spcBef>
+                <a:spcPts val="0"/>
+              </a:spcBef>
+              <a:spcAft>
+                <a:spcPts val="0"/>
+              </a:spcAft>
+              <a:buClrTx/>
+              <a:buSzTx/>
+              <a:buFont typeface="Arial" panose="020B0604020202020204" pitchFamily="34" charset="0"/>
+              <a:buChar char="•"/>
+              <a:tabLst/>
+              <a:defRPr/>
+            </a:pPr>
             <a:r>
               <a:rPr lang="en-US" dirty="0"/>
-              <a:t>This example shows a GuardDuty finding, but it could just as easily be a Macie event. </a:t>
+              <a:t>Change-triggered rules are executed when AWS Config records a configuration change for any of the resources specified.</a:t>
+            </a:r>
+          </a:p>
+          <a:p>
+            <a:pPr marL="628650" marR="0" lvl="1" indent="-171450" algn="l" defTabSz="457200" rtl="0" eaLnBrk="1" fontAlgn="auto" latinLnBrk="0" hangingPunct="1">
+              <a:lnSpc>
+                <a:spcPct val="100000"/>
+              </a:lnSpc>
+              <a:spcBef>
+                <a:spcPts val="0"/>
+              </a:spcBef>
+              <a:spcAft>
+                <a:spcPts val="0"/>
+              </a:spcAft>
+              <a:buClrTx/>
+              <a:buSzTx/>
+              <a:buFont typeface="Arial" panose="020B0604020202020204" pitchFamily="34" charset="0"/>
+              <a:buChar char="•"/>
+              <a:tabLst/>
+              <a:defRPr/>
+            </a:pPr>
+            <a:r>
+              <a:rPr lang="en-US" dirty="0"/>
+              <a:t>Periodic rules are triggered at the frequency you specify, anywhere from an hour to a day.</a:t>
+            </a:r>
+          </a:p>
+          <a:p>
+            <a:pPr marL="0" marR="0" lvl="0" indent="0" algn="l" defTabSz="457200" rtl="0" eaLnBrk="1" fontAlgn="auto" latinLnBrk="0" hangingPunct="1">
+              <a:lnSpc>
+                <a:spcPct val="100000"/>
+              </a:lnSpc>
+              <a:spcBef>
+                <a:spcPts val="0"/>
+              </a:spcBef>
+              <a:spcAft>
+                <a:spcPts val="0"/>
+              </a:spcAft>
+              <a:buClrTx/>
+              <a:buSzTx/>
+              <a:buFont typeface="Arial" panose="020B0604020202020204" pitchFamily="34" charset="0"/>
+              <a:buNone/>
+              <a:tabLst/>
+              <a:defRPr/>
+            </a:pPr>
+            <a:r>
+              <a:rPr lang="en-US" dirty="0"/>
+              <a:t>Create your own rules to customize what is being checked or use AWS Managed rules</a:t>
+            </a:r>
+          </a:p>
+          <a:p>
+            <a:pPr marL="0" marR="0" lvl="0" indent="0" algn="l" defTabSz="457200" rtl="0" eaLnBrk="1" fontAlgn="auto" latinLnBrk="0" hangingPunct="1">
+              <a:lnSpc>
+                <a:spcPct val="100000"/>
+              </a:lnSpc>
+              <a:spcBef>
+                <a:spcPts val="0"/>
+              </a:spcBef>
+              <a:spcAft>
+                <a:spcPts val="0"/>
+              </a:spcAft>
+              <a:buClrTx/>
+              <a:buSzTx/>
+              <a:buFont typeface="Arial" panose="020B0604020202020204" pitchFamily="34" charset="0"/>
+              <a:buNone/>
+              <a:tabLst/>
+              <a:defRPr/>
+            </a:pPr>
+            <a:r>
+              <a:rPr lang="en-US" dirty="0"/>
+              <a:t>Enables changes to the environment to kick off lambda scripts</a:t>
             </a:r>
           </a:p>
         </p:txBody>
@@ -6202,7 +6102,7 @@
     </p:spTree>
     <p:extLst>
       <p:ext uri="{BB962C8B-B14F-4D97-AF65-F5344CB8AC3E}">
-        <p14:creationId xmlns:p14="http://schemas.microsoft.com/office/powerpoint/2010/main" val="1923673588"/>
+        <p14:creationId xmlns:p14="http://schemas.microsoft.com/office/powerpoint/2010/main" val="1063151582"/>
       </p:ext>
     </p:extLst>
   </p:cSld>
@@ -6275,168 +6175,39 @@
             </a:pPr>
             <a:r>
               <a:rPr lang="en-US" dirty="0"/>
-              <a:t>Evaluation of a Config rule determines whether a resource is compliant at a particular point in time. </a:t>
-            </a:r>
-          </a:p>
-          <a:p>
-            <a:pPr marL="0" marR="0" lvl="0" indent="0" algn="l" defTabSz="457200" rtl="0" eaLnBrk="1" fontAlgn="auto" latinLnBrk="0" hangingPunct="1">
-              <a:lnSpc>
-                <a:spcPct val="100000"/>
-              </a:lnSpc>
-              <a:spcBef>
-                <a:spcPts val="0"/>
-              </a:spcBef>
-              <a:spcAft>
-                <a:spcPts val="0"/>
-              </a:spcAft>
-              <a:buClrTx/>
-              <a:buSzTx/>
-              <a:buFontTx/>
-              <a:buNone/>
-              <a:tabLst/>
-              <a:defRPr/>
-            </a:pPr>
+              <a:t>Flaws that allow this spectrum of network attacks to succeed are quite widespread.  </a:t>
+            </a:r>
+          </a:p>
+          <a:p>
             <a:r>
               <a:rPr lang="en-US" dirty="0"/>
-              <a:t>Config Rules will capture and store the result of each evaluation. </a:t>
-            </a:r>
-          </a:p>
-          <a:p>
-            <a:pPr marL="0" marR="0" lvl="0" indent="0" algn="l" defTabSz="457200" rtl="0" eaLnBrk="1" fontAlgn="auto" latinLnBrk="0" hangingPunct="1">
-              <a:lnSpc>
-                <a:spcPct val="100000"/>
-              </a:lnSpc>
-              <a:spcBef>
-                <a:spcPts val="0"/>
-              </a:spcBef>
-              <a:spcAft>
-                <a:spcPts val="0"/>
-              </a:spcAft>
-              <a:buClrTx/>
-              <a:buSzTx/>
-              <a:buFontTx/>
-              <a:buNone/>
-              <a:tabLst/>
-              <a:defRPr/>
-            </a:pPr>
+              <a:t>In this section, we’ll look at AWS services that can be leveraged to detect and mitigate common reflection attacks that attempt to produce a volume of traffic capable of congesting network interfaces and inhibiting legitimate traffic.</a:t>
+            </a:r>
+          </a:p>
+          <a:p>
             <a:r>
               <a:rPr lang="en-US" dirty="0"/>
-              <a:t>Result includes the resource, rule, time of evaluation and a link to non-compliant resources.</a:t>
-            </a:r>
-          </a:p>
-          <a:p>
-            <a:pPr marL="0" marR="0" lvl="0" indent="0" algn="l" defTabSz="457200" rtl="0" eaLnBrk="1" fontAlgn="auto" latinLnBrk="0" hangingPunct="1">
-              <a:lnSpc>
-                <a:spcPct val="100000"/>
-              </a:lnSpc>
-              <a:spcBef>
-                <a:spcPts val="0"/>
-              </a:spcBef>
-              <a:spcAft>
-                <a:spcPts val="0"/>
-              </a:spcAft>
-              <a:buClrTx/>
-              <a:buSzTx/>
-              <a:buFontTx/>
-              <a:buNone/>
-              <a:tabLst/>
-              <a:defRPr/>
-            </a:pPr>
-            <a:r>
-              <a:rPr lang="en-US" dirty="0"/>
-              <a:t>A rule can be setup as a change-triggered rule or as a periodic rule. </a:t>
-            </a:r>
-          </a:p>
-          <a:p>
-            <a:pPr marL="628650" marR="0" lvl="1" indent="-171450" algn="l" defTabSz="457200" rtl="0" eaLnBrk="1" fontAlgn="auto" latinLnBrk="0" hangingPunct="1">
-              <a:lnSpc>
-                <a:spcPct val="100000"/>
-              </a:lnSpc>
-              <a:spcBef>
-                <a:spcPts val="0"/>
-              </a:spcBef>
-              <a:spcAft>
-                <a:spcPts val="0"/>
-              </a:spcAft>
-              <a:buClrTx/>
-              <a:buSzTx/>
+              <a:t>As well as best practices for using WAF to mitigate other frequently exploited injection attack vectors, such as: </a:t>
+            </a:r>
+          </a:p>
+          <a:p>
+            <a:pPr marL="171450" indent="-171450">
               <a:buFont typeface="Arial" panose="020B0604020202020204" pitchFamily="34" charset="0"/>
               <a:buChar char="•"/>
-              <a:tabLst/>
-              <a:defRPr/>
             </a:pPr>
             <a:r>
               <a:rPr lang="en-US" dirty="0"/>
-              <a:t>Change-triggered rules are executed when AWS Config records a configuration change for any of the resources specified.</a:t>
-            </a:r>
-          </a:p>
-          <a:p>
-            <a:pPr marL="628650" marR="0" lvl="1" indent="-171450" algn="l" defTabSz="457200" rtl="0" eaLnBrk="1" fontAlgn="auto" latinLnBrk="0" hangingPunct="1">
-              <a:lnSpc>
-                <a:spcPct val="100000"/>
-              </a:lnSpc>
-              <a:spcBef>
-                <a:spcPts val="0"/>
-              </a:spcBef>
-              <a:spcAft>
-                <a:spcPts val="0"/>
-              </a:spcAft>
-              <a:buClrTx/>
-              <a:buSzTx/>
+              <a:t>Cross site scripting which sends malicious code to a different end user or </a:t>
+            </a:r>
+          </a:p>
+          <a:p>
+            <a:pPr marL="171450" indent="-171450">
               <a:buFont typeface="Arial" panose="020B0604020202020204" pitchFamily="34" charset="0"/>
               <a:buChar char="•"/>
-              <a:tabLst/>
-              <a:defRPr/>
             </a:pPr>
             <a:r>
               <a:rPr lang="en-US" dirty="0"/>
-              <a:t>Periodic rules are triggered at the frequency you specify, anywhere from an hour to a day.</a:t>
-            </a:r>
-          </a:p>
-          <a:p>
-            <a:pPr marL="0" marR="0" lvl="0" indent="0" algn="l" defTabSz="457200" rtl="0" eaLnBrk="1" fontAlgn="auto" latinLnBrk="0" hangingPunct="1">
-              <a:lnSpc>
-                <a:spcPct val="100000"/>
-              </a:lnSpc>
-              <a:spcBef>
-                <a:spcPts val="0"/>
-              </a:spcBef>
-              <a:spcAft>
-                <a:spcPts val="0"/>
-              </a:spcAft>
-              <a:buClrTx/>
-              <a:buSzTx/>
-              <a:buFont typeface="Arial" panose="020B0604020202020204" pitchFamily="34" charset="0"/>
-              <a:buNone/>
-              <a:tabLst/>
-              <a:defRPr/>
-            </a:pPr>
-            <a:r>
-              <a:rPr lang="en-US" dirty="0"/>
-              <a:t>Create your own rules to customize what is being checked or use AWS Managed rules</a:t>
-            </a:r>
-          </a:p>
-          <a:p>
-            <a:pPr marL="0" marR="0" lvl="0" indent="0" algn="l" defTabSz="457200" rtl="0" eaLnBrk="1" fontAlgn="auto" latinLnBrk="0" hangingPunct="1">
-              <a:lnSpc>
-                <a:spcPct val="100000"/>
-              </a:lnSpc>
-              <a:spcBef>
-                <a:spcPts val="0"/>
-              </a:spcBef>
-              <a:spcAft>
-                <a:spcPts val="0"/>
-              </a:spcAft>
-              <a:buClrTx/>
-              <a:buSzTx/>
-              <a:buFont typeface="Arial" panose="020B0604020202020204" pitchFamily="34" charset="0"/>
-              <a:buNone/>
-              <a:tabLst/>
-              <a:defRPr/>
-            </a:pPr>
-            <a:r>
-              <a:rPr lang="en-US" dirty="0"/>
-              <a:t>Enables changes to the environment to kick off lambda scripts</a:t>
+              <a:t>SQL injections to read, alter, or delete sensitive data.</a:t>
             </a:r>
           </a:p>
         </p:txBody>
@@ -6468,7 +6239,7 @@
     </p:spTree>
     <p:extLst>
       <p:ext uri="{BB962C8B-B14F-4D97-AF65-F5344CB8AC3E}">
-        <p14:creationId xmlns:p14="http://schemas.microsoft.com/office/powerpoint/2010/main" val="1063151582"/>
+        <p14:creationId xmlns:p14="http://schemas.microsoft.com/office/powerpoint/2010/main" val="2951501703"/>
       </p:ext>
     </p:extLst>
   </p:cSld>
@@ -6541,40 +6312,260 @@
             </a:pPr>
             <a:r>
               <a:rPr lang="en-US" dirty="0"/>
-              <a:t>Flaws that allow this spectrum of network attacks to succeed are quite widespread.  </a:t>
-            </a:r>
-          </a:p>
-          <a:p>
+              <a:t>Automate your threat remediation with these AWS services.</a:t>
+            </a:r>
+          </a:p>
+          <a:p>
+            <a:pPr marL="0" marR="0" lvl="0" indent="0" algn="l" defTabSz="457200" rtl="0" eaLnBrk="1" fontAlgn="auto" latinLnBrk="0" hangingPunct="1">
+              <a:lnSpc>
+                <a:spcPct val="100000"/>
+              </a:lnSpc>
+              <a:spcBef>
+                <a:spcPts val="0"/>
+              </a:spcBef>
+              <a:spcAft>
+                <a:spcPts val="0"/>
+              </a:spcAft>
+              <a:buClrTx/>
+              <a:buSzTx/>
+              <a:buFont typeface="Arial" panose="020B0604020202020204" pitchFamily="34" charset="0"/>
+              <a:buNone/>
+              <a:tabLst/>
+              <a:defRPr/>
+            </a:pPr>
             <a:r>
               <a:rPr lang="en-US" dirty="0"/>
-              <a:t>In this section, we’ll look at AWS services that can be leveraged to detect and mitigate common reflection attacks that attempt to produce a volume of traffic capable of congesting network interfaces and inhibiting legitimate traffic.</a:t>
-            </a:r>
-          </a:p>
-          <a:p>
-            <a:r>
-              <a:rPr lang="en-US" dirty="0"/>
-              <a:t>As well as best practices for using WAF to mitigate other frequently exploited injection attack vectors, such as: </a:t>
-            </a:r>
-          </a:p>
-          <a:p>
-            <a:pPr marL="171450" indent="-171450">
+              <a:t>Lambda:</a:t>
+            </a:r>
+          </a:p>
+          <a:p>
+            <a:pPr marL="628650" marR="0" lvl="1" indent="-171450" algn="l" defTabSz="457200" rtl="0" eaLnBrk="1" fontAlgn="auto" latinLnBrk="0" hangingPunct="1">
+              <a:lnSpc>
+                <a:spcPct val="100000"/>
+              </a:lnSpc>
+              <a:spcBef>
+                <a:spcPts val="0"/>
+              </a:spcBef>
+              <a:spcAft>
+                <a:spcPts val="0"/>
+              </a:spcAft>
+              <a:buClrTx/>
+              <a:buSzTx/>
               <a:buFont typeface="Arial" panose="020B0604020202020204" pitchFamily="34" charset="0"/>
               <a:buChar char="•"/>
+              <a:tabLst/>
+              <a:defRPr/>
             </a:pPr>
             <a:r>
               <a:rPr lang="en-US" dirty="0"/>
-              <a:t>Cross site scripting which sends malicious code to a different end user or </a:t>
-            </a:r>
-          </a:p>
-          <a:p>
-            <a:pPr marL="171450" indent="-171450">
+              <a:t>Add prevention mechanisms to security boundary services</a:t>
+            </a:r>
+          </a:p>
+          <a:p>
+            <a:pPr marL="1085850" marR="0" lvl="2" indent="-171450" algn="l" defTabSz="457200" rtl="0" eaLnBrk="1" fontAlgn="auto" latinLnBrk="0" hangingPunct="1">
+              <a:lnSpc>
+                <a:spcPct val="100000"/>
+              </a:lnSpc>
+              <a:spcBef>
+                <a:spcPts val="0"/>
+              </a:spcBef>
+              <a:spcAft>
+                <a:spcPts val="0"/>
+              </a:spcAft>
+              <a:buClrTx/>
+              <a:buSzTx/>
               <a:buFont typeface="Arial" panose="020B0604020202020204" pitchFamily="34" charset="0"/>
               <a:buChar char="•"/>
+              <a:tabLst/>
+              <a:defRPr/>
             </a:pPr>
             <a:r>
               <a:rPr lang="en-US" dirty="0"/>
-              <a:t>SQL injections to read, alter, or delete sensitive data.</a:t>
-            </a:r>
+              <a:t>WAF, Security Groups, S3 bucket policies</a:t>
+            </a:r>
+          </a:p>
+          <a:p>
+            <a:pPr marL="628650" marR="0" lvl="1" indent="-171450" algn="l" defTabSz="457200" rtl="0" eaLnBrk="1" fontAlgn="auto" latinLnBrk="0" hangingPunct="1">
+              <a:lnSpc>
+                <a:spcPct val="100000"/>
+              </a:lnSpc>
+              <a:spcBef>
+                <a:spcPts val="0"/>
+              </a:spcBef>
+              <a:spcAft>
+                <a:spcPts val="0"/>
+              </a:spcAft>
+              <a:buClrTx/>
+              <a:buSzTx/>
+              <a:buFont typeface="Arial" panose="020B0604020202020204" pitchFamily="34" charset="0"/>
+              <a:buChar char="•"/>
+              <a:tabLst/>
+              <a:defRPr/>
+            </a:pPr>
+            <a:r>
+              <a:rPr lang="en-US" dirty="0"/>
+              <a:t>Invoke deeper inspection of the AWS estate</a:t>
+            </a:r>
+          </a:p>
+          <a:p>
+            <a:pPr marL="1085850" marR="0" lvl="2" indent="-171450" algn="l" defTabSz="457200" rtl="0" eaLnBrk="1" fontAlgn="auto" latinLnBrk="0" hangingPunct="1">
+              <a:lnSpc>
+                <a:spcPct val="100000"/>
+              </a:lnSpc>
+              <a:spcBef>
+                <a:spcPts val="0"/>
+              </a:spcBef>
+              <a:spcAft>
+                <a:spcPts val="0"/>
+              </a:spcAft>
+              <a:buClrTx/>
+              <a:buSzTx/>
+              <a:buFont typeface="Arial" panose="020B0604020202020204" pitchFamily="34" charset="0"/>
+              <a:buChar char="•"/>
+              <a:tabLst/>
+              <a:defRPr/>
+            </a:pPr>
+            <a:r>
+              <a:rPr lang="en-US" dirty="0"/>
+              <a:t>Systems Manager, Inspector</a:t>
+            </a:r>
+          </a:p>
+          <a:p>
+            <a:r>
+              <a:rPr lang="en-US" dirty="0"/>
+              <a:t>Systems Manager: </a:t>
+            </a:r>
+            <a:r>
+              <a:rPr lang="en-US" sz="1200" b="0" i="0" kern="1200" dirty="0">
+                <a:solidFill>
+                  <a:schemeClr val="tx1"/>
+                </a:solidFill>
+                <a:effectLst/>
+                <a:latin typeface="Amazon Ember Regular" charset="0"/>
+                <a:ea typeface="+mn-ea"/>
+                <a:cs typeface="+mn-cs"/>
+              </a:rPr>
+              <a:t> </a:t>
+            </a:r>
+          </a:p>
+          <a:p>
+            <a:r>
+              <a:rPr lang="en-US" dirty="0"/>
+              <a:t>	Proactively mitigate threats at instance level</a:t>
+            </a:r>
+          </a:p>
+          <a:p>
+            <a:pPr marL="628650" marR="0" lvl="1" indent="-171450" algn="l" defTabSz="457200" rtl="0" eaLnBrk="1" fontAlgn="auto" latinLnBrk="0" hangingPunct="1">
+              <a:lnSpc>
+                <a:spcPct val="100000"/>
+              </a:lnSpc>
+              <a:spcBef>
+                <a:spcPts val="0"/>
+              </a:spcBef>
+              <a:spcAft>
+                <a:spcPts val="0"/>
+              </a:spcAft>
+              <a:buClrTx/>
+              <a:buSzTx/>
+              <a:buFont typeface="Arial" panose="020B0604020202020204" pitchFamily="34" charset="0"/>
+              <a:buChar char="•"/>
+              <a:tabLst/>
+              <a:defRPr/>
+            </a:pPr>
+            <a:r>
+              <a:rPr lang="en-US" dirty="0"/>
+              <a:t>Patching system</a:t>
+            </a:r>
+          </a:p>
+          <a:p>
+            <a:pPr marL="0" marR="0" lvl="0" indent="0" algn="l" defTabSz="457200" rtl="0" eaLnBrk="1" fontAlgn="auto" latinLnBrk="0" hangingPunct="1">
+              <a:lnSpc>
+                <a:spcPct val="100000"/>
+              </a:lnSpc>
+              <a:spcBef>
+                <a:spcPts val="0"/>
+              </a:spcBef>
+              <a:spcAft>
+                <a:spcPts val="0"/>
+              </a:spcAft>
+              <a:buClrTx/>
+              <a:buSzTx/>
+              <a:buFont typeface="Arial" panose="020B0604020202020204" pitchFamily="34" charset="0"/>
+              <a:buNone/>
+              <a:tabLst/>
+              <a:defRPr/>
+            </a:pPr>
+            <a:r>
+              <a:rPr lang="en-US" dirty="0"/>
+              <a:t>Amazon Inspector</a:t>
+            </a:r>
+          </a:p>
+          <a:p>
+            <a:pPr marL="0" marR="0" lvl="0" indent="0" algn="l" defTabSz="457200" rtl="0" eaLnBrk="1" fontAlgn="auto" latinLnBrk="0" hangingPunct="1">
+              <a:lnSpc>
+                <a:spcPct val="100000"/>
+              </a:lnSpc>
+              <a:spcBef>
+                <a:spcPts val="0"/>
+              </a:spcBef>
+              <a:spcAft>
+                <a:spcPts val="0"/>
+              </a:spcAft>
+              <a:buClrTx/>
+              <a:buSzTx/>
+              <a:buFont typeface="Arial" panose="020B0604020202020204" pitchFamily="34" charset="0"/>
+              <a:buNone/>
+              <a:tabLst/>
+              <a:defRPr/>
+            </a:pPr>
+            <a:r>
+              <a:rPr lang="en-US" dirty="0"/>
+              <a:t>	A</a:t>
+            </a:r>
+            <a:r>
+              <a:rPr lang="en-US" sz="1200" b="0" i="0" kern="1200" dirty="0">
+                <a:solidFill>
+                  <a:schemeClr val="tx1"/>
+                </a:solidFill>
+                <a:effectLst/>
+                <a:latin typeface="Amazon Ember Regular" charset="0"/>
+                <a:ea typeface="+mn-ea"/>
+                <a:cs typeface="+mn-cs"/>
+              </a:rPr>
+              <a:t>utomated security assessment service</a:t>
+            </a:r>
+          </a:p>
+          <a:p>
+            <a:pPr marL="0" marR="0" lvl="0" indent="0" algn="l" defTabSz="457200" rtl="0" eaLnBrk="1" fontAlgn="auto" latinLnBrk="0" hangingPunct="1">
+              <a:lnSpc>
+                <a:spcPct val="100000"/>
+              </a:lnSpc>
+              <a:spcBef>
+                <a:spcPts val="0"/>
+              </a:spcBef>
+              <a:spcAft>
+                <a:spcPts val="0"/>
+              </a:spcAft>
+              <a:buClrTx/>
+              <a:buSzTx/>
+              <a:buFont typeface="Arial" panose="020B0604020202020204" pitchFamily="34" charset="0"/>
+              <a:buNone/>
+              <a:tabLst/>
+              <a:defRPr/>
+            </a:pPr>
+            <a:r>
+              <a:rPr lang="en-US" sz="1200" b="0" i="0" kern="1200" dirty="0">
+                <a:solidFill>
+                  <a:schemeClr val="tx1"/>
+                </a:solidFill>
+                <a:effectLst/>
+                <a:latin typeface="Amazon Ember Regular" charset="0"/>
+                <a:ea typeface="+mn-ea"/>
+                <a:cs typeface="+mn-cs"/>
+              </a:rPr>
+              <a:t>	Helps improve the security and compliance of applications deployed on AWS. </a:t>
+            </a:r>
+            <a:endParaRPr lang="en-US" dirty="0"/>
           </a:p>
         </p:txBody>
       </p:sp>
@@ -6596,7 +6587,7 @@
             <a:fld id="{69C3F2ED-74C5-7D4F-8560-0CC253E9A436}" type="slidenum">
               <a:rPr lang="en-US" smtClean="0"/>
               <a:pPr/>
-              <a:t>25</a:t>
+              <a:t>26</a:t>
             </a:fld>
             <a:endParaRPr lang="en-US" dirty="0"/>
           </a:p>
@@ -6605,7 +6596,7 @@
     </p:spTree>
     <p:extLst>
       <p:ext uri="{BB962C8B-B14F-4D97-AF65-F5344CB8AC3E}">
-        <p14:creationId xmlns:p14="http://schemas.microsoft.com/office/powerpoint/2010/main" val="2951501703"/>
+        <p14:creationId xmlns:p14="http://schemas.microsoft.com/office/powerpoint/2010/main" val="3548541542"/>
       </p:ext>
     </p:extLst>
   </p:cSld>
@@ -6677,8 +6668,16 @@
               <a:defRPr/>
             </a:pPr>
             <a:r>
-              <a:rPr lang="en-US" dirty="0"/>
-              <a:t>Automate your threat remediation with these AWS services.</a:t>
+              <a:rPr lang="en-US" sz="1200" kern="1200" dirty="0">
+                <a:solidFill>
+                  <a:schemeClr val="tx1"/>
+                </a:solidFill>
+                <a:effectLst/>
+                <a:latin typeface="Arial"/>
+                <a:ea typeface="+mn-ea"/>
+                <a:cs typeface="+mn-cs"/>
+              </a:rPr>
+              <a:t>Anyone can have an ‘intern moment’ and the explanation often starts with, “I was in a hurry to meet a deadline…” </a:t>
             </a:r>
           </a:p>
           <a:p>
@@ -6694,154 +6693,20 @@
               </a:spcAft>
               <a:buClrTx/>
               <a:buSzTx/>
-              <a:buFont typeface="Arial" panose="020B0604020202020204" pitchFamily="34" charset="0"/>
+              <a:buFontTx/>
               <a:buNone/>
               <a:tabLst/>
               <a:defRPr/>
             </a:pPr>
-            <a:r>
-              <a:rPr lang="en-US" dirty="0"/>
-              <a:t>Lambda:</a:t>
-            </a:r>
-          </a:p>
-          <a:p>
-            <a:pPr marL="628650" marR="0" lvl="1" indent="-171450" algn="l" defTabSz="457200" rtl="0" eaLnBrk="1" fontAlgn="auto" latinLnBrk="0" hangingPunct="1">
-              <a:lnSpc>
-                <a:spcPct val="100000"/>
-              </a:lnSpc>
-              <a:spcBef>
-                <a:spcPts val="0"/>
-              </a:spcBef>
-              <a:spcAft>
-                <a:spcPts val="0"/>
-              </a:spcAft>
-              <a:buClrTx/>
-              <a:buSzTx/>
-              <a:buFont typeface="Arial" panose="020B0604020202020204" pitchFamily="34" charset="0"/>
-              <a:buChar char="•"/>
-              <a:tabLst/>
-              <a:defRPr/>
-            </a:pPr>
-            <a:r>
-              <a:rPr lang="en-US" dirty="0"/>
-              <a:t>Add prevention mechanisms to security boundary services</a:t>
-            </a:r>
-          </a:p>
-          <a:p>
-            <a:pPr marL="1085850" marR="0" lvl="2" indent="-171450" algn="l" defTabSz="457200" rtl="0" eaLnBrk="1" fontAlgn="auto" latinLnBrk="0" hangingPunct="1">
-              <a:lnSpc>
-                <a:spcPct val="100000"/>
-              </a:lnSpc>
-              <a:spcBef>
-                <a:spcPts val="0"/>
-              </a:spcBef>
-              <a:spcAft>
-                <a:spcPts val="0"/>
-              </a:spcAft>
-              <a:buClrTx/>
-              <a:buSzTx/>
-              <a:buFont typeface="Arial" panose="020B0604020202020204" pitchFamily="34" charset="0"/>
-              <a:buChar char="•"/>
-              <a:tabLst/>
-              <a:defRPr/>
-            </a:pPr>
-            <a:r>
-              <a:rPr lang="en-US" dirty="0"/>
-              <a:t>WAF, Security Groups, S3 bucket policies</a:t>
-            </a:r>
-          </a:p>
-          <a:p>
-            <a:pPr marL="628650" marR="0" lvl="1" indent="-171450" algn="l" defTabSz="457200" rtl="0" eaLnBrk="1" fontAlgn="auto" latinLnBrk="0" hangingPunct="1">
-              <a:lnSpc>
-                <a:spcPct val="100000"/>
-              </a:lnSpc>
-              <a:spcBef>
-                <a:spcPts val="0"/>
-              </a:spcBef>
-              <a:spcAft>
-                <a:spcPts val="0"/>
-              </a:spcAft>
-              <a:buClrTx/>
-              <a:buSzTx/>
-              <a:buFont typeface="Arial" panose="020B0604020202020204" pitchFamily="34" charset="0"/>
-              <a:buChar char="•"/>
-              <a:tabLst/>
-              <a:defRPr/>
-            </a:pPr>
-            <a:r>
-              <a:rPr lang="en-US" dirty="0"/>
-              <a:t>Invoke deeper inspection of the AWS estate</a:t>
-            </a:r>
-          </a:p>
-          <a:p>
-            <a:pPr marL="1085850" marR="0" lvl="2" indent="-171450" algn="l" defTabSz="457200" rtl="0" eaLnBrk="1" fontAlgn="auto" latinLnBrk="0" hangingPunct="1">
-              <a:lnSpc>
-                <a:spcPct val="100000"/>
-              </a:lnSpc>
-              <a:spcBef>
-                <a:spcPts val="0"/>
-              </a:spcBef>
-              <a:spcAft>
-                <a:spcPts val="0"/>
-              </a:spcAft>
-              <a:buClrTx/>
-              <a:buSzTx/>
-              <a:buFont typeface="Arial" panose="020B0604020202020204" pitchFamily="34" charset="0"/>
-              <a:buChar char="•"/>
-              <a:tabLst/>
-              <a:defRPr/>
-            </a:pPr>
-            <a:r>
-              <a:rPr lang="en-US" dirty="0"/>
-              <a:t>Systems Manager, Inspector</a:t>
-            </a:r>
-          </a:p>
-          <a:p>
-            <a:r>
-              <a:rPr lang="en-US" dirty="0"/>
-              <a:t>Systems Manager: </a:t>
-            </a:r>
-            <a:r>
-              <a:rPr lang="en-US" sz="1200" b="0" i="0" kern="1200" dirty="0">
-                <a:solidFill>
-                  <a:schemeClr val="tx1"/>
-                </a:solidFill>
-                <a:effectLst/>
-                <a:latin typeface="Amazon Ember Regular" charset="0"/>
-                <a:ea typeface="+mn-ea"/>
-                <a:cs typeface="+mn-cs"/>
-              </a:rPr>
-              <a:t> </a:t>
-            </a:r>
-          </a:p>
-          <a:p>
-            <a:r>
-              <a:rPr lang="en-US" dirty="0"/>
-              <a:t>	Proactively mitigate threats at instance level</a:t>
-            </a:r>
-          </a:p>
-          <a:p>
-            <a:pPr marL="628650" marR="0" lvl="1" indent="-171450" algn="l" defTabSz="457200" rtl="0" eaLnBrk="1" fontAlgn="auto" latinLnBrk="0" hangingPunct="1">
-              <a:lnSpc>
-                <a:spcPct val="100000"/>
-              </a:lnSpc>
-              <a:spcBef>
-                <a:spcPts val="0"/>
-              </a:spcBef>
-              <a:spcAft>
-                <a:spcPts val="0"/>
-              </a:spcAft>
-              <a:buClrTx/>
-              <a:buSzTx/>
-              <a:buFont typeface="Arial" panose="020B0604020202020204" pitchFamily="34" charset="0"/>
-              <a:buChar char="•"/>
-              <a:tabLst/>
-              <a:defRPr/>
-            </a:pPr>
-            <a:r>
-              <a:rPr lang="en-US" dirty="0"/>
-              <a:t>Patching system</a:t>
-            </a:r>
+            <a:endParaRPr lang="en-US" sz="1200" kern="1200" dirty="0">
+              <a:solidFill>
+                <a:schemeClr val="tx1"/>
+              </a:solidFill>
+              <a:effectLst/>
+              <a:latin typeface="Arial"/>
+              <a:ea typeface="+mn-ea"/>
+              <a:cs typeface="+mn-cs"/>
+            </a:endParaRPr>
           </a:p>
           <a:p>
             <a:pPr marL="0" marR="0" lvl="0" indent="0" algn="l" defTabSz="457200" rtl="0" eaLnBrk="1" fontAlgn="auto" latinLnBrk="0" hangingPunct="1">
@@ -6856,14 +6721,22 @@
               </a:spcAft>
               <a:buClrTx/>
               <a:buSzTx/>
-              <a:buFont typeface="Arial" panose="020B0604020202020204" pitchFamily="34" charset="0"/>
+              <a:buFontTx/>
               <a:buNone/>
               <a:tabLst/>
               <a:defRPr/>
             </a:pPr>
             <a:r>
-              <a:rPr lang="en-US" dirty="0"/>
-              <a:t>Amazon Inspector</a:t>
+              <a:rPr lang="en-US" sz="1200" kern="1200" dirty="0">
+                <a:solidFill>
+                  <a:schemeClr val="tx1"/>
+                </a:solidFill>
+                <a:effectLst/>
+                <a:latin typeface="Arial"/>
+                <a:ea typeface="+mn-ea"/>
+                <a:cs typeface="+mn-cs"/>
+              </a:rPr>
+              <a:t>Next I’ll show you a demo of two Lambdas responders that restart CloudTrail and send a notification as triggered by CloudWatch Events.</a:t>
             </a:r>
           </a:p>
           <a:p>
@@ -6879,58 +6752,22 @@
               </a:spcAft>
               <a:buClrTx/>
               <a:buSzTx/>
-              <a:buFont typeface="Arial" panose="020B0604020202020204" pitchFamily="34" charset="0"/>
+              <a:buFontTx/>
               <a:buNone/>
               <a:tabLst/>
               <a:defRPr/>
             </a:pPr>
-            <a:r>
-              <a:rPr lang="en-US" dirty="0"/>
-              <a:t>	A</a:t>
-            </a:r>
-            <a:r>
-              <a:rPr lang="en-US" sz="1200" b="0" i="0" kern="1200" dirty="0">
-                <a:solidFill>
-                  <a:schemeClr val="tx1"/>
-                </a:solidFill>
-                <a:effectLst/>
-                <a:latin typeface="Amazon Ember Regular" charset="0"/>
-                <a:ea typeface="+mn-ea"/>
-                <a:cs typeface="+mn-cs"/>
-              </a:rPr>
-              <a:t>utomated security assessment service</a:t>
-            </a:r>
-          </a:p>
-          <a:p>
-            <a:pPr marL="0" marR="0" lvl="0" indent="0" algn="l" defTabSz="457200" rtl="0" eaLnBrk="1" fontAlgn="auto" latinLnBrk="0" hangingPunct="1">
-              <a:lnSpc>
-                <a:spcPct val="100000"/>
-              </a:lnSpc>
-              <a:spcBef>
-                <a:spcPts val="0"/>
-              </a:spcBef>
-              <a:spcAft>
-                <a:spcPts val="0"/>
-              </a:spcAft>
-              <a:buClrTx/>
-              <a:buSzTx/>
-              <a:buFont typeface="Arial" panose="020B0604020202020204" pitchFamily="34" charset="0"/>
-              <a:buNone/>
-              <a:tabLst/>
-              <a:defRPr/>
-            </a:pPr>
-            <a:r>
-              <a:rPr lang="en-US" sz="1200" b="0" i="0" kern="1200" dirty="0">
-                <a:solidFill>
-                  <a:schemeClr val="tx1"/>
-                </a:solidFill>
-                <a:effectLst/>
-                <a:latin typeface="Amazon Ember Regular" charset="0"/>
-                <a:ea typeface="+mn-ea"/>
-                <a:cs typeface="+mn-cs"/>
-              </a:rPr>
-              <a:t>	Helps improve the security and compliance of applications deployed on AWS. </a:t>
-            </a:r>
+            <a:endParaRPr lang="en-US" sz="1200" kern="1200" dirty="0">
+              <a:solidFill>
+                <a:schemeClr val="tx1"/>
+              </a:solidFill>
+              <a:effectLst/>
+              <a:latin typeface="Arial"/>
+              <a:ea typeface="+mn-ea"/>
+              <a:cs typeface="+mn-cs"/>
+            </a:endParaRPr>
+          </a:p>
+          <a:p>
             <a:endParaRPr lang="en-US" dirty="0"/>
           </a:p>
         </p:txBody>
@@ -6962,7 +6799,7 @@
     </p:spTree>
     <p:extLst>
       <p:ext uri="{BB962C8B-B14F-4D97-AF65-F5344CB8AC3E}">
-        <p14:creationId xmlns:p14="http://schemas.microsoft.com/office/powerpoint/2010/main" val="3548541542"/>
+        <p14:creationId xmlns:p14="http://schemas.microsoft.com/office/powerpoint/2010/main" val="2477101096"/>
       </p:ext>
     </p:extLst>
   </p:cSld>
@@ -7016,25 +6853,8 @@
           <a:bodyPr/>
           <a:lstStyle/>
           <a:p>
-            <a:pPr marL="0" marR="0" lvl="0" indent="0" algn="l" defTabSz="457200" rtl="0" eaLnBrk="1" fontAlgn="auto" latinLnBrk="0" hangingPunct="1">
-              <a:lnSpc>
-                <a:spcPct val="100000"/>
-              </a:lnSpc>
-              <a:spcBef>
-                <a:spcPts val="0"/>
-              </a:spcBef>
-              <a:spcAft>
-                <a:spcPts val="0"/>
-              </a:spcAft>
-              <a:buClrTx/>
-              <a:buSzTx/>
-              <a:buFontTx/>
-              <a:buNone/>
-              <a:tabLst/>
-              <a:defRPr/>
-            </a:pPr>
-            <a:r>
-              <a:rPr lang="en-US" sz="1200" kern="1200" dirty="0">
+            <a:r>
+              <a:rPr lang="en-US" sz="1200" b="0" i="0" kern="1200" dirty="0">
                 <a:solidFill>
                   <a:schemeClr val="tx1"/>
                 </a:solidFill>
@@ -7043,57 +6863,12 @@
                 <a:ea typeface="+mn-ea"/>
                 <a:cs typeface="+mn-cs"/>
               </a:rPr>
-              <a:t>Anyone can have an ‘intern moment’ and the explanation often starts with, “I was in a hurry to meet a deadline…” </a:t>
-            </a:r>
-          </a:p>
-          <a:p>
-            <a:pPr marL="0" marR="0" lvl="0" indent="0" algn="l" defTabSz="457200" rtl="0" eaLnBrk="1" fontAlgn="auto" latinLnBrk="0" hangingPunct="1">
-              <a:lnSpc>
-                <a:spcPct val="100000"/>
-              </a:lnSpc>
-              <a:spcBef>
-                <a:spcPts val="0"/>
-              </a:spcBef>
-              <a:spcAft>
-                <a:spcPts val="0"/>
-              </a:spcAft>
-              <a:buClrTx/>
-              <a:buSzTx/>
-              <a:buFontTx/>
-              <a:buNone/>
-              <a:tabLst/>
-              <a:defRPr/>
-            </a:pPr>
-            <a:endParaRPr lang="en-US" sz="1200" kern="1200" dirty="0">
-              <a:solidFill>
-                <a:schemeClr val="tx1"/>
-              </a:solidFill>
-              <a:effectLst/>
-              <a:latin typeface="Arial"/>
-              <a:ea typeface="+mn-ea"/>
-              <a:cs typeface="+mn-cs"/>
-            </a:endParaRPr>
-          </a:p>
-          <a:p>
-            <a:pPr marL="0" marR="0" lvl="0" indent="0" algn="l" defTabSz="457200" rtl="0" eaLnBrk="1" fontAlgn="auto" latinLnBrk="0" hangingPunct="1">
-              <a:lnSpc>
-                <a:spcPct val="100000"/>
-              </a:lnSpc>
-              <a:spcBef>
-                <a:spcPts val="0"/>
-              </a:spcBef>
-              <a:spcAft>
-                <a:spcPts val="0"/>
-              </a:spcAft>
-              <a:buClrTx/>
-              <a:buSzTx/>
-              <a:buFontTx/>
-              <a:buNone/>
-              <a:tabLst/>
-              <a:defRPr/>
-            </a:pPr>
-            <a:r>
-              <a:rPr lang="en-US" sz="1200" kern="1200" dirty="0">
+              <a:t>Shield CloudWatch metrics provide details about every incident. </a:t>
+            </a:r>
+          </a:p>
+          <a:p>
+            <a:r>
+              <a:rPr lang="en-US" sz="1200" b="0" i="0" kern="1200" dirty="0">
                 <a:solidFill>
                   <a:schemeClr val="tx1"/>
                 </a:solidFill>
@@ -7102,36 +6877,36 @@
                 <a:ea typeface="+mn-ea"/>
                 <a:cs typeface="+mn-cs"/>
               </a:rPr>
-              <a:t>Next I’ll show you a demo of two Lambdas responders that restart CloudTrail and send a notification as triggered by CloudWatch Events.</a:t>
-            </a:r>
-          </a:p>
-          <a:p>
-            <a:pPr marL="0" marR="0" lvl="0" indent="0" algn="l" defTabSz="457200" rtl="0" eaLnBrk="1" fontAlgn="auto" latinLnBrk="0" hangingPunct="1">
-              <a:lnSpc>
-                <a:spcPct val="100000"/>
-              </a:lnSpc>
-              <a:spcBef>
-                <a:spcPts val="0"/>
-              </a:spcBef>
-              <a:spcAft>
-                <a:spcPts val="0"/>
-              </a:spcAft>
-              <a:buClrTx/>
-              <a:buSzTx/>
-              <a:buFontTx/>
-              <a:buNone/>
-              <a:tabLst/>
-              <a:defRPr/>
-            </a:pPr>
-            <a:endParaRPr lang="en-US" sz="1200" kern="1200" dirty="0">
-              <a:solidFill>
-                <a:schemeClr val="tx1"/>
-              </a:solidFill>
-              <a:effectLst/>
-              <a:latin typeface="Arial"/>
-              <a:ea typeface="+mn-ea"/>
-              <a:cs typeface="+mn-cs"/>
-            </a:endParaRPr>
+              <a:t>Automate the addition of the bad IPs as indicated by Shield to add to blacklists elsewhere (WAF, VPC or your own Data Center)</a:t>
+            </a:r>
+          </a:p>
+          <a:p>
+            <a:r>
+              <a:rPr lang="en-US" baseline="0" dirty="0"/>
+              <a:t>advantage of the cloud is having the ability to capture automated events and notifications of changes to your infrastructure.  </a:t>
+            </a:r>
+          </a:p>
+          <a:p>
+            <a:r>
+              <a:rPr lang="en-US" baseline="0" dirty="0"/>
+              <a:t>You can then feed those changes to a Lambda function.  </a:t>
+            </a:r>
+          </a:p>
+          <a:p>
+            <a:r>
+              <a:rPr lang="en-US" baseline="0" dirty="0"/>
+              <a:t>This Lambda function could do any number of things such as Detection, Alerting, Remediation, Countermeasures, or Forensics.  </a:t>
+            </a:r>
+          </a:p>
+          <a:p>
+            <a:endParaRPr lang="en-US" baseline="0" dirty="0"/>
+          </a:p>
+          <a:p>
+            <a:r>
+              <a:rPr lang="en-US" baseline="0" dirty="0"/>
+              <a:t>By having the ability to pull together these changes in configuration information and act upon them allows you to ensure you have your security policies are automated from beginning to end and have continuous insight into your environment.  </a:t>
+            </a:r>
+            <a:endParaRPr lang="en-US" dirty="0"/>
           </a:p>
           <a:p>
             <a:endParaRPr lang="en-US" dirty="0"/>
@@ -7165,7 +6940,7 @@
     </p:spTree>
     <p:extLst>
       <p:ext uri="{BB962C8B-B14F-4D97-AF65-F5344CB8AC3E}">
-        <p14:creationId xmlns:p14="http://schemas.microsoft.com/office/powerpoint/2010/main" val="2477101096"/>
+        <p14:creationId xmlns:p14="http://schemas.microsoft.com/office/powerpoint/2010/main" val="1041878077"/>
       </p:ext>
     </p:extLst>
   </p:cSld>
@@ -7219,62 +6994,6 @@
           <a:bodyPr/>
           <a:lstStyle/>
           <a:p>
-            <a:r>
-              <a:rPr lang="en-US" sz="1200" b="0" i="0" kern="1200" dirty="0">
-                <a:solidFill>
-                  <a:schemeClr val="tx1"/>
-                </a:solidFill>
-                <a:effectLst/>
-                <a:latin typeface="Arial"/>
-                <a:ea typeface="+mn-ea"/>
-                <a:cs typeface="+mn-cs"/>
-              </a:rPr>
-              <a:t>Shield CloudWatch metrics provide details about every incident. </a:t>
-            </a:r>
-          </a:p>
-          <a:p>
-            <a:r>
-              <a:rPr lang="en-US" sz="1200" b="0" i="0" kern="1200" dirty="0">
-                <a:solidFill>
-                  <a:schemeClr val="tx1"/>
-                </a:solidFill>
-                <a:effectLst/>
-                <a:latin typeface="Arial"/>
-                <a:ea typeface="+mn-ea"/>
-                <a:cs typeface="+mn-cs"/>
-              </a:rPr>
-              <a:t>Automate the addition of the bad IPs as indicated by Shield to add to blacklists elsewhere (WAF, VPC or your own Data Center)</a:t>
-            </a:r>
-          </a:p>
-          <a:p>
-            <a:r>
-              <a:rPr lang="en-US" baseline="0" dirty="0"/>
-              <a:t>advantage of the cloud is having the ability to capture automated events and notifications of changes to your infrastructure.  </a:t>
-            </a:r>
-          </a:p>
-          <a:p>
-            <a:r>
-              <a:rPr lang="en-US" baseline="0" dirty="0"/>
-              <a:t>You can then feed those changes to a Lambda function.  </a:t>
-            </a:r>
-          </a:p>
-          <a:p>
-            <a:r>
-              <a:rPr lang="en-US" baseline="0" dirty="0"/>
-              <a:t>This Lambda function could do any number of things such as Detection, Alerting, Remediation, Countermeasures, or Forensics.  </a:t>
-            </a:r>
-          </a:p>
-          <a:p>
-            <a:endParaRPr lang="en-US" baseline="0" dirty="0"/>
-          </a:p>
-          <a:p>
-            <a:r>
-              <a:rPr lang="en-US" baseline="0" dirty="0"/>
-              <a:t>By having the ability to pull together these changes in configuration information and act upon them allows you to ensure you have your security policies are automated from beginning to end and have continuous insight into your environment.  </a:t>
-            </a:r>
-            <a:endParaRPr lang="en-US" dirty="0"/>
-          </a:p>
-          <a:p>
             <a:endParaRPr lang="en-US" dirty="0"/>
           </a:p>
         </p:txBody>
@@ -7297,7 +7016,7 @@
             <a:fld id="{69C3F2ED-74C5-7D4F-8560-0CC253E9A436}" type="slidenum">
               <a:rPr lang="en-US" smtClean="0"/>
               <a:pPr/>
-              <a:t>29</a:t>
+              <a:t>30</a:t>
             </a:fld>
             <a:endParaRPr lang="en-US" dirty="0"/>
           </a:p>
@@ -7306,7 +7025,7 @@
     </p:spTree>
     <p:extLst>
       <p:ext uri="{BB962C8B-B14F-4D97-AF65-F5344CB8AC3E}">
-        <p14:creationId xmlns:p14="http://schemas.microsoft.com/office/powerpoint/2010/main" val="1041878077"/>
+        <p14:creationId xmlns:p14="http://schemas.microsoft.com/office/powerpoint/2010/main" val="1029489786"/>
       </p:ext>
     </p:extLst>
   </p:cSld>
@@ -7391,7 +7110,7 @@
     </p:spTree>
     <p:extLst>
       <p:ext uri="{BB962C8B-B14F-4D97-AF65-F5344CB8AC3E}">
-        <p14:creationId xmlns:p14="http://schemas.microsoft.com/office/powerpoint/2010/main" val="1029489786"/>
+        <p14:creationId xmlns:p14="http://schemas.microsoft.com/office/powerpoint/2010/main" val="2714586282"/>
       </p:ext>
     </p:extLst>
   </p:cSld>
@@ -7445,7 +7164,10 @@
           <a:bodyPr/>
           <a:lstStyle/>
           <a:p>
-            <a:endParaRPr lang="en-US" dirty="0"/>
+            <a:r>
+              <a:rPr lang="en-US" dirty="0"/>
+              <a:t>An attack is about to occur</a:t>
+            </a:r>
           </a:p>
         </p:txBody>
       </p:sp>
@@ -7476,7 +7198,7 @@
     </p:spTree>
     <p:extLst>
       <p:ext uri="{BB962C8B-B14F-4D97-AF65-F5344CB8AC3E}">
-        <p14:creationId xmlns:p14="http://schemas.microsoft.com/office/powerpoint/2010/main" val="2714586282"/>
+        <p14:creationId xmlns:p14="http://schemas.microsoft.com/office/powerpoint/2010/main" val="342139941"/>
       </p:ext>
     </p:extLst>
   </p:cSld>
@@ -7530,7 +7252,25 @@
           <a:bodyPr/>
           <a:lstStyle/>
           <a:p>
-            <a:endParaRPr lang="en-US" dirty="0"/>
+            <a:r>
+              <a:rPr lang="en-US" sz="1200" dirty="0">
+                <a:latin typeface="Apple Braille" pitchFamily="2" charset="0"/>
+              </a:rPr>
+              <a:t>45 mins</a:t>
+            </a:r>
+          </a:p>
+          <a:p>
+            <a:endParaRPr lang="en-US" sz="1200" dirty="0">
+              <a:latin typeface="Apple Braille" pitchFamily="2" charset="0"/>
+            </a:endParaRPr>
+          </a:p>
+          <a:p>
+            <a:r>
+              <a:rPr lang="en-US" sz="1200" dirty="0">
+                <a:latin typeface="Apple Braille" pitchFamily="2" charset="0"/>
+              </a:rPr>
+              <a:t>Use the Oregon region </a:t>
+            </a:r>
           </a:p>
         </p:txBody>
       </p:sp>
@@ -7553,109 +7293,6 @@
               <a:rPr lang="en-US" smtClean="0"/>
               <a:pPr/>
               <a:t>33</a:t>
-            </a:fld>
-            <a:endParaRPr lang="en-US" dirty="0"/>
-          </a:p>
-        </p:txBody>
-      </p:sp>
-    </p:spTree>
-    <p:extLst>
-      <p:ext uri="{BB962C8B-B14F-4D97-AF65-F5344CB8AC3E}">
-        <p14:creationId xmlns:p14="http://schemas.microsoft.com/office/powerpoint/2010/main" val="342139941"/>
-      </p:ext>
-    </p:extLst>
-  </p:cSld>
-  <p:clrMapOvr>
-    <a:masterClrMapping/>
-  </p:clrMapOvr>
-</p:notes>
-</file>
-
-<file path=ppt/notesSlides/notesSlide29.xml><?xml version="1.0" encoding="utf-8"?>
-<p:notes xmlns:a="http://schemas.openxmlformats.org/drawingml/2006/main" xmlns:r="http://schemas.openxmlformats.org/officeDocument/2006/relationships" xmlns:p="http://schemas.openxmlformats.org/presentationml/2006/main">
-  <p:cSld>
-    <p:spTree>
-      <p:nvGrpSpPr>
-        <p:cNvPr id="1" name=""/>
-        <p:cNvGrpSpPr/>
-        <p:nvPr/>
-      </p:nvGrpSpPr>
-      <p:grpSpPr>
-        <a:xfrm>
-          <a:off x="0" y="0"/>
-          <a:ext cx="0" cy="0"/>
-          <a:chOff x="0" y="0"/>
-          <a:chExt cx="0" cy="0"/>
-        </a:xfrm>
-      </p:grpSpPr>
-      <p:sp>
-        <p:nvSpPr>
-          <p:cNvPr id="2" name="Slide Image Placeholder 1"/>
-          <p:cNvSpPr>
-            <a:spLocks noGrp="1" noRot="1" noChangeAspect="1"/>
-          </p:cNvSpPr>
-          <p:nvPr>
-            <p:ph type="sldImg"/>
-          </p:nvPr>
-        </p:nvSpPr>
-        <p:spPr/>
-      </p:sp>
-      <p:sp>
-        <p:nvSpPr>
-          <p:cNvPr id="3" name="Notes Placeholder 2"/>
-          <p:cNvSpPr>
-            <a:spLocks noGrp="1"/>
-          </p:cNvSpPr>
-          <p:nvPr>
-            <p:ph type="body" idx="1"/>
-          </p:nvPr>
-        </p:nvSpPr>
-        <p:spPr/>
-        <p:txBody>
-          <a:bodyPr/>
-          <a:lstStyle/>
-          <a:p>
-            <a:r>
-              <a:rPr lang="en-US" sz="1200" dirty="0">
-                <a:latin typeface="Apple Braille" pitchFamily="2" charset="0"/>
-              </a:rPr>
-              <a:t>45 mins</a:t>
-            </a:r>
-          </a:p>
-          <a:p>
-            <a:endParaRPr lang="en-US" sz="1200" dirty="0">
-              <a:latin typeface="Apple Braille" pitchFamily="2" charset="0"/>
-            </a:endParaRPr>
-          </a:p>
-          <a:p>
-            <a:r>
-              <a:rPr lang="en-US" sz="1200" dirty="0">
-                <a:latin typeface="Apple Braille" pitchFamily="2" charset="0"/>
-              </a:rPr>
-              <a:t>Use the Oregon region </a:t>
-            </a:r>
-          </a:p>
-        </p:txBody>
-      </p:sp>
-      <p:sp>
-        <p:nvSpPr>
-          <p:cNvPr id="4" name="Slide Number Placeholder 3"/>
-          <p:cNvSpPr>
-            <a:spLocks noGrp="1"/>
-          </p:cNvSpPr>
-          <p:nvPr>
-            <p:ph type="sldNum" sz="quarter" idx="10"/>
-          </p:nvPr>
-        </p:nvSpPr>
-        <p:spPr/>
-        <p:txBody>
-          <a:bodyPr/>
-          <a:lstStyle/>
-          <a:p>
-            <a:fld id="{69C3F2ED-74C5-7D4F-8560-0CC253E9A436}" type="slidenum">
-              <a:rPr lang="en-US" smtClean="0"/>
-              <a:pPr/>
-              <a:t>34</a:t>
             </a:fld>
             <a:endParaRPr lang="en-US" dirty="0"/>
           </a:p>
@@ -7776,31 +7413,7 @@
                 <a:ea typeface="+mn-ea"/>
                 <a:cs typeface="+mn-cs"/>
               </a:rPr>
-              <a:t>the controller and the processor shall implement appropriate technical and </a:t>
-            </a:r>
-            <a:r>
-              <a:rPr lang="en-US" sz="1200" b="1" i="0" kern="1200" dirty="0" err="1">
-                <a:solidFill>
-                  <a:schemeClr val="tx1"/>
-                </a:solidFill>
-                <a:effectLst/>
-                <a:latin typeface="Amazon Ember Regular" charset="0"/>
-                <a:ea typeface="+mn-ea"/>
-                <a:cs typeface="+mn-cs"/>
-              </a:rPr>
-              <a:t>organisational</a:t>
-            </a:r>
-            <a:r>
-              <a:rPr lang="en-US" sz="1200" b="1" i="0" kern="1200" dirty="0">
-                <a:solidFill>
-                  <a:schemeClr val="tx1"/>
-                </a:solidFill>
-                <a:effectLst/>
-                <a:latin typeface="Amazon Ember Regular" charset="0"/>
-                <a:ea typeface="+mn-ea"/>
-                <a:cs typeface="+mn-cs"/>
-              </a:rPr>
-              <a:t> measures to ensure a level of security appropriate to the risk, including inter alia as appropriate:</a:t>
+              <a:t>the controller and the processor shall implement appropriate technical and organizational measures to ensure a level of security appropriate to the risk, including inter alia as appropriate:</a:t>
             </a:r>
             <a:endParaRPr lang="en-US" sz="1200" b="1" dirty="0">
               <a:latin typeface="Apple Braille" pitchFamily="2" charset="0"/>
@@ -7992,19 +7605,6 @@
               <a:t>needed to interpret all of this data.</a:t>
             </a:r>
           </a:p>
-          <a:p>
-            <a:pPr marL="171450" indent="-171450">
-              <a:buFont typeface="Arial" panose="020B0604020202020204" pitchFamily="34" charset="0"/>
-              <a:buChar char="•"/>
-            </a:pPr>
-            <a:endParaRPr lang="en-US" dirty="0"/>
-          </a:p>
-          <a:p>
-            <a:r>
-              <a:rPr lang="en-US" dirty="0"/>
-              <a:t>Machine learning and real-time streaming log data inputs can help efficiently detect threats and automation and can rapidly remediate threats in AWS.  </a:t>
-            </a:r>
-          </a:p>
         </p:txBody>
       </p:sp>
       <p:sp>
@@ -8210,6 +7810,139 @@
             <a:endParaRPr lang="en-US" dirty="0"/>
           </a:p>
           <a:p>
+            <a:pPr marL="171450" marR="0" lvl="0" indent="-171450" algn="l" defTabSz="457200" rtl="0" eaLnBrk="1" fontAlgn="auto" latinLnBrk="0" hangingPunct="1">
+              <a:lnSpc>
+                <a:spcPct val="100000"/>
+              </a:lnSpc>
+              <a:spcBef>
+                <a:spcPts val="0"/>
+              </a:spcBef>
+              <a:spcAft>
+                <a:spcPts val="0"/>
+              </a:spcAft>
+              <a:buClrTx/>
+              <a:buSzTx/>
+              <a:buFont typeface="Arial" panose="020B0604020202020204" pitchFamily="34" charset="0"/>
+              <a:buChar char="•"/>
+              <a:tabLst/>
+              <a:defRPr/>
+            </a:pPr>
+            <a:r>
+              <a:rPr lang="en-US" dirty="0"/>
+              <a:t>In general, and this is pretty obvious, you want to reduce the need for people to analyze raw data and perform repetitive, manual tasks. </a:t>
+            </a:r>
+          </a:p>
+          <a:p>
+            <a:pPr marL="171450" marR="0" lvl="0" indent="-171450" algn="l" defTabSz="457200" rtl="0" eaLnBrk="1" fontAlgn="auto" latinLnBrk="0" hangingPunct="1">
+              <a:lnSpc>
+                <a:spcPct val="100000"/>
+              </a:lnSpc>
+              <a:spcBef>
+                <a:spcPts val="0"/>
+              </a:spcBef>
+              <a:spcAft>
+                <a:spcPts val="0"/>
+              </a:spcAft>
+              <a:buClrTx/>
+              <a:buSzTx/>
+              <a:buFont typeface="Arial" panose="020B0604020202020204" pitchFamily="34" charset="0"/>
+              <a:buChar char="•"/>
+              <a:tabLst/>
+              <a:defRPr/>
+            </a:pPr>
+            <a:endParaRPr lang="en-US" dirty="0"/>
+          </a:p>
+          <a:p>
+            <a:pPr marL="171450" marR="0" lvl="0" indent="-171450" algn="l" defTabSz="457200" rtl="0" eaLnBrk="1" fontAlgn="auto" latinLnBrk="0" hangingPunct="1">
+              <a:lnSpc>
+                <a:spcPct val="100000"/>
+              </a:lnSpc>
+              <a:spcBef>
+                <a:spcPts val="0"/>
+              </a:spcBef>
+              <a:spcAft>
+                <a:spcPts val="0"/>
+              </a:spcAft>
+              <a:buClrTx/>
+              <a:buSzTx/>
+              <a:buFont typeface="Arial" panose="020B0604020202020204" pitchFamily="34" charset="0"/>
+              <a:buChar char="•"/>
+              <a:tabLst/>
+              <a:defRPr/>
+            </a:pPr>
+            <a:r>
+              <a:rPr lang="en-US" dirty="0"/>
+              <a:t>That’s why our security services for threat detection </a:t>
+            </a:r>
+            <a:r>
+              <a:rPr lang="en-US" dirty="0" err="1"/>
+              <a:t>usie</a:t>
+            </a:r>
+            <a:r>
+              <a:rPr lang="en-US" dirty="0"/>
+              <a:t> Machine learning, threat intelligence and anomaly detection: we automate finding the signal in the noise – it’s just not realistic to rely on humans to be able to do even a small amount of the analysis. Automated systems can provide threat alerts that have both h</a:t>
+            </a:r>
+            <a:r>
+              <a:rPr lang="en-US" sz="1200" spc="0" dirty="0">
+                <a:latin typeface="Arial" panose="020B0604020202020204" pitchFamily="34" charset="0"/>
+                <a:ea typeface="Amazon Ember Thin" charset="0"/>
+                <a:cs typeface="Arial" panose="020B0604020202020204" pitchFamily="34" charset="0"/>
+              </a:rPr>
+              <a:t>igh coverage or volume of true positives as well as high accuracy resulting in fewer false positives. </a:t>
+            </a:r>
+          </a:p>
+          <a:p>
+            <a:pPr marL="171450" marR="0" lvl="0" indent="-171450" algn="l" defTabSz="457200" rtl="0" eaLnBrk="1" fontAlgn="auto" latinLnBrk="0" hangingPunct="1">
+              <a:lnSpc>
+                <a:spcPct val="100000"/>
+              </a:lnSpc>
+              <a:spcBef>
+                <a:spcPts val="0"/>
+              </a:spcBef>
+              <a:spcAft>
+                <a:spcPts val="0"/>
+              </a:spcAft>
+              <a:buClrTx/>
+              <a:buSzTx/>
+              <a:buFont typeface="Arial" panose="020B0604020202020204" pitchFamily="34" charset="0"/>
+              <a:buChar char="•"/>
+              <a:tabLst/>
+              <a:defRPr/>
+            </a:pPr>
+            <a:r>
+              <a:rPr lang="en-US" sz="1200" spc="0" dirty="0">
+                <a:latin typeface="Arial" panose="020B0604020202020204" pitchFamily="34" charset="0"/>
+                <a:ea typeface="Amazon Ember Thin" charset="0"/>
+                <a:cs typeface="Arial" panose="020B0604020202020204" pitchFamily="34" charset="0"/>
+              </a:rPr>
+              <a:t>Alerts include the context needed to </a:t>
+            </a:r>
+            <a:r>
+              <a:rPr lang="en-US" dirty="0"/>
+              <a:t>automate the response process. </a:t>
+            </a:r>
+          </a:p>
+          <a:p>
+            <a:pPr marL="0" marR="0" lvl="0" indent="0" algn="l" defTabSz="457200" rtl="0" eaLnBrk="1" fontAlgn="auto" latinLnBrk="0" hangingPunct="1">
+              <a:lnSpc>
+                <a:spcPct val="100000"/>
+              </a:lnSpc>
+              <a:spcBef>
+                <a:spcPts val="0"/>
+              </a:spcBef>
+              <a:spcAft>
+                <a:spcPts val="0"/>
+              </a:spcAft>
+              <a:buClrTx/>
+              <a:buSzTx/>
+              <a:buFontTx/>
+              <a:buNone/>
+              <a:tabLst/>
+              <a:defRPr/>
+            </a:pPr>
+            <a:endParaRPr lang="en-US" dirty="0"/>
+          </a:p>
+          <a:p>
             <a:pPr marL="0" marR="0" lvl="0" indent="0" algn="l" defTabSz="457200" rtl="0" eaLnBrk="1" fontAlgn="auto" latinLnBrk="0" hangingPunct="1">
               <a:lnSpc>
                 <a:spcPct val="100000"/>
@@ -8331,7 +8064,7 @@
             </a:pPr>
             <a:r>
               <a:rPr lang="en-US" dirty="0"/>
-              <a:t>From the 2018 Verizon Data Breach Investigations Report</a:t>
+              <a:t>One other thought – also from the Verizon Report – Detecting breaches needs to be automated otherwise you could miss stuff</a:t>
             </a:r>
           </a:p>
           <a:p>
@@ -8353,8 +8086,12 @@
               <a:defRPr/>
             </a:pPr>
             <a:r>
-              <a:rPr lang="en-US" dirty="0"/>
-              <a:t>Three of the top five action varieties (top 5 of the top 20) for breaches (breaches not incidents) are related to people</a:t>
+              <a:rPr lang="en-US" sz="1200" dirty="0">
+                <a:latin typeface="Amazon Ember" panose="020B0603020204020204" pitchFamily="34" charset="0"/>
+                <a:ea typeface="Amazon Ember" panose="020B0603020204020204" pitchFamily="34" charset="0"/>
+                <a:cs typeface="Amazon Ember" panose="020B0603020204020204" pitchFamily="34" charset="0"/>
+              </a:rPr>
+              <a:t>We are not really good at detecting breaches – we’re excellent at attacks – at doing breaches – but finding the breaches, not so much.</a:t>
             </a:r>
           </a:p>
           <a:p>
@@ -8375,14 +8112,130 @@
               <a:tabLst/>
               <a:defRPr/>
             </a:pPr>
-            <a:r>
-              <a:rPr lang="en-US" dirty="0"/>
-              <a:t>Humans are a top </a:t>
-            </a:r>
-            <a:r>
-              <a:rPr lang="en-US" sz="1200" dirty="0"/>
-              <a:t>opportunity for attackers.</a:t>
-            </a:r>
+            <a:endParaRPr lang="en-US" sz="1200" dirty="0">
+              <a:latin typeface="Amazon Ember" panose="020B0603020204020204" pitchFamily="34" charset="0"/>
+              <a:ea typeface="Amazon Ember" panose="020B0603020204020204" pitchFamily="34" charset="0"/>
+              <a:cs typeface="Amazon Ember" panose="020B0603020204020204" pitchFamily="34" charset="0"/>
+            </a:endParaRPr>
+          </a:p>
+          <a:p>
+            <a:pPr marL="171450" marR="0" lvl="0" indent="-171450" algn="l" defTabSz="457200" rtl="0" eaLnBrk="1" fontAlgn="auto" latinLnBrk="0" hangingPunct="1">
+              <a:lnSpc>
+                <a:spcPct val="100000"/>
+              </a:lnSpc>
+              <a:spcBef>
+                <a:spcPts val="0"/>
+              </a:spcBef>
+              <a:spcAft>
+                <a:spcPts val="0"/>
+              </a:spcAft>
+              <a:buClrTx/>
+              <a:buSzTx/>
+              <a:buFont typeface="Arial" panose="020B0604020202020204" pitchFamily="34" charset="0"/>
+              <a:buChar char="•"/>
+              <a:tabLst/>
+              <a:defRPr/>
+            </a:pPr>
+            <a:r>
+              <a:rPr lang="en-US" sz="1200" dirty="0">
+                <a:latin typeface="Amazon Ember" panose="020B0603020204020204" pitchFamily="34" charset="0"/>
+                <a:ea typeface="Amazon Ember" panose="020B0603020204020204" pitchFamily="34" charset="0"/>
+                <a:cs typeface="Amazon Ember" panose="020B0603020204020204" pitchFamily="34" charset="0"/>
+              </a:rPr>
+              <a:t>A lot of the attacks are already automated – the stuff to the left of the red line is highly automated. We need to automate all the stuff on the right now.</a:t>
+            </a:r>
+          </a:p>
+          <a:p>
+            <a:pPr marL="171450" marR="0" lvl="0" indent="-171450" algn="l" defTabSz="457200" rtl="0" eaLnBrk="1" fontAlgn="auto" latinLnBrk="0" hangingPunct="1">
+              <a:lnSpc>
+                <a:spcPct val="100000"/>
+              </a:lnSpc>
+              <a:spcBef>
+                <a:spcPts val="0"/>
+              </a:spcBef>
+              <a:spcAft>
+                <a:spcPts val="0"/>
+              </a:spcAft>
+              <a:buClrTx/>
+              <a:buSzTx/>
+              <a:buFont typeface="Arial" panose="020B0604020202020204" pitchFamily="34" charset="0"/>
+              <a:buChar char="•"/>
+              <a:tabLst/>
+              <a:defRPr/>
+            </a:pPr>
+            <a:endParaRPr lang="en-US" sz="1200" dirty="0">
+              <a:latin typeface="Amazon Ember" panose="020B0603020204020204" pitchFamily="34" charset="0"/>
+              <a:ea typeface="Amazon Ember" panose="020B0603020204020204" pitchFamily="34" charset="0"/>
+              <a:cs typeface="Amazon Ember" panose="020B0603020204020204" pitchFamily="34" charset="0"/>
+            </a:endParaRPr>
+          </a:p>
+          <a:p>
+            <a:pPr marL="171450" marR="0" lvl="0" indent="-171450" algn="l" defTabSz="457200" rtl="0" eaLnBrk="1" fontAlgn="auto" latinLnBrk="0" hangingPunct="1">
+              <a:lnSpc>
+                <a:spcPct val="100000"/>
+              </a:lnSpc>
+              <a:spcBef>
+                <a:spcPts val="0"/>
+              </a:spcBef>
+              <a:spcAft>
+                <a:spcPts val="0"/>
+              </a:spcAft>
+              <a:buClrTx/>
+              <a:buSzTx/>
+              <a:buFont typeface="Arial" panose="020B0604020202020204" pitchFamily="34" charset="0"/>
+              <a:buChar char="•"/>
+              <a:tabLst/>
+              <a:defRPr/>
+            </a:pPr>
+            <a:endParaRPr lang="en-US" sz="1200" dirty="0">
+              <a:latin typeface="Amazon Ember" panose="020B0603020204020204" pitchFamily="34" charset="0"/>
+              <a:ea typeface="Amazon Ember" panose="020B0603020204020204" pitchFamily="34" charset="0"/>
+              <a:cs typeface="Amazon Ember" panose="020B0603020204020204" pitchFamily="34" charset="0"/>
+            </a:endParaRPr>
+          </a:p>
+          <a:p>
+            <a:pPr marL="171450" marR="0" lvl="0" indent="-171450" algn="l" defTabSz="457200" rtl="0" eaLnBrk="1" fontAlgn="auto" latinLnBrk="0" hangingPunct="1">
+              <a:lnSpc>
+                <a:spcPct val="100000"/>
+              </a:lnSpc>
+              <a:spcBef>
+                <a:spcPts val="0"/>
+              </a:spcBef>
+              <a:spcAft>
+                <a:spcPts val="0"/>
+              </a:spcAft>
+              <a:buClrTx/>
+              <a:buSzTx/>
+              <a:buFont typeface="Arial" panose="020B0604020202020204" pitchFamily="34" charset="0"/>
+              <a:buChar char="•"/>
+              <a:tabLst/>
+              <a:defRPr/>
+            </a:pPr>
+            <a:r>
+              <a:rPr lang="en-US" sz="1200" dirty="0">
+                <a:latin typeface="Amazon Ember" panose="020B0603020204020204" pitchFamily="34" charset="0"/>
+                <a:ea typeface="Amazon Ember" panose="020B0603020204020204" pitchFamily="34" charset="0"/>
+                <a:cs typeface="Amazon Ember" panose="020B0603020204020204" pitchFamily="34" charset="0"/>
+              </a:rPr>
+              <a:t>Again this is regarding Data Breaches (not just incidents): </a:t>
+            </a:r>
+            <a:r>
+              <a:rPr lang="en-US" sz="1200" b="0" i="0" kern="1200" dirty="0">
+                <a:solidFill>
+                  <a:schemeClr val="tx1"/>
+                </a:solidFill>
+                <a:effectLst/>
+                <a:latin typeface="Amazon Ember Regular" charset="0"/>
+                <a:ea typeface="+mn-ea"/>
+                <a:cs typeface="+mn-cs"/>
+              </a:rPr>
+              <a:t>confirmed disclosure of data to an unauthorized party (not just potential exposure)</a:t>
+            </a:r>
+            <a:endParaRPr lang="en-US" sz="1200" dirty="0">
+              <a:latin typeface="Amazon Ember" panose="020B0603020204020204" pitchFamily="34" charset="0"/>
+              <a:ea typeface="Amazon Ember" panose="020B0603020204020204" pitchFamily="34" charset="0"/>
+              <a:cs typeface="Amazon Ember" panose="020B0603020204020204" pitchFamily="34" charset="0"/>
+            </a:endParaRPr>
           </a:p>
           <a:p>
             <a:pPr marL="171450" marR="0" lvl="0" indent="-171450" algn="l" defTabSz="457200" rtl="0" eaLnBrk="1" fontAlgn="auto" latinLnBrk="0" hangingPunct="1">
@@ -8404,95 +8257,6 @@
             </a:pPr>
             <a:endParaRPr lang="en-US" dirty="0"/>
           </a:p>
-          <a:p>
-            <a:pPr marL="171450" marR="0" lvl="0" indent="-171450" algn="l" defTabSz="457200" rtl="0" eaLnBrk="1" fontAlgn="auto" latinLnBrk="0" hangingPunct="1">
-              <a:lnSpc>
-                <a:spcPct val="100000"/>
-              </a:lnSpc>
-              <a:spcBef>
-                <a:spcPts val="0"/>
-              </a:spcBef>
-              <a:spcAft>
-                <a:spcPts val="0"/>
-              </a:spcAft>
-              <a:buClrTx/>
-              <a:buSzTx/>
-              <a:buFont typeface="Arial" panose="020B0604020202020204" pitchFamily="34" charset="0"/>
-              <a:buChar char="•"/>
-              <a:tabLst/>
-              <a:defRPr/>
-            </a:pPr>
-            <a:r>
-              <a:rPr lang="en-US" dirty="0"/>
-              <a:t>In general, and this is pretty obvious, you want to reduce the need for people to analyze raw data and perform repetitive, manual tasks. </a:t>
-            </a:r>
-            <a:br>
-              <a:rPr lang="en-US" dirty="0"/>
-            </a:br>
-            <a:endParaRPr lang="en-US" dirty="0"/>
-          </a:p>
-          <a:p>
-            <a:pPr marL="171450" marR="0" lvl="0" indent="-171450" algn="l" defTabSz="457200" rtl="0" eaLnBrk="1" fontAlgn="auto" latinLnBrk="0" hangingPunct="1">
-              <a:lnSpc>
-                <a:spcPct val="100000"/>
-              </a:lnSpc>
-              <a:spcBef>
-                <a:spcPts val="0"/>
-              </a:spcBef>
-              <a:spcAft>
-                <a:spcPts val="0"/>
-              </a:spcAft>
-              <a:buClrTx/>
-              <a:buSzTx/>
-              <a:buFont typeface="Arial" panose="020B0604020202020204" pitchFamily="34" charset="0"/>
-              <a:buChar char="•"/>
-              <a:tabLst/>
-              <a:defRPr/>
-            </a:pPr>
-            <a:r>
-              <a:rPr lang="en-US" dirty="0"/>
-              <a:t>Machine learning, threat intelligence and anomaly detection: can provide threat alerts that have both h</a:t>
-            </a:r>
-            <a:r>
-              <a:rPr lang="en-US" sz="1200" spc="0" dirty="0">
-                <a:latin typeface="Arial" panose="020B0604020202020204" pitchFamily="34" charset="0"/>
-                <a:ea typeface="Amazon Ember Thin" charset="0"/>
-                <a:cs typeface="Arial" panose="020B0604020202020204" pitchFamily="34" charset="0"/>
-              </a:rPr>
-              <a:t>igh coverage or volume of true positives as well as high accuracy resulting in fewer false positives. </a:t>
-            </a:r>
-          </a:p>
-          <a:p>
-            <a:pPr marL="171450" marR="0" lvl="0" indent="-171450" algn="l" defTabSz="457200" rtl="0" eaLnBrk="1" fontAlgn="auto" latinLnBrk="0" hangingPunct="1">
-              <a:lnSpc>
-                <a:spcPct val="100000"/>
-              </a:lnSpc>
-              <a:spcBef>
-                <a:spcPts val="0"/>
-              </a:spcBef>
-              <a:spcAft>
-                <a:spcPts val="0"/>
-              </a:spcAft>
-              <a:buClrTx/>
-              <a:buSzTx/>
-              <a:buFont typeface="Arial" panose="020B0604020202020204" pitchFamily="34" charset="0"/>
-              <a:buChar char="•"/>
-              <a:tabLst/>
-              <a:defRPr/>
-            </a:pPr>
-            <a:r>
-              <a:rPr lang="en-US" sz="1200" spc="0" dirty="0">
-                <a:latin typeface="Arial" panose="020B0604020202020204" pitchFamily="34" charset="0"/>
-                <a:ea typeface="Amazon Ember Thin" charset="0"/>
-                <a:cs typeface="Arial" panose="020B0604020202020204" pitchFamily="34" charset="0"/>
-              </a:rPr>
-              <a:t>Alerts include the context needed to </a:t>
-            </a:r>
-            <a:r>
-              <a:rPr lang="en-US" dirty="0"/>
-              <a:t>automate the response process. </a:t>
-            </a:r>
-          </a:p>
         </p:txBody>
       </p:sp>
       <p:sp>
@@ -8522,7 +8286,7 @@
     </p:spTree>
     <p:extLst>
       <p:ext uri="{BB962C8B-B14F-4D97-AF65-F5344CB8AC3E}">
-        <p14:creationId xmlns:p14="http://schemas.microsoft.com/office/powerpoint/2010/main" val="1888050890"/>
+        <p14:creationId xmlns:p14="http://schemas.microsoft.com/office/powerpoint/2010/main" val="1435187927"/>
       </p:ext>
     </p:extLst>
   </p:cSld>
@@ -8576,7 +8340,7 @@
           <a:bodyPr/>
           <a:lstStyle/>
           <a:p>
-            <a:pPr marL="171450" marR="0" lvl="0" indent="-171450" algn="l" defTabSz="457200" rtl="0" eaLnBrk="1" fontAlgn="auto" latinLnBrk="0" hangingPunct="1">
+            <a:pPr marL="0" marR="0" lvl="0" indent="0" algn="l" defTabSz="457200" rtl="0" eaLnBrk="1" fontAlgn="auto" latinLnBrk="0" hangingPunct="1">
               <a:lnSpc>
                 <a:spcPct val="100000"/>
               </a:lnSpc>
@@ -8588,18 +8352,22 @@
               </a:spcAft>
               <a:buClrTx/>
               <a:buSzTx/>
-              <a:buFont typeface="Arial" panose="020B0604020202020204" pitchFamily="34" charset="0"/>
-              <a:buChar char="•"/>
+              <a:buFontTx/>
+              <a:buNone/>
               <a:tabLst/>
               <a:defRPr/>
             </a:pPr>
             <a:r>
-              <a:rPr lang="en-US" dirty="0"/>
-              <a:t>One other thought – also from the 2018 Verizon Data Breach Investigations Report</a:t>
-            </a:r>
-          </a:p>
-          <a:p>
-            <a:pPr marL="171450" marR="0" lvl="0" indent="-171450" algn="l" defTabSz="457200" rtl="0" eaLnBrk="1" fontAlgn="auto" latinLnBrk="0" hangingPunct="1">
+              <a:rPr lang="en-US" sz="1200" dirty="0">
+                <a:latin typeface="Amazon Ember Cd RC Thin" panose="020B0306020204020204" pitchFamily="34" charset="0"/>
+                <a:ea typeface="Amazon Ember Cd RC Thin" panose="020B0306020204020204" pitchFamily="34" charset="0"/>
+                <a:cs typeface="Amazon Ember Cd RC Thin" panose="020B0306020204020204" pitchFamily="34" charset="0"/>
+              </a:rPr>
+              <a:t>Source: 2017 Forbes Insights – “Enterprises Reengineer Security in the Age of Digital Transformation”</a:t>
+            </a:r>
+          </a:p>
+          <a:p>
+            <a:pPr marL="0" marR="0" lvl="0" indent="0" algn="l" defTabSz="457200" rtl="0" eaLnBrk="1" fontAlgn="auto" latinLnBrk="0" hangingPunct="1">
               <a:lnSpc>
                 <a:spcPct val="100000"/>
               </a:lnSpc>
@@ -8611,146 +8379,30 @@
               </a:spcAft>
               <a:buClrTx/>
               <a:buSzTx/>
-              <a:buFont typeface="Arial" panose="020B0604020202020204" pitchFamily="34" charset="0"/>
-              <a:buChar char="•"/>
+              <a:buFontTx/>
+              <a:buNone/>
               <a:tabLst/>
               <a:defRPr/>
             </a:pPr>
             <a:r>
-              <a:rPr lang="en-US" dirty="0"/>
-              <a:t>It’s not just about taking humans out of the mix – it’s about detecting the breaches</a:t>
-            </a:r>
-          </a:p>
-          <a:p>
-            <a:pPr marL="171450" marR="0" lvl="0" indent="-171450" algn="l" defTabSz="457200" rtl="0" eaLnBrk="1" fontAlgn="auto" latinLnBrk="0" hangingPunct="1">
-              <a:lnSpc>
-                <a:spcPct val="100000"/>
-              </a:lnSpc>
-              <a:spcBef>
-                <a:spcPts val="0"/>
-              </a:spcBef>
-              <a:spcAft>
-                <a:spcPts val="0"/>
-              </a:spcAft>
-              <a:buClrTx/>
-              <a:buSzTx/>
-              <a:buFont typeface="Arial" panose="020B0604020202020204" pitchFamily="34" charset="0"/>
-              <a:buChar char="•"/>
-              <a:tabLst/>
-              <a:defRPr/>
-            </a:pPr>
-            <a:r>
               <a:rPr lang="en-US" sz="1200" dirty="0">
-                <a:latin typeface="Amazon Ember" panose="020B0603020204020204" pitchFamily="34" charset="0"/>
-                <a:ea typeface="Amazon Ember" panose="020B0603020204020204" pitchFamily="34" charset="0"/>
-                <a:cs typeface="Amazon Ember" panose="020B0603020204020204" pitchFamily="34" charset="0"/>
-              </a:rPr>
-              <a:t>https://</a:t>
-            </a:r>
-            <a:r>
-              <a:rPr lang="en-US" sz="1200" dirty="0" err="1">
-                <a:latin typeface="Amazon Ember" panose="020B0603020204020204" pitchFamily="34" charset="0"/>
-                <a:ea typeface="Amazon Ember" panose="020B0603020204020204" pitchFamily="34" charset="0"/>
-                <a:cs typeface="Amazon Ember" panose="020B0603020204020204" pitchFamily="34" charset="0"/>
-              </a:rPr>
-              <a:t>www.verizonenterprise.com</a:t>
-            </a:r>
-            <a:r>
-              <a:rPr lang="en-US" sz="1200" dirty="0">
-                <a:latin typeface="Amazon Ember" panose="020B0603020204020204" pitchFamily="34" charset="0"/>
-                <a:ea typeface="Amazon Ember" panose="020B0603020204020204" pitchFamily="34" charset="0"/>
-                <a:cs typeface="Amazon Ember" panose="020B0603020204020204" pitchFamily="34" charset="0"/>
-              </a:rPr>
-              <a:t>/resources/reports/rp_DBIR_2018_Report_en_xg.pdf</a:t>
-            </a:r>
-          </a:p>
-          <a:p>
-            <a:pPr marL="171450" marR="0" lvl="0" indent="-171450" algn="l" defTabSz="457200" rtl="0" eaLnBrk="1" fontAlgn="auto" latinLnBrk="0" hangingPunct="1">
-              <a:lnSpc>
-                <a:spcPct val="100000"/>
-              </a:lnSpc>
-              <a:spcBef>
-                <a:spcPts val="0"/>
-              </a:spcBef>
-              <a:spcAft>
-                <a:spcPts val="0"/>
-              </a:spcAft>
-              <a:buClrTx/>
-              <a:buSzTx/>
-              <a:buFont typeface="Arial" panose="020B0604020202020204" pitchFamily="34" charset="0"/>
-              <a:buChar char="•"/>
-              <a:tabLst/>
-              <a:defRPr/>
-            </a:pPr>
+                <a:solidFill>
+                  <a:schemeClr val="accent1"/>
+                </a:solidFill>
+                <a:latin typeface="Amazon Ember Cd RC Thin" panose="020B0306020204020204" pitchFamily="34" charset="0"/>
+                <a:ea typeface="Amazon Ember Cd RC Thin" panose="020B0306020204020204" pitchFamily="34" charset="0"/>
+                <a:cs typeface="Amazon Ember Cd RC Thin" panose="020B0306020204020204" pitchFamily="34" charset="0"/>
+              </a:rPr>
+              <a:t>The top action taken by enterprises has been about vulnerability discovery and remediation – so this is already a priority and it’s important to be aware of the technologies that can help in this realm</a:t>
+            </a:r>
             <a:endParaRPr lang="en-US" sz="1200" dirty="0">
-              <a:latin typeface="Amazon Ember" panose="020B0603020204020204" pitchFamily="34" charset="0"/>
-              <a:ea typeface="Amazon Ember" panose="020B0603020204020204" pitchFamily="34" charset="0"/>
-              <a:cs typeface="Amazon Ember" panose="020B0603020204020204" pitchFamily="34" charset="0"/>
+              <a:solidFill>
+                <a:schemeClr val="accent1"/>
+              </a:solidFill>
+              <a:latin typeface="Amazon Ember Cd RC Light" panose="020B0406020204020204" pitchFamily="34" charset="0"/>
+              <a:ea typeface="Amazon Ember Cd RC Light" panose="020B0406020204020204" pitchFamily="34" charset="0"/>
+              <a:cs typeface="Amazon Ember Cd RC Light" panose="020B0406020204020204" pitchFamily="34" charset="0"/>
             </a:endParaRPr>
-          </a:p>
-          <a:p>
-            <a:pPr marL="171450" marR="0" lvl="0" indent="-171450" algn="l" defTabSz="457200" rtl="0" eaLnBrk="1" fontAlgn="auto" latinLnBrk="0" hangingPunct="1">
-              <a:lnSpc>
-                <a:spcPct val="100000"/>
-              </a:lnSpc>
-              <a:spcBef>
-                <a:spcPts val="0"/>
-              </a:spcBef>
-              <a:spcAft>
-                <a:spcPts val="0"/>
-              </a:spcAft>
-              <a:buClrTx/>
-              <a:buSzTx/>
-              <a:buFont typeface="Arial" panose="020B0604020202020204" pitchFamily="34" charset="0"/>
-              <a:buChar char="•"/>
-              <a:tabLst/>
-              <a:defRPr/>
-            </a:pPr>
-            <a:r>
-              <a:rPr lang="en-US" sz="1200" dirty="0">
-                <a:latin typeface="Amazon Ember" panose="020B0603020204020204" pitchFamily="34" charset="0"/>
-                <a:ea typeface="Amazon Ember" panose="020B0603020204020204" pitchFamily="34" charset="0"/>
-                <a:cs typeface="Amazon Ember" panose="020B0603020204020204" pitchFamily="34" charset="0"/>
-              </a:rPr>
-              <a:t>Again this is regarding Data Breaches (not just incidents): </a:t>
-            </a:r>
-            <a:r>
-              <a:rPr lang="en-US" sz="1200" b="0" i="0" kern="1200" dirty="0">
-                <a:solidFill>
-                  <a:schemeClr val="tx1"/>
-                </a:solidFill>
-                <a:effectLst/>
-                <a:latin typeface="Amazon Ember Regular" charset="0"/>
-                <a:ea typeface="+mn-ea"/>
-                <a:cs typeface="+mn-cs"/>
-              </a:rPr>
-              <a:t>confirmed disclosure of data to an unauthorized party (not just potential exposure)</a:t>
-            </a:r>
-            <a:endParaRPr lang="en-US" sz="1200" dirty="0">
-              <a:latin typeface="Amazon Ember" panose="020B0603020204020204" pitchFamily="34" charset="0"/>
-              <a:ea typeface="Amazon Ember" panose="020B0603020204020204" pitchFamily="34" charset="0"/>
-              <a:cs typeface="Amazon Ember" panose="020B0603020204020204" pitchFamily="34" charset="0"/>
-            </a:endParaRPr>
-          </a:p>
-          <a:p>
-            <a:pPr marL="171450" marR="0" lvl="0" indent="-171450" algn="l" defTabSz="457200" rtl="0" eaLnBrk="1" fontAlgn="auto" latinLnBrk="0" hangingPunct="1">
-              <a:lnSpc>
-                <a:spcPct val="100000"/>
-              </a:lnSpc>
-              <a:spcBef>
-                <a:spcPts val="0"/>
-              </a:spcBef>
-              <a:spcAft>
-                <a:spcPts val="0"/>
-              </a:spcAft>
-              <a:buClrTx/>
-              <a:buSzTx/>
-              <a:buFont typeface="Arial" panose="020B0604020202020204" pitchFamily="34" charset="0"/>
-              <a:buChar char="•"/>
-              <a:tabLst/>
-              <a:defRPr/>
-            </a:pPr>
-            <a:endParaRPr lang="en-US" dirty="0"/>
           </a:p>
         </p:txBody>
       </p:sp>
@@ -8781,7 +8433,7 @@
     </p:spTree>
     <p:extLst>
       <p:ext uri="{BB962C8B-B14F-4D97-AF65-F5344CB8AC3E}">
-        <p14:creationId xmlns:p14="http://schemas.microsoft.com/office/powerpoint/2010/main" val="1435187927"/>
+        <p14:creationId xmlns:p14="http://schemas.microsoft.com/office/powerpoint/2010/main" val="1301091809"/>
       </p:ext>
     </p:extLst>
   </p:cSld>
@@ -8835,69 +8487,45 @@
           <a:bodyPr/>
           <a:lstStyle/>
           <a:p>
-            <a:pPr marL="0" marR="0" lvl="0" indent="0" algn="l" defTabSz="457200" rtl="0" eaLnBrk="1" fontAlgn="auto" latinLnBrk="0" hangingPunct="1">
-              <a:lnSpc>
-                <a:spcPct val="100000"/>
-              </a:lnSpc>
-              <a:spcBef>
-                <a:spcPts val="0"/>
-              </a:spcBef>
-              <a:spcAft>
-                <a:spcPts val="0"/>
-              </a:spcAft>
-              <a:buClrTx/>
-              <a:buSzTx/>
-              <a:buFontTx/>
-              <a:buNone/>
-              <a:tabLst/>
-              <a:defRPr/>
-            </a:pPr>
-            <a:r>
-              <a:rPr lang="en-US" sz="1200" dirty="0">
-                <a:latin typeface="Amazon Ember Cd RC Thin" panose="020B0306020204020204" pitchFamily="34" charset="0"/>
-                <a:ea typeface="Amazon Ember Cd RC Thin" panose="020B0306020204020204" pitchFamily="34" charset="0"/>
-                <a:cs typeface="Amazon Ember Cd RC Thin" panose="020B0306020204020204" pitchFamily="34" charset="0"/>
-              </a:rPr>
-              <a:t>Source: 2017 Forbes Insights – “Enterprises Reengineer Security in the Age of Digital Transformation”</a:t>
-            </a:r>
-          </a:p>
-          <a:p>
-            <a:pPr marL="0" marR="0" lvl="0" indent="0" algn="l" defTabSz="457200" rtl="0" eaLnBrk="1" fontAlgn="auto" latinLnBrk="0" hangingPunct="1">
-              <a:lnSpc>
-                <a:spcPct val="100000"/>
-              </a:lnSpc>
-              <a:spcBef>
-                <a:spcPts val="0"/>
-              </a:spcBef>
-              <a:spcAft>
-                <a:spcPts val="0"/>
-              </a:spcAft>
-              <a:buClrTx/>
-              <a:buSzTx/>
-              <a:buFontTx/>
-              <a:buNone/>
-              <a:tabLst/>
-              <a:defRPr/>
-            </a:pPr>
-            <a:r>
-              <a:rPr lang="en-US" sz="1200" dirty="0">
-                <a:solidFill>
-                  <a:schemeClr val="accent1"/>
-                </a:solidFill>
-                <a:latin typeface="Amazon Ember Cd RC Thin" panose="020B0306020204020204" pitchFamily="34" charset="0"/>
-                <a:ea typeface="Amazon Ember Cd RC Thin" panose="020B0306020204020204" pitchFamily="34" charset="0"/>
-                <a:cs typeface="Amazon Ember Cd RC Thin" panose="020B0306020204020204" pitchFamily="34" charset="0"/>
-              </a:rPr>
-              <a:t>The top action taken by enterprises has been about vulnerability discovery and remediation – so this is already a priority and it’s important to be aware of the technologies that can help in this realm</a:t>
-            </a:r>
-            <a:endParaRPr lang="en-US" sz="1200" dirty="0">
-              <a:solidFill>
-                <a:schemeClr val="accent1"/>
-              </a:solidFill>
-              <a:latin typeface="Amazon Ember Cd RC Light" panose="020B0406020204020204" pitchFamily="34" charset="0"/>
-              <a:ea typeface="Amazon Ember Cd RC Light" panose="020B0406020204020204" pitchFamily="34" charset="0"/>
-              <a:cs typeface="Amazon Ember Cd RC Light" panose="020B0406020204020204" pitchFamily="34" charset="0"/>
-            </a:endParaRPr>
+            <a:r>
+              <a:rPr lang="en-US" dirty="0"/>
+              <a:t>If we did a rough alignment of AWS services to the NIST Cybersecurity Framework core functions (v1.1 was just released in April of 2018) we might come up with something like this,</a:t>
+            </a:r>
+          </a:p>
+          <a:p>
+            <a:endParaRPr lang="en-US" dirty="0"/>
+          </a:p>
+          <a:p>
+            <a:r>
+              <a:rPr lang="en-US" dirty="0"/>
+              <a:t>This shows the breakdown of services and where most services lie, There is definitely overlap and the same services that fall into multiple categories.</a:t>
+            </a:r>
+          </a:p>
+          <a:p>
+            <a:r>
+              <a:rPr lang="en-US" dirty="0"/>
+              <a:t>The services in bold are the ones we will cover in this workshop</a:t>
+            </a:r>
+          </a:p>
+          <a:p>
+            <a:endParaRPr lang="en-US" dirty="0"/>
+          </a:p>
+          <a:p>
+            <a:r>
+              <a:rPr lang="en-US" sz="1200" b="0" i="0" kern="1200" dirty="0">
+                <a:solidFill>
+                  <a:schemeClr val="tx1"/>
+                </a:solidFill>
+                <a:effectLst/>
+                <a:latin typeface="Amazon Ember Regular" charset="0"/>
+                <a:ea typeface="+mn-ea"/>
+                <a:cs typeface="+mn-cs"/>
+              </a:rPr>
+              <a:t>NIST Cybersecurity Framework: standards, guidelines, and best practices to manage cybersecurity-related risk.  - Similar to the CAF Components (not Epics) – Directive, Preventive, Detective, Responsive</a:t>
+            </a:r>
+          </a:p>
+          <a:p>
+            <a:endParaRPr lang="en-US" dirty="0"/>
           </a:p>
         </p:txBody>
       </p:sp>
@@ -8928,7 +8556,7 @@
     </p:spTree>
     <p:extLst>
       <p:ext uri="{BB962C8B-B14F-4D97-AF65-F5344CB8AC3E}">
-        <p14:creationId xmlns:p14="http://schemas.microsoft.com/office/powerpoint/2010/main" val="1301091809"/>
+        <p14:creationId xmlns:p14="http://schemas.microsoft.com/office/powerpoint/2010/main" val="1017802140"/>
       </p:ext>
     </p:extLst>
   </p:cSld>
@@ -8982,43 +8610,289 @@
           <a:bodyPr/>
           <a:lstStyle/>
           <a:p>
-            <a:r>
-              <a:rPr lang="en-US" dirty="0"/>
-              <a:t>If we did a rough alignment of AWS services to the NIST Cybersecurity Framework core functions (v1.1 was just released in April of 2018) we might come up with something like this,</a:t>
-            </a:r>
-          </a:p>
-          <a:p>
-            <a:endParaRPr lang="en-US" dirty="0"/>
-          </a:p>
-          <a:p>
-            <a:r>
-              <a:rPr lang="en-US" dirty="0"/>
-              <a:t>This shows the breakdown of services and where most services lie, There is definitely overlap and the same services that fall into multiple categories.</a:t>
-            </a:r>
-          </a:p>
-          <a:p>
-            <a:r>
-              <a:rPr lang="en-US" dirty="0"/>
-              <a:t>The services in bold are the ones we will cover in this workshop</a:t>
-            </a:r>
-          </a:p>
-          <a:p>
-            <a:endParaRPr lang="en-US" dirty="0"/>
-          </a:p>
-          <a:p>
-            <a:r>
-              <a:rPr lang="en-US" sz="1200" b="0" i="0" kern="1200" dirty="0">
+            <a:pPr marL="0" marR="0" lvl="0" indent="0" algn="l" defTabSz="457200" rtl="0" eaLnBrk="1" fontAlgn="auto" latinLnBrk="0" hangingPunct="1">
+              <a:lnSpc>
+                <a:spcPct val="100000"/>
+              </a:lnSpc>
+              <a:spcBef>
+                <a:spcPts val="0"/>
+              </a:spcBef>
+              <a:spcAft>
+                <a:spcPts val="0"/>
+              </a:spcAft>
+              <a:buClrTx/>
+              <a:buSzTx/>
+              <a:buFontTx/>
+              <a:buNone/>
+              <a:tabLst/>
+              <a:defRPr/>
+            </a:pPr>
+            <a:r>
+              <a:rPr lang="en-US" dirty="0">
                 <a:solidFill>
                   <a:schemeClr val="tx1"/>
                 </a:solidFill>
+                <a:latin typeface="Arial" panose="020B0604020202020204" pitchFamily="34" charset="0"/>
+                <a:cs typeface="Arial" panose="020B0604020202020204" pitchFamily="34" charset="0"/>
+              </a:rPr>
+              <a:t>AWS logs -  data source inputs for a threat detection</a:t>
+            </a:r>
+          </a:p>
+          <a:p>
+            <a:pPr marL="0" marR="0" lvl="0" indent="0" algn="l" defTabSz="457200" rtl="0" eaLnBrk="1" fontAlgn="auto" latinLnBrk="0" hangingPunct="1">
+              <a:lnSpc>
+                <a:spcPct val="100000"/>
+              </a:lnSpc>
+              <a:spcBef>
+                <a:spcPts val="0"/>
+              </a:spcBef>
+              <a:spcAft>
+                <a:spcPts val="0"/>
+              </a:spcAft>
+              <a:buClrTx/>
+              <a:buSzTx/>
+              <a:buFontTx/>
+              <a:buNone/>
+              <a:tabLst/>
+              <a:defRPr/>
+            </a:pPr>
+            <a:r>
+              <a:rPr lang="en-US" dirty="0">
+                <a:solidFill>
+                  <a:schemeClr val="tx1"/>
+                </a:solidFill>
+                <a:latin typeface="Arial" panose="020B0604020202020204" pitchFamily="34" charset="0"/>
+                <a:cs typeface="Arial" panose="020B0604020202020204" pitchFamily="34" charset="0"/>
+              </a:rPr>
+              <a:t>Does anyone know of an AWS service that detects threats by analyzing three out of four of the logs?</a:t>
+            </a:r>
+          </a:p>
+          <a:p>
+            <a:pPr marL="0" marR="0" lvl="0" indent="0" algn="l" defTabSz="457200" rtl="0" eaLnBrk="1" fontAlgn="auto" latinLnBrk="0" hangingPunct="1">
+              <a:lnSpc>
+                <a:spcPct val="100000"/>
+              </a:lnSpc>
+              <a:spcBef>
+                <a:spcPts val="0"/>
+              </a:spcBef>
+              <a:spcAft>
+                <a:spcPts val="0"/>
+              </a:spcAft>
+              <a:buClrTx/>
+              <a:buSzTx/>
+              <a:buFontTx/>
+              <a:buNone/>
+              <a:tabLst/>
+              <a:defRPr/>
+            </a:pPr>
+            <a:endParaRPr lang="en-US" dirty="0">
+              <a:solidFill>
+                <a:schemeClr val="tx1"/>
+              </a:solidFill>
+              <a:latin typeface="Arial" panose="020B0604020202020204" pitchFamily="34" charset="0"/>
+              <a:cs typeface="Arial" panose="020B0604020202020204" pitchFamily="34" charset="0"/>
+            </a:endParaRPr>
+          </a:p>
+          <a:p>
+            <a:pPr marL="0" marR="0" lvl="0" indent="0" algn="l" defTabSz="457200" rtl="0" eaLnBrk="1" fontAlgn="auto" latinLnBrk="0" hangingPunct="1">
+              <a:lnSpc>
+                <a:spcPct val="100000"/>
+              </a:lnSpc>
+              <a:spcBef>
+                <a:spcPts val="0"/>
+              </a:spcBef>
+              <a:spcAft>
+                <a:spcPts val="0"/>
+              </a:spcAft>
+              <a:buClrTx/>
+              <a:buSzTx/>
+              <a:buFontTx/>
+              <a:buNone/>
+              <a:tabLst/>
+              <a:defRPr/>
+            </a:pPr>
+            <a:r>
+              <a:rPr lang="en-US" sz="1200" kern="1200" dirty="0">
+                <a:solidFill>
+                  <a:schemeClr val="tx1"/>
+                </a:solidFill>
                 <a:effectLst/>
-                <a:latin typeface="Amazon Ember Regular" charset="0"/>
+                <a:latin typeface="Arial"/>
                 <a:ea typeface="+mn-ea"/>
                 <a:cs typeface="+mn-cs"/>
               </a:rPr>
-              <a:t>NIST Cybersecurity Framework: standards, guidelines, and best practices to manage cybersecurity-related risk.  - CAF aligns to this</a:t>
-            </a:r>
-            <a:endParaRPr lang="en-US" dirty="0"/>
+              <a:t>CloudTrail provides visibility into user activity by recording actions taken on your account.  - Audit</a:t>
+            </a:r>
+            <a:endParaRPr lang="en-US" dirty="0">
+              <a:solidFill>
+                <a:schemeClr val="tx1"/>
+              </a:solidFill>
+              <a:latin typeface="Arial" panose="020B0604020202020204" pitchFamily="34" charset="0"/>
+              <a:cs typeface="Arial" panose="020B0604020202020204" pitchFamily="34" charset="0"/>
+            </a:endParaRPr>
+          </a:p>
+          <a:p>
+            <a:pPr marL="0" marR="0" lvl="0" indent="0" algn="l" defTabSz="457200" rtl="0" eaLnBrk="1" fontAlgn="auto" latinLnBrk="0" hangingPunct="1">
+              <a:lnSpc>
+                <a:spcPct val="100000"/>
+              </a:lnSpc>
+              <a:spcBef>
+                <a:spcPts val="0"/>
+              </a:spcBef>
+              <a:spcAft>
+                <a:spcPts val="0"/>
+              </a:spcAft>
+              <a:buClrTx/>
+              <a:buSzTx/>
+              <a:buFontTx/>
+              <a:buNone/>
+              <a:tabLst/>
+              <a:defRPr/>
+            </a:pPr>
+            <a:r>
+              <a:rPr lang="en-US" dirty="0">
+                <a:solidFill>
+                  <a:schemeClr val="tx1"/>
+                </a:solidFill>
+                <a:latin typeface="Arial" panose="020B0604020202020204" pitchFamily="34" charset="0"/>
+                <a:cs typeface="Arial" panose="020B0604020202020204" pitchFamily="34" charset="0"/>
+              </a:rPr>
+              <a:t>Virtual Private Cloud (VPC) Flow Logs:</a:t>
+            </a:r>
+          </a:p>
+          <a:p>
+            <a:pPr marL="171450" marR="0" lvl="0" indent="-171450" algn="l" defTabSz="457200" rtl="0" eaLnBrk="1" fontAlgn="auto" latinLnBrk="0" hangingPunct="1">
+              <a:lnSpc>
+                <a:spcPct val="100000"/>
+              </a:lnSpc>
+              <a:spcBef>
+                <a:spcPts val="0"/>
+              </a:spcBef>
+              <a:spcAft>
+                <a:spcPts val="0"/>
+              </a:spcAft>
+              <a:buClrTx/>
+              <a:buSzTx/>
+              <a:buFont typeface="Arial" panose="020B0604020202020204" pitchFamily="34" charset="0"/>
+              <a:buChar char="•"/>
+              <a:tabLst/>
+              <a:defRPr/>
+            </a:pPr>
+            <a:r>
+              <a:rPr lang="en-US" dirty="0">
+                <a:solidFill>
+                  <a:schemeClr val="tx1"/>
+                </a:solidFill>
+                <a:latin typeface="Arial" panose="020B0604020202020204" pitchFamily="34" charset="0"/>
+                <a:cs typeface="Arial" panose="020B0604020202020204" pitchFamily="34" charset="0"/>
+              </a:rPr>
+              <a:t>Capture information about the IP traffic going to and from network interfaces in your VPC.    </a:t>
+            </a:r>
+          </a:p>
+          <a:p>
+            <a:pPr marL="171450" marR="0" lvl="0" indent="-171450" algn="l" defTabSz="457200" rtl="0" eaLnBrk="1" fontAlgn="auto" latinLnBrk="0" hangingPunct="1">
+              <a:lnSpc>
+                <a:spcPct val="100000"/>
+              </a:lnSpc>
+              <a:spcBef>
+                <a:spcPts val="0"/>
+              </a:spcBef>
+              <a:spcAft>
+                <a:spcPts val="0"/>
+              </a:spcAft>
+              <a:buClrTx/>
+              <a:buSzTx/>
+              <a:buFont typeface="Arial" panose="020B0604020202020204" pitchFamily="34" charset="0"/>
+              <a:buChar char="•"/>
+              <a:tabLst/>
+              <a:defRPr/>
+            </a:pPr>
+            <a:r>
+              <a:rPr lang="en-US" dirty="0">
+                <a:solidFill>
+                  <a:schemeClr val="tx1"/>
+                </a:solidFill>
+                <a:latin typeface="Arial" panose="020B0604020202020204" pitchFamily="34" charset="0"/>
+                <a:cs typeface="Arial" panose="020B0604020202020204" pitchFamily="34" charset="0"/>
+              </a:rPr>
+              <a:t>Used to monitor the traffic that is reaching your EC2 instances,</a:t>
+            </a:r>
+          </a:p>
+          <a:p>
+            <a:r>
+              <a:rPr lang="en-US" sz="1200" kern="1200" dirty="0">
+                <a:solidFill>
+                  <a:schemeClr val="tx1"/>
+                </a:solidFill>
+                <a:effectLst/>
+                <a:latin typeface="Arial"/>
+                <a:ea typeface="+mn-ea"/>
+                <a:cs typeface="+mn-cs"/>
+              </a:rPr>
+              <a:t>With CloudWatch Logs, you can monitor your logs, in near real-time, for specific phrases, values or patterns to create metrics and implement alarms. </a:t>
+            </a:r>
+            <a:endParaRPr lang="en-US" dirty="0">
+              <a:solidFill>
+                <a:schemeClr val="tx1"/>
+              </a:solidFill>
+              <a:latin typeface="Arial" panose="020B0604020202020204" pitchFamily="34" charset="0"/>
+              <a:cs typeface="Arial" panose="020B0604020202020204" pitchFamily="34" charset="0"/>
+            </a:endParaRPr>
+          </a:p>
+          <a:p>
+            <a:pPr marL="0" marR="0" lvl="0" indent="0" algn="l" defTabSz="457200" rtl="0" eaLnBrk="1" fontAlgn="auto" latinLnBrk="0" hangingPunct="1">
+              <a:lnSpc>
+                <a:spcPct val="100000"/>
+              </a:lnSpc>
+              <a:spcBef>
+                <a:spcPts val="0"/>
+              </a:spcBef>
+              <a:spcAft>
+                <a:spcPts val="0"/>
+              </a:spcAft>
+              <a:buClrTx/>
+              <a:buSzTx/>
+              <a:buFont typeface="Arial" panose="020B0604020202020204" pitchFamily="34" charset="0"/>
+              <a:buNone/>
+              <a:tabLst/>
+              <a:defRPr/>
+            </a:pPr>
+            <a:r>
+              <a:rPr lang="en-US" dirty="0">
+                <a:solidFill>
+                  <a:schemeClr val="tx1"/>
+                </a:solidFill>
+                <a:latin typeface="Arial" panose="020B0604020202020204" pitchFamily="34" charset="0"/>
+                <a:cs typeface="Arial" panose="020B0604020202020204" pitchFamily="34" charset="0"/>
+              </a:rPr>
+              <a:t>DNS Logs are used by GuardDuty as part of the analysis for continuous threat detection and include all DNS queries to the DNS resolver provided within your VPC. </a:t>
+            </a:r>
+          </a:p>
+          <a:p>
+            <a:pPr marL="0" marR="0" lvl="0" indent="0" algn="l" defTabSz="457200" rtl="0" eaLnBrk="1" fontAlgn="auto" latinLnBrk="0" hangingPunct="1">
+              <a:lnSpc>
+                <a:spcPct val="100000"/>
+              </a:lnSpc>
+              <a:spcBef>
+                <a:spcPts val="0"/>
+              </a:spcBef>
+              <a:spcAft>
+                <a:spcPts val="0"/>
+              </a:spcAft>
+              <a:buClrTx/>
+              <a:buSzTx/>
+              <a:buFont typeface="Arial" panose="020B0604020202020204" pitchFamily="34" charset="0"/>
+              <a:buNone/>
+              <a:tabLst/>
+              <a:defRPr/>
+            </a:pPr>
+            <a:endParaRPr lang="en-US" dirty="0">
+              <a:solidFill>
+                <a:schemeClr val="tx1"/>
+              </a:solidFill>
+              <a:latin typeface="Arial" panose="020B0604020202020204" pitchFamily="34" charset="0"/>
+              <a:cs typeface="Arial" panose="020B0604020202020204" pitchFamily="34" charset="0"/>
+            </a:endParaRPr>
           </a:p>
         </p:txBody>
       </p:sp>
@@ -9040,7 +8914,7 @@
             <a:fld id="{69C3F2ED-74C5-7D4F-8560-0CC253E9A436}" type="slidenum">
               <a:rPr lang="en-US" smtClean="0"/>
               <a:pPr/>
-              <a:t>11</a:t>
+              <a:t>12</a:t>
             </a:fld>
             <a:endParaRPr lang="en-US" dirty="0"/>
           </a:p>
@@ -9049,7 +8923,7 @@
     </p:spTree>
     <p:extLst>
       <p:ext uri="{BB962C8B-B14F-4D97-AF65-F5344CB8AC3E}">
-        <p14:creationId xmlns:p14="http://schemas.microsoft.com/office/powerpoint/2010/main" val="1017802140"/>
+        <p14:creationId xmlns:p14="http://schemas.microsoft.com/office/powerpoint/2010/main" val="3258370379"/>
       </p:ext>
     </p:extLst>
   </p:cSld>
@@ -13254,181 +13128,6 @@
       </p:grpSpPr>
       <p:sp>
         <p:nvSpPr>
-          <p:cNvPr id="2" name="Title 1"/>
-          <p:cNvSpPr>
-            <a:spLocks noGrp="1"/>
-          </p:cNvSpPr>
-          <p:nvPr>
-            <p:ph type="title"/>
-          </p:nvPr>
-        </p:nvSpPr>
-        <p:spPr/>
-        <p:txBody>
-          <a:bodyPr/>
-          <a:lstStyle/>
-          <a:p>
-            <a:r>
-              <a:rPr lang="en-US" dirty="0"/>
-              <a:t>Top Actions Taken to Address Security Issues</a:t>
-            </a:r>
-          </a:p>
-        </p:txBody>
-      </p:sp>
-      <p:pic>
-        <p:nvPicPr>
-          <p:cNvPr id="3" name="Picture 2"/>
-          <p:cNvPicPr>
-            <a:picLocks noChangeAspect="1"/>
-          </p:cNvPicPr>
-          <p:nvPr/>
-        </p:nvPicPr>
-        <p:blipFill>
-          <a:blip r:embed="rId3"/>
-          <a:stretch>
-            <a:fillRect/>
-          </a:stretch>
-        </p:blipFill>
-        <p:spPr>
-          <a:xfrm>
-            <a:off x="336789" y="737577"/>
-            <a:ext cx="5685194" cy="3867254"/>
-          </a:xfrm>
-          <a:prstGeom prst="rect">
-            <a:avLst/>
-          </a:prstGeom>
-        </p:spPr>
-      </p:pic>
-      <p:sp>
-        <p:nvSpPr>
-          <p:cNvPr id="4" name="TextBox 3"/>
-          <p:cNvSpPr txBox="1"/>
-          <p:nvPr/>
-        </p:nvSpPr>
-        <p:spPr>
-          <a:xfrm>
-            <a:off x="336788" y="4653229"/>
-            <a:ext cx="7425674" cy="200055"/>
-          </a:xfrm>
-          <a:prstGeom prst="rect">
-            <a:avLst/>
-          </a:prstGeom>
-          <a:noFill/>
-        </p:spPr>
-        <p:txBody>
-          <a:bodyPr wrap="square" rtlCol="0">
-            <a:spAutoFit/>
-          </a:bodyPr>
-          <a:lstStyle/>
-          <a:p>
-            <a:r>
-              <a:rPr lang="en-US" sz="700" dirty="0">
-                <a:latin typeface="Amazon Ember Cd RC Thin" panose="020B0306020204020204" pitchFamily="34" charset="0"/>
-                <a:ea typeface="Amazon Ember Cd RC Thin" panose="020B0306020204020204" pitchFamily="34" charset="0"/>
-                <a:cs typeface="Amazon Ember Cd RC Thin" panose="020B0306020204020204" pitchFamily="34" charset="0"/>
-              </a:rPr>
-              <a:t>Source: 2017 Forbes Insights – “Enterprises Reengineer Security in the Age of Digital Transformation”</a:t>
-            </a:r>
-          </a:p>
-        </p:txBody>
-      </p:sp>
-      <p:sp>
-        <p:nvSpPr>
-          <p:cNvPr id="5" name="TextBox 4"/>
-          <p:cNvSpPr txBox="1"/>
-          <p:nvPr/>
-        </p:nvSpPr>
-        <p:spPr>
-          <a:xfrm>
-            <a:off x="6109005" y="2071039"/>
-            <a:ext cx="2846989" cy="1200329"/>
-          </a:xfrm>
-          <a:prstGeom prst="rect">
-            <a:avLst/>
-          </a:prstGeom>
-          <a:noFill/>
-        </p:spPr>
-        <p:txBody>
-          <a:bodyPr wrap="square" rtlCol="0">
-            <a:spAutoFit/>
-          </a:bodyPr>
-          <a:lstStyle/>
-          <a:p>
-            <a:pPr lvl="0">
-              <a:defRPr/>
-            </a:pPr>
-            <a:r>
-              <a:rPr lang="en-US" dirty="0">
-                <a:latin typeface="Amazon Ember" panose="020B0603020204020204" pitchFamily="34" charset="0"/>
-                <a:ea typeface="Amazon Ember" panose="020B0603020204020204" pitchFamily="34" charset="0"/>
-                <a:cs typeface="Amazon Ember" panose="020B0603020204020204" pitchFamily="34" charset="0"/>
-              </a:rPr>
-              <a:t>2017 Forbes Insights – “Enterprises Reengineer Security in the Age of Digital Transformation”</a:t>
-            </a:r>
-          </a:p>
-        </p:txBody>
-      </p:sp>
-      <p:pic>
-        <p:nvPicPr>
-          <p:cNvPr id="6" name="Picture 5"/>
-          <p:cNvPicPr>
-            <a:picLocks noChangeAspect="1"/>
-          </p:cNvPicPr>
-          <p:nvPr/>
-        </p:nvPicPr>
-        <p:blipFill>
-          <a:blip r:embed="rId4">
-            <a:extLst>
-              <a:ext uri="{28A0092B-C50C-407E-A947-70E740481C1C}">
-                <a14:useLocalDpi xmlns:a14="http://schemas.microsoft.com/office/drawing/2010/main" val="0"/>
-              </a:ext>
-            </a:extLst>
-          </a:blip>
-          <a:stretch>
-            <a:fillRect/>
-          </a:stretch>
-        </p:blipFill>
-        <p:spPr>
-          <a:xfrm>
-            <a:off x="8624155" y="141238"/>
-            <a:ext cx="331839" cy="428024"/>
-          </a:xfrm>
-          <a:prstGeom prst="rect">
-            <a:avLst/>
-          </a:prstGeom>
-        </p:spPr>
-      </p:pic>
-    </p:spTree>
-    <p:extLst>
-      <p:ext uri="{BB962C8B-B14F-4D97-AF65-F5344CB8AC3E}">
-        <p14:creationId xmlns:p14="http://schemas.microsoft.com/office/powerpoint/2010/main" val="3771599466"/>
-      </p:ext>
-    </p:extLst>
-  </p:cSld>
-  <p:clrMapOvr>
-    <a:masterClrMapping/>
-  </p:clrMapOvr>
-</p:sld>
-</file>
-
-<file path=ppt/slides/slide11.xml><?xml version="1.0" encoding="utf-8"?>
-<p:sld xmlns:a="http://schemas.openxmlformats.org/drawingml/2006/main" xmlns:r="http://schemas.openxmlformats.org/officeDocument/2006/relationships" xmlns:p="http://schemas.openxmlformats.org/presentationml/2006/main">
-  <p:cSld>
-    <p:spTree>
-      <p:nvGrpSpPr>
-        <p:cNvPr id="1" name=""/>
-        <p:cNvGrpSpPr/>
-        <p:nvPr/>
-      </p:nvGrpSpPr>
-      <p:grpSpPr>
-        <a:xfrm>
-          <a:off x="0" y="0"/>
-          <a:ext cx="0" cy="0"/>
-          <a:chOff x="0" y="0"/>
-          <a:chExt cx="0" cy="0"/>
-        </a:xfrm>
-      </p:grpSpPr>
-      <p:sp>
-        <p:nvSpPr>
           <p:cNvPr id="7" name="Rectangle 6">
             <a:extLst>
               <a:ext uri="{FF2B5EF4-FFF2-40B4-BE49-F238E27FC236}">
@@ -13493,7 +13192,7 @@
         <p:spPr>
           <a:xfrm>
             <a:off x="3744132" y="1646561"/>
-            <a:ext cx="1679144" cy="2586606"/>
+            <a:ext cx="1679144" cy="2844625"/>
           </a:xfrm>
           <a:prstGeom prst="rect">
             <a:avLst/>
@@ -13627,6 +13326,16 @@
               </a:rPr>
               <a:t>AWS WAF</a:t>
             </a:r>
+          </a:p>
+          <a:p>
+            <a:pPr algn="ctr">
+              <a:spcBef>
+                <a:spcPts val="800"/>
+              </a:spcBef>
+            </a:pPr>
+            <a:endParaRPr lang="en-US" sz="1000" dirty="0">
+              <a:latin typeface="Amazon Ember Regular" charset="0"/>
+            </a:endParaRPr>
           </a:p>
           <a:p>
             <a:pPr algn="ctr">
@@ -13655,7 +13364,7 @@
         <p:spPr>
           <a:xfrm>
             <a:off x="2009816" y="1639092"/>
-            <a:ext cx="1844123" cy="4266553"/>
+            <a:ext cx="1844123" cy="3753592"/>
           </a:xfrm>
           <a:prstGeom prst="rect">
             <a:avLst/>
@@ -13697,7 +13406,7 @@
               </a:spcBef>
             </a:pPr>
             <a:r>
-              <a:rPr lang="en-US" sz="1125" b="1" dirty="0">
+              <a:rPr lang="en-US" sz="1125" dirty="0">
                 <a:latin typeface="Amazon Ember Regular" charset="0"/>
               </a:rPr>
               <a:t>Amazon Inspector</a:t>
@@ -13841,29 +13550,6 @@
               </a:rPr>
               <a:t>Amazon Inspector</a:t>
             </a:r>
-          </a:p>
-          <a:p>
-            <a:pPr algn="ctr">
-              <a:spcBef>
-                <a:spcPts val="800"/>
-              </a:spcBef>
-            </a:pPr>
-            <a:r>
-              <a:rPr lang="en-US" sz="1000" dirty="0">
-                <a:latin typeface="Amazon Ember Regular" charset="0"/>
-              </a:rPr>
-              <a:t>Amazon Macie</a:t>
-            </a:r>
-          </a:p>
-          <a:p>
-            <a:pPr algn="ctr">
-              <a:spcBef>
-                <a:spcPts val="800"/>
-              </a:spcBef>
-            </a:pPr>
-            <a:endParaRPr lang="en-US" sz="1000" dirty="0">
-              <a:latin typeface="Amazon Ember Regular" charset="0"/>
-            </a:endParaRPr>
           </a:p>
           <a:p>
             <a:pPr algn="ctr">
@@ -13902,7 +13588,7 @@
         <p:spPr>
           <a:xfrm>
             <a:off x="5432508" y="1646561"/>
-            <a:ext cx="1692145" cy="2208297"/>
+            <a:ext cx="1692145" cy="2484013"/>
           </a:xfrm>
           <a:prstGeom prst="rect">
             <a:avLst/>
@@ -13985,6 +13671,19 @@
                 <a:latin typeface="Amazon Ember Regular" charset="0"/>
               </a:rPr>
               <a:t>CloudWatch Events</a:t>
+            </a:r>
+          </a:p>
+          <a:p>
+            <a:pPr algn="ctr">
+              <a:spcBef>
+                <a:spcPts val="800"/>
+              </a:spcBef>
+            </a:pPr>
+            <a:r>
+              <a:rPr lang="en-US" sz="1125" dirty="0">
+                <a:latin typeface="Amazon Ember Regular" charset="0"/>
+              </a:rPr>
+              <a:t>Pro Services Raptor</a:t>
             </a:r>
           </a:p>
           <a:p>
@@ -14399,7 +14098,7 @@
         <p:spPr>
           <a:xfrm>
             <a:off x="7156121" y="1647557"/>
-            <a:ext cx="1594884" cy="541174"/>
+            <a:ext cx="1594884" cy="714298"/>
           </a:xfrm>
           <a:prstGeom prst="rect">
             <a:avLst/>
@@ -14423,7 +14122,7 @@
                 </a:solidFill>
                 <a:latin typeface="Amazon Ember Regular" charset="0"/>
               </a:rPr>
-              <a:t>AWS Config Rules</a:t>
+              <a:t>AWS Lambda</a:t>
             </a:r>
           </a:p>
           <a:p>
@@ -14433,13 +14132,13 @@
               </a:spcBef>
             </a:pPr>
             <a:r>
-              <a:rPr lang="en-US" sz="1125" b="1" dirty="0">
+              <a:rPr lang="en-US" sz="1125" dirty="0">
                 <a:solidFill>
                   <a:schemeClr val="accent6"/>
                 </a:solidFill>
                 <a:latin typeface="Amazon Ember Regular" charset="0"/>
               </a:rPr>
-              <a:t>AWS Lambda</a:t>
+              <a:t>AWS DR and Backup Solutions</a:t>
             </a:r>
           </a:p>
         </p:txBody>
@@ -14951,6 +14650,58 @@
 </p:sld>
 </file>
 
+<file path=ppt/slides/slide11.xml><?xml version="1.0" encoding="utf-8"?>
+<p:sld xmlns:a="http://schemas.openxmlformats.org/drawingml/2006/main" xmlns:r="http://schemas.openxmlformats.org/officeDocument/2006/relationships" xmlns:p="http://schemas.openxmlformats.org/presentationml/2006/main">
+  <p:cSld>
+    <p:spTree>
+      <p:nvGrpSpPr>
+        <p:cNvPr id="1" name=""/>
+        <p:cNvGrpSpPr/>
+        <p:nvPr/>
+      </p:nvGrpSpPr>
+      <p:grpSpPr>
+        <a:xfrm>
+          <a:off x="0" y="0"/>
+          <a:ext cx="0" cy="0"/>
+          <a:chOff x="0" y="0"/>
+          <a:chExt cx="0" cy="0"/>
+        </a:xfrm>
+      </p:grpSpPr>
+      <p:sp>
+        <p:nvSpPr>
+          <p:cNvPr id="2" name="Title 1"/>
+          <p:cNvSpPr>
+            <a:spLocks noGrp="1"/>
+          </p:cNvSpPr>
+          <p:nvPr>
+            <p:ph type="title"/>
+          </p:nvPr>
+        </p:nvSpPr>
+        <p:spPr/>
+        <p:txBody>
+          <a:bodyPr/>
+          <a:lstStyle/>
+          <a:p>
+            <a:r>
+              <a:rPr lang="en-US" dirty="0"/>
+              <a:t>Threat Detection Services</a:t>
+            </a:r>
+          </a:p>
+        </p:txBody>
+      </p:sp>
+    </p:spTree>
+    <p:extLst>
+      <p:ext uri="{BB962C8B-B14F-4D97-AF65-F5344CB8AC3E}">
+        <p14:creationId xmlns:p14="http://schemas.microsoft.com/office/powerpoint/2010/main" val="2302887997"/>
+      </p:ext>
+    </p:extLst>
+  </p:cSld>
+  <p:clrMapOvr>
+    <a:masterClrMapping/>
+  </p:clrMapOvr>
+</p:sld>
+</file>
+
 <file path=ppt/slides/slide12.xml><?xml version="1.0" encoding="utf-8"?>
 <p:sld xmlns:a="http://schemas.openxmlformats.org/drawingml/2006/main" xmlns:r="http://schemas.openxmlformats.org/officeDocument/2006/relationships" xmlns:p="http://schemas.openxmlformats.org/presentationml/2006/main">
   <p:cSld>
@@ -14985,58 +14736,6 @@
           <a:p>
             <a:r>
               <a:rPr lang="en-US" dirty="0"/>
-              <a:t>Threat Detection Services</a:t>
-            </a:r>
-          </a:p>
-        </p:txBody>
-      </p:sp>
-    </p:spTree>
-    <p:extLst>
-      <p:ext uri="{BB962C8B-B14F-4D97-AF65-F5344CB8AC3E}">
-        <p14:creationId xmlns:p14="http://schemas.microsoft.com/office/powerpoint/2010/main" val="2302887997"/>
-      </p:ext>
-    </p:extLst>
-  </p:cSld>
-  <p:clrMapOvr>
-    <a:masterClrMapping/>
-  </p:clrMapOvr>
-</p:sld>
-</file>
-
-<file path=ppt/slides/slide13.xml><?xml version="1.0" encoding="utf-8"?>
-<p:sld xmlns:a="http://schemas.openxmlformats.org/drawingml/2006/main" xmlns:r="http://schemas.openxmlformats.org/officeDocument/2006/relationships" xmlns:p="http://schemas.openxmlformats.org/presentationml/2006/main">
-  <p:cSld>
-    <p:spTree>
-      <p:nvGrpSpPr>
-        <p:cNvPr id="1" name=""/>
-        <p:cNvGrpSpPr/>
-        <p:nvPr/>
-      </p:nvGrpSpPr>
-      <p:grpSpPr>
-        <a:xfrm>
-          <a:off x="0" y="0"/>
-          <a:ext cx="0" cy="0"/>
-          <a:chOff x="0" y="0"/>
-          <a:chExt cx="0" cy="0"/>
-        </a:xfrm>
-      </p:grpSpPr>
-      <p:sp>
-        <p:nvSpPr>
-          <p:cNvPr id="2" name="Title 1"/>
-          <p:cNvSpPr>
-            <a:spLocks noGrp="1"/>
-          </p:cNvSpPr>
-          <p:nvPr>
-            <p:ph type="title"/>
-          </p:nvPr>
-        </p:nvSpPr>
-        <p:spPr/>
-        <p:txBody>
-          <a:bodyPr/>
-          <a:lstStyle/>
-          <a:p>
-            <a:r>
-              <a:rPr lang="en-US" dirty="0"/>
               <a:t>Threat Detection: Log Data Inputs</a:t>
             </a:r>
           </a:p>
@@ -15056,8 +14755,8 @@
         </p:nvSpPr>
         <p:spPr>
           <a:xfrm>
-            <a:off x="403929" y="2668980"/>
-            <a:ext cx="1834434" cy="1272231"/>
+            <a:off x="403929" y="2504389"/>
+            <a:ext cx="1834434" cy="425692"/>
           </a:xfrm>
           <a:prstGeom prst="rect">
             <a:avLst/>
@@ -15086,18 +14785,7 @@
                 <a:ea typeface="Amazon Ember" panose="02000000000000000000" pitchFamily="2" charset="0"/>
                 <a:cs typeface="Amazon Ember Light" panose="020B0403020204020204" pitchFamily="34" charset="0"/>
               </a:rPr>
-              <a:t>AWS </a:t>
-            </a:r>
-            <a:r>
-              <a:rPr lang="en-US" dirty="0" err="1">
-                <a:solidFill>
-                  <a:srgbClr val="414042"/>
-                </a:solidFill>
-                <a:latin typeface="Amazon Ember" panose="02000000000000000000" pitchFamily="2" charset="0"/>
-                <a:ea typeface="Amazon Ember" panose="02000000000000000000" pitchFamily="2" charset="0"/>
-                <a:cs typeface="Amazon Ember Light" panose="020B0403020204020204" pitchFamily="34" charset="0"/>
-              </a:rPr>
-              <a:t>CloudTrail</a:t>
+              <a:t>AWS CloudTrail</a:t>
             </a:r>
             <a:endParaRPr lang="en-US" sz="1400" dirty="0">
               <a:solidFill>
@@ -15107,27 +14795,6 @@
               <a:ea typeface="Amazon Ember" panose="02000000000000000000" pitchFamily="2" charset="0"/>
               <a:cs typeface="Amazon Ember" panose="020B0603020204020204" pitchFamily="34" charset="0"/>
             </a:endParaRPr>
-          </a:p>
-          <a:p>
-            <a:pPr marR="0" lvl="0" algn="ctr">
-              <a:spcBef>
-                <a:spcPts val="0"/>
-              </a:spcBef>
-              <a:spcAft>
-                <a:spcPts val="800"/>
-              </a:spcAft>
-            </a:pPr>
-            <a:r>
-              <a:rPr lang="en-US" sz="1600" dirty="0">
-                <a:solidFill>
-                  <a:srgbClr val="414042"/>
-                </a:solidFill>
-                <a:latin typeface="Amazon Ember" panose="020B0603020204020204" pitchFamily="34" charset="0"/>
-                <a:ea typeface="Amazon Ember" panose="020B0603020204020204" pitchFamily="34" charset="0"/>
-                <a:cs typeface="Amazon Ember" panose="020B0603020204020204" pitchFamily="34" charset="0"/>
-              </a:rPr>
-              <a:t>Track user activity and API usage</a:t>
-            </a:r>
           </a:p>
         </p:txBody>
       </p:sp>
@@ -15239,8 +14906,8 @@
         </p:nvSpPr>
         <p:spPr>
           <a:xfrm>
-            <a:off x="2574039" y="2792551"/>
-            <a:ext cx="1878419" cy="1272230"/>
+            <a:off x="2574039" y="2627959"/>
+            <a:ext cx="1878419" cy="203909"/>
           </a:xfrm>
           <a:prstGeom prst="rect">
             <a:avLst/>
@@ -15279,27 +14946,6 @@
               <a:ea typeface="Amazon Ember" panose="02000000000000000000" pitchFamily="2" charset="0"/>
               <a:cs typeface="Amazon Ember" panose="020B0603020204020204" pitchFamily="34" charset="0"/>
             </a:endParaRPr>
-          </a:p>
-          <a:p>
-            <a:pPr marR="0" lvl="0" algn="ctr">
-              <a:spcBef>
-                <a:spcPts val="0"/>
-              </a:spcBef>
-              <a:spcAft>
-                <a:spcPts val="800"/>
-              </a:spcAft>
-            </a:pPr>
-            <a:r>
-              <a:rPr lang="en-US" sz="1600" dirty="0">
-                <a:solidFill>
-                  <a:srgbClr val="414042"/>
-                </a:solidFill>
-                <a:latin typeface="Amazon Ember" panose="020B0603020204020204" pitchFamily="34" charset="0"/>
-                <a:ea typeface="Amazon Ember" panose="020B0603020204020204" pitchFamily="34" charset="0"/>
-                <a:cs typeface="Amazon Ember" panose="020B0603020204020204" pitchFamily="34" charset="0"/>
-              </a:rPr>
-              <a:t>IP traffic to/from network interfaces in your VPC</a:t>
-            </a:r>
           </a:p>
         </p:txBody>
       </p:sp>
@@ -15375,8 +15021,8 @@
         </p:nvSpPr>
         <p:spPr>
           <a:xfrm>
-            <a:off x="4737239" y="2668980"/>
-            <a:ext cx="1964056" cy="1272231"/>
+            <a:off x="4734274" y="2578852"/>
+            <a:ext cx="1964056" cy="302122"/>
           </a:xfrm>
           <a:prstGeom prst="rect">
             <a:avLst/>
@@ -15397,7 +15043,7 @@
               </a:spcAft>
             </a:pPr>
             <a:r>
-              <a:rPr lang="en-US" sz="1760" dirty="0" err="1">
+              <a:rPr lang="en-US" sz="1760" dirty="0">
                 <a:solidFill>
                   <a:srgbClr val="414042"/>
                 </a:solidFill>
@@ -15405,36 +15051,8 @@
                 <a:ea typeface="Amazon Ember" panose="02000000000000000000" pitchFamily="2" charset="0"/>
                 <a:cs typeface="Amazon Ember Light" panose="020B0403020204020204" pitchFamily="34" charset="0"/>
               </a:rPr>
-              <a:t>CloudWatch</a:t>
-            </a:r>
-            <a:r>
-              <a:rPr lang="en-US" sz="1760" dirty="0">
-                <a:solidFill>
-                  <a:srgbClr val="414042"/>
-                </a:solidFill>
-                <a:latin typeface="Amazon Ember" panose="02000000000000000000" pitchFamily="2" charset="0"/>
-                <a:ea typeface="Amazon Ember" panose="02000000000000000000" pitchFamily="2" charset="0"/>
-                <a:cs typeface="Amazon Ember Light" panose="020B0403020204020204" pitchFamily="34" charset="0"/>
-              </a:rPr>
-              <a:t> Logs</a:t>
-            </a:r>
-          </a:p>
-          <a:p>
-            <a:pPr algn="ctr"/>
-            <a:r>
-              <a:rPr lang="en-US" sz="1600" dirty="0">
-                <a:solidFill>
-                  <a:srgbClr val="414042"/>
-                </a:solidFill>
-              </a:rPr>
-              <a:t>Monitor apps using log data, store &amp; access log files</a:t>
-            </a:r>
-            <a:endParaRPr lang="en-US" sz="1600" dirty="0">
-              <a:solidFill>
-                <a:srgbClr val="414042"/>
-              </a:solidFill>
-              <a:latin typeface="Arial" panose="020B0604020202020204" pitchFamily="34" charset="0"/>
-            </a:endParaRPr>
+              <a:t>CloudWatch Logs</a:t>
+            </a:r>
           </a:p>
         </p:txBody>
       </p:sp>
@@ -15510,8 +15128,8 @@
         </p:nvSpPr>
         <p:spPr>
           <a:xfrm>
-            <a:off x="6878932" y="2996460"/>
-            <a:ext cx="1936228" cy="850885"/>
+            <a:off x="6878932" y="2591627"/>
+            <a:ext cx="1936228" cy="286236"/>
           </a:xfrm>
           <a:prstGeom prst="rect">
             <a:avLst/>
@@ -15541,27 +15159,6 @@
                 <a:cs typeface="Amazon Ember Light" panose="020B0403020204020204" pitchFamily="34" charset="0"/>
               </a:rPr>
               <a:t>DNS Logs</a:t>
-            </a:r>
-          </a:p>
-          <a:p>
-            <a:pPr marR="0" lvl="0" algn="ctr">
-              <a:spcBef>
-                <a:spcPts val="0"/>
-              </a:spcBef>
-              <a:spcAft>
-                <a:spcPts val="800"/>
-              </a:spcAft>
-            </a:pPr>
-            <a:r>
-              <a:rPr lang="en-US" sz="1600" dirty="0">
-                <a:solidFill>
-                  <a:srgbClr val="414042"/>
-                </a:solidFill>
-                <a:latin typeface="Amazon Ember" panose="020B0603020204020204" pitchFamily="34" charset="0"/>
-                <a:ea typeface="Amazon Ember" panose="020B0603020204020204" pitchFamily="34" charset="0"/>
-                <a:cs typeface="Amazon Ember" panose="020B0603020204020204" pitchFamily="34" charset="0"/>
-              </a:rPr>
-              <a:t>Log of DNS queries in a VPC when using the VPC DNS resolver</a:t>
             </a:r>
           </a:p>
         </p:txBody>
@@ -15724,7 +15321,7 @@
         </p:blipFill>
         <p:spPr>
           <a:xfrm>
-            <a:off x="5367661" y="1745910"/>
+            <a:off x="5367660" y="1679316"/>
             <a:ext cx="813181" cy="923070"/>
           </a:xfrm>
           <a:prstGeom prst="rect">
@@ -15732,6 +15329,195 @@
           </a:prstGeom>
         </p:spPr>
       </p:pic>
+      <p:sp>
+        <p:nvSpPr>
+          <p:cNvPr id="3" name="Rectangle 2">
+            <a:extLst>
+              <a:ext uri="{FF2B5EF4-FFF2-40B4-BE49-F238E27FC236}">
+                <a16:creationId xmlns:a16="http://schemas.microsoft.com/office/drawing/2014/main" id="{9E3657CC-244B-6444-A1F4-C2388B619E28}"/>
+              </a:ext>
+            </a:extLst>
+          </p:cNvPr>
+          <p:cNvSpPr/>
+          <p:nvPr/>
+        </p:nvSpPr>
+        <p:spPr>
+          <a:xfrm>
+            <a:off x="500966" y="3046180"/>
+            <a:ext cx="1640359" cy="923330"/>
+          </a:xfrm>
+          <a:prstGeom prst="rect">
+            <a:avLst/>
+          </a:prstGeom>
+        </p:spPr>
+        <p:txBody>
+          <a:bodyPr wrap="square">
+            <a:spAutoFit/>
+          </a:bodyPr>
+          <a:lstStyle/>
+          <a:p>
+            <a:pPr marR="0" lvl="0" algn="ctr">
+              <a:spcBef>
+                <a:spcPts val="0"/>
+              </a:spcBef>
+              <a:spcAft>
+                <a:spcPts val="800"/>
+              </a:spcAft>
+            </a:pPr>
+            <a:r>
+              <a:rPr lang="en-US" dirty="0">
+                <a:solidFill>
+                  <a:srgbClr val="414042"/>
+                </a:solidFill>
+                <a:latin typeface="Amazon Ember" panose="020B0603020204020204" pitchFamily="34" charset="0"/>
+                <a:ea typeface="Amazon Ember" panose="020B0603020204020204" pitchFamily="34" charset="0"/>
+                <a:cs typeface="Amazon Ember" panose="020B0603020204020204" pitchFamily="34" charset="0"/>
+              </a:rPr>
+              <a:t>Track user activity and API usage</a:t>
+            </a:r>
+          </a:p>
+        </p:txBody>
+      </p:sp>
+      <p:sp>
+        <p:nvSpPr>
+          <p:cNvPr id="4" name="Rectangle 3">
+            <a:extLst>
+              <a:ext uri="{FF2B5EF4-FFF2-40B4-BE49-F238E27FC236}">
+                <a16:creationId xmlns:a16="http://schemas.microsoft.com/office/drawing/2014/main" id="{0A02AABB-A3FF-1244-B40E-02D796E423D3}"/>
+              </a:ext>
+            </a:extLst>
+          </p:cNvPr>
+          <p:cNvSpPr/>
+          <p:nvPr/>
+        </p:nvSpPr>
+        <p:spPr>
+          <a:xfrm>
+            <a:off x="2536030" y="3020171"/>
+            <a:ext cx="1992777" cy="1200329"/>
+          </a:xfrm>
+          <a:prstGeom prst="rect">
+            <a:avLst/>
+          </a:prstGeom>
+        </p:spPr>
+        <p:txBody>
+          <a:bodyPr wrap="square">
+            <a:spAutoFit/>
+          </a:bodyPr>
+          <a:lstStyle/>
+          <a:p>
+            <a:pPr marR="0" lvl="0" algn="ctr">
+              <a:spcBef>
+                <a:spcPts val="0"/>
+              </a:spcBef>
+              <a:spcAft>
+                <a:spcPts val="800"/>
+              </a:spcAft>
+            </a:pPr>
+            <a:r>
+              <a:rPr lang="en-US" dirty="0">
+                <a:solidFill>
+                  <a:srgbClr val="414042"/>
+                </a:solidFill>
+                <a:latin typeface="Amazon Ember" panose="020B0603020204020204" pitchFamily="34" charset="0"/>
+                <a:ea typeface="Amazon Ember" panose="020B0603020204020204" pitchFamily="34" charset="0"/>
+                <a:cs typeface="Amazon Ember" panose="020B0603020204020204" pitchFamily="34" charset="0"/>
+              </a:rPr>
+              <a:t>IP traffic to/from network interfaces in your VPC</a:t>
+            </a:r>
+          </a:p>
+        </p:txBody>
+      </p:sp>
+      <p:sp>
+        <p:nvSpPr>
+          <p:cNvPr id="17" name="Rectangle 16">
+            <a:extLst>
+              <a:ext uri="{FF2B5EF4-FFF2-40B4-BE49-F238E27FC236}">
+                <a16:creationId xmlns:a16="http://schemas.microsoft.com/office/drawing/2014/main" id="{BBDDA12B-0425-3C4E-B5E6-4511964FE01C}"/>
+              </a:ext>
+            </a:extLst>
+          </p:cNvPr>
+          <p:cNvSpPr/>
+          <p:nvPr/>
+        </p:nvSpPr>
+        <p:spPr>
+          <a:xfrm>
+            <a:off x="4661966" y="3020170"/>
+            <a:ext cx="2123726" cy="1200329"/>
+          </a:xfrm>
+          <a:prstGeom prst="rect">
+            <a:avLst/>
+          </a:prstGeom>
+        </p:spPr>
+        <p:txBody>
+          <a:bodyPr wrap="square">
+            <a:spAutoFit/>
+          </a:bodyPr>
+          <a:lstStyle/>
+          <a:p>
+            <a:pPr algn="ctr"/>
+            <a:r>
+              <a:rPr lang="en-US" dirty="0">
+                <a:solidFill>
+                  <a:srgbClr val="414042"/>
+                </a:solidFill>
+                <a:latin typeface="Amazon Ember" panose="020B0603020204020204" pitchFamily="34" charset="0"/>
+                <a:ea typeface="Amazon Ember" panose="020B0603020204020204" pitchFamily="34" charset="0"/>
+                <a:cs typeface="Amazon Ember" panose="020B0603020204020204" pitchFamily="34" charset="0"/>
+              </a:rPr>
+              <a:t>Monitor apps using log data, store &amp; access log files</a:t>
+            </a:r>
+          </a:p>
+        </p:txBody>
+      </p:sp>
+      <p:sp>
+        <p:nvSpPr>
+          <p:cNvPr id="18" name="Rectangle 17">
+            <a:extLst>
+              <a:ext uri="{FF2B5EF4-FFF2-40B4-BE49-F238E27FC236}">
+                <a16:creationId xmlns:a16="http://schemas.microsoft.com/office/drawing/2014/main" id="{38C68E1B-44D0-204A-886E-C518A3BCCE05}"/>
+              </a:ext>
+            </a:extLst>
+          </p:cNvPr>
+          <p:cNvSpPr/>
+          <p:nvPr/>
+        </p:nvSpPr>
+        <p:spPr>
+          <a:xfrm>
+            <a:off x="6811263" y="2962033"/>
+            <a:ext cx="2003897" cy="1200329"/>
+          </a:xfrm>
+          <a:prstGeom prst="rect">
+            <a:avLst/>
+          </a:prstGeom>
+        </p:spPr>
+        <p:txBody>
+          <a:bodyPr wrap="square">
+            <a:spAutoFit/>
+          </a:bodyPr>
+          <a:lstStyle/>
+          <a:p>
+            <a:pPr marR="0" lvl="0" algn="ctr">
+              <a:spcBef>
+                <a:spcPts val="0"/>
+              </a:spcBef>
+              <a:spcAft>
+                <a:spcPts val="800"/>
+              </a:spcAft>
+            </a:pPr>
+            <a:r>
+              <a:rPr lang="en-US" dirty="0">
+                <a:solidFill>
+                  <a:srgbClr val="414042"/>
+                </a:solidFill>
+                <a:latin typeface="Amazon Ember" panose="020B0603020204020204" pitchFamily="34" charset="0"/>
+                <a:ea typeface="Amazon Ember" panose="020B0603020204020204" pitchFamily="34" charset="0"/>
+                <a:cs typeface="Amazon Ember" panose="020B0603020204020204" pitchFamily="34" charset="0"/>
+              </a:rPr>
+              <a:t>Log of DNS queries in a VPC when using the VPC DNS resolver</a:t>
+            </a:r>
+          </a:p>
+        </p:txBody>
+      </p:sp>
     </p:spTree>
     <p:extLst>
       <p:ext uri="{BB962C8B-B14F-4D97-AF65-F5344CB8AC3E}">
@@ -15754,9 +15540,6 @@
                     <p:cTn id="3" fill="hold">
                       <p:stCondLst>
                         <p:cond delay="indefinite"/>
-                        <p:cond evt="onBegin" delay="0">
-                          <p:tn val="2"/>
-                        </p:cond>
                       </p:stCondLst>
                       <p:childTnLst>
                         <p:par>
@@ -15766,7 +15549,7 @@
                             </p:stCondLst>
                             <p:childTnLst>
                               <p:par>
-                                <p:cTn id="5" presetID="10" presetClass="entr" presetSubtype="0" fill="hold" grpId="0" nodeType="withEffect">
+                                <p:cTn id="5" presetID="1" presetClass="entr" presetSubtype="0" fill="hold" grpId="0" nodeType="clickEffect">
                                   <p:stCondLst>
                                     <p:cond delay="0"/>
                                   </p:stCondLst>
@@ -15779,7 +15562,7 @@
                                           </p:stCondLst>
                                         </p:cTn>
                                         <p:tgtEl>
-                                          <p:spTgt spid="5"/>
+                                          <p:spTgt spid="4"/>
                                         </p:tgtEl>
                                         <p:attrNameLst>
                                           <p:attrName>style.visibility</p:attrName>
@@ -15789,54 +15572,24 @@
                                         <p:strVal val="visible"/>
                                       </p:to>
                                     </p:set>
-                                    <p:animEffect transition="in" filter="fade">
-                                      <p:cBhvr>
-                                        <p:cTn id="7" dur="500"/>
-                                        <p:tgtEl>
-                                          <p:spTgt spid="5"/>
-                                        </p:tgtEl>
-                                      </p:cBhvr>
-                                    </p:animEffect>
                                   </p:childTnLst>
                                 </p:cTn>
                               </p:par>
                               <p:par>
-                                <p:cTn id="8" presetID="42" presetClass="path" presetSubtype="0" decel="100000" fill="hold" grpId="1" nodeType="withEffect">
-                                  <p:stCondLst>
-                                    <p:cond delay="0"/>
-                                  </p:stCondLst>
-                                  <p:childTnLst>
-                                    <p:animMotion origin="layout" path="M 3.61111E-6 -3.7037E-6 L 3.61111E-6 0.04352 " pathEditMode="relative" rAng="0" ptsTypes="AA">
-                                      <p:cBhvr>
-                                        <p:cTn id="9" dur="500" spd="-100000" fill="hold"/>
-                                        <p:tgtEl>
-                                          <p:spTgt spid="5"/>
-                                        </p:tgtEl>
-                                        <p:attrNameLst>
-                                          <p:attrName>ppt_x</p:attrName>
-                                          <p:attrName>ppt_y</p:attrName>
-                                        </p:attrNameLst>
-                                      </p:cBhvr>
-                                      <p:rCtr x="0" y="2160"/>
-                                    </p:animMotion>
-                                  </p:childTnLst>
-                                </p:cTn>
-                              </p:par>
-                              <p:par>
-                                <p:cTn id="10" presetID="10" presetClass="entr" presetSubtype="0" fill="hold" grpId="0" nodeType="withEffect">
+                                <p:cTn id="7" presetID="1" presetClass="entr" presetSubtype="0" fill="hold" grpId="0" nodeType="withEffect">
                                   <p:stCondLst>
                                     <p:cond delay="0"/>
                                   </p:stCondLst>
                                   <p:childTnLst>
                                     <p:set>
                                       <p:cBhvr>
-                                        <p:cTn id="11" dur="1" fill="hold">
+                                        <p:cTn id="8" dur="1" fill="hold">
                                           <p:stCondLst>
                                             <p:cond delay="0"/>
                                           </p:stCondLst>
                                         </p:cTn>
                                         <p:tgtEl>
-                                          <p:spTgt spid="8"/>
+                                          <p:spTgt spid="3"/>
                                         </p:tgtEl>
                                         <p:attrNameLst>
                                           <p:attrName>style.visibility</p:attrName>
@@ -15846,54 +15599,24 @@
                                         <p:strVal val="visible"/>
                                       </p:to>
                                     </p:set>
-                                    <p:animEffect transition="in" filter="fade">
-                                      <p:cBhvr>
-                                        <p:cTn id="12" dur="500"/>
-                                        <p:tgtEl>
-                                          <p:spTgt spid="8"/>
-                                        </p:tgtEl>
-                                      </p:cBhvr>
-                                    </p:animEffect>
                                   </p:childTnLst>
                                 </p:cTn>
                               </p:par>
                               <p:par>
-                                <p:cTn id="13" presetID="42" presetClass="path" presetSubtype="0" decel="100000" fill="hold" grpId="1" nodeType="withEffect">
-                                  <p:stCondLst>
-                                    <p:cond delay="0"/>
-                                  </p:stCondLst>
-                                  <p:childTnLst>
-                                    <p:animMotion origin="layout" path="M 3.61111E-6 -3.7037E-6 L 3.61111E-6 0.04352 " pathEditMode="relative" rAng="0" ptsTypes="AA">
-                                      <p:cBhvr>
-                                        <p:cTn id="14" dur="500" spd="-100000" fill="hold"/>
-                                        <p:tgtEl>
-                                          <p:spTgt spid="8"/>
-                                        </p:tgtEl>
-                                        <p:attrNameLst>
-                                          <p:attrName>ppt_x</p:attrName>
-                                          <p:attrName>ppt_y</p:attrName>
-                                        </p:attrNameLst>
-                                      </p:cBhvr>
-                                      <p:rCtr x="0" y="2160"/>
-                                    </p:animMotion>
-                                  </p:childTnLst>
-                                </p:cTn>
-                              </p:par>
-                              <p:par>
-                                <p:cTn id="15" presetID="10" presetClass="entr" presetSubtype="0" fill="hold" grpId="0" nodeType="withEffect">
+                                <p:cTn id="9" presetID="1" presetClass="entr" presetSubtype="0" fill="hold" grpId="0" nodeType="withEffect">
                                   <p:stCondLst>
                                     <p:cond delay="0"/>
                                   </p:stCondLst>
                                   <p:childTnLst>
                                     <p:set>
                                       <p:cBhvr>
-                                        <p:cTn id="16" dur="1" fill="hold">
+                                        <p:cTn id="10" dur="1" fill="hold">
                                           <p:stCondLst>
                                             <p:cond delay="0"/>
                                           </p:stCondLst>
                                         </p:cTn>
                                         <p:tgtEl>
-                                          <p:spTgt spid="10"/>
+                                          <p:spTgt spid="17"/>
                                         </p:tgtEl>
                                         <p:attrNameLst>
                                           <p:attrName>style.visibility</p:attrName>
@@ -15903,54 +15626,24 @@
                                         <p:strVal val="visible"/>
                                       </p:to>
                                     </p:set>
-                                    <p:animEffect transition="in" filter="fade">
-                                      <p:cBhvr>
-                                        <p:cTn id="17" dur="500"/>
-                                        <p:tgtEl>
-                                          <p:spTgt spid="10"/>
-                                        </p:tgtEl>
-                                      </p:cBhvr>
-                                    </p:animEffect>
                                   </p:childTnLst>
                                 </p:cTn>
                               </p:par>
                               <p:par>
-                                <p:cTn id="18" presetID="42" presetClass="path" presetSubtype="0" decel="100000" fill="hold" grpId="1" nodeType="withEffect">
-                                  <p:stCondLst>
-                                    <p:cond delay="0"/>
-                                  </p:stCondLst>
-                                  <p:childTnLst>
-                                    <p:animMotion origin="layout" path="M 3.61111E-6 -3.7037E-6 L 3.61111E-6 0.04352 " pathEditMode="relative" rAng="0" ptsTypes="AA">
-                                      <p:cBhvr>
-                                        <p:cTn id="19" dur="500" spd="-100000" fill="hold"/>
-                                        <p:tgtEl>
-                                          <p:spTgt spid="10"/>
-                                        </p:tgtEl>
-                                        <p:attrNameLst>
-                                          <p:attrName>ppt_x</p:attrName>
-                                          <p:attrName>ppt_y</p:attrName>
-                                        </p:attrNameLst>
-                                      </p:cBhvr>
-                                      <p:rCtr x="0" y="2160"/>
-                                    </p:animMotion>
-                                  </p:childTnLst>
-                                </p:cTn>
-                              </p:par>
-                              <p:par>
-                                <p:cTn id="20" presetID="10" presetClass="entr" presetSubtype="0" fill="hold" grpId="0" nodeType="withEffect">
+                                <p:cTn id="11" presetID="1" presetClass="entr" presetSubtype="0" fill="hold" grpId="0" nodeType="withEffect">
                                   <p:stCondLst>
                                     <p:cond delay="0"/>
                                   </p:stCondLst>
                                   <p:childTnLst>
                                     <p:set>
                                       <p:cBhvr>
-                                        <p:cTn id="21" dur="1" fill="hold">
+                                        <p:cTn id="12" dur="1" fill="hold">
                                           <p:stCondLst>
                                             <p:cond delay="0"/>
                                           </p:stCondLst>
                                         </p:cTn>
                                         <p:tgtEl>
-                                          <p:spTgt spid="12"/>
+                                          <p:spTgt spid="18"/>
                                         </p:tgtEl>
                                         <p:attrNameLst>
                                           <p:attrName>style.visibility</p:attrName>
@@ -15960,36 +15653,6 @@
                                         <p:strVal val="visible"/>
                                       </p:to>
                                     </p:set>
-                                    <p:animEffect transition="in" filter="fade">
-                                      <p:cBhvr>
-                                        <p:cTn id="22" dur="500"/>
-                                        <p:tgtEl>
-                                          <p:spTgt spid="12"/>
-                                        </p:tgtEl>
-                                      </p:cBhvr>
-                                    </p:animEffect>
-                                  </p:childTnLst>
-                                </p:cTn>
-                              </p:par>
-                              <p:par>
-                                <p:cTn id="23" presetID="42" presetClass="path" presetSubtype="0" decel="100000" fill="hold" grpId="1" nodeType="withEffect">
-                                  <p:stCondLst>
-                                    <p:cond delay="0"/>
-                                  </p:stCondLst>
-                                  <p:childTnLst>
-                                    <p:animMotion origin="layout" path="M 3.61111E-6 -3.7037E-6 L 3.61111E-6 0.04352 " pathEditMode="relative" rAng="0" ptsTypes="AA">
-                                      <p:cBhvr>
-                                        <p:cTn id="24" dur="500" spd="-100000" fill="hold"/>
-                                        <p:tgtEl>
-                                          <p:spTgt spid="12"/>
-                                        </p:tgtEl>
-                                        <p:attrNameLst>
-                                          <p:attrName>ppt_x</p:attrName>
-                                          <p:attrName>ppt_y</p:attrName>
-                                        </p:attrNameLst>
-                                      </p:cBhvr>
-                                      <p:rCtr x="0" y="2160"/>
-                                    </p:animMotion>
                                   </p:childTnLst>
                                 </p:cTn>
                               </p:par>
@@ -16021,20 +15684,16 @@
       </p:par>
     </p:tnLst>
     <p:bldLst>
-      <p:bldP spid="5" grpId="0"/>
-      <p:bldP spid="5" grpId="1"/>
-      <p:bldP spid="8" grpId="0"/>
-      <p:bldP spid="8" grpId="1"/>
-      <p:bldP spid="10" grpId="0"/>
-      <p:bldP spid="10" grpId="1"/>
-      <p:bldP spid="12" grpId="0"/>
-      <p:bldP spid="12" grpId="1"/>
+      <p:bldP spid="3" grpId="0"/>
+      <p:bldP spid="4" grpId="0"/>
+      <p:bldP spid="17" grpId="0"/>
+      <p:bldP spid="18" grpId="0"/>
     </p:bldLst>
   </p:timing>
 </p:sld>
 </file>
 
-<file path=ppt/slides/slide14.xml><?xml version="1.0" encoding="utf-8"?>
+<file path=ppt/slides/slide13.xml><?xml version="1.0" encoding="utf-8"?>
 <p:sld xmlns:a="http://schemas.openxmlformats.org/drawingml/2006/main" xmlns:r="http://schemas.openxmlformats.org/officeDocument/2006/relationships" xmlns:p="http://schemas.openxmlformats.org/presentationml/2006/main">
   <p:cSld>
     <p:spTree>
@@ -16225,7 +15884,7 @@
         </p:nvSpPr>
         <p:spPr>
           <a:xfrm>
-            <a:off x="1055286" y="1197146"/>
+            <a:off x="974227" y="1197146"/>
             <a:ext cx="3161211" cy="3446378"/>
           </a:xfrm>
           <a:prstGeom prst="rect">
@@ -16307,64 +15966,6 @@
       </p:pic>
       <p:sp>
         <p:nvSpPr>
-          <p:cNvPr id="20" name="Rectangle 19">
-            <a:extLst>
-              <a:ext uri="{FF2B5EF4-FFF2-40B4-BE49-F238E27FC236}">
-                <a16:creationId xmlns:a16="http://schemas.microsoft.com/office/drawing/2014/main" id="{6EA59DA0-E617-1A47-BE1B-6C10C4F6F660}"/>
-              </a:ext>
-            </a:extLst>
-          </p:cNvPr>
-          <p:cNvSpPr/>
-          <p:nvPr/>
-        </p:nvSpPr>
-        <p:spPr>
-          <a:xfrm>
-            <a:off x="4923067" y="1197146"/>
-            <a:ext cx="3161211" cy="3446378"/>
-          </a:xfrm>
-          <a:prstGeom prst="rect">
-            <a:avLst/>
-          </a:prstGeom>
-          <a:noFill/>
-          <a:ln>
-            <a:solidFill>
-              <a:schemeClr val="accent6">
-                <a:lumMod val="40000"/>
-                <a:lumOff val="60000"/>
-              </a:schemeClr>
-            </a:solidFill>
-          </a:ln>
-          <a:effectLst/>
-        </p:spPr>
-        <p:style>
-          <a:lnRef idx="1">
-            <a:schemeClr val="accent1"/>
-          </a:lnRef>
-          <a:fillRef idx="3">
-            <a:schemeClr val="accent1"/>
-          </a:fillRef>
-          <a:effectRef idx="2">
-            <a:schemeClr val="accent1"/>
-          </a:effectRef>
-          <a:fontRef idx="minor">
-            <a:schemeClr val="lt1"/>
-          </a:fontRef>
-        </p:style>
-        <p:txBody>
-          <a:bodyPr rtlCol="0" anchor="ctr"/>
-          <a:lstStyle/>
-          <a:p>
-            <a:pPr algn="ctr"/>
-            <a:endParaRPr lang="en-US" dirty="0">
-              <a:solidFill>
-                <a:srgbClr val="414042"/>
-              </a:solidFill>
-            </a:endParaRPr>
-          </a:p>
-        </p:txBody>
-      </p:sp>
-      <p:sp>
-        <p:nvSpPr>
           <p:cNvPr id="21" name="Rectangle 20">
             <a:extLst>
               <a:ext uri="{FF2B5EF4-FFF2-40B4-BE49-F238E27FC236}">
@@ -16504,6 +16105,64 @@
           </a:prstGeom>
         </p:spPr>
       </p:pic>
+      <p:sp>
+        <p:nvSpPr>
+          <p:cNvPr id="10" name="Rectangle 9">
+            <a:extLst>
+              <a:ext uri="{FF2B5EF4-FFF2-40B4-BE49-F238E27FC236}">
+                <a16:creationId xmlns:a16="http://schemas.microsoft.com/office/drawing/2014/main" id="{23B30A3B-C6B2-3444-8CF0-968CFEB51B01}"/>
+              </a:ext>
+            </a:extLst>
+          </p:cNvPr>
+          <p:cNvSpPr/>
+          <p:nvPr/>
+        </p:nvSpPr>
+        <p:spPr>
+          <a:xfrm>
+            <a:off x="4910135" y="1197146"/>
+            <a:ext cx="3161211" cy="3446378"/>
+          </a:xfrm>
+          <a:prstGeom prst="rect">
+            <a:avLst/>
+          </a:prstGeom>
+          <a:noFill/>
+          <a:ln>
+            <a:solidFill>
+              <a:schemeClr val="accent6">
+                <a:lumMod val="40000"/>
+                <a:lumOff val="60000"/>
+              </a:schemeClr>
+            </a:solidFill>
+          </a:ln>
+          <a:effectLst/>
+        </p:spPr>
+        <p:style>
+          <a:lnRef idx="1">
+            <a:schemeClr val="accent1"/>
+          </a:lnRef>
+          <a:fillRef idx="3">
+            <a:schemeClr val="accent1"/>
+          </a:fillRef>
+          <a:effectRef idx="2">
+            <a:schemeClr val="accent1"/>
+          </a:effectRef>
+          <a:fontRef idx="minor">
+            <a:schemeClr val="lt1"/>
+          </a:fontRef>
+        </p:style>
+        <p:txBody>
+          <a:bodyPr rtlCol="0" anchor="ctr"/>
+          <a:lstStyle/>
+          <a:p>
+            <a:pPr algn="ctr"/>
+            <a:endParaRPr lang="en-US" dirty="0">
+              <a:solidFill>
+                <a:srgbClr val="414042"/>
+              </a:solidFill>
+            </a:endParaRPr>
+          </a:p>
+        </p:txBody>
+      </p:sp>
     </p:spTree>
     <p:extLst>
       <p:ext uri="{BB962C8B-B14F-4D97-AF65-F5344CB8AC3E}">
@@ -16688,7 +16347,7 @@
 </p:sld>
 </file>
 
-<file path=ppt/slides/slide15.xml><?xml version="1.0" encoding="utf-8"?>
+<file path=ppt/slides/slide14.xml><?xml version="1.0" encoding="utf-8"?>
 <p:sld xmlns:a="http://schemas.openxmlformats.org/drawingml/2006/main" xmlns:r="http://schemas.openxmlformats.org/officeDocument/2006/relationships" xmlns:p="http://schemas.openxmlformats.org/presentationml/2006/main">
   <p:cSld>
     <p:spTree>
@@ -16729,7 +16388,7 @@
                 <a:ea typeface="Amazon Ember" panose="020B0603020204020204" pitchFamily="34" charset="0"/>
                 <a:cs typeface="Amazon Ember" panose="020B0603020204020204" pitchFamily="34" charset="0"/>
               </a:rPr>
-              <a:t>Live Role Playing Exercise</a:t>
+              <a:t>Live Role Playing Demo</a:t>
             </a:r>
           </a:p>
         </p:txBody>
@@ -16747,7 +16406,7 @@
 </p:sld>
 </file>
 
-<file path=ppt/slides/slide16.xml><?xml version="1.0" encoding="utf-8"?>
+<file path=ppt/slides/slide15.xml><?xml version="1.0" encoding="utf-8"?>
 <p:sld xmlns:a="http://schemas.openxmlformats.org/drawingml/2006/main" xmlns:r="http://schemas.openxmlformats.org/officeDocument/2006/relationships" xmlns:p="http://schemas.openxmlformats.org/presentationml/2006/main" show="0">
   <p:cSld>
     <p:spTree>
@@ -16833,7 +16492,7 @@
 </p:sld>
 </file>
 
-<file path=ppt/slides/slide17.xml><?xml version="1.0" encoding="utf-8"?>
+<file path=ppt/slides/slide16.xml><?xml version="1.0" encoding="utf-8"?>
 <p:sld xmlns:a="http://schemas.openxmlformats.org/drawingml/2006/main" xmlns:r="http://schemas.openxmlformats.org/officeDocument/2006/relationships" xmlns:p="http://schemas.openxmlformats.org/presentationml/2006/main" show="0">
   <p:cSld>
     <p:spTree>
@@ -17989,7 +17648,7 @@
 </p:sld>
 </file>
 
-<file path=ppt/slides/slide18.xml><?xml version="1.0" encoding="utf-8"?>
+<file path=ppt/slides/slide17.xml><?xml version="1.0" encoding="utf-8"?>
 <p:sld xmlns:a="http://schemas.openxmlformats.org/drawingml/2006/main" xmlns:r="http://schemas.openxmlformats.org/officeDocument/2006/relationships" xmlns:p="http://schemas.openxmlformats.org/presentationml/2006/main" show="0">
   <p:cSld>
     <p:spTree>
@@ -18382,7 +18041,7 @@
 </p:sld>
 </file>
 
-<file path=ppt/slides/slide19.xml><?xml version="1.0" encoding="utf-8"?>
+<file path=ppt/slides/slide18.xml><?xml version="1.0" encoding="utf-8"?>
 <p:sld xmlns:a="http://schemas.openxmlformats.org/drawingml/2006/main" xmlns:r="http://schemas.openxmlformats.org/officeDocument/2006/relationships" xmlns:p="http://schemas.openxmlformats.org/presentationml/2006/main" show="0">
   <p:cSld>
     <p:spTree>
@@ -18819,140 +18478,7 @@
 </p:sld>
 </file>
 
-<file path=ppt/slides/slide2.xml><?xml version="1.0" encoding="utf-8"?>
-<p:sld xmlns:a="http://schemas.openxmlformats.org/drawingml/2006/main" xmlns:r="http://schemas.openxmlformats.org/officeDocument/2006/relationships" xmlns:p="http://schemas.openxmlformats.org/presentationml/2006/main">
-  <p:cSld>
-    <p:spTree>
-      <p:nvGrpSpPr>
-        <p:cNvPr id="1" name=""/>
-        <p:cNvGrpSpPr/>
-        <p:nvPr/>
-      </p:nvGrpSpPr>
-      <p:grpSpPr>
-        <a:xfrm>
-          <a:off x="0" y="0"/>
-          <a:ext cx="0" cy="0"/>
-          <a:chOff x="0" y="0"/>
-          <a:chExt cx="0" cy="0"/>
-        </a:xfrm>
-      </p:grpSpPr>
-      <p:sp>
-        <p:nvSpPr>
-          <p:cNvPr id="2" name="Title 1"/>
-          <p:cNvSpPr>
-            <a:spLocks noGrp="1"/>
-          </p:cNvSpPr>
-          <p:nvPr>
-            <p:ph type="title"/>
-          </p:nvPr>
-        </p:nvSpPr>
-        <p:spPr/>
-        <p:txBody>
-          <a:bodyPr/>
-          <a:lstStyle/>
-          <a:p>
-            <a:r>
-              <a:rPr lang="en-US" dirty="0"/>
-              <a:t>Agenda</a:t>
-            </a:r>
-          </a:p>
-        </p:txBody>
-      </p:sp>
-      <p:sp>
-        <p:nvSpPr>
-          <p:cNvPr id="3" name="Rectangle 2">
-            <a:extLst>
-              <a:ext uri="{FF2B5EF4-FFF2-40B4-BE49-F238E27FC236}">
-                <a16:creationId xmlns:a16="http://schemas.microsoft.com/office/drawing/2014/main" id="{2CA723A6-34B2-C34A-8F53-131660EDCD8A}"/>
-              </a:ext>
-            </a:extLst>
-          </p:cNvPr>
-          <p:cNvSpPr/>
-          <p:nvPr/>
-        </p:nvSpPr>
-        <p:spPr>
-          <a:xfrm>
-            <a:off x="762902" y="1152173"/>
-            <a:ext cx="8047811" cy="1938992"/>
-          </a:xfrm>
-          <a:prstGeom prst="rect">
-            <a:avLst/>
-          </a:prstGeom>
-        </p:spPr>
-        <p:txBody>
-          <a:bodyPr wrap="square">
-            <a:spAutoFit/>
-          </a:bodyPr>
-          <a:lstStyle/>
-          <a:p>
-            <a:pPr marL="342900" indent="-342900">
-              <a:buFont typeface="Arial" panose="020B0604020202020204" pitchFamily="34" charset="0"/>
-              <a:buChar char="•"/>
-            </a:pPr>
-            <a:r>
-              <a:rPr lang="en-US" sz="2400" dirty="0">
-                <a:latin typeface="Amazon Ember" panose="020B0603020204020204" pitchFamily="34" charset="0"/>
-                <a:ea typeface="Amazon Ember" panose="020B0603020204020204" pitchFamily="34" charset="0"/>
-                <a:cs typeface="Amazon Ember" panose="020B0603020204020204" pitchFamily="34" charset="0"/>
-              </a:rPr>
-              <a:t>Module 2: Run the CloudFormation template (~5 min)</a:t>
-            </a:r>
-          </a:p>
-          <a:p>
-            <a:pPr marL="342900" indent="-342900">
-              <a:buFont typeface="Arial" panose="020B0604020202020204" pitchFamily="34" charset="0"/>
-              <a:buChar char="•"/>
-            </a:pPr>
-            <a:r>
-              <a:rPr lang="en-US" sz="2400" dirty="0">
-                <a:latin typeface="Amazon Ember" panose="020B0603020204020204" pitchFamily="34" charset="0"/>
-                <a:ea typeface="Amazon Ember" panose="020B0603020204020204" pitchFamily="34" charset="0"/>
-                <a:cs typeface="Amazon Ember" panose="020B0603020204020204" pitchFamily="34" charset="0"/>
-              </a:rPr>
-              <a:t>Threat detection and remediation intro presentation (~25 min)</a:t>
-            </a:r>
-          </a:p>
-          <a:p>
-            <a:pPr marL="342900" indent="-342900">
-              <a:buFont typeface="Arial" panose="020B0604020202020204" pitchFamily="34" charset="0"/>
-              <a:buChar char="•"/>
-            </a:pPr>
-            <a:r>
-              <a:rPr lang="en-US" sz="2400" dirty="0">
-                <a:latin typeface="Amazon Ember" panose="020B0603020204020204" pitchFamily="34" charset="0"/>
-                <a:ea typeface="Amazon Ember" panose="020B0603020204020204" pitchFamily="34" charset="0"/>
-                <a:cs typeface="Amazon Ember" panose="020B0603020204020204" pitchFamily="34" charset="0"/>
-              </a:rPr>
-              <a:t>Workshop walkthrough (~10 min)</a:t>
-            </a:r>
-          </a:p>
-          <a:p>
-            <a:pPr marL="342900" indent="-342900">
-              <a:buFont typeface="Arial" panose="020B0604020202020204" pitchFamily="34" charset="0"/>
-              <a:buChar char="•"/>
-            </a:pPr>
-            <a:endParaRPr lang="en-US" sz="2400" dirty="0">
-              <a:latin typeface="Amazon Ember" panose="020B0603020204020204" pitchFamily="34" charset="0"/>
-              <a:ea typeface="Amazon Ember" panose="020B0603020204020204" pitchFamily="34" charset="0"/>
-              <a:cs typeface="Amazon Ember" panose="020B0603020204020204" pitchFamily="34" charset="0"/>
-            </a:endParaRPr>
-          </a:p>
-        </p:txBody>
-      </p:sp>
-    </p:spTree>
-    <p:extLst>
-      <p:ext uri="{BB962C8B-B14F-4D97-AF65-F5344CB8AC3E}">
-        <p14:creationId xmlns:p14="http://schemas.microsoft.com/office/powerpoint/2010/main" val="760041365"/>
-      </p:ext>
-    </p:extLst>
-  </p:cSld>
-  <p:clrMapOvr>
-    <a:masterClrMapping/>
-  </p:clrMapOvr>
-</p:sld>
-</file>
-
-<file path=ppt/slides/slide20.xml><?xml version="1.0" encoding="utf-8"?>
+<file path=ppt/slides/slide19.xml><?xml version="1.0" encoding="utf-8"?>
 <p:sld xmlns:a="http://schemas.openxmlformats.org/drawingml/2006/main" xmlns:r="http://schemas.openxmlformats.org/officeDocument/2006/relationships" xmlns:p="http://schemas.openxmlformats.org/presentationml/2006/main" show="0">
   <p:cSld>
     <p:spTree>
@@ -19373,7 +18899,140 @@
 </p:sld>
 </file>
 
-<file path=ppt/slides/slide21.xml><?xml version="1.0" encoding="utf-8"?>
+<file path=ppt/slides/slide2.xml><?xml version="1.0" encoding="utf-8"?>
+<p:sld xmlns:a="http://schemas.openxmlformats.org/drawingml/2006/main" xmlns:r="http://schemas.openxmlformats.org/officeDocument/2006/relationships" xmlns:p="http://schemas.openxmlformats.org/presentationml/2006/main">
+  <p:cSld>
+    <p:spTree>
+      <p:nvGrpSpPr>
+        <p:cNvPr id="1" name=""/>
+        <p:cNvGrpSpPr/>
+        <p:nvPr/>
+      </p:nvGrpSpPr>
+      <p:grpSpPr>
+        <a:xfrm>
+          <a:off x="0" y="0"/>
+          <a:ext cx="0" cy="0"/>
+          <a:chOff x="0" y="0"/>
+          <a:chExt cx="0" cy="0"/>
+        </a:xfrm>
+      </p:grpSpPr>
+      <p:sp>
+        <p:nvSpPr>
+          <p:cNvPr id="2" name="Title 1"/>
+          <p:cNvSpPr>
+            <a:spLocks noGrp="1"/>
+          </p:cNvSpPr>
+          <p:nvPr>
+            <p:ph type="title"/>
+          </p:nvPr>
+        </p:nvSpPr>
+        <p:spPr/>
+        <p:txBody>
+          <a:bodyPr/>
+          <a:lstStyle/>
+          <a:p>
+            <a:r>
+              <a:rPr lang="en-US" dirty="0"/>
+              <a:t>Agenda</a:t>
+            </a:r>
+          </a:p>
+        </p:txBody>
+      </p:sp>
+      <p:sp>
+        <p:nvSpPr>
+          <p:cNvPr id="3" name="Rectangle 2">
+            <a:extLst>
+              <a:ext uri="{FF2B5EF4-FFF2-40B4-BE49-F238E27FC236}">
+                <a16:creationId xmlns:a16="http://schemas.microsoft.com/office/drawing/2014/main" id="{2CA723A6-34B2-C34A-8F53-131660EDCD8A}"/>
+              </a:ext>
+            </a:extLst>
+          </p:cNvPr>
+          <p:cNvSpPr/>
+          <p:nvPr/>
+        </p:nvSpPr>
+        <p:spPr>
+          <a:xfrm>
+            <a:off x="762902" y="1152173"/>
+            <a:ext cx="8047811" cy="1938992"/>
+          </a:xfrm>
+          <a:prstGeom prst="rect">
+            <a:avLst/>
+          </a:prstGeom>
+        </p:spPr>
+        <p:txBody>
+          <a:bodyPr wrap="square">
+            <a:spAutoFit/>
+          </a:bodyPr>
+          <a:lstStyle/>
+          <a:p>
+            <a:pPr marL="342900" indent="-342900">
+              <a:buFont typeface="Arial" panose="020B0604020202020204" pitchFamily="34" charset="0"/>
+              <a:buChar char="•"/>
+            </a:pPr>
+            <a:r>
+              <a:rPr lang="en-US" sz="2400" dirty="0">
+                <a:latin typeface="Amazon Ember" panose="020B0603020204020204" pitchFamily="34" charset="0"/>
+                <a:ea typeface="Amazon Ember" panose="020B0603020204020204" pitchFamily="34" charset="0"/>
+                <a:cs typeface="Amazon Ember" panose="020B0603020204020204" pitchFamily="34" charset="0"/>
+              </a:rPr>
+              <a:t>Module 2: Run the CloudFormation template (~5 min)</a:t>
+            </a:r>
+          </a:p>
+          <a:p>
+            <a:pPr marL="342900" indent="-342900">
+              <a:buFont typeface="Arial" panose="020B0604020202020204" pitchFamily="34" charset="0"/>
+              <a:buChar char="•"/>
+            </a:pPr>
+            <a:r>
+              <a:rPr lang="en-US" sz="2400" dirty="0">
+                <a:latin typeface="Amazon Ember" panose="020B0603020204020204" pitchFamily="34" charset="0"/>
+                <a:ea typeface="Amazon Ember" panose="020B0603020204020204" pitchFamily="34" charset="0"/>
+                <a:cs typeface="Amazon Ember" panose="020B0603020204020204" pitchFamily="34" charset="0"/>
+              </a:rPr>
+              <a:t>Threat detection and remediation intro presentation (~25 min)</a:t>
+            </a:r>
+          </a:p>
+          <a:p>
+            <a:pPr marL="342900" indent="-342900">
+              <a:buFont typeface="Arial" panose="020B0604020202020204" pitchFamily="34" charset="0"/>
+              <a:buChar char="•"/>
+            </a:pPr>
+            <a:r>
+              <a:rPr lang="en-US" sz="2400" dirty="0">
+                <a:latin typeface="Amazon Ember" panose="020B0603020204020204" pitchFamily="34" charset="0"/>
+                <a:ea typeface="Amazon Ember" panose="020B0603020204020204" pitchFamily="34" charset="0"/>
+                <a:cs typeface="Amazon Ember" panose="020B0603020204020204" pitchFamily="34" charset="0"/>
+              </a:rPr>
+              <a:t>Workshop walkthrough (~10 min)</a:t>
+            </a:r>
+          </a:p>
+          <a:p>
+            <a:pPr marL="342900" indent="-342900">
+              <a:buFont typeface="Arial" panose="020B0604020202020204" pitchFamily="34" charset="0"/>
+              <a:buChar char="•"/>
+            </a:pPr>
+            <a:endParaRPr lang="en-US" sz="2400" dirty="0">
+              <a:latin typeface="Amazon Ember" panose="020B0603020204020204" pitchFamily="34" charset="0"/>
+              <a:ea typeface="Amazon Ember" panose="020B0603020204020204" pitchFamily="34" charset="0"/>
+              <a:cs typeface="Amazon Ember" panose="020B0603020204020204" pitchFamily="34" charset="0"/>
+            </a:endParaRPr>
+          </a:p>
+        </p:txBody>
+      </p:sp>
+    </p:spTree>
+    <p:extLst>
+      <p:ext uri="{BB962C8B-B14F-4D97-AF65-F5344CB8AC3E}">
+        <p14:creationId xmlns:p14="http://schemas.microsoft.com/office/powerpoint/2010/main" val="760041365"/>
+      </p:ext>
+    </p:extLst>
+  </p:cSld>
+  <p:clrMapOvr>
+    <a:masterClrMapping/>
+  </p:clrMapOvr>
+</p:sld>
+</file>
+
+<file path=ppt/slides/slide20.xml><?xml version="1.0" encoding="utf-8"?>
 <p:sld xmlns:a="http://schemas.openxmlformats.org/drawingml/2006/main" xmlns:r="http://schemas.openxmlformats.org/officeDocument/2006/relationships" xmlns:p="http://schemas.openxmlformats.org/presentationml/2006/main" show="0">
   <p:cSld>
     <p:spTree>
@@ -20011,7 +19670,7 @@
 </p:sld>
 </file>
 
-<file path=ppt/slides/slide22.xml><?xml version="1.0" encoding="utf-8"?>
+<file path=ppt/slides/slide21.xml><?xml version="1.0" encoding="utf-8"?>
 <p:sld xmlns:a="http://schemas.openxmlformats.org/drawingml/2006/main" xmlns:r="http://schemas.openxmlformats.org/officeDocument/2006/relationships" xmlns:p="http://schemas.openxmlformats.org/presentationml/2006/main">
   <p:cSld>
     <p:spTree>
@@ -20302,7 +19961,7 @@
           </p:nvSpPr>
           <p:spPr>
             <a:xfrm>
-              <a:off x="4923065" y="2677168"/>
+              <a:off x="4923065" y="2853280"/>
               <a:ext cx="3161211" cy="1698566"/>
             </a:xfrm>
             <a:prstGeom prst="rect">
@@ -20354,6 +20013,24 @@
                   <a:cs typeface="Amazon Ember" panose="020B0603020204020204" pitchFamily="34" charset="0"/>
                 </a:rPr>
               </a:br>
+              <a:endParaRPr lang="en-US" sz="1200" dirty="0">
+                <a:solidFill>
+                  <a:srgbClr val="414042"/>
+                </a:solidFill>
+                <a:latin typeface="Amazon Ember" panose="02000000000000000000" pitchFamily="2" charset="0"/>
+                <a:ea typeface="Amazon Ember" panose="02000000000000000000" pitchFamily="2" charset="0"/>
+                <a:cs typeface="Amazon Ember" panose="020B0603020204020204" pitchFamily="34" charset="0"/>
+              </a:endParaRPr>
+            </a:p>
+            <a:p>
+              <a:pPr marR="0" lvl="0" algn="ctr">
+                <a:spcBef>
+                  <a:spcPts val="0"/>
+                </a:spcBef>
+                <a:spcAft>
+                  <a:spcPts val="800"/>
+                </a:spcAft>
+              </a:pPr>
               <a:r>
                 <a:rPr lang="en-US" sz="1600" dirty="0">
                   <a:solidFill>
@@ -20462,7 +20139,7 @@
 </p:sld>
 </file>
 
-<file path=ppt/slides/slide23.xml><?xml version="1.0" encoding="utf-8"?>
+<file path=ppt/slides/slide22.xml><?xml version="1.0" encoding="utf-8"?>
 <p:sld xmlns:a="http://schemas.openxmlformats.org/drawingml/2006/main" xmlns:r="http://schemas.openxmlformats.org/officeDocument/2006/relationships" xmlns:p="http://schemas.openxmlformats.org/presentationml/2006/main">
   <p:cSld>
     <p:spTree>
@@ -21588,7 +21265,7 @@
 </p:sld>
 </file>
 
-<file path=ppt/slides/slide24.xml><?xml version="1.0" encoding="utf-8"?>
+<file path=ppt/slides/slide23.xml><?xml version="1.0" encoding="utf-8"?>
 <p:sld xmlns:a="http://schemas.openxmlformats.org/drawingml/2006/main" xmlns:r="http://schemas.openxmlformats.org/officeDocument/2006/relationships" xmlns:p="http://schemas.openxmlformats.org/presentationml/2006/main" show="0">
   <p:cSld>
     <p:spTree>
@@ -23379,7 +23056,7 @@
 </p:sld>
 </file>
 
-<file path=ppt/slides/slide25.xml><?xml version="1.0" encoding="utf-8"?>
+<file path=ppt/slides/slide24.xml><?xml version="1.0" encoding="utf-8"?>
 <p:sld xmlns:a="http://schemas.openxmlformats.org/drawingml/2006/main" xmlns:r="http://schemas.openxmlformats.org/officeDocument/2006/relationships" xmlns:p="http://schemas.openxmlformats.org/presentationml/2006/main" show="0">
   <p:cSld>
     <p:spTree>
@@ -24788,6 +24465,58 @@
 </p:sld>
 </file>
 
+<file path=ppt/slides/slide25.xml><?xml version="1.0" encoding="utf-8"?>
+<p:sld xmlns:a="http://schemas.openxmlformats.org/drawingml/2006/main" xmlns:r="http://schemas.openxmlformats.org/officeDocument/2006/relationships" xmlns:p="http://schemas.openxmlformats.org/presentationml/2006/main">
+  <p:cSld>
+    <p:spTree>
+      <p:nvGrpSpPr>
+        <p:cNvPr id="1" name=""/>
+        <p:cNvGrpSpPr/>
+        <p:nvPr/>
+      </p:nvGrpSpPr>
+      <p:grpSpPr>
+        <a:xfrm>
+          <a:off x="0" y="0"/>
+          <a:ext cx="0" cy="0"/>
+          <a:chOff x="0" y="0"/>
+          <a:chExt cx="0" cy="0"/>
+        </a:xfrm>
+      </p:grpSpPr>
+      <p:sp>
+        <p:nvSpPr>
+          <p:cNvPr id="2" name="Title 1"/>
+          <p:cNvSpPr>
+            <a:spLocks noGrp="1"/>
+          </p:cNvSpPr>
+          <p:nvPr>
+            <p:ph type="title"/>
+          </p:nvPr>
+        </p:nvSpPr>
+        <p:spPr/>
+        <p:txBody>
+          <a:bodyPr/>
+          <a:lstStyle/>
+          <a:p>
+            <a:r>
+              <a:rPr lang="en-US" dirty="0"/>
+              <a:t>Threat Remediation Services</a:t>
+            </a:r>
+          </a:p>
+        </p:txBody>
+      </p:sp>
+    </p:spTree>
+    <p:extLst>
+      <p:ext uri="{BB962C8B-B14F-4D97-AF65-F5344CB8AC3E}">
+        <p14:creationId xmlns:p14="http://schemas.microsoft.com/office/powerpoint/2010/main" val="1869913362"/>
+      </p:ext>
+    </p:extLst>
+  </p:cSld>
+  <p:clrMapOvr>
+    <a:masterClrMapping/>
+  </p:clrMapOvr>
+</p:sld>
+</file>
+
 <file path=ppt/slides/slide26.xml><?xml version="1.0" encoding="utf-8"?>
 <p:sld xmlns:a="http://schemas.openxmlformats.org/drawingml/2006/main" xmlns:r="http://schemas.openxmlformats.org/officeDocument/2006/relationships" xmlns:p="http://schemas.openxmlformats.org/presentationml/2006/main">
   <p:cSld>
@@ -24821,58 +24550,6 @@
           <a:lstStyle/>
           <a:p>
             <a:r>
-              <a:rPr lang="en-US" dirty="0"/>
-              <a:t>Threat Remediation Services</a:t>
-            </a:r>
-          </a:p>
-        </p:txBody>
-      </p:sp>
-    </p:spTree>
-    <p:extLst>
-      <p:ext uri="{BB962C8B-B14F-4D97-AF65-F5344CB8AC3E}">
-        <p14:creationId xmlns:p14="http://schemas.microsoft.com/office/powerpoint/2010/main" val="1869913362"/>
-      </p:ext>
-    </p:extLst>
-  </p:cSld>
-  <p:clrMapOvr>
-    <a:masterClrMapping/>
-  </p:clrMapOvr>
-</p:sld>
-</file>
-
-<file path=ppt/slides/slide27.xml><?xml version="1.0" encoding="utf-8"?>
-<p:sld xmlns:a="http://schemas.openxmlformats.org/drawingml/2006/main" xmlns:r="http://schemas.openxmlformats.org/officeDocument/2006/relationships" xmlns:p="http://schemas.openxmlformats.org/presentationml/2006/main">
-  <p:cSld>
-    <p:spTree>
-      <p:nvGrpSpPr>
-        <p:cNvPr id="1" name=""/>
-        <p:cNvGrpSpPr/>
-        <p:nvPr/>
-      </p:nvGrpSpPr>
-      <p:grpSpPr>
-        <a:xfrm>
-          <a:off x="0" y="0"/>
-          <a:ext cx="0" cy="0"/>
-          <a:chOff x="0" y="0"/>
-          <a:chExt cx="0" cy="0"/>
-        </a:xfrm>
-      </p:grpSpPr>
-      <p:sp>
-        <p:nvSpPr>
-          <p:cNvPr id="2" name="Title 1"/>
-          <p:cNvSpPr>
-            <a:spLocks noGrp="1"/>
-          </p:cNvSpPr>
-          <p:nvPr>
-            <p:ph type="title"/>
-          </p:nvPr>
-        </p:nvSpPr>
-        <p:spPr/>
-        <p:txBody>
-          <a:bodyPr/>
-          <a:lstStyle/>
-          <a:p>
-            <a:r>
               <a:rPr lang="en-US" b="1" dirty="0">
                 <a:latin typeface="Amazon Ember Light" panose="020B0403020204020204" pitchFamily="34" charset="0"/>
                 <a:ea typeface="Amazon Ember Light" panose="020B0403020204020204" pitchFamily="34" charset="0"/>
@@ -24897,8 +24574,8 @@
         </p:nvSpPr>
         <p:spPr>
           <a:xfrm>
-            <a:off x="3613675" y="2720927"/>
-            <a:ext cx="1908751" cy="1272231"/>
+            <a:off x="3613673" y="2752660"/>
+            <a:ext cx="1908751" cy="415465"/>
           </a:xfrm>
           <a:prstGeom prst="rect">
             <a:avLst/>
@@ -24938,32 +24615,6 @@
                 <a:srgbClr val="414042"/>
               </a:solidFill>
               <a:latin typeface="Amazon Ember" panose="020B0603020204020204" pitchFamily="34" charset="0"/>
-              <a:ea typeface="Amazon Ember" panose="020B0603020204020204" pitchFamily="34" charset="0"/>
-              <a:cs typeface="Amazon Ember" panose="020B0603020204020204" pitchFamily="34" charset="0"/>
-            </a:endParaRPr>
-          </a:p>
-          <a:p>
-            <a:pPr marR="0" lvl="0" algn="ctr">
-              <a:spcBef>
-                <a:spcPts val="0"/>
-              </a:spcBef>
-            </a:pPr>
-            <a:r>
-              <a:rPr lang="en-US" sz="1400" dirty="0">
-                <a:solidFill>
-                  <a:srgbClr val="414042"/>
-                </a:solidFill>
-                <a:latin typeface="Amazon Ember" panose="020B0603020204020204" pitchFamily="34" charset="0"/>
-                <a:ea typeface="Amazon Ember" panose="020B0603020204020204" pitchFamily="34" charset="0"/>
-                <a:cs typeface="Amazon Ember" panose="020B0603020204020204" pitchFamily="34" charset="0"/>
-              </a:rPr>
-              <a:t>Gain operational insights and take action on AWS resources</a:t>
-            </a:r>
-            <a:endParaRPr lang="en-US" sz="1400" dirty="0">
-              <a:solidFill>
-                <a:srgbClr val="414042"/>
-              </a:solidFill>
-              <a:latin typeface="Amazon Ember" panose="02000000000000000000" pitchFamily="2" charset="0"/>
               <a:ea typeface="Amazon Ember" panose="020B0603020204020204" pitchFamily="34" charset="0"/>
               <a:cs typeface="Amazon Ember" panose="020B0603020204020204" pitchFamily="34" charset="0"/>
             </a:endParaRPr>
@@ -25045,7 +24696,7 @@
         <p:grpSpPr>
           <a:xfrm>
             <a:off x="1078474" y="1112362"/>
-            <a:ext cx="2032155" cy="3082565"/>
+            <a:ext cx="2032155" cy="3081528"/>
             <a:chOff x="3607755" y="1407129"/>
             <a:chExt cx="1791041" cy="3068710"/>
           </a:xfrm>
@@ -25065,7 +24716,7 @@
           <p:spPr>
             <a:xfrm>
               <a:off x="3607755" y="3008464"/>
-              <a:ext cx="1791041" cy="1272230"/>
+              <a:ext cx="1791041" cy="478017"/>
             </a:xfrm>
             <a:prstGeom prst="rect">
               <a:avLst/>
@@ -25131,32 +24782,6 @@
                   <a:srgbClr val="414042"/>
                 </a:solidFill>
                 <a:latin typeface="Amazon Ember" panose="020B0603020204020204" pitchFamily="34" charset="0"/>
-                <a:ea typeface="Amazon Ember" panose="020B0603020204020204" pitchFamily="34" charset="0"/>
-                <a:cs typeface="Amazon Ember" panose="020B0603020204020204" pitchFamily="34" charset="0"/>
-              </a:endParaRPr>
-            </a:p>
-            <a:p>
-              <a:pPr marR="0" lvl="0" algn="ctr">
-                <a:spcBef>
-                  <a:spcPts val="0"/>
-                </a:spcBef>
-              </a:pPr>
-              <a:r>
-                <a:rPr lang="en-US" sz="1400" dirty="0">
-                  <a:solidFill>
-                    <a:srgbClr val="414042"/>
-                  </a:solidFill>
-                  <a:latin typeface="Amazon Ember" panose="020B0603020204020204" pitchFamily="34" charset="0"/>
-                  <a:ea typeface="Amazon Ember" panose="020B0603020204020204" pitchFamily="34" charset="0"/>
-                  <a:cs typeface="Amazon Ember" panose="020B0603020204020204" pitchFamily="34" charset="0"/>
-                </a:rPr>
-                <a:t>Run code for virtually any kind of application or backend service – zero administration</a:t>
-              </a:r>
-              <a:endParaRPr lang="en-US" sz="1400" dirty="0">
-                <a:solidFill>
-                  <a:srgbClr val="414042"/>
-                </a:solidFill>
-                <a:latin typeface="Amazon Ember" panose="02000000000000000000" pitchFamily="2" charset="0"/>
                 <a:ea typeface="Amazon Ember" panose="020B0603020204020204" pitchFamily="34" charset="0"/>
                 <a:cs typeface="Amazon Ember" panose="020B0603020204020204" pitchFamily="34" charset="0"/>
               </a:endParaRPr>
@@ -25310,8 +24935,8 @@
         </p:nvSpPr>
         <p:spPr>
           <a:xfrm>
-            <a:off x="6144006" y="2648929"/>
-            <a:ext cx="1908751" cy="1272231"/>
+            <a:off x="6144006" y="2648930"/>
+            <a:ext cx="1908751" cy="551470"/>
           </a:xfrm>
           <a:prstGeom prst="rect">
             <a:avLst/>
@@ -25362,22 +24987,6 @@
               <a:ea typeface="Amazon Ember" panose="020B0603020204020204" pitchFamily="34" charset="0"/>
               <a:cs typeface="Amazon Ember" panose="020B0603020204020204" pitchFamily="34" charset="0"/>
             </a:endParaRPr>
-          </a:p>
-          <a:p>
-            <a:pPr lvl="0" algn="ctr">
-              <a:defRPr/>
-            </a:pPr>
-            <a:r>
-              <a:rPr lang="en-US" sz="1400" dirty="0">
-                <a:solidFill>
-                  <a:srgbClr val="414042"/>
-                </a:solidFill>
-                <a:latin typeface="Amazon Ember" panose="020B0603020204020204" pitchFamily="34" charset="0"/>
-                <a:ea typeface="Amazon Ember" panose="020B0603020204020204" pitchFamily="34" charset="0"/>
-                <a:cs typeface="Amazon Ember" panose="020B0603020204020204" pitchFamily="34" charset="0"/>
-              </a:rPr>
-              <a:t>Automate security assessments of EC2 instances </a:t>
-            </a:r>
           </a:p>
         </p:txBody>
       </p:sp>
@@ -25477,6 +25086,158 @@
           </a:prstGeom>
         </p:spPr>
       </p:pic>
+      <p:sp>
+        <p:nvSpPr>
+          <p:cNvPr id="3" name="Rectangle 2">
+            <a:extLst>
+              <a:ext uri="{FF2B5EF4-FFF2-40B4-BE49-F238E27FC236}">
+                <a16:creationId xmlns:a16="http://schemas.microsoft.com/office/drawing/2014/main" id="{39465407-2E76-F54C-BF64-9A0DBA044416}"/>
+              </a:ext>
+            </a:extLst>
+          </p:cNvPr>
+          <p:cNvSpPr/>
+          <p:nvPr/>
+        </p:nvSpPr>
+        <p:spPr>
+          <a:xfrm>
+            <a:off x="1078474" y="3200400"/>
+            <a:ext cx="2032154" cy="954107"/>
+          </a:xfrm>
+          <a:prstGeom prst="rect">
+            <a:avLst/>
+          </a:prstGeom>
+        </p:spPr>
+        <p:txBody>
+          <a:bodyPr wrap="square">
+            <a:spAutoFit/>
+          </a:bodyPr>
+          <a:lstStyle/>
+          <a:p>
+            <a:pPr marR="0" lvl="0" algn="ctr">
+              <a:spcBef>
+                <a:spcPts val="0"/>
+              </a:spcBef>
+            </a:pPr>
+            <a:r>
+              <a:rPr lang="en-US" sz="1400" dirty="0">
+                <a:solidFill>
+                  <a:srgbClr val="414042"/>
+                </a:solidFill>
+                <a:latin typeface="Amazon Ember" panose="020B0603020204020204" pitchFamily="34" charset="0"/>
+                <a:ea typeface="Amazon Ember" panose="020B0603020204020204" pitchFamily="34" charset="0"/>
+                <a:cs typeface="Amazon Ember" panose="020B0603020204020204" pitchFamily="34" charset="0"/>
+              </a:rPr>
+              <a:t>Run code for virtually any kind of application or backend service – zero administration</a:t>
+            </a:r>
+            <a:endParaRPr lang="en-US" sz="1400" dirty="0">
+              <a:solidFill>
+                <a:srgbClr val="414042"/>
+              </a:solidFill>
+              <a:latin typeface="Amazon Ember" panose="02000000000000000000" pitchFamily="2" charset="0"/>
+              <a:ea typeface="Amazon Ember" panose="020B0603020204020204" pitchFamily="34" charset="0"/>
+              <a:cs typeface="Amazon Ember" panose="020B0603020204020204" pitchFamily="34" charset="0"/>
+            </a:endParaRPr>
+          </a:p>
+        </p:txBody>
+      </p:sp>
+      <p:sp>
+        <p:nvSpPr>
+          <p:cNvPr id="4" name="Rectangle 3">
+            <a:extLst>
+              <a:ext uri="{FF2B5EF4-FFF2-40B4-BE49-F238E27FC236}">
+                <a16:creationId xmlns:a16="http://schemas.microsoft.com/office/drawing/2014/main" id="{2E2578C9-CCD6-DF45-B194-5E889A18DA5F}"/>
+              </a:ext>
+            </a:extLst>
+          </p:cNvPr>
+          <p:cNvSpPr/>
+          <p:nvPr/>
+        </p:nvSpPr>
+        <p:spPr>
+          <a:xfrm>
+            <a:off x="3557865" y="3200399"/>
+            <a:ext cx="2020365" cy="954107"/>
+          </a:xfrm>
+          <a:prstGeom prst="rect">
+            <a:avLst/>
+          </a:prstGeom>
+        </p:spPr>
+        <p:txBody>
+          <a:bodyPr wrap="square">
+            <a:spAutoFit/>
+          </a:bodyPr>
+          <a:lstStyle/>
+          <a:p>
+            <a:pPr marR="0" lvl="0" algn="ctr">
+              <a:spcBef>
+                <a:spcPts val="0"/>
+              </a:spcBef>
+            </a:pPr>
+            <a:r>
+              <a:rPr lang="en-US" sz="1400" dirty="0">
+                <a:solidFill>
+                  <a:srgbClr val="414042"/>
+                </a:solidFill>
+                <a:latin typeface="Amazon Ember" panose="020B0603020204020204" pitchFamily="34" charset="0"/>
+                <a:ea typeface="Amazon Ember" panose="020B0603020204020204" pitchFamily="34" charset="0"/>
+                <a:cs typeface="Amazon Ember" panose="020B0603020204020204" pitchFamily="34" charset="0"/>
+              </a:rPr>
+              <a:t>Gain operational insights and take action on AWS resources</a:t>
+            </a:r>
+            <a:endParaRPr lang="en-US" sz="1400" dirty="0">
+              <a:solidFill>
+                <a:srgbClr val="414042"/>
+              </a:solidFill>
+              <a:latin typeface="Amazon Ember" panose="02000000000000000000" pitchFamily="2" charset="0"/>
+              <a:ea typeface="Amazon Ember" panose="020B0603020204020204" pitchFamily="34" charset="0"/>
+              <a:cs typeface="Amazon Ember" panose="020B0603020204020204" pitchFamily="34" charset="0"/>
+            </a:endParaRPr>
+          </a:p>
+        </p:txBody>
+      </p:sp>
+      <p:sp>
+        <p:nvSpPr>
+          <p:cNvPr id="5" name="Rectangle 4">
+            <a:extLst>
+              <a:ext uri="{FF2B5EF4-FFF2-40B4-BE49-F238E27FC236}">
+                <a16:creationId xmlns:a16="http://schemas.microsoft.com/office/drawing/2014/main" id="{70DACE1F-83D4-CF4B-A336-F0E031284E45}"/>
+              </a:ext>
+            </a:extLst>
+          </p:cNvPr>
+          <p:cNvSpPr/>
+          <p:nvPr/>
+        </p:nvSpPr>
+        <p:spPr>
+          <a:xfrm>
+            <a:off x="6092588" y="3232674"/>
+            <a:ext cx="2020366" cy="738664"/>
+          </a:xfrm>
+          <a:prstGeom prst="rect">
+            <a:avLst/>
+          </a:prstGeom>
+        </p:spPr>
+        <p:txBody>
+          <a:bodyPr wrap="square">
+            <a:spAutoFit/>
+          </a:bodyPr>
+          <a:lstStyle/>
+          <a:p>
+            <a:pPr lvl="0" algn="ctr">
+              <a:defRPr/>
+            </a:pPr>
+            <a:r>
+              <a:rPr lang="en-US" sz="1400" dirty="0">
+                <a:solidFill>
+                  <a:srgbClr val="414042"/>
+                </a:solidFill>
+                <a:latin typeface="Amazon Ember" panose="020B0603020204020204" pitchFamily="34" charset="0"/>
+                <a:ea typeface="Amazon Ember" panose="020B0603020204020204" pitchFamily="34" charset="0"/>
+                <a:cs typeface="Amazon Ember" panose="020B0603020204020204" pitchFamily="34" charset="0"/>
+              </a:rPr>
+              <a:t>Automate security assessments of EC2 instances </a:t>
+            </a:r>
+          </a:p>
+        </p:txBody>
+      </p:sp>
     </p:spTree>
     <p:extLst>
       <p:ext uri="{BB962C8B-B14F-4D97-AF65-F5344CB8AC3E}">
@@ -25487,10 +25248,144 @@
   <p:clrMapOvr>
     <a:masterClrMapping/>
   </p:clrMapOvr>
+  <p:timing>
+    <p:tnLst>
+      <p:par>
+        <p:cTn id="1" dur="indefinite" restart="never" nodeType="tmRoot">
+          <p:childTnLst>
+            <p:seq concurrent="1" nextAc="seek">
+              <p:cTn id="2" dur="indefinite" nodeType="mainSeq">
+                <p:childTnLst>
+                  <p:par>
+                    <p:cTn id="3" fill="hold">
+                      <p:stCondLst>
+                        <p:cond delay="indefinite"/>
+                      </p:stCondLst>
+                      <p:childTnLst>
+                        <p:par>
+                          <p:cTn id="4" fill="hold">
+                            <p:stCondLst>
+                              <p:cond delay="0"/>
+                            </p:stCondLst>
+                            <p:childTnLst>
+                              <p:par>
+                                <p:cTn id="5" presetID="1" presetClass="entr" presetSubtype="0" fill="hold" grpId="0" nodeType="clickEffect">
+                                  <p:stCondLst>
+                                    <p:cond delay="0"/>
+                                  </p:stCondLst>
+                                  <p:childTnLst>
+                                    <p:set>
+                                      <p:cBhvr>
+                                        <p:cTn id="6" dur="1" fill="hold">
+                                          <p:stCondLst>
+                                            <p:cond delay="0"/>
+                                          </p:stCondLst>
+                                        </p:cTn>
+                                        <p:tgtEl>
+                                          <p:spTgt spid="3"/>
+                                        </p:tgtEl>
+                                        <p:attrNameLst>
+                                          <p:attrName>style.visibility</p:attrName>
+                                        </p:attrNameLst>
+                                      </p:cBhvr>
+                                      <p:to>
+                                        <p:strVal val="visible"/>
+                                      </p:to>
+                                    </p:set>
+                                  </p:childTnLst>
+                                </p:cTn>
+                              </p:par>
+                              <p:par>
+                                <p:cTn id="7" presetID="1" presetClass="entr" presetSubtype="0" fill="hold" grpId="0" nodeType="withEffect">
+                                  <p:stCondLst>
+                                    <p:cond delay="0"/>
+                                  </p:stCondLst>
+                                  <p:childTnLst>
+                                    <p:set>
+                                      <p:cBhvr>
+                                        <p:cTn id="8" dur="1" fill="hold">
+                                          <p:stCondLst>
+                                            <p:cond delay="0"/>
+                                          </p:stCondLst>
+                                        </p:cTn>
+                                        <p:tgtEl>
+                                          <p:spTgt spid="4"/>
+                                        </p:tgtEl>
+                                        <p:attrNameLst>
+                                          <p:attrName>style.visibility</p:attrName>
+                                        </p:attrNameLst>
+                                      </p:cBhvr>
+                                      <p:to>
+                                        <p:strVal val="visible"/>
+                                      </p:to>
+                                    </p:set>
+                                  </p:childTnLst>
+                                </p:cTn>
+                              </p:par>
+                              <p:par>
+                                <p:cTn id="9" presetID="1" presetClass="entr" presetSubtype="0" fill="hold" grpId="0" nodeType="withEffect">
+                                  <p:stCondLst>
+                                    <p:cond delay="0"/>
+                                  </p:stCondLst>
+                                  <p:childTnLst>
+                                    <p:set>
+                                      <p:cBhvr>
+                                        <p:cTn id="10" dur="1" fill="hold">
+                                          <p:stCondLst>
+                                            <p:cond delay="0"/>
+                                          </p:stCondLst>
+                                        </p:cTn>
+                                        <p:tgtEl>
+                                          <p:spTgt spid="5"/>
+                                        </p:tgtEl>
+                                        <p:attrNameLst>
+                                          <p:attrName>style.visibility</p:attrName>
+                                        </p:attrNameLst>
+                                      </p:cBhvr>
+                                      <p:to>
+                                        <p:strVal val="visible"/>
+                                      </p:to>
+                                    </p:set>
+                                  </p:childTnLst>
+                                </p:cTn>
+                              </p:par>
+                            </p:childTnLst>
+                          </p:cTn>
+                        </p:par>
+                      </p:childTnLst>
+                    </p:cTn>
+                  </p:par>
+                </p:childTnLst>
+              </p:cTn>
+              <p:prevCondLst>
+                <p:cond evt="onPrev" delay="0">
+                  <p:tgtEl>
+                    <p:sldTgt/>
+                  </p:tgtEl>
+                </p:cond>
+              </p:prevCondLst>
+              <p:nextCondLst>
+                <p:cond evt="onNext" delay="0">
+                  <p:tgtEl>
+                    <p:sldTgt/>
+                  </p:tgtEl>
+                </p:cond>
+              </p:nextCondLst>
+            </p:seq>
+          </p:childTnLst>
+        </p:cTn>
+      </p:par>
+    </p:tnLst>
+    <p:bldLst>
+      <p:bldP spid="3" grpId="0"/>
+      <p:bldP spid="4" grpId="0"/>
+      <p:bldP spid="5" grpId="0"/>
+    </p:bldLst>
+  </p:timing>
 </p:sld>
 </file>
 
-<file path=ppt/slides/slide28.xml><?xml version="1.0" encoding="utf-8"?>
+<file path=ppt/slides/slide27.xml><?xml version="1.0" encoding="utf-8"?>
 <p:sld xmlns:a="http://schemas.openxmlformats.org/drawingml/2006/main" xmlns:r="http://schemas.openxmlformats.org/officeDocument/2006/relationships" xmlns:p="http://schemas.openxmlformats.org/presentationml/2006/main">
   <p:cSld>
     <p:spTree>
@@ -25706,7 +25601,7 @@
           </a:ln>
           <a:extLst>
             <a:ext uri="{C572A759-6A51-4108-AA02-DFA0A04FC94B}">
-              <ma14:wrappingTextBoxFlag xmlns="" xmlns:ma14="http://schemas.microsoft.com/office/mac/drawingml/2011/main" val="1"/>
+              <ma14:wrappingTextBoxFlag xmlns:ma14="http://schemas.microsoft.com/office/mac/drawingml/2011/main" xmlns="" val="1"/>
             </a:ext>
           </a:extLst>
         </p:spPr>
@@ -25760,7 +25655,7 @@
           </a:ln>
           <a:extLst>
             <a:ext uri="{C572A759-6A51-4108-AA02-DFA0A04FC94B}">
-              <ma14:wrappingTextBoxFlag xmlns="" xmlns:ma14="http://schemas.microsoft.com/office/mac/drawingml/2011/main" val="1"/>
+              <ma14:wrappingTextBoxFlag xmlns:ma14="http://schemas.microsoft.com/office/mac/drawingml/2011/main" xmlns="" val="1"/>
             </a:ext>
           </a:extLst>
         </p:spPr>
@@ -25899,7 +25794,7 @@
           </a:ln>
           <a:extLst>
             <a:ext uri="{C572A759-6A51-4108-AA02-DFA0A04FC94B}">
-              <ma14:wrappingTextBoxFlag xmlns="" xmlns:ma14="http://schemas.microsoft.com/office/mac/drawingml/2011/main" val="1"/>
+              <ma14:wrappingTextBoxFlag xmlns:ma14="http://schemas.microsoft.com/office/mac/drawingml/2011/main" xmlns="" val="1"/>
             </a:ext>
           </a:extLst>
         </p:spPr>
@@ -25979,7 +25874,7 @@
           </a:ln>
           <a:extLst>
             <a:ext uri="{C572A759-6A51-4108-AA02-DFA0A04FC94B}">
-              <ma14:wrappingTextBoxFlag xmlns="" xmlns:ma14="http://schemas.microsoft.com/office/mac/drawingml/2011/main" val="1"/>
+              <ma14:wrappingTextBoxFlag xmlns:ma14="http://schemas.microsoft.com/office/mac/drawingml/2011/main" xmlns="" val="1"/>
             </a:ext>
           </a:extLst>
         </p:spPr>
@@ -26120,7 +26015,7 @@
           </a:ln>
           <a:extLst>
             <a:ext uri="{C572A759-6A51-4108-AA02-DFA0A04FC94B}">
-              <ma14:wrappingTextBoxFlag xmlns="" xmlns:ma14="http://schemas.microsoft.com/office/mac/drawingml/2011/main" val="1"/>
+              <ma14:wrappingTextBoxFlag xmlns:ma14="http://schemas.microsoft.com/office/mac/drawingml/2011/main" xmlns="" val="1"/>
             </a:ext>
           </a:extLst>
         </p:spPr>
@@ -26213,7 +26108,7 @@
 </p:sld>
 </file>
 
-<file path=ppt/slides/slide29.xml><?xml version="1.0" encoding="utf-8"?>
+<file path=ppt/slides/slide28.xml><?xml version="1.0" encoding="utf-8"?>
 <p:sld xmlns:a="http://schemas.openxmlformats.org/drawingml/2006/main" xmlns:r="http://schemas.openxmlformats.org/officeDocument/2006/relationships" xmlns:p="http://schemas.openxmlformats.org/presentationml/2006/main">
   <p:cSld>
     <p:spTree>
@@ -26383,24 +26278,37 @@
                   <a:ea typeface="Amazon Ember" charset="0"/>
                   <a:cs typeface="Amazon Ember" charset="0"/>
                 </a:rPr>
-                <a:t>Amazon </a:t>
+                <a:t>Amazon CloudWatch</a:t>
               </a:r>
+            </a:p>
+            <a:p>
+              <a:pPr marL="0" marR="0" lvl="0" indent="0" algn="ctr" defTabSz="457200" rtl="0" eaLnBrk="1" fontAlgn="auto" latinLnBrk="0" hangingPunct="1">
+                <a:lnSpc>
+                  <a:spcPct val="100000"/>
+                </a:lnSpc>
+                <a:spcBef>
+                  <a:spcPts val="0"/>
+                </a:spcBef>
+                <a:spcAft>
+                  <a:spcPts val="0"/>
+                </a:spcAft>
+                <a:buClrTx/>
+                <a:buSzTx/>
+                <a:buFontTx/>
+                <a:buNone/>
+                <a:tabLst/>
+                <a:defRPr/>
+              </a:pPr>
               <a:r>
-                <a:rPr kumimoji="0" lang="en-US" sz="1400" i="0" u="none" strike="noStrike" kern="1200" cap="none" spc="0" normalizeH="0" baseline="0" noProof="0" dirty="0" err="1">
-                  <a:ln>
-                    <a:noFill/>
-                  </a:ln>
+                <a:rPr lang="en-US" sz="1400" dirty="0">
                   <a:solidFill>
                     <a:srgbClr val="414042"/>
                   </a:solidFill>
-                  <a:effectLst/>
-                  <a:uLnTx/>
-                  <a:uFillTx/>
                   <a:latin typeface="Amazon Ember" charset="0"/>
                   <a:ea typeface="Amazon Ember" charset="0"/>
                   <a:cs typeface="Amazon Ember" charset="0"/>
                 </a:rPr>
-                <a:t>CloudWatch</a:t>
+                <a:t>Events</a:t>
               </a:r>
               <a:endParaRPr kumimoji="0" lang="en-US" sz="1400" i="0" u="none" strike="noStrike" kern="1200" cap="none" spc="0" normalizeH="0" baseline="0" noProof="0" dirty="0">
                 <a:ln>
@@ -26603,7 +26511,7 @@
         </p:nvSpPr>
         <p:spPr>
           <a:xfrm>
-            <a:off x="2306855" y="4496735"/>
+            <a:off x="1322594" y="4770648"/>
             <a:ext cx="1152880" cy="307777"/>
           </a:xfrm>
           <a:prstGeom prst="rect">
@@ -26982,8 +26890,8 @@
         </p:nvCxnSpPr>
         <p:spPr>
           <a:xfrm flipV="1">
-            <a:off x="3344069" y="3098245"/>
-            <a:ext cx="833484" cy="909780"/>
+            <a:off x="2293220" y="3098245"/>
+            <a:ext cx="1884333" cy="1622515"/>
           </a:xfrm>
           <a:prstGeom prst="straightConnector1">
             <a:avLst/>
@@ -27315,7 +27223,7 @@
         </p:blipFill>
         <p:spPr>
           <a:xfrm>
-            <a:off x="2658292" y="3960809"/>
+            <a:off x="1674196" y="4253451"/>
             <a:ext cx="449677" cy="539613"/>
           </a:xfrm>
           <a:prstGeom prst="rect">
@@ -28032,8 +27940,8 @@
         </p:nvCxnSpPr>
         <p:spPr>
           <a:xfrm flipV="1">
-            <a:off x="2897431" y="3524199"/>
-            <a:ext cx="0" cy="371699"/>
+            <a:off x="2259670" y="3725369"/>
+            <a:ext cx="637761" cy="995391"/>
           </a:xfrm>
           <a:prstGeom prst="straightConnector1">
             <a:avLst/>
@@ -28239,6 +28147,544 @@
 </p:sld>
 </file>
 
+<file path=ppt/slides/slide29.xml><?xml version="1.0" encoding="utf-8"?>
+<p:sld xmlns:a="http://schemas.openxmlformats.org/drawingml/2006/main" xmlns:r="http://schemas.openxmlformats.org/officeDocument/2006/relationships" xmlns:p="http://schemas.openxmlformats.org/presentationml/2006/main">
+  <p:cSld>
+    <p:spTree>
+      <p:nvGrpSpPr>
+        <p:cNvPr id="1" name=""/>
+        <p:cNvGrpSpPr/>
+        <p:nvPr/>
+      </p:nvGrpSpPr>
+      <p:grpSpPr>
+        <a:xfrm>
+          <a:off x="0" y="0"/>
+          <a:ext cx="0" cy="0"/>
+          <a:chOff x="0" y="0"/>
+          <a:chExt cx="0" cy="0"/>
+        </a:xfrm>
+      </p:grpSpPr>
+      <p:sp>
+        <p:nvSpPr>
+          <p:cNvPr id="2" name="Title 1"/>
+          <p:cNvSpPr>
+            <a:spLocks noGrp="1"/>
+          </p:cNvSpPr>
+          <p:nvPr>
+            <p:ph type="title"/>
+          </p:nvPr>
+        </p:nvSpPr>
+        <p:spPr/>
+        <p:txBody>
+          <a:bodyPr/>
+          <a:lstStyle/>
+          <a:p>
+            <a:r>
+              <a:rPr lang="en-US" dirty="0"/>
+              <a:t>Review Questions</a:t>
+            </a:r>
+          </a:p>
+        </p:txBody>
+      </p:sp>
+      <p:sp>
+        <p:nvSpPr>
+          <p:cNvPr id="3" name="Content Placeholder 2"/>
+          <p:cNvSpPr>
+            <a:spLocks noGrp="1"/>
+          </p:cNvSpPr>
+          <p:nvPr>
+            <p:ph idx="1"/>
+          </p:nvPr>
+        </p:nvSpPr>
+        <p:spPr/>
+        <p:txBody>
+          <a:bodyPr/>
+          <a:lstStyle/>
+          <a:p>
+            <a:pPr marL="285750" indent="-285750">
+              <a:buFont typeface="Arial" panose="020B0604020202020204" pitchFamily="34" charset="0"/>
+              <a:buChar char="•"/>
+            </a:pPr>
+            <a:r>
+              <a:rPr lang="en-US" sz="1800" dirty="0">
+                <a:solidFill>
+                  <a:schemeClr val="tx1"/>
+                </a:solidFill>
+                <a:latin typeface="Amazon Ember" panose="020B0603020204020204" pitchFamily="34" charset="0"/>
+                <a:ea typeface="Amazon Ember" panose="020B0603020204020204" pitchFamily="34" charset="0"/>
+                <a:cs typeface="Amazon Ember" panose="020B0603020204020204" pitchFamily="34" charset="0"/>
+              </a:rPr>
+              <a:t>How can you create custom rules for Config?</a:t>
+            </a:r>
+          </a:p>
+          <a:p>
+            <a:pPr marL="285750" indent="-285750">
+              <a:buFont typeface="Arial" panose="020B0604020202020204" pitchFamily="34" charset="0"/>
+              <a:buChar char="•"/>
+            </a:pPr>
+            <a:endParaRPr lang="en-US" sz="1800" dirty="0">
+              <a:solidFill>
+                <a:schemeClr val="tx1"/>
+              </a:solidFill>
+              <a:latin typeface="Amazon Ember" panose="020B0603020204020204" pitchFamily="34" charset="0"/>
+              <a:ea typeface="Amazon Ember" panose="020B0603020204020204" pitchFamily="34" charset="0"/>
+              <a:cs typeface="Amazon Ember" panose="020B0603020204020204" pitchFamily="34" charset="0"/>
+            </a:endParaRPr>
+          </a:p>
+          <a:p>
+            <a:pPr marL="285750" indent="-285750">
+              <a:buFont typeface="Arial" panose="020B0604020202020204" pitchFamily="34" charset="0"/>
+              <a:buChar char="•"/>
+            </a:pPr>
+            <a:r>
+              <a:rPr lang="en-US" sz="1800" dirty="0">
+                <a:solidFill>
+                  <a:schemeClr val="tx1"/>
+                </a:solidFill>
+                <a:latin typeface="Amazon Ember" panose="020B0603020204020204" pitchFamily="34" charset="0"/>
+                <a:ea typeface="Amazon Ember" panose="020B0603020204020204" pitchFamily="34" charset="0"/>
+                <a:cs typeface="Amazon Ember" panose="020B0603020204020204" pitchFamily="34" charset="0"/>
+              </a:rPr>
+              <a:t>How do GuardDuty and Macie differ when it comes to CloudTrail analysis?</a:t>
+            </a:r>
+          </a:p>
+          <a:p>
+            <a:endParaRPr lang="en-US" sz="1800" dirty="0">
+              <a:solidFill>
+                <a:schemeClr val="tx1"/>
+              </a:solidFill>
+              <a:latin typeface="Amazon Ember" panose="020B0603020204020204" pitchFamily="34" charset="0"/>
+              <a:ea typeface="Amazon Ember" panose="020B0603020204020204" pitchFamily="34" charset="0"/>
+              <a:cs typeface="Amazon Ember" panose="020B0603020204020204" pitchFamily="34" charset="0"/>
+            </a:endParaRPr>
+          </a:p>
+          <a:p>
+            <a:pPr marL="285750" indent="-285750">
+              <a:buFont typeface="Arial" panose="020B0604020202020204" pitchFamily="34" charset="0"/>
+              <a:buChar char="•"/>
+            </a:pPr>
+            <a:r>
+              <a:rPr lang="en-US" sz="1800" dirty="0">
+                <a:solidFill>
+                  <a:schemeClr val="tx1"/>
+                </a:solidFill>
+                <a:latin typeface="Amazon Ember" panose="020B0603020204020204" pitchFamily="34" charset="0"/>
+                <a:ea typeface="Amazon Ember" panose="020B0603020204020204" pitchFamily="34" charset="0"/>
+                <a:cs typeface="Amazon Ember" panose="020B0603020204020204" pitchFamily="34" charset="0"/>
+              </a:rPr>
+              <a:t>What services are important for automation of remediations?</a:t>
+            </a:r>
+          </a:p>
+          <a:p>
+            <a:pPr marL="285750" indent="-285750">
+              <a:buFont typeface="Arial" panose="020B0604020202020204" pitchFamily="34" charset="0"/>
+              <a:buChar char="•"/>
+            </a:pPr>
+            <a:endParaRPr lang="en-US" sz="1800" dirty="0">
+              <a:solidFill>
+                <a:schemeClr val="tx1"/>
+              </a:solidFill>
+              <a:latin typeface="Amazon Ember" panose="020B0603020204020204" pitchFamily="34" charset="0"/>
+              <a:ea typeface="Amazon Ember" panose="020B0603020204020204" pitchFamily="34" charset="0"/>
+              <a:cs typeface="Amazon Ember" panose="020B0603020204020204" pitchFamily="34" charset="0"/>
+            </a:endParaRPr>
+          </a:p>
+          <a:p>
+            <a:pPr marL="285750" indent="-285750">
+              <a:buFont typeface="Arial" panose="020B0604020202020204" pitchFamily="34" charset="0"/>
+              <a:buChar char="•"/>
+            </a:pPr>
+            <a:r>
+              <a:rPr lang="en-US" sz="1800" dirty="0">
+                <a:solidFill>
+                  <a:schemeClr val="tx1"/>
+                </a:solidFill>
+                <a:latin typeface="Amazon Ember" panose="020B0603020204020204" pitchFamily="34" charset="0"/>
+                <a:ea typeface="Amazon Ember" panose="020B0603020204020204" pitchFamily="34" charset="0"/>
+                <a:cs typeface="Amazon Ember" panose="020B0603020204020204" pitchFamily="34" charset="0"/>
+              </a:rPr>
+              <a:t>What performance impact does GuardDuty have on your account if you have more then 100 VPCs?</a:t>
+            </a:r>
+          </a:p>
+          <a:p>
+            <a:pPr marL="285750" indent="-285750">
+              <a:buFont typeface="Arial" panose="020B0604020202020204" pitchFamily="34" charset="0"/>
+              <a:buChar char="•"/>
+            </a:pPr>
+            <a:endParaRPr lang="en-US" sz="1800" dirty="0">
+              <a:solidFill>
+                <a:schemeClr val="tx1"/>
+              </a:solidFill>
+              <a:latin typeface="Amazon Ember" panose="020B0603020204020204" pitchFamily="34" charset="0"/>
+              <a:ea typeface="Amazon Ember" panose="020B0603020204020204" pitchFamily="34" charset="0"/>
+              <a:cs typeface="Amazon Ember" panose="020B0603020204020204" pitchFamily="34" charset="0"/>
+            </a:endParaRPr>
+          </a:p>
+          <a:p>
+            <a:pPr marL="285750" indent="-285750">
+              <a:buFont typeface="Arial" panose="020B0604020202020204" pitchFamily="34" charset="0"/>
+              <a:buChar char="•"/>
+            </a:pPr>
+            <a:r>
+              <a:rPr lang="en-US" sz="1800" dirty="0">
+                <a:solidFill>
+                  <a:schemeClr val="tx1"/>
+                </a:solidFill>
+                <a:latin typeface="Amazon Ember" panose="020B0603020204020204" pitchFamily="34" charset="0"/>
+                <a:ea typeface="Amazon Ember" panose="020B0603020204020204" pitchFamily="34" charset="0"/>
+                <a:cs typeface="Amazon Ember" panose="020B0603020204020204" pitchFamily="34" charset="0"/>
+              </a:rPr>
+              <a:t>Which of the services discussed have direct access to your EC2 Instances?</a:t>
+            </a:r>
+          </a:p>
+          <a:p>
+            <a:endParaRPr lang="en-US" sz="1400" dirty="0">
+              <a:solidFill>
+                <a:schemeClr val="tx1"/>
+              </a:solidFill>
+              <a:latin typeface="Amazon Ember" panose="020B0603020204020204" pitchFamily="34" charset="0"/>
+              <a:ea typeface="Amazon Ember" panose="020B0603020204020204" pitchFamily="34" charset="0"/>
+              <a:cs typeface="Amazon Ember" panose="020B0603020204020204" pitchFamily="34" charset="0"/>
+            </a:endParaRPr>
+          </a:p>
+          <a:p>
+            <a:pPr marL="285750" indent="-285750">
+              <a:buFont typeface="Arial" panose="020B0604020202020204" pitchFamily="34" charset="0"/>
+              <a:buChar char="•"/>
+            </a:pPr>
+            <a:endParaRPr lang="en-US" sz="1400" dirty="0">
+              <a:solidFill>
+                <a:schemeClr val="tx1"/>
+              </a:solidFill>
+              <a:latin typeface="Amazon Ember" panose="020B0603020204020204" pitchFamily="34" charset="0"/>
+              <a:ea typeface="Amazon Ember" panose="020B0603020204020204" pitchFamily="34" charset="0"/>
+              <a:cs typeface="Amazon Ember" panose="020B0603020204020204" pitchFamily="34" charset="0"/>
+            </a:endParaRPr>
+          </a:p>
+          <a:p>
+            <a:pPr marL="285750" indent="-285750">
+              <a:buFont typeface="Arial" panose="020B0604020202020204" pitchFamily="34" charset="0"/>
+              <a:buChar char="•"/>
+            </a:pPr>
+            <a:endParaRPr lang="en-US" sz="1400" dirty="0">
+              <a:solidFill>
+                <a:schemeClr val="tx1"/>
+              </a:solidFill>
+              <a:latin typeface="Amazon Ember" panose="020B0603020204020204" pitchFamily="34" charset="0"/>
+              <a:ea typeface="Amazon Ember" panose="020B0603020204020204" pitchFamily="34" charset="0"/>
+              <a:cs typeface="Amazon Ember" panose="020B0603020204020204" pitchFamily="34" charset="0"/>
+            </a:endParaRPr>
+          </a:p>
+          <a:p>
+            <a:endParaRPr lang="en-US" sz="1400" dirty="0">
+              <a:solidFill>
+                <a:schemeClr val="tx1"/>
+              </a:solidFill>
+              <a:latin typeface="Amazon Ember" panose="020B0603020204020204" pitchFamily="34" charset="0"/>
+              <a:ea typeface="Amazon Ember" panose="020B0603020204020204" pitchFamily="34" charset="0"/>
+              <a:cs typeface="Amazon Ember" panose="020B0603020204020204" pitchFamily="34" charset="0"/>
+            </a:endParaRPr>
+          </a:p>
+          <a:p>
+            <a:endParaRPr lang="en-US" sz="1400" dirty="0">
+              <a:solidFill>
+                <a:schemeClr val="tx1"/>
+              </a:solidFill>
+              <a:latin typeface="Amazon Ember" panose="020B0603020204020204" pitchFamily="34" charset="0"/>
+              <a:ea typeface="Amazon Ember" panose="020B0603020204020204" pitchFamily="34" charset="0"/>
+              <a:cs typeface="Amazon Ember" panose="020B0603020204020204" pitchFamily="34" charset="0"/>
+            </a:endParaRPr>
+          </a:p>
+        </p:txBody>
+      </p:sp>
+    </p:spTree>
+    <p:extLst>
+      <p:ext uri="{BB962C8B-B14F-4D97-AF65-F5344CB8AC3E}">
+        <p14:creationId xmlns:p14="http://schemas.microsoft.com/office/powerpoint/2010/main" val="832880975"/>
+      </p:ext>
+    </p:extLst>
+  </p:cSld>
+  <p:clrMapOvr>
+    <a:masterClrMapping/>
+  </p:clrMapOvr>
+  <p:timing>
+    <p:tnLst>
+      <p:par>
+        <p:cTn id="1" dur="indefinite" restart="never" nodeType="tmRoot">
+          <p:childTnLst>
+            <p:seq concurrent="1" nextAc="seek">
+              <p:cTn id="2" dur="indefinite" nodeType="mainSeq">
+                <p:childTnLst>
+                  <p:par>
+                    <p:cTn id="3" fill="hold">
+                      <p:stCondLst>
+                        <p:cond delay="indefinite"/>
+                      </p:stCondLst>
+                      <p:childTnLst>
+                        <p:par>
+                          <p:cTn id="4" fill="hold">
+                            <p:stCondLst>
+                              <p:cond delay="0"/>
+                            </p:stCondLst>
+                            <p:childTnLst>
+                              <p:par>
+                                <p:cTn id="5" presetID="1" presetClass="entr" presetSubtype="0" fill="hold" nodeType="clickEffect">
+                                  <p:stCondLst>
+                                    <p:cond delay="0"/>
+                                  </p:stCondLst>
+                                  <p:childTnLst>
+                                    <p:set>
+                                      <p:cBhvr>
+                                        <p:cTn id="6" dur="1" fill="hold">
+                                          <p:stCondLst>
+                                            <p:cond delay="0"/>
+                                          </p:stCondLst>
+                                        </p:cTn>
+                                        <p:tgtEl>
+                                          <p:spTgt spid="3">
+                                            <p:txEl>
+                                              <p:pRg st="0" end="0"/>
+                                            </p:txEl>
+                                          </p:spTgt>
+                                        </p:tgtEl>
+                                        <p:attrNameLst>
+                                          <p:attrName>style.visibility</p:attrName>
+                                        </p:attrNameLst>
+                                      </p:cBhvr>
+                                      <p:to>
+                                        <p:strVal val="visible"/>
+                                      </p:to>
+                                    </p:set>
+                                  </p:childTnLst>
+                                </p:cTn>
+                              </p:par>
+                            </p:childTnLst>
+                          </p:cTn>
+                        </p:par>
+                      </p:childTnLst>
+                    </p:cTn>
+                  </p:par>
+                  <p:par>
+                    <p:cTn id="7" fill="hold">
+                      <p:stCondLst>
+                        <p:cond delay="indefinite"/>
+                      </p:stCondLst>
+                      <p:childTnLst>
+                        <p:par>
+                          <p:cTn id="8" fill="hold">
+                            <p:stCondLst>
+                              <p:cond delay="0"/>
+                            </p:stCondLst>
+                            <p:childTnLst>
+                              <p:par>
+                                <p:cTn id="9" presetID="1" presetClass="entr" presetSubtype="0" fill="hold" nodeType="clickEffect">
+                                  <p:stCondLst>
+                                    <p:cond delay="0"/>
+                                  </p:stCondLst>
+                                  <p:childTnLst>
+                                    <p:set>
+                                      <p:cBhvr>
+                                        <p:cTn id="10" dur="1" fill="hold">
+                                          <p:stCondLst>
+                                            <p:cond delay="0"/>
+                                          </p:stCondLst>
+                                        </p:cTn>
+                                        <p:tgtEl>
+                                          <p:spTgt spid="3">
+                                            <p:txEl>
+                                              <p:pRg st="2" end="2"/>
+                                            </p:txEl>
+                                          </p:spTgt>
+                                        </p:tgtEl>
+                                        <p:attrNameLst>
+                                          <p:attrName>style.visibility</p:attrName>
+                                        </p:attrNameLst>
+                                      </p:cBhvr>
+                                      <p:to>
+                                        <p:strVal val="visible"/>
+                                      </p:to>
+                                    </p:set>
+                                  </p:childTnLst>
+                                </p:cTn>
+                              </p:par>
+                            </p:childTnLst>
+                          </p:cTn>
+                        </p:par>
+                      </p:childTnLst>
+                    </p:cTn>
+                  </p:par>
+                  <p:par>
+                    <p:cTn id="11" fill="hold">
+                      <p:stCondLst>
+                        <p:cond delay="indefinite"/>
+                      </p:stCondLst>
+                      <p:childTnLst>
+                        <p:par>
+                          <p:cTn id="12" fill="hold">
+                            <p:stCondLst>
+                              <p:cond delay="0"/>
+                            </p:stCondLst>
+                            <p:childTnLst>
+                              <p:par>
+                                <p:cTn id="13" presetID="1" presetClass="entr" presetSubtype="0" fill="hold" nodeType="clickEffect">
+                                  <p:stCondLst>
+                                    <p:cond delay="0"/>
+                                  </p:stCondLst>
+                                  <p:childTnLst>
+                                    <p:set>
+                                      <p:cBhvr>
+                                        <p:cTn id="14" dur="1" fill="hold">
+                                          <p:stCondLst>
+                                            <p:cond delay="0"/>
+                                          </p:stCondLst>
+                                        </p:cTn>
+                                        <p:tgtEl>
+                                          <p:spTgt spid="3">
+                                            <p:txEl>
+                                              <p:pRg st="4" end="4"/>
+                                            </p:txEl>
+                                          </p:spTgt>
+                                        </p:tgtEl>
+                                        <p:attrNameLst>
+                                          <p:attrName>style.visibility</p:attrName>
+                                        </p:attrNameLst>
+                                      </p:cBhvr>
+                                      <p:to>
+                                        <p:strVal val="visible"/>
+                                      </p:to>
+                                    </p:set>
+                                  </p:childTnLst>
+                                </p:cTn>
+                              </p:par>
+                            </p:childTnLst>
+                          </p:cTn>
+                        </p:par>
+                      </p:childTnLst>
+                    </p:cTn>
+                  </p:par>
+                  <p:par>
+                    <p:cTn id="15" fill="hold">
+                      <p:stCondLst>
+                        <p:cond delay="indefinite"/>
+                      </p:stCondLst>
+                      <p:childTnLst>
+                        <p:par>
+                          <p:cTn id="16" fill="hold">
+                            <p:stCondLst>
+                              <p:cond delay="0"/>
+                            </p:stCondLst>
+                            <p:childTnLst>
+                              <p:par>
+                                <p:cTn id="17" presetID="1" presetClass="entr" presetSubtype="0" fill="hold" nodeType="clickEffect">
+                                  <p:stCondLst>
+                                    <p:cond delay="0"/>
+                                  </p:stCondLst>
+                                  <p:childTnLst>
+                                    <p:set>
+                                      <p:cBhvr>
+                                        <p:cTn id="18" dur="1" fill="hold">
+                                          <p:stCondLst>
+                                            <p:cond delay="0"/>
+                                          </p:stCondLst>
+                                        </p:cTn>
+                                        <p:tgtEl>
+                                          <p:spTgt spid="3">
+                                            <p:txEl>
+                                              <p:pRg st="6" end="6"/>
+                                            </p:txEl>
+                                          </p:spTgt>
+                                        </p:tgtEl>
+                                        <p:attrNameLst>
+                                          <p:attrName>style.visibility</p:attrName>
+                                        </p:attrNameLst>
+                                      </p:cBhvr>
+                                      <p:to>
+                                        <p:strVal val="visible"/>
+                                      </p:to>
+                                    </p:set>
+                                  </p:childTnLst>
+                                </p:cTn>
+                              </p:par>
+                            </p:childTnLst>
+                          </p:cTn>
+                        </p:par>
+                      </p:childTnLst>
+                    </p:cTn>
+                  </p:par>
+                  <p:par>
+                    <p:cTn id="19" fill="hold">
+                      <p:stCondLst>
+                        <p:cond delay="indefinite"/>
+                      </p:stCondLst>
+                      <p:childTnLst>
+                        <p:par>
+                          <p:cTn id="20" fill="hold">
+                            <p:stCondLst>
+                              <p:cond delay="0"/>
+                            </p:stCondLst>
+                            <p:childTnLst>
+                              <p:par>
+                                <p:cTn id="21" presetID="1" presetClass="entr" presetSubtype="0" fill="hold" nodeType="clickEffect">
+                                  <p:stCondLst>
+                                    <p:cond delay="0"/>
+                                  </p:stCondLst>
+                                  <p:childTnLst>
+                                    <p:set>
+                                      <p:cBhvr>
+                                        <p:cTn id="22" dur="1" fill="hold">
+                                          <p:stCondLst>
+                                            <p:cond delay="0"/>
+                                          </p:stCondLst>
+                                        </p:cTn>
+                                        <p:tgtEl>
+                                          <p:spTgt spid="3">
+                                            <p:txEl>
+                                              <p:pRg st="8" end="8"/>
+                                            </p:txEl>
+                                          </p:spTgt>
+                                        </p:tgtEl>
+                                        <p:attrNameLst>
+                                          <p:attrName>style.visibility</p:attrName>
+                                        </p:attrNameLst>
+                                      </p:cBhvr>
+                                      <p:to>
+                                        <p:strVal val="visible"/>
+                                      </p:to>
+                                    </p:set>
+                                  </p:childTnLst>
+                                </p:cTn>
+                              </p:par>
+                            </p:childTnLst>
+                          </p:cTn>
+                        </p:par>
+                      </p:childTnLst>
+                    </p:cTn>
+                  </p:par>
+                </p:childTnLst>
+              </p:cTn>
+              <p:prevCondLst>
+                <p:cond evt="onPrev" delay="0">
+                  <p:tgtEl>
+                    <p:sldTgt/>
+                  </p:tgtEl>
+                </p:cond>
+              </p:prevCondLst>
+              <p:nextCondLst>
+                <p:cond evt="onNext" delay="0">
+                  <p:tgtEl>
+                    <p:sldTgt/>
+                  </p:tgtEl>
+                </p:cond>
+              </p:nextCondLst>
+            </p:seq>
+          </p:childTnLst>
+        </p:cTn>
+      </p:par>
+    </p:tnLst>
+  </p:timing>
+</p:sld>
+</file>
+
 <file path=ppt/slides/slide3.xml><?xml version="1.0" encoding="utf-8"?>
 <p:sld xmlns:a="http://schemas.openxmlformats.org/drawingml/2006/main" xmlns:r="http://schemas.openxmlformats.org/officeDocument/2006/relationships" xmlns:p="http://schemas.openxmlformats.org/presentationml/2006/main">
   <p:cSld>
@@ -28568,273 +29014,6 @@
           <a:p>
             <a:r>
               <a:rPr lang="en-US" dirty="0"/>
-              <a:t>Review Questions</a:t>
-            </a:r>
-          </a:p>
-        </p:txBody>
-      </p:sp>
-      <p:sp>
-        <p:nvSpPr>
-          <p:cNvPr id="3" name="Content Placeholder 2"/>
-          <p:cNvSpPr>
-            <a:spLocks noGrp="1"/>
-          </p:cNvSpPr>
-          <p:nvPr>
-            <p:ph idx="1"/>
-          </p:nvPr>
-        </p:nvSpPr>
-        <p:spPr/>
-        <p:txBody>
-          <a:bodyPr/>
-          <a:lstStyle/>
-          <a:p>
-            <a:pPr marL="285750" indent="-285750">
-              <a:buFont typeface="Arial" panose="020B0604020202020204" pitchFamily="34" charset="0"/>
-              <a:buChar char="•"/>
-            </a:pPr>
-            <a:r>
-              <a:rPr lang="en-US" sz="1800" dirty="0">
-                <a:solidFill>
-                  <a:schemeClr val="tx1"/>
-                </a:solidFill>
-                <a:latin typeface="Amazon Ember" panose="020B0603020204020204" pitchFamily="34" charset="0"/>
-                <a:ea typeface="Amazon Ember" panose="020B0603020204020204" pitchFamily="34" charset="0"/>
-                <a:cs typeface="Amazon Ember" panose="020B0603020204020204" pitchFamily="34" charset="0"/>
-              </a:rPr>
-              <a:t>How can you create custom rules for Config?</a:t>
-            </a:r>
-          </a:p>
-          <a:p>
-            <a:pPr marL="285750" indent="-285750">
-              <a:buFont typeface="Arial" panose="020B0604020202020204" pitchFamily="34" charset="0"/>
-              <a:buChar char="•"/>
-            </a:pPr>
-            <a:endParaRPr lang="en-US" sz="1800" dirty="0">
-              <a:solidFill>
-                <a:schemeClr val="tx1"/>
-              </a:solidFill>
-              <a:latin typeface="Amazon Ember" panose="020B0603020204020204" pitchFamily="34" charset="0"/>
-              <a:ea typeface="Amazon Ember" panose="020B0603020204020204" pitchFamily="34" charset="0"/>
-              <a:cs typeface="Amazon Ember" panose="020B0603020204020204" pitchFamily="34" charset="0"/>
-            </a:endParaRPr>
-          </a:p>
-          <a:p>
-            <a:pPr marL="285750" indent="-285750">
-              <a:buFont typeface="Arial" panose="020B0604020202020204" pitchFamily="34" charset="0"/>
-              <a:buChar char="•"/>
-            </a:pPr>
-            <a:r>
-              <a:rPr lang="en-US" sz="1800" dirty="0">
-                <a:solidFill>
-                  <a:schemeClr val="tx1"/>
-                </a:solidFill>
-                <a:latin typeface="Amazon Ember" panose="020B0603020204020204" pitchFamily="34" charset="0"/>
-                <a:ea typeface="Amazon Ember" panose="020B0603020204020204" pitchFamily="34" charset="0"/>
-                <a:cs typeface="Amazon Ember" panose="020B0603020204020204" pitchFamily="34" charset="0"/>
-              </a:rPr>
-              <a:t>How do GuardDuty and Macie differ?</a:t>
-            </a:r>
-          </a:p>
-          <a:p>
-            <a:endParaRPr lang="en-US" sz="1800" dirty="0">
-              <a:solidFill>
-                <a:schemeClr val="tx1"/>
-              </a:solidFill>
-              <a:latin typeface="Amazon Ember" panose="020B0603020204020204" pitchFamily="34" charset="0"/>
-              <a:ea typeface="Amazon Ember" panose="020B0603020204020204" pitchFamily="34" charset="0"/>
-              <a:cs typeface="Amazon Ember" panose="020B0603020204020204" pitchFamily="34" charset="0"/>
-            </a:endParaRPr>
-          </a:p>
-          <a:p>
-            <a:pPr marL="285750" indent="-285750">
-              <a:buFont typeface="Arial" panose="020B0604020202020204" pitchFamily="34" charset="0"/>
-              <a:buChar char="•"/>
-            </a:pPr>
-            <a:r>
-              <a:rPr lang="en-US" sz="1800" dirty="0">
-                <a:solidFill>
-                  <a:schemeClr val="tx1"/>
-                </a:solidFill>
-                <a:latin typeface="Amazon Ember" panose="020B0603020204020204" pitchFamily="34" charset="0"/>
-                <a:ea typeface="Amazon Ember" panose="020B0603020204020204" pitchFamily="34" charset="0"/>
-                <a:cs typeface="Amazon Ember" panose="020B0603020204020204" pitchFamily="34" charset="0"/>
-              </a:rPr>
-              <a:t>What services are important for automation of remediations?</a:t>
-            </a:r>
-          </a:p>
-          <a:p>
-            <a:pPr marL="285750" indent="-285750">
-              <a:buFont typeface="Arial" panose="020B0604020202020204" pitchFamily="34" charset="0"/>
-              <a:buChar char="•"/>
-            </a:pPr>
-            <a:endParaRPr lang="en-US" sz="1800" dirty="0">
-              <a:solidFill>
-                <a:schemeClr val="tx1"/>
-              </a:solidFill>
-              <a:latin typeface="Amazon Ember" panose="020B0603020204020204" pitchFamily="34" charset="0"/>
-              <a:ea typeface="Amazon Ember" panose="020B0603020204020204" pitchFamily="34" charset="0"/>
-              <a:cs typeface="Amazon Ember" panose="020B0603020204020204" pitchFamily="34" charset="0"/>
-            </a:endParaRPr>
-          </a:p>
-          <a:p>
-            <a:pPr marL="285750" indent="-285750">
-              <a:buFont typeface="Arial" panose="020B0604020202020204" pitchFamily="34" charset="0"/>
-              <a:buChar char="•"/>
-            </a:pPr>
-            <a:r>
-              <a:rPr lang="en-US" sz="1800" dirty="0">
-                <a:solidFill>
-                  <a:schemeClr val="tx1"/>
-                </a:solidFill>
-                <a:latin typeface="Amazon Ember" panose="020B0603020204020204" pitchFamily="34" charset="0"/>
-                <a:ea typeface="Amazon Ember" panose="020B0603020204020204" pitchFamily="34" charset="0"/>
-                <a:cs typeface="Amazon Ember" panose="020B0603020204020204" pitchFamily="34" charset="0"/>
-              </a:rPr>
-              <a:t>What performance impact does GuardDuty have on your account if you have more then 100 VPCs?</a:t>
-            </a:r>
-          </a:p>
-          <a:p>
-            <a:pPr marL="285750" indent="-285750">
-              <a:buFont typeface="Arial" panose="020B0604020202020204" pitchFamily="34" charset="0"/>
-              <a:buChar char="•"/>
-            </a:pPr>
-            <a:endParaRPr lang="en-US" sz="1800" dirty="0">
-              <a:solidFill>
-                <a:schemeClr val="tx1"/>
-              </a:solidFill>
-              <a:latin typeface="Amazon Ember" panose="020B0603020204020204" pitchFamily="34" charset="0"/>
-              <a:ea typeface="Amazon Ember" panose="020B0603020204020204" pitchFamily="34" charset="0"/>
-              <a:cs typeface="Amazon Ember" panose="020B0603020204020204" pitchFamily="34" charset="0"/>
-            </a:endParaRPr>
-          </a:p>
-          <a:p>
-            <a:pPr marL="285750" indent="-285750">
-              <a:buFont typeface="Arial" panose="020B0604020202020204" pitchFamily="34" charset="0"/>
-              <a:buChar char="•"/>
-            </a:pPr>
-            <a:r>
-              <a:rPr lang="en-US" sz="1800" dirty="0">
-                <a:solidFill>
-                  <a:schemeClr val="tx1"/>
-                </a:solidFill>
-                <a:latin typeface="Amazon Ember" panose="020B0603020204020204" pitchFamily="34" charset="0"/>
-                <a:ea typeface="Amazon Ember" panose="020B0603020204020204" pitchFamily="34" charset="0"/>
-                <a:cs typeface="Amazon Ember" panose="020B0603020204020204" pitchFamily="34" charset="0"/>
-              </a:rPr>
-              <a:t>Which of the services discussed have direct access to your EC2 Instances?</a:t>
-            </a:r>
-          </a:p>
-          <a:p>
-            <a:pPr marL="285750" indent="-285750">
-              <a:buFont typeface="Arial" panose="020B0604020202020204" pitchFamily="34" charset="0"/>
-              <a:buChar char="•"/>
-            </a:pPr>
-            <a:endParaRPr lang="en-US" sz="1400" dirty="0">
-              <a:solidFill>
-                <a:schemeClr val="tx1"/>
-              </a:solidFill>
-              <a:latin typeface="Amazon Ember" panose="020B0603020204020204" pitchFamily="34" charset="0"/>
-              <a:ea typeface="Amazon Ember" panose="020B0603020204020204" pitchFamily="34" charset="0"/>
-              <a:cs typeface="Amazon Ember" panose="020B0603020204020204" pitchFamily="34" charset="0"/>
-            </a:endParaRPr>
-          </a:p>
-          <a:p>
-            <a:pPr marL="285750" indent="-285750">
-              <a:buFont typeface="Arial" panose="020B0604020202020204" pitchFamily="34" charset="0"/>
-              <a:buChar char="•"/>
-            </a:pPr>
-            <a:endParaRPr lang="en-US" sz="1400" dirty="0">
-              <a:solidFill>
-                <a:schemeClr val="tx1"/>
-              </a:solidFill>
-              <a:latin typeface="Amazon Ember" panose="020B0603020204020204" pitchFamily="34" charset="0"/>
-              <a:ea typeface="Amazon Ember" panose="020B0603020204020204" pitchFamily="34" charset="0"/>
-              <a:cs typeface="Amazon Ember" panose="020B0603020204020204" pitchFamily="34" charset="0"/>
-            </a:endParaRPr>
-          </a:p>
-          <a:p>
-            <a:pPr marL="285750" indent="-285750">
-              <a:buFont typeface="Arial" panose="020B0604020202020204" pitchFamily="34" charset="0"/>
-              <a:buChar char="•"/>
-            </a:pPr>
-            <a:endParaRPr lang="en-US" sz="1400" dirty="0">
-              <a:solidFill>
-                <a:schemeClr val="tx1"/>
-              </a:solidFill>
-              <a:latin typeface="Amazon Ember" panose="020B0603020204020204" pitchFamily="34" charset="0"/>
-              <a:ea typeface="Amazon Ember" panose="020B0603020204020204" pitchFamily="34" charset="0"/>
-              <a:cs typeface="Amazon Ember" panose="020B0603020204020204" pitchFamily="34" charset="0"/>
-            </a:endParaRPr>
-          </a:p>
-          <a:p>
-            <a:endParaRPr lang="en-US" sz="1400" dirty="0">
-              <a:solidFill>
-                <a:schemeClr val="tx1"/>
-              </a:solidFill>
-              <a:latin typeface="Amazon Ember" panose="020B0603020204020204" pitchFamily="34" charset="0"/>
-              <a:ea typeface="Amazon Ember" panose="020B0603020204020204" pitchFamily="34" charset="0"/>
-              <a:cs typeface="Amazon Ember" panose="020B0603020204020204" pitchFamily="34" charset="0"/>
-            </a:endParaRPr>
-          </a:p>
-          <a:p>
-            <a:endParaRPr lang="en-US" sz="1400" dirty="0">
-              <a:solidFill>
-                <a:schemeClr val="tx1"/>
-              </a:solidFill>
-              <a:latin typeface="Amazon Ember" panose="020B0603020204020204" pitchFamily="34" charset="0"/>
-              <a:ea typeface="Amazon Ember" panose="020B0603020204020204" pitchFamily="34" charset="0"/>
-              <a:cs typeface="Amazon Ember" panose="020B0603020204020204" pitchFamily="34" charset="0"/>
-            </a:endParaRPr>
-          </a:p>
-        </p:txBody>
-      </p:sp>
-    </p:spTree>
-    <p:extLst>
-      <p:ext uri="{BB962C8B-B14F-4D97-AF65-F5344CB8AC3E}">
-        <p14:creationId xmlns:p14="http://schemas.microsoft.com/office/powerpoint/2010/main" val="832880975"/>
-      </p:ext>
-    </p:extLst>
-  </p:cSld>
-  <p:clrMapOvr>
-    <a:masterClrMapping/>
-  </p:clrMapOvr>
-</p:sld>
-</file>
-
-<file path=ppt/slides/slide31.xml><?xml version="1.0" encoding="utf-8"?>
-<p:sld xmlns:a="http://schemas.openxmlformats.org/drawingml/2006/main" xmlns:r="http://schemas.openxmlformats.org/officeDocument/2006/relationships" xmlns:p="http://schemas.openxmlformats.org/presentationml/2006/main">
-  <p:cSld>
-    <p:spTree>
-      <p:nvGrpSpPr>
-        <p:cNvPr id="1" name=""/>
-        <p:cNvGrpSpPr/>
-        <p:nvPr/>
-      </p:nvGrpSpPr>
-      <p:grpSpPr>
-        <a:xfrm>
-          <a:off x="0" y="0"/>
-          <a:ext cx="0" cy="0"/>
-          <a:chOff x="0" y="0"/>
-          <a:chExt cx="0" cy="0"/>
-        </a:xfrm>
-      </p:grpSpPr>
-      <p:sp>
-        <p:nvSpPr>
-          <p:cNvPr id="2" name="Title 1"/>
-          <p:cNvSpPr>
-            <a:spLocks noGrp="1"/>
-          </p:cNvSpPr>
-          <p:nvPr>
-            <p:ph type="title"/>
-          </p:nvPr>
-        </p:nvSpPr>
-        <p:spPr/>
-        <p:txBody>
-          <a:bodyPr/>
-          <a:lstStyle/>
-          <a:p>
-            <a:r>
-              <a:rPr lang="en-US" dirty="0"/>
               <a:t>Workshop walkthrough</a:t>
             </a:r>
           </a:p>
@@ -28853,7 +29032,7 @@
 </p:sld>
 </file>
 
-<file path=ppt/slides/slide32.xml><?xml version="1.0" encoding="utf-8"?>
+<file path=ppt/slides/slide31.xml><?xml version="1.0" encoding="utf-8"?>
 <p:sld xmlns:a="http://schemas.openxmlformats.org/drawingml/2006/main" xmlns:r="http://schemas.openxmlformats.org/officeDocument/2006/relationships" xmlns:p="http://schemas.openxmlformats.org/presentationml/2006/main">
   <p:cSld>
     <p:spTree>
@@ -28941,7 +29120,7 @@
 </p:sld>
 </file>
 
-<file path=ppt/slides/slide33.xml><?xml version="1.0" encoding="utf-8"?>
+<file path=ppt/slides/slide32.xml><?xml version="1.0" encoding="utf-8"?>
 <p:sld xmlns:a="http://schemas.openxmlformats.org/drawingml/2006/main" xmlns:r="http://schemas.openxmlformats.org/officeDocument/2006/relationships" xmlns:p="http://schemas.openxmlformats.org/presentationml/2006/main">
   <p:cSld>
     <p:spTree>
@@ -29011,8 +29190,8 @@
         </p:blipFill>
         <p:spPr>
           <a:xfrm>
-            <a:off x="2122616" y="39520"/>
-            <a:ext cx="6097557" cy="4667267"/>
+            <a:off x="2122616" y="186266"/>
+            <a:ext cx="6097557" cy="4373775"/>
           </a:xfrm>
         </p:spPr>
       </p:pic>
@@ -29029,7 +29208,7 @@
 </p:sld>
 </file>
 
-<file path=ppt/slides/slide34.xml><?xml version="1.0" encoding="utf-8"?>
+<file path=ppt/slides/slide33.xml><?xml version="1.0" encoding="utf-8"?>
 <p:sld xmlns:a="http://schemas.openxmlformats.org/drawingml/2006/main" xmlns:r="http://schemas.openxmlformats.org/officeDocument/2006/relationships" xmlns:p="http://schemas.openxmlformats.org/presentationml/2006/main">
   <p:cSld>
     <p:spTree>
@@ -29416,7 +29595,7 @@
                 <a:ea typeface="Amazon Ember" panose="020B0603020204020204" pitchFamily="34" charset="0"/>
                 <a:cs typeface="Amazon Ember" panose="020B0603020204020204" pitchFamily="34" charset="0"/>
               </a:rPr>
-              <a:t>Under GDPR </a:t>
+              <a:t>Under GDPR, </a:t>
             </a:r>
             <a:r>
               <a:rPr lang="en-GB" sz="2000" b="1" dirty="0">
@@ -29732,21 +29911,19 @@
             <p:ph type="title"/>
           </p:nvPr>
         </p:nvSpPr>
-        <p:spPr/>
+        <p:spPr>
+          <a:xfrm>
+            <a:off x="411647" y="1674428"/>
+            <a:ext cx="5847751" cy="1250668"/>
+          </a:xfrm>
+        </p:spPr>
         <p:txBody>
           <a:bodyPr/>
           <a:lstStyle/>
           <a:p>
             <a:r>
               <a:rPr lang="en-US" dirty="0"/>
-              <a:t>Threat Detection and Remediation</a:t>
-            </a:r>
-            <a:br>
-              <a:rPr lang="en-US" dirty="0"/>
-            </a:br>
-            <a:r>
-              <a:rPr lang="en-US" dirty="0"/>
-              <a:t>Intro</a:t>
+              <a:t>Threat Detection and Remediation Intro</a:t>
             </a:r>
           </a:p>
         </p:txBody>
@@ -30605,6 +30782,36 @@
           <a:chExt cx="0" cy="0"/>
         </a:xfrm>
       </p:grpSpPr>
+      <p:pic>
+        <p:nvPicPr>
+          <p:cNvPr id="4" name="Picture 3">
+            <a:extLst>
+              <a:ext uri="{FF2B5EF4-FFF2-40B4-BE49-F238E27FC236}">
+                <a16:creationId xmlns:a16="http://schemas.microsoft.com/office/drawing/2014/main" id="{DF655994-3115-BF44-8A74-8F2465A47AA1}"/>
+              </a:ext>
+            </a:extLst>
+          </p:cNvPr>
+          <p:cNvPicPr>
+            <a:picLocks noChangeAspect="1"/>
+          </p:cNvPicPr>
+          <p:nvPr/>
+        </p:nvPicPr>
+        <p:blipFill>
+          <a:blip r:embed="rId3"/>
+          <a:stretch>
+            <a:fillRect/>
+          </a:stretch>
+        </p:blipFill>
+        <p:spPr>
+          <a:xfrm>
+            <a:off x="0" y="1047750"/>
+            <a:ext cx="9144000" cy="3048000"/>
+          </a:xfrm>
+          <a:prstGeom prst="rect">
+            <a:avLst/>
+          </a:prstGeom>
+        </p:spPr>
+      </p:pic>
       <p:sp>
         <p:nvSpPr>
           <p:cNvPr id="2" name="Title 1"/>
@@ -30622,466 +30829,225 @@
           <a:p>
             <a:r>
               <a:rPr lang="en-US" dirty="0"/>
-              <a:t>Get humans away from the data and analysis</a:t>
+              <a:t>Detecting breaches</a:t>
             </a:r>
           </a:p>
         </p:txBody>
       </p:sp>
-      <p:grpSp>
-        <p:nvGrpSpPr>
-          <p:cNvPr id="5" name="Group 4">
+      <p:sp>
+        <p:nvSpPr>
+          <p:cNvPr id="17" name="Rectangle 16">
             <a:extLst>
               <a:ext uri="{FF2B5EF4-FFF2-40B4-BE49-F238E27FC236}">
-                <a16:creationId xmlns:a16="http://schemas.microsoft.com/office/drawing/2014/main" id="{92DAB240-5C3E-8C42-932E-5AC5AFDD5895}"/>
+                <a16:creationId xmlns:a16="http://schemas.microsoft.com/office/drawing/2014/main" id="{88B11511-0955-6D49-BC43-92A10D5335FC}"/>
               </a:ext>
             </a:extLst>
           </p:cNvPr>
-          <p:cNvGrpSpPr/>
+          <p:cNvSpPr/>
           <p:nvPr/>
-        </p:nvGrpSpPr>
-        <p:grpSpPr>
-          <a:xfrm>
-            <a:off x="56680" y="114936"/>
-            <a:ext cx="9087320" cy="4692734"/>
-            <a:chOff x="48776" y="501701"/>
-            <a:chExt cx="8758674" cy="4523020"/>
-          </a:xfrm>
-        </p:grpSpPr>
-        <p:grpSp>
-          <p:nvGrpSpPr>
-            <p:cNvPr id="6" name="Group 5">
-              <a:extLst>
-                <a:ext uri="{FF2B5EF4-FFF2-40B4-BE49-F238E27FC236}">
-                  <a16:creationId xmlns:a16="http://schemas.microsoft.com/office/drawing/2014/main" id="{BBBAB644-FE50-0D4D-AE56-12E4251068C7}"/>
-                </a:ext>
-              </a:extLst>
-            </p:cNvPr>
-            <p:cNvGrpSpPr/>
-            <p:nvPr/>
-          </p:nvGrpSpPr>
-          <p:grpSpPr>
-            <a:xfrm>
-              <a:off x="731327" y="652746"/>
-              <a:ext cx="2618720" cy="4371975"/>
-              <a:chOff x="1064566" y="498517"/>
-              <a:chExt cx="2618720" cy="4371975"/>
-            </a:xfrm>
-          </p:grpSpPr>
-          <p:pic>
-            <p:nvPicPr>
-              <p:cNvPr id="11" name="Picture 26" descr="http://serverlift.com/wp-content/uploads/2011/11/arrow-1784155_1920-1030x459.png">
-                <a:extLst>
-                  <a:ext uri="{FF2B5EF4-FFF2-40B4-BE49-F238E27FC236}">
-                    <a16:creationId xmlns:a16="http://schemas.microsoft.com/office/drawing/2014/main" id="{84B30D95-6D53-FD4F-AF96-06F8D216F9FE}"/>
-                  </a:ext>
-                </a:extLst>
-              </p:cNvPr>
-              <p:cNvPicPr>
-                <a:picLocks noChangeAspect="1" noChangeArrowheads="1"/>
-              </p:cNvPicPr>
-              <p:nvPr/>
-            </p:nvPicPr>
-            <p:blipFill rotWithShape="1">
-              <a:blip r:embed="rId3">
-                <a:grayscl/>
-                <a:extLst>
-                  <a:ext uri="{28A0092B-C50C-407E-A947-70E740481C1C}">
-                    <a14:useLocalDpi xmlns:a14="http://schemas.microsoft.com/office/drawing/2010/main" val="0"/>
-                  </a:ext>
-                </a:extLst>
-              </a:blip>
-              <a:srcRect/>
-              <a:stretch/>
-            </p:blipFill>
-            <p:spPr bwMode="auto">
-              <a:xfrm>
-                <a:off x="2709223" y="498517"/>
-                <a:ext cx="974063" cy="4371975"/>
-              </a:xfrm>
-              <a:prstGeom prst="rect">
-                <a:avLst/>
-              </a:prstGeom>
-              <a:noFill/>
-              <a:extLst>
-                <a:ext uri="{909E8E84-426E-40DD-AFC4-6F175D3DCCD1}">
-                  <a14:hiddenFill xmlns:a14="http://schemas.microsoft.com/office/drawing/2010/main">
-                    <a:solidFill>
-                      <a:srgbClr val="FFFFFF"/>
-                    </a:solidFill>
-                  </a14:hiddenFill>
-                </a:ext>
-              </a:extLst>
-            </p:spPr>
-          </p:pic>
-          <p:sp>
-            <p:nvSpPr>
-              <p:cNvPr id="12" name="Rectangle 11">
-                <a:extLst>
-                  <a:ext uri="{FF2B5EF4-FFF2-40B4-BE49-F238E27FC236}">
-                    <a16:creationId xmlns:a16="http://schemas.microsoft.com/office/drawing/2014/main" id="{10C56012-0BEA-9D40-86D4-2C0E5D03375B}"/>
-                  </a:ext>
-                </a:extLst>
-              </p:cNvPr>
-              <p:cNvSpPr/>
-              <p:nvPr/>
-            </p:nvSpPr>
-            <p:spPr>
-              <a:xfrm>
-                <a:off x="1064566" y="1862139"/>
-                <a:ext cx="1827859" cy="1471611"/>
-              </a:xfrm>
-              <a:prstGeom prst="rect">
-                <a:avLst/>
-              </a:prstGeom>
-              <a:gradFill>
-                <a:gsLst>
-                  <a:gs pos="78000">
-                    <a:srgbClr val="424242"/>
-                  </a:gs>
-                  <a:gs pos="60000">
-                    <a:srgbClr val="2F2F2F"/>
-                  </a:gs>
-                  <a:gs pos="39000">
-                    <a:schemeClr val="bg1">
-                      <a:lumMod val="50000"/>
-                    </a:schemeClr>
-                  </a:gs>
-                  <a:gs pos="100000">
-                    <a:srgbClr val="696969"/>
-                  </a:gs>
-                </a:gsLst>
-                <a:lin ang="0" scaled="0"/>
-              </a:gradFill>
-              <a:ln>
-                <a:noFill/>
-              </a:ln>
-              <a:effectLst/>
-            </p:spPr>
-            <p:style>
-              <a:lnRef idx="1">
-                <a:schemeClr val="accent1"/>
-              </a:lnRef>
-              <a:fillRef idx="3">
-                <a:schemeClr val="accent1"/>
-              </a:fillRef>
-              <a:effectRef idx="2">
-                <a:schemeClr val="accent1"/>
-              </a:effectRef>
-              <a:fontRef idx="minor">
-                <a:schemeClr val="lt1"/>
-              </a:fontRef>
-            </p:style>
-            <p:txBody>
-              <a:bodyPr rtlCol="0" anchor="ctr"/>
-              <a:lstStyle/>
-              <a:p>
-                <a:pPr algn="ctr"/>
-                <a:endParaRPr lang="en-US" dirty="0"/>
-              </a:p>
-            </p:txBody>
-          </p:sp>
-        </p:grpSp>
-        <p:pic>
-          <p:nvPicPr>
-            <p:cNvPr id="7" name="Picture 20" descr="Image result for human silhouette">
-              <a:extLst>
-                <a:ext uri="{FF2B5EF4-FFF2-40B4-BE49-F238E27FC236}">
-                  <a16:creationId xmlns:a16="http://schemas.microsoft.com/office/drawing/2014/main" id="{E7AABB6A-722C-F948-A45E-9415A143D793}"/>
-                </a:ext>
-              </a:extLst>
-            </p:cNvPr>
-            <p:cNvPicPr>
-              <a:picLocks noChangeAspect="1" noChangeArrowheads="1"/>
-            </p:cNvPicPr>
-            <p:nvPr/>
-          </p:nvPicPr>
-          <p:blipFill>
-            <a:blip r:embed="rId4">
-              <a:duotone>
-                <a:schemeClr val="accent1">
-                  <a:shade val="45000"/>
-                  <a:satMod val="135000"/>
-                </a:schemeClr>
-                <a:prstClr val="white"/>
-              </a:duotone>
-              <a:extLst>
-                <a:ext uri="{28A0092B-C50C-407E-A947-70E740481C1C}">
-                  <a14:useLocalDpi xmlns:a14="http://schemas.microsoft.com/office/drawing/2010/main" val="0"/>
-                </a:ext>
-              </a:extLst>
-            </a:blip>
-            <a:srcRect/>
-            <a:stretch>
-              <a:fillRect/>
-            </a:stretch>
-          </p:blipFill>
-          <p:spPr bwMode="auto">
-            <a:xfrm>
-              <a:off x="48776" y="1301975"/>
-              <a:ext cx="1828172" cy="3423766"/>
-            </a:xfrm>
-            <a:prstGeom prst="rect">
-              <a:avLst/>
-            </a:prstGeom>
-            <a:noFill/>
-            <a:extLst>
-              <a:ext uri="{909E8E84-426E-40DD-AFC4-6F175D3DCCD1}">
-                <a14:hiddenFill xmlns:a14="http://schemas.microsoft.com/office/drawing/2010/main">
-                  <a:solidFill>
-                    <a:srgbClr val="FFFFFF"/>
-                  </a:solidFill>
-                </a14:hiddenFill>
-              </a:ext>
-            </a:extLst>
-          </p:spPr>
-        </p:pic>
-        <p:sp>
-          <p:nvSpPr>
-            <p:cNvPr id="8" name="Equal 7">
-              <a:extLst>
-                <a:ext uri="{FF2B5EF4-FFF2-40B4-BE49-F238E27FC236}">
-                  <a16:creationId xmlns:a16="http://schemas.microsoft.com/office/drawing/2014/main" id="{B3BDCAEF-7B78-5240-8373-8F736D3A13BB}"/>
-                </a:ext>
-              </a:extLst>
-            </p:cNvPr>
-            <p:cNvSpPr/>
-            <p:nvPr/>
-          </p:nvSpPr>
-          <p:spPr>
-            <a:xfrm>
-              <a:off x="3479395" y="2404414"/>
-              <a:ext cx="1257448" cy="792805"/>
-            </a:xfrm>
-            <a:prstGeom prst="mathEqual">
-              <a:avLst/>
-            </a:prstGeom>
-            <a:solidFill>
-              <a:srgbClr val="6A6B69"/>
-            </a:solidFill>
-            <a:ln>
-              <a:noFill/>
-            </a:ln>
-            <a:effectLst/>
-          </p:spPr>
-          <p:style>
-            <a:lnRef idx="1">
-              <a:schemeClr val="accent1"/>
-            </a:lnRef>
-            <a:fillRef idx="3">
-              <a:schemeClr val="accent1"/>
-            </a:fillRef>
-            <a:effectRef idx="2">
-              <a:schemeClr val="accent1"/>
-            </a:effectRef>
-            <a:fontRef idx="minor">
-              <a:schemeClr val="lt1"/>
-            </a:fontRef>
-          </p:style>
-          <p:txBody>
-            <a:bodyPr rtlCol="0" anchor="ctr"/>
-            <a:lstStyle/>
-            <a:p>
-              <a:pPr algn="ctr"/>
-              <a:endParaRPr lang="en-US" dirty="0">
-                <a:solidFill>
-                  <a:schemeClr val="tx1"/>
-                </a:solidFill>
-              </a:endParaRPr>
-            </a:p>
-          </p:txBody>
-        </p:sp>
-        <p:sp>
-          <p:nvSpPr>
-            <p:cNvPr id="9" name="&quot;No&quot; Symbol 8">
-              <a:extLst>
-                <a:ext uri="{FF2B5EF4-FFF2-40B4-BE49-F238E27FC236}">
-                  <a16:creationId xmlns:a16="http://schemas.microsoft.com/office/drawing/2014/main" id="{F662540A-78B0-6B4C-AEC6-340C1E744050}"/>
-                </a:ext>
-              </a:extLst>
-            </p:cNvPr>
-            <p:cNvSpPr/>
-            <p:nvPr/>
-          </p:nvSpPr>
-          <p:spPr>
-            <a:xfrm rot="16200000">
-              <a:off x="3339026" y="2029068"/>
-              <a:ext cx="1538186" cy="1538186"/>
-            </a:xfrm>
-            <a:prstGeom prst="noSmoking">
-              <a:avLst>
-                <a:gd name="adj" fmla="val 9776"/>
-              </a:avLst>
-            </a:prstGeom>
-            <a:solidFill>
-              <a:srgbClr val="C00000"/>
-            </a:solidFill>
-            <a:ln>
-              <a:noFill/>
-            </a:ln>
-            <a:effectLst/>
-          </p:spPr>
-          <p:style>
-            <a:lnRef idx="1">
-              <a:schemeClr val="accent1"/>
-            </a:lnRef>
-            <a:fillRef idx="3">
-              <a:schemeClr val="accent1"/>
-            </a:fillRef>
-            <a:effectRef idx="2">
-              <a:schemeClr val="accent1"/>
-            </a:effectRef>
-            <a:fontRef idx="minor">
-              <a:schemeClr val="lt1"/>
-            </a:fontRef>
-          </p:style>
-          <p:txBody>
-            <a:bodyPr rtlCol="0" anchor="ctr"/>
-            <a:lstStyle/>
-            <a:p>
-              <a:pPr algn="ctr"/>
-              <a:endParaRPr lang="en-US" dirty="0">
-                <a:solidFill>
-                  <a:schemeClr val="tx1"/>
-                </a:solidFill>
-              </a:endParaRPr>
-            </a:p>
-          </p:txBody>
-        </p:sp>
-        <p:pic>
-          <p:nvPicPr>
-            <p:cNvPr id="10" name="Picture 9">
-              <a:extLst>
-                <a:ext uri="{FF2B5EF4-FFF2-40B4-BE49-F238E27FC236}">
-                  <a16:creationId xmlns:a16="http://schemas.microsoft.com/office/drawing/2014/main" id="{09AF24FB-EE82-094A-AECF-35B678C03F2D}"/>
-                </a:ext>
-              </a:extLst>
-            </p:cNvPr>
-            <p:cNvPicPr>
-              <a:picLocks noChangeAspect="1"/>
-            </p:cNvPicPr>
-            <p:nvPr/>
-          </p:nvPicPr>
-          <p:blipFill rotWithShape="1">
-            <a:blip r:embed="rId5">
-              <a:duotone>
-                <a:prstClr val="black"/>
-                <a:schemeClr val="accent6">
-                  <a:tint val="45000"/>
-                  <a:satMod val="400000"/>
-                </a:schemeClr>
-              </a:duotone>
-              <a:extLst/>
-            </a:blip>
-            <a:srcRect r="24059"/>
-            <a:stretch/>
-          </p:blipFill>
-          <p:spPr>
-            <a:xfrm>
-              <a:off x="4862880" y="501701"/>
-              <a:ext cx="3944570" cy="4371211"/>
-            </a:xfrm>
-            <a:prstGeom prst="rect">
-              <a:avLst/>
-            </a:prstGeom>
-          </p:spPr>
-        </p:pic>
-      </p:grpSp>
-      <p:pic>
-        <p:nvPicPr>
-          <p:cNvPr id="4" name="Picture 3">
-            <a:extLst>
-              <a:ext uri="{FF2B5EF4-FFF2-40B4-BE49-F238E27FC236}">
-                <a16:creationId xmlns:a16="http://schemas.microsoft.com/office/drawing/2014/main" id="{A068896D-47B1-2441-B558-B360F095D3AE}"/>
-              </a:ext>
-            </a:extLst>
-          </p:cNvPr>
-          <p:cNvPicPr>
-            <a:picLocks noChangeAspect="1"/>
-          </p:cNvPicPr>
-          <p:nvPr/>
-        </p:nvPicPr>
-        <p:blipFill>
-          <a:blip r:embed="rId6"/>
-          <a:stretch>
-            <a:fillRect/>
-          </a:stretch>
-        </p:blipFill>
+        </p:nvSpPr>
         <p:spPr>
           <a:xfrm>
-            <a:off x="2890628" y="873952"/>
-            <a:ext cx="2659628" cy="2659628"/>
+            <a:off x="196074" y="7700894"/>
+            <a:ext cx="12588703" cy="461665"/>
           </a:xfrm>
           <a:prstGeom prst="rect">
             <a:avLst/>
           </a:prstGeom>
         </p:spPr>
-      </p:pic>
-      <p:pic>
-        <p:nvPicPr>
-          <p:cNvPr id="13" name="Picture 12">
+        <p:txBody>
+          <a:bodyPr wrap="none">
+            <a:spAutoFit/>
+          </a:bodyPr>
+          <a:lstStyle/>
+          <a:p>
+            <a:r>
+              <a:rPr lang="en-US" sz="2400" dirty="0">
+                <a:latin typeface="Amazon Ember" panose="020B0603020204020204" pitchFamily="34" charset="0"/>
+                <a:ea typeface="Amazon Ember" panose="020B0603020204020204" pitchFamily="34" charset="0"/>
+                <a:cs typeface="Amazon Ember" panose="020B0603020204020204" pitchFamily="34" charset="0"/>
+              </a:rPr>
+              <a:t>https://</a:t>
+            </a:r>
+            <a:r>
+              <a:rPr lang="en-US" sz="2400" dirty="0" err="1">
+                <a:latin typeface="Amazon Ember" panose="020B0603020204020204" pitchFamily="34" charset="0"/>
+                <a:ea typeface="Amazon Ember" panose="020B0603020204020204" pitchFamily="34" charset="0"/>
+                <a:cs typeface="Amazon Ember" panose="020B0603020204020204" pitchFamily="34" charset="0"/>
+              </a:rPr>
+              <a:t>www.verizonenterprise.com</a:t>
+            </a:r>
+            <a:r>
+              <a:rPr lang="en-US" sz="2400" dirty="0">
+                <a:latin typeface="Amazon Ember" panose="020B0603020204020204" pitchFamily="34" charset="0"/>
+                <a:ea typeface="Amazon Ember" panose="020B0603020204020204" pitchFamily="34" charset="0"/>
+                <a:cs typeface="Amazon Ember" panose="020B0603020204020204" pitchFamily="34" charset="0"/>
+              </a:rPr>
+              <a:t>/resources/reports/rp_DBIR_2018_Report_en_xg.pdf</a:t>
+            </a:r>
+          </a:p>
+        </p:txBody>
+      </p:sp>
+      <p:sp>
+        <p:nvSpPr>
+          <p:cNvPr id="18" name="Rectangle 17">
             <a:extLst>
               <a:ext uri="{FF2B5EF4-FFF2-40B4-BE49-F238E27FC236}">
-                <a16:creationId xmlns:a16="http://schemas.microsoft.com/office/drawing/2014/main" id="{6F28A279-8057-844D-8FA5-28F38FD2B8CD}"/>
+                <a16:creationId xmlns:a16="http://schemas.microsoft.com/office/drawing/2014/main" id="{F14491CE-D12D-3040-9F9C-A0D340DFA936}"/>
               </a:ext>
             </a:extLst>
           </p:cNvPr>
-          <p:cNvPicPr>
-            <a:picLocks noChangeAspect="1"/>
-          </p:cNvPicPr>
+          <p:cNvSpPr/>
           <p:nvPr/>
-        </p:nvPicPr>
-        <p:blipFill>
-          <a:blip r:embed="rId7"/>
-          <a:stretch>
-            <a:fillRect/>
-          </a:stretch>
-        </p:blipFill>
+        </p:nvSpPr>
         <p:spPr>
           <a:xfrm>
-            <a:off x="2037735" y="958975"/>
-            <a:ext cx="4803411" cy="2852396"/>
+            <a:off x="348474" y="7853294"/>
+            <a:ext cx="12588703" cy="461665"/>
           </a:xfrm>
           <a:prstGeom prst="rect">
             <a:avLst/>
           </a:prstGeom>
         </p:spPr>
-      </p:pic>
-      <p:pic>
-        <p:nvPicPr>
-          <p:cNvPr id="14" name="Picture 13">
+        <p:txBody>
+          <a:bodyPr wrap="none">
+            <a:spAutoFit/>
+          </a:bodyPr>
+          <a:lstStyle/>
+          <a:p>
+            <a:r>
+              <a:rPr lang="en-US" sz="2400" dirty="0">
+                <a:latin typeface="Amazon Ember" panose="020B0603020204020204" pitchFamily="34" charset="0"/>
+                <a:ea typeface="Amazon Ember" panose="020B0603020204020204" pitchFamily="34" charset="0"/>
+                <a:cs typeface="Amazon Ember" panose="020B0603020204020204" pitchFamily="34" charset="0"/>
+              </a:rPr>
+              <a:t>https://</a:t>
+            </a:r>
+            <a:r>
+              <a:rPr lang="en-US" sz="2400" dirty="0" err="1">
+                <a:latin typeface="Amazon Ember" panose="020B0603020204020204" pitchFamily="34" charset="0"/>
+                <a:ea typeface="Amazon Ember" panose="020B0603020204020204" pitchFamily="34" charset="0"/>
+                <a:cs typeface="Amazon Ember" panose="020B0603020204020204" pitchFamily="34" charset="0"/>
+              </a:rPr>
+              <a:t>www.verizonenterprise.com</a:t>
+            </a:r>
+            <a:r>
+              <a:rPr lang="en-US" sz="2400" dirty="0">
+                <a:latin typeface="Amazon Ember" panose="020B0603020204020204" pitchFamily="34" charset="0"/>
+                <a:ea typeface="Amazon Ember" panose="020B0603020204020204" pitchFamily="34" charset="0"/>
+                <a:cs typeface="Amazon Ember" panose="020B0603020204020204" pitchFamily="34" charset="0"/>
+              </a:rPr>
+              <a:t>/resources/reports/rp_DBIR_2018_Report_en_xg.pdf</a:t>
+            </a:r>
+          </a:p>
+        </p:txBody>
+      </p:sp>
+      <p:sp>
+        <p:nvSpPr>
+          <p:cNvPr id="19" name="Rectangle 18">
             <a:extLst>
               <a:ext uri="{FF2B5EF4-FFF2-40B4-BE49-F238E27FC236}">
-                <a16:creationId xmlns:a16="http://schemas.microsoft.com/office/drawing/2014/main" id="{0F440A99-7B43-6643-A408-6FDAD57C78B9}"/>
+                <a16:creationId xmlns:a16="http://schemas.microsoft.com/office/drawing/2014/main" id="{2BC44480-933B-984E-B452-4D178C2AE4AC}"/>
               </a:ext>
             </a:extLst>
           </p:cNvPr>
-          <p:cNvPicPr>
-            <a:picLocks noChangeAspect="1"/>
-          </p:cNvPicPr>
+          <p:cNvSpPr/>
           <p:nvPr/>
-        </p:nvPicPr>
-        <p:blipFill>
-          <a:blip r:embed="rId8"/>
-          <a:stretch>
-            <a:fillRect/>
-          </a:stretch>
-        </p:blipFill>
+        </p:nvSpPr>
         <p:spPr>
           <a:xfrm>
-            <a:off x="2562007" y="958975"/>
-            <a:ext cx="3412664" cy="391685"/>
+            <a:off x="500874" y="8005694"/>
+            <a:ext cx="12588703" cy="461665"/>
           </a:xfrm>
           <a:prstGeom prst="rect">
             <a:avLst/>
           </a:prstGeom>
         </p:spPr>
-      </p:pic>
+        <p:txBody>
+          <a:bodyPr wrap="none">
+            <a:spAutoFit/>
+          </a:bodyPr>
+          <a:lstStyle/>
+          <a:p>
+            <a:r>
+              <a:rPr lang="en-US" sz="2400" dirty="0">
+                <a:latin typeface="Amazon Ember" panose="020B0603020204020204" pitchFamily="34" charset="0"/>
+                <a:ea typeface="Amazon Ember" panose="020B0603020204020204" pitchFamily="34" charset="0"/>
+                <a:cs typeface="Amazon Ember" panose="020B0603020204020204" pitchFamily="34" charset="0"/>
+              </a:rPr>
+              <a:t>https://</a:t>
+            </a:r>
+            <a:r>
+              <a:rPr lang="en-US" sz="2400" dirty="0" err="1">
+                <a:latin typeface="Amazon Ember" panose="020B0603020204020204" pitchFamily="34" charset="0"/>
+                <a:ea typeface="Amazon Ember" panose="020B0603020204020204" pitchFamily="34" charset="0"/>
+                <a:cs typeface="Amazon Ember" panose="020B0603020204020204" pitchFamily="34" charset="0"/>
+              </a:rPr>
+              <a:t>www.verizonenterprise.com</a:t>
+            </a:r>
+            <a:r>
+              <a:rPr lang="en-US" sz="2400" dirty="0">
+                <a:latin typeface="Amazon Ember" panose="020B0603020204020204" pitchFamily="34" charset="0"/>
+                <a:ea typeface="Amazon Ember" panose="020B0603020204020204" pitchFamily="34" charset="0"/>
+                <a:cs typeface="Amazon Ember" panose="020B0603020204020204" pitchFamily="34" charset="0"/>
+              </a:rPr>
+              <a:t>/resources/reports/rp_DBIR_2018_Report_en_xg.pdf</a:t>
+            </a:r>
+          </a:p>
+        </p:txBody>
+      </p:sp>
       <p:sp>
         <p:nvSpPr>
-          <p:cNvPr id="15" name="Rectangle 14">
+          <p:cNvPr id="22" name="Oval 21">
             <a:extLst>
               <a:ext uri="{FF2B5EF4-FFF2-40B4-BE49-F238E27FC236}">
-                <a16:creationId xmlns:a16="http://schemas.microsoft.com/office/drawing/2014/main" id="{F9D23495-A9A7-3242-8976-69B416D0C0D3}"/>
+                <a16:creationId xmlns:a16="http://schemas.microsoft.com/office/drawing/2014/main" id="{F3C24A48-F216-0E46-9D60-38E6798D5D0E}"/>
+              </a:ext>
+            </a:extLst>
+          </p:cNvPr>
+          <p:cNvSpPr/>
+          <p:nvPr/>
+        </p:nvSpPr>
+        <p:spPr>
+          <a:xfrm flipH="1">
+            <a:off x="7889964" y="1724297"/>
+            <a:ext cx="870858" cy="2371453"/>
+          </a:xfrm>
+          <a:prstGeom prst="ellipse">
+            <a:avLst/>
+          </a:prstGeom>
+          <a:noFill/>
+          <a:ln/>
+        </p:spPr>
+        <p:style>
+          <a:lnRef idx="2">
+            <a:schemeClr val="accent1"/>
+          </a:lnRef>
+          <a:fillRef idx="1">
+            <a:schemeClr val="lt1"/>
+          </a:fillRef>
+          <a:effectRef idx="0">
+            <a:schemeClr val="accent1"/>
+          </a:effectRef>
+          <a:fontRef idx="minor">
+            <a:schemeClr val="dk1"/>
+          </a:fontRef>
+        </p:style>
+        <p:txBody>
+          <a:bodyPr rtlCol="0" anchor="ctr"/>
+          <a:lstStyle/>
+          <a:p>
+            <a:pPr algn="ctr"/>
+            <a:endParaRPr lang="en-US" dirty="0"/>
+          </a:p>
+        </p:txBody>
+      </p:sp>
+      <p:sp>
+        <p:nvSpPr>
+          <p:cNvPr id="9" name="Rectangle 8">
+            <a:extLst>
+              <a:ext uri="{FF2B5EF4-FFF2-40B4-BE49-F238E27FC236}">
+                <a16:creationId xmlns:a16="http://schemas.microsoft.com/office/drawing/2014/main" id="{899C9B8A-76D8-704D-B3B1-21F3D9EE1EA7}"/>
               </a:ext>
             </a:extLst>
           </p:cNvPr>
@@ -31130,50 +31096,94 @@
           </a:p>
         </p:txBody>
       </p:sp>
-      <p:sp>
-        <p:nvSpPr>
-          <p:cNvPr id="3" name="Rectangle 2">
-            <a:extLst>
-              <a:ext uri="{FF2B5EF4-FFF2-40B4-BE49-F238E27FC236}">
-                <a16:creationId xmlns:a16="http://schemas.microsoft.com/office/drawing/2014/main" id="{D1E55A78-37E4-1B48-9348-029E71E45F70}"/>
-              </a:ext>
-            </a:extLst>
-          </p:cNvPr>
-          <p:cNvSpPr/>
-          <p:nvPr/>
-        </p:nvSpPr>
-        <p:spPr>
-          <a:xfrm>
-            <a:off x="1898022" y="4028316"/>
-            <a:ext cx="5082835" cy="369332"/>
-          </a:xfrm>
-          <a:prstGeom prst="rect">
-            <a:avLst/>
-          </a:prstGeom>
-        </p:spPr>
-        <p:txBody>
-          <a:bodyPr wrap="square">
-            <a:spAutoFit/>
-          </a:bodyPr>
-          <a:lstStyle/>
-          <a:p>
-            <a:r>
-              <a:rPr lang="en-US" dirty="0"/>
-              <a:t>2018 Verizon Data Breach Investigations Report</a:t>
-            </a:r>
-          </a:p>
-        </p:txBody>
-      </p:sp>
     </p:spTree>
     <p:extLst>
       <p:ext uri="{BB962C8B-B14F-4D97-AF65-F5344CB8AC3E}">
-        <p14:creationId xmlns:p14="http://schemas.microsoft.com/office/powerpoint/2010/main" val="502460173"/>
+        <p14:creationId xmlns:p14="http://schemas.microsoft.com/office/powerpoint/2010/main" val="2002273125"/>
       </p:ext>
     </p:extLst>
   </p:cSld>
   <p:clrMapOvr>
     <a:masterClrMapping/>
   </p:clrMapOvr>
+  <p:timing>
+    <p:tnLst>
+      <p:par>
+        <p:cTn id="1" dur="indefinite" restart="never" nodeType="tmRoot">
+          <p:childTnLst>
+            <p:seq concurrent="1" nextAc="seek">
+              <p:cTn id="2" dur="indefinite" nodeType="mainSeq">
+                <p:childTnLst>
+                  <p:par>
+                    <p:cTn id="3" fill="hold">
+                      <p:stCondLst>
+                        <p:cond delay="indefinite"/>
+                      </p:stCondLst>
+                      <p:childTnLst>
+                        <p:par>
+                          <p:cTn id="4" fill="hold">
+                            <p:stCondLst>
+                              <p:cond delay="0"/>
+                            </p:stCondLst>
+                            <p:childTnLst>
+                              <p:par>
+                                <p:cTn id="5" presetID="1" presetClass="entr" presetSubtype="0" fill="hold" grpId="0" nodeType="clickEffect">
+                                  <p:stCondLst>
+                                    <p:cond delay="0"/>
+                                  </p:stCondLst>
+                                  <p:childTnLst>
+                                    <p:set>
+                                      <p:cBhvr>
+                                        <p:cTn id="6" dur="1" fill="hold">
+                                          <p:stCondLst>
+                                            <p:cond delay="0"/>
+                                          </p:stCondLst>
+                                        </p:cTn>
+                                        <p:tgtEl>
+                                          <p:spTgt spid="22"/>
+                                        </p:tgtEl>
+                                        <p:attrNameLst>
+                                          <p:attrName>style.visibility</p:attrName>
+                                        </p:attrNameLst>
+                                      </p:cBhvr>
+                                      <p:to>
+                                        <p:strVal val="visible"/>
+                                      </p:to>
+                                    </p:set>
+                                  </p:childTnLst>
+                                </p:cTn>
+                              </p:par>
+                            </p:childTnLst>
+                          </p:cTn>
+                        </p:par>
+                      </p:childTnLst>
+                    </p:cTn>
+                  </p:par>
+                </p:childTnLst>
+              </p:cTn>
+              <p:prevCondLst>
+                <p:cond evt="onPrev" delay="0">
+                  <p:tgtEl>
+                    <p:sldTgt/>
+                  </p:tgtEl>
+                </p:cond>
+              </p:prevCondLst>
+              <p:nextCondLst>
+                <p:cond evt="onNext" delay="0">
+                  <p:tgtEl>
+                    <p:sldTgt/>
+                  </p:tgtEl>
+                </p:cond>
+              </p:nextCondLst>
+            </p:seq>
+          </p:childTnLst>
+        </p:cTn>
+      </p:par>
+    </p:tnLst>
+    <p:bldLst>
+      <p:bldP spid="22" grpId="0" animBg="1"/>
+    </p:bldLst>
+  </p:timing>
 </p:sld>
 </file>
 
@@ -31211,20 +31221,14 @@
           <a:p>
             <a:r>
               <a:rPr lang="en-US" dirty="0"/>
-              <a:t>Detecting breaches</a:t>
+              <a:t>Top Actions Taken to Address Security Issues</a:t>
             </a:r>
           </a:p>
         </p:txBody>
       </p:sp>
       <p:pic>
         <p:nvPicPr>
-          <p:cNvPr id="16" name="Picture 15">
-            <a:extLst>
-              <a:ext uri="{FF2B5EF4-FFF2-40B4-BE49-F238E27FC236}">
-                <a16:creationId xmlns:a16="http://schemas.microsoft.com/office/drawing/2014/main" id="{A8B9FCFA-71E4-8D45-BE7A-92E1BBE343F0}"/>
-              </a:ext>
-            </a:extLst>
-          </p:cNvPr>
+          <p:cNvPr id="3" name="Picture 2"/>
           <p:cNvPicPr>
             <a:picLocks noChangeAspect="1"/>
           </p:cNvPicPr>
@@ -31238,8 +31242,8 @@
         </p:blipFill>
         <p:spPr>
           <a:xfrm>
-            <a:off x="2157753" y="637582"/>
-            <a:ext cx="5064160" cy="3694856"/>
+            <a:off x="336789" y="737577"/>
+            <a:ext cx="5685194" cy="3867254"/>
           </a:xfrm>
           <a:prstGeom prst="rect">
             <a:avLst/>
@@ -31248,10 +31252,109 @@
       </p:pic>
       <p:sp>
         <p:nvSpPr>
-          <p:cNvPr id="17" name="Rectangle 16">
+          <p:cNvPr id="4" name="TextBox 3"/>
+          <p:cNvSpPr txBox="1"/>
+          <p:nvPr/>
+        </p:nvSpPr>
+        <p:spPr>
+          <a:xfrm>
+            <a:off x="336788" y="4653229"/>
+            <a:ext cx="7425674" cy="200055"/>
+          </a:xfrm>
+          <a:prstGeom prst="rect">
+            <a:avLst/>
+          </a:prstGeom>
+          <a:noFill/>
+        </p:spPr>
+        <p:txBody>
+          <a:bodyPr wrap="square" rtlCol="0">
+            <a:spAutoFit/>
+          </a:bodyPr>
+          <a:lstStyle/>
+          <a:p>
+            <a:r>
+              <a:rPr lang="en-US" sz="700" dirty="0">
+                <a:latin typeface="Amazon Ember Cd RC Thin" panose="020B0306020204020204" pitchFamily="34" charset="0"/>
+                <a:ea typeface="Amazon Ember Cd RC Thin" panose="020B0306020204020204" pitchFamily="34" charset="0"/>
+                <a:cs typeface="Amazon Ember Cd RC Thin" panose="020B0306020204020204" pitchFamily="34" charset="0"/>
+              </a:rPr>
+              <a:t>Source: 2017 Forbes Insights – “Enterprises Reengineer Security in the Age of Digital Transformation”</a:t>
+            </a:r>
+          </a:p>
+        </p:txBody>
+      </p:sp>
+      <p:sp>
+        <p:nvSpPr>
+          <p:cNvPr id="5" name="TextBox 4"/>
+          <p:cNvSpPr txBox="1"/>
+          <p:nvPr/>
+        </p:nvSpPr>
+        <p:spPr>
+          <a:xfrm>
+            <a:off x="6109005" y="2071039"/>
+            <a:ext cx="2846989" cy="1200329"/>
+          </a:xfrm>
+          <a:prstGeom prst="rect">
+            <a:avLst/>
+          </a:prstGeom>
+          <a:noFill/>
+        </p:spPr>
+        <p:txBody>
+          <a:bodyPr wrap="square" rtlCol="0">
+            <a:spAutoFit/>
+          </a:bodyPr>
+          <a:lstStyle/>
+          <a:p>
+            <a:pPr lvl="0">
+              <a:defRPr/>
+            </a:pPr>
+            <a:r>
+              <a:rPr lang="en-US" dirty="0">
+                <a:latin typeface="Amazon Ember" panose="020B0603020204020204" pitchFamily="34" charset="0"/>
+                <a:ea typeface="Amazon Ember" panose="020B0603020204020204" pitchFamily="34" charset="0"/>
+                <a:cs typeface="Amazon Ember" panose="020B0603020204020204" pitchFamily="34" charset="0"/>
+              </a:rPr>
+              <a:t>2017 Forbes Insights – “Enterprises Reengineer Security in the Age of Digital Transformation”</a:t>
+            </a:r>
+          </a:p>
+        </p:txBody>
+      </p:sp>
+      <p:pic>
+        <p:nvPicPr>
+          <p:cNvPr id="6" name="Picture 5"/>
+          <p:cNvPicPr>
+            <a:picLocks noChangeAspect="1"/>
+          </p:cNvPicPr>
+          <p:nvPr/>
+        </p:nvPicPr>
+        <p:blipFill>
+          <a:blip r:embed="rId4">
+            <a:extLst>
+              <a:ext uri="{28A0092B-C50C-407E-A947-70E740481C1C}">
+                <a14:useLocalDpi xmlns:a14="http://schemas.microsoft.com/office/drawing/2010/main" val="0"/>
+              </a:ext>
+            </a:extLst>
+          </a:blip>
+          <a:stretch>
+            <a:fillRect/>
+          </a:stretch>
+        </p:blipFill>
+        <p:spPr>
+          <a:xfrm>
+            <a:off x="8624155" y="141238"/>
+            <a:ext cx="331839" cy="428024"/>
+          </a:xfrm>
+          <a:prstGeom prst="rect">
+            <a:avLst/>
+          </a:prstGeom>
+        </p:spPr>
+      </p:pic>
+      <p:sp>
+        <p:nvSpPr>
+          <p:cNvPr id="7" name="Oval 6">
             <a:extLst>
               <a:ext uri="{FF2B5EF4-FFF2-40B4-BE49-F238E27FC236}">
-                <a16:creationId xmlns:a16="http://schemas.microsoft.com/office/drawing/2014/main" id="{88B11511-0955-6D49-BC43-92A10D5335FC}"/>
+                <a16:creationId xmlns:a16="http://schemas.microsoft.com/office/drawing/2014/main" id="{5C01B46A-360F-8840-AEF9-3AB23DAC2A6C}"/>
               </a:ext>
             </a:extLst>
           </p:cNvPr>
@@ -31260,170 +31363,8 @@
         </p:nvSpPr>
         <p:spPr>
           <a:xfrm>
-            <a:off x="196074" y="7700894"/>
-            <a:ext cx="12588703" cy="461665"/>
-          </a:xfrm>
-          <a:prstGeom prst="rect">
-            <a:avLst/>
-          </a:prstGeom>
-        </p:spPr>
-        <p:txBody>
-          <a:bodyPr wrap="none">
-            <a:spAutoFit/>
-          </a:bodyPr>
-          <a:lstStyle/>
-          <a:p>
-            <a:r>
-              <a:rPr lang="en-US" sz="2400" dirty="0">
-                <a:latin typeface="Amazon Ember" panose="020B0603020204020204" pitchFamily="34" charset="0"/>
-                <a:ea typeface="Amazon Ember" panose="020B0603020204020204" pitchFamily="34" charset="0"/>
-                <a:cs typeface="Amazon Ember" panose="020B0603020204020204" pitchFamily="34" charset="0"/>
-              </a:rPr>
-              <a:t>https://</a:t>
-            </a:r>
-            <a:r>
-              <a:rPr lang="en-US" sz="2400" dirty="0" err="1">
-                <a:latin typeface="Amazon Ember" panose="020B0603020204020204" pitchFamily="34" charset="0"/>
-                <a:ea typeface="Amazon Ember" panose="020B0603020204020204" pitchFamily="34" charset="0"/>
-                <a:cs typeface="Amazon Ember" panose="020B0603020204020204" pitchFamily="34" charset="0"/>
-              </a:rPr>
-              <a:t>www.verizonenterprise.com</a:t>
-            </a:r>
-            <a:r>
-              <a:rPr lang="en-US" sz="2400" dirty="0">
-                <a:latin typeface="Amazon Ember" panose="020B0603020204020204" pitchFamily="34" charset="0"/>
-                <a:ea typeface="Amazon Ember" panose="020B0603020204020204" pitchFamily="34" charset="0"/>
-                <a:cs typeface="Amazon Ember" panose="020B0603020204020204" pitchFamily="34" charset="0"/>
-              </a:rPr>
-              <a:t>/resources/reports/rp_DBIR_2018_Report_en_xg.pdf</a:t>
-            </a:r>
-          </a:p>
-        </p:txBody>
-      </p:sp>
-      <p:sp>
-        <p:nvSpPr>
-          <p:cNvPr id="18" name="Rectangle 17">
-            <a:extLst>
-              <a:ext uri="{FF2B5EF4-FFF2-40B4-BE49-F238E27FC236}">
-                <a16:creationId xmlns:a16="http://schemas.microsoft.com/office/drawing/2014/main" id="{F14491CE-D12D-3040-9F9C-A0D340DFA936}"/>
-              </a:ext>
-            </a:extLst>
-          </p:cNvPr>
-          <p:cNvSpPr/>
-          <p:nvPr/>
-        </p:nvSpPr>
-        <p:spPr>
-          <a:xfrm>
-            <a:off x="348474" y="7853294"/>
-            <a:ext cx="12588703" cy="461665"/>
-          </a:xfrm>
-          <a:prstGeom prst="rect">
-            <a:avLst/>
-          </a:prstGeom>
-        </p:spPr>
-        <p:txBody>
-          <a:bodyPr wrap="none">
-            <a:spAutoFit/>
-          </a:bodyPr>
-          <a:lstStyle/>
-          <a:p>
-            <a:r>
-              <a:rPr lang="en-US" sz="2400" dirty="0">
-                <a:latin typeface="Amazon Ember" panose="020B0603020204020204" pitchFamily="34" charset="0"/>
-                <a:ea typeface="Amazon Ember" panose="020B0603020204020204" pitchFamily="34" charset="0"/>
-                <a:cs typeface="Amazon Ember" panose="020B0603020204020204" pitchFamily="34" charset="0"/>
-              </a:rPr>
-              <a:t>https://</a:t>
-            </a:r>
-            <a:r>
-              <a:rPr lang="en-US" sz="2400" dirty="0" err="1">
-                <a:latin typeface="Amazon Ember" panose="020B0603020204020204" pitchFamily="34" charset="0"/>
-                <a:ea typeface="Amazon Ember" panose="020B0603020204020204" pitchFamily="34" charset="0"/>
-                <a:cs typeface="Amazon Ember" panose="020B0603020204020204" pitchFamily="34" charset="0"/>
-              </a:rPr>
-              <a:t>www.verizonenterprise.com</a:t>
-            </a:r>
-            <a:r>
-              <a:rPr lang="en-US" sz="2400" dirty="0">
-                <a:latin typeface="Amazon Ember" panose="020B0603020204020204" pitchFamily="34" charset="0"/>
-                <a:ea typeface="Amazon Ember" panose="020B0603020204020204" pitchFamily="34" charset="0"/>
-                <a:cs typeface="Amazon Ember" panose="020B0603020204020204" pitchFamily="34" charset="0"/>
-              </a:rPr>
-              <a:t>/resources/reports/rp_DBIR_2018_Report_en_xg.pdf</a:t>
-            </a:r>
-          </a:p>
-        </p:txBody>
-      </p:sp>
-      <p:sp>
-        <p:nvSpPr>
-          <p:cNvPr id="19" name="Rectangle 18">
-            <a:extLst>
-              <a:ext uri="{FF2B5EF4-FFF2-40B4-BE49-F238E27FC236}">
-                <a16:creationId xmlns:a16="http://schemas.microsoft.com/office/drawing/2014/main" id="{2BC44480-933B-984E-B452-4D178C2AE4AC}"/>
-              </a:ext>
-            </a:extLst>
-          </p:cNvPr>
-          <p:cNvSpPr/>
-          <p:nvPr/>
-        </p:nvSpPr>
-        <p:spPr>
-          <a:xfrm>
-            <a:off x="500874" y="8005694"/>
-            <a:ext cx="12588703" cy="461665"/>
-          </a:xfrm>
-          <a:prstGeom prst="rect">
-            <a:avLst/>
-          </a:prstGeom>
-        </p:spPr>
-        <p:txBody>
-          <a:bodyPr wrap="none">
-            <a:spAutoFit/>
-          </a:bodyPr>
-          <a:lstStyle/>
-          <a:p>
-            <a:r>
-              <a:rPr lang="en-US" sz="2400" dirty="0">
-                <a:latin typeface="Amazon Ember" panose="020B0603020204020204" pitchFamily="34" charset="0"/>
-                <a:ea typeface="Amazon Ember" panose="020B0603020204020204" pitchFamily="34" charset="0"/>
-                <a:cs typeface="Amazon Ember" panose="020B0603020204020204" pitchFamily="34" charset="0"/>
-              </a:rPr>
-              <a:t>https://</a:t>
-            </a:r>
-            <a:r>
-              <a:rPr lang="en-US" sz="2400" dirty="0" err="1">
-                <a:latin typeface="Amazon Ember" panose="020B0603020204020204" pitchFamily="34" charset="0"/>
-                <a:ea typeface="Amazon Ember" panose="020B0603020204020204" pitchFamily="34" charset="0"/>
-                <a:cs typeface="Amazon Ember" panose="020B0603020204020204" pitchFamily="34" charset="0"/>
-              </a:rPr>
-              <a:t>www.verizonenterprise.com</a:t>
-            </a:r>
-            <a:r>
-              <a:rPr lang="en-US" sz="2400" dirty="0">
-                <a:latin typeface="Amazon Ember" panose="020B0603020204020204" pitchFamily="34" charset="0"/>
-                <a:ea typeface="Amazon Ember" panose="020B0603020204020204" pitchFamily="34" charset="0"/>
-                <a:cs typeface="Amazon Ember" panose="020B0603020204020204" pitchFamily="34" charset="0"/>
-              </a:rPr>
-              <a:t>/resources/reports/rp_DBIR_2018_Report_en_xg.pdf</a:t>
-            </a:r>
-          </a:p>
-        </p:txBody>
-      </p:sp>
-      <p:sp>
-        <p:nvSpPr>
-          <p:cNvPr id="22" name="Oval 21">
-            <a:extLst>
-              <a:ext uri="{FF2B5EF4-FFF2-40B4-BE49-F238E27FC236}">
-                <a16:creationId xmlns:a16="http://schemas.microsoft.com/office/drawing/2014/main" id="{F3C24A48-F216-0E46-9D60-38E6798D5D0E}"/>
-              </a:ext>
-            </a:extLst>
-          </p:cNvPr>
-          <p:cNvSpPr/>
-          <p:nvPr/>
-        </p:nvSpPr>
-        <p:spPr>
-          <a:xfrm>
-            <a:off x="1769167" y="3560225"/>
-            <a:ext cx="4873658" cy="848413"/>
+            <a:off x="336788" y="737577"/>
+            <a:ext cx="1412499" cy="3867254"/>
           </a:xfrm>
           <a:prstGeom prst="ellipse">
             <a:avLst/>
@@ -31454,70 +31395,94 @@
           </a:p>
         </p:txBody>
       </p:sp>
-      <p:sp>
-        <p:nvSpPr>
-          <p:cNvPr id="9" name="Rectangle 8">
-            <a:extLst>
-              <a:ext uri="{FF2B5EF4-FFF2-40B4-BE49-F238E27FC236}">
-                <a16:creationId xmlns:a16="http://schemas.microsoft.com/office/drawing/2014/main" id="{899C9B8A-76D8-704D-B3B1-21F3D9EE1EA7}"/>
-              </a:ext>
-            </a:extLst>
-          </p:cNvPr>
-          <p:cNvSpPr/>
-          <p:nvPr/>
-        </p:nvSpPr>
-        <p:spPr>
-          <a:xfrm>
-            <a:off x="231894" y="4400806"/>
-            <a:ext cx="9549353" cy="338554"/>
-          </a:xfrm>
-          <a:prstGeom prst="rect">
-            <a:avLst/>
-          </a:prstGeom>
-        </p:spPr>
-        <p:txBody>
-          <a:bodyPr wrap="square">
-            <a:spAutoFit/>
-          </a:bodyPr>
-          <a:lstStyle/>
-          <a:p>
-            <a:r>
-              <a:rPr lang="en-US" sz="1600" dirty="0">
-                <a:latin typeface="Amazon Ember" panose="020B0603020204020204" pitchFamily="34" charset="0"/>
-                <a:ea typeface="Amazon Ember" panose="020B0603020204020204" pitchFamily="34" charset="0"/>
-                <a:cs typeface="Amazon Ember" panose="020B0603020204020204" pitchFamily="34" charset="0"/>
-              </a:rPr>
-              <a:t>https://</a:t>
-            </a:r>
-            <a:r>
-              <a:rPr lang="en-US" sz="1600" dirty="0" err="1">
-                <a:latin typeface="Amazon Ember" panose="020B0603020204020204" pitchFamily="34" charset="0"/>
-                <a:ea typeface="Amazon Ember" panose="020B0603020204020204" pitchFamily="34" charset="0"/>
-                <a:cs typeface="Amazon Ember" panose="020B0603020204020204" pitchFamily="34" charset="0"/>
-              </a:rPr>
-              <a:t>www.verizonenterprise.com</a:t>
-            </a:r>
-            <a:r>
-              <a:rPr lang="en-US" sz="1600" dirty="0">
-                <a:latin typeface="Amazon Ember" panose="020B0603020204020204" pitchFamily="34" charset="0"/>
-                <a:ea typeface="Amazon Ember" panose="020B0603020204020204" pitchFamily="34" charset="0"/>
-                <a:cs typeface="Amazon Ember" panose="020B0603020204020204" pitchFamily="34" charset="0"/>
-              </a:rPr>
-              <a:t>/resources/reports/rp_DBIR_2018_Report_en_xg.pdf</a:t>
-            </a:r>
-          </a:p>
-        </p:txBody>
-      </p:sp>
     </p:spTree>
     <p:extLst>
       <p:ext uri="{BB962C8B-B14F-4D97-AF65-F5344CB8AC3E}">
-        <p14:creationId xmlns:p14="http://schemas.microsoft.com/office/powerpoint/2010/main" val="2002273125"/>
+        <p14:creationId xmlns:p14="http://schemas.microsoft.com/office/powerpoint/2010/main" val="3771599466"/>
       </p:ext>
     </p:extLst>
   </p:cSld>
   <p:clrMapOvr>
     <a:masterClrMapping/>
   </p:clrMapOvr>
+  <p:timing>
+    <p:tnLst>
+      <p:par>
+        <p:cTn id="1" dur="indefinite" restart="never" nodeType="tmRoot">
+          <p:childTnLst>
+            <p:seq concurrent="1" nextAc="seek">
+              <p:cTn id="2" dur="indefinite" nodeType="mainSeq">
+                <p:childTnLst>
+                  <p:par>
+                    <p:cTn id="3" fill="hold">
+                      <p:stCondLst>
+                        <p:cond delay="indefinite"/>
+                      </p:stCondLst>
+                      <p:childTnLst>
+                        <p:par>
+                          <p:cTn id="4" fill="hold">
+                            <p:stCondLst>
+                              <p:cond delay="0"/>
+                            </p:stCondLst>
+                            <p:childTnLst>
+                              <p:par>
+                                <p:cTn id="5" presetID="1" presetClass="entr" presetSubtype="0" fill="hold" grpId="0" nodeType="clickEffect">
+                                  <p:stCondLst>
+                                    <p:cond delay="0"/>
+                                  </p:stCondLst>
+                                  <p:childTnLst>
+                                    <p:set>
+                                      <p:cBhvr>
+                                        <p:cTn id="6" dur="1" fill="hold">
+                                          <p:stCondLst>
+                                            <p:cond delay="0"/>
+                                          </p:stCondLst>
+                                        </p:cTn>
+                                        <p:tgtEl>
+                                          <p:spTgt spid="7"/>
+                                        </p:tgtEl>
+                                        <p:attrNameLst>
+                                          <p:attrName>style.visibility</p:attrName>
+                                        </p:attrNameLst>
+                                      </p:cBhvr>
+                                      <p:to>
+                                        <p:strVal val="visible"/>
+                                      </p:to>
+                                    </p:set>
+                                  </p:childTnLst>
+                                </p:cTn>
+                              </p:par>
+                            </p:childTnLst>
+                          </p:cTn>
+                        </p:par>
+                      </p:childTnLst>
+                    </p:cTn>
+                  </p:par>
+                </p:childTnLst>
+              </p:cTn>
+              <p:prevCondLst>
+                <p:cond evt="onPrev" delay="0">
+                  <p:tgtEl>
+                    <p:sldTgt/>
+                  </p:tgtEl>
+                </p:cond>
+              </p:prevCondLst>
+              <p:nextCondLst>
+                <p:cond evt="onNext" delay="0">
+                  <p:tgtEl>
+                    <p:sldTgt/>
+                  </p:tgtEl>
+                </p:cond>
+              </p:nextCondLst>
+            </p:seq>
+          </p:childTnLst>
+        </p:cTn>
+      </p:par>
+    </p:tnLst>
+    <p:bldLst>
+      <p:bldP spid="7" grpId="0" animBg="1"/>
+    </p:bldLst>
+  </p:timing>
 </p:sld>
 </file>
 
@@ -32188,12 +32153,6 @@
 </file>
 
 <file path=customXml/item2.xml><?xml version="1.0" encoding="utf-8"?>
-<p:properties xmlns:p="http://schemas.microsoft.com/office/2006/metadata/properties" xmlns:xsi="http://www.w3.org/2001/XMLSchema-instance">
-  <documentManagement/>
-</p:properties>
-</file>
-
-<file path=customXml/item3.xml><?xml version="1.0" encoding="utf-8"?>
 <ct:contentTypeSchema xmlns:ct="http://schemas.microsoft.com/office/2006/metadata/contentType" xmlns:ma="http://schemas.microsoft.com/office/2006/metadata/properties/metaAttributes" ct:_="" ma:_="" ma:contentTypeName="Document" ma:contentTypeID="0x010100D26A3D6C04DFD740953BA1B2B9E62D60" ma:contentTypeVersion="0" ma:contentTypeDescription="Create a new document." ma:contentTypeScope="" ma:versionID="26617cd14cd3af163c0e97ff614e520a">
   <xsd:schema xmlns:xsd="http://www.w3.org/2001/XMLSchema" xmlns:xs="http://www.w3.org/2001/XMLSchema" xmlns:p="http://schemas.microsoft.com/office/2006/metadata/properties" targetNamespace="http://schemas.microsoft.com/office/2006/metadata/properties" ma:root="true" ma:fieldsID="c64490b4aec6201516c3a874156f37b2">
     <xsd:element name="properties">
@@ -32307,6 +32266,12 @@
 </ct:contentTypeSchema>
 </file>
 
+<file path=customXml/item3.xml><?xml version="1.0" encoding="utf-8"?>
+<p:properties xmlns:p="http://schemas.microsoft.com/office/2006/metadata/properties" xmlns:xsi="http://www.w3.org/2001/XMLSchema-instance">
+  <documentManagement/>
+</p:properties>
+</file>
+
 <file path=customXml/itemProps1.xml><?xml version="1.0" encoding="utf-8"?>
 <ds:datastoreItem xmlns:ds="http://schemas.openxmlformats.org/officeDocument/2006/customXml" ds:itemID="{705B35A6-8B52-46A5-AE45-B98C6459DC10}">
   <ds:schemaRefs>
@@ -32316,21 +32281,6 @@
 </file>
 
 <file path=customXml/itemProps2.xml><?xml version="1.0" encoding="utf-8"?>
-<ds:datastoreItem xmlns:ds="http://schemas.openxmlformats.org/officeDocument/2006/customXml" ds:itemID="{C597C89A-FD0C-431E-81F6-90225B937683}">
-  <ds:schemaRefs>
-    <ds:schemaRef ds:uri="http://schemas.microsoft.com/office/2006/documentManagement/types"/>
-    <ds:schemaRef ds:uri="http://schemas.microsoft.com/office/2006/metadata/properties"/>
-    <ds:schemaRef ds:uri="http://purl.org/dc/terms/"/>
-    <ds:schemaRef ds:uri="http://schemas.openxmlformats.org/package/2006/metadata/core-properties"/>
-    <ds:schemaRef ds:uri="http://purl.org/dc/dcmitype/"/>
-    <ds:schemaRef ds:uri="http://schemas.microsoft.com/office/infopath/2007/PartnerControls"/>
-    <ds:schemaRef ds:uri="http://www.w3.org/XML/1998/namespace"/>
-    <ds:schemaRef ds:uri="http://purl.org/dc/elements/1.1/"/>
-  </ds:schemaRefs>
-</ds:datastoreItem>
-</file>
-
-<file path=customXml/itemProps3.xml><?xml version="1.0" encoding="utf-8"?>
 <ds:datastoreItem xmlns:ds="http://schemas.openxmlformats.org/officeDocument/2006/customXml" ds:itemID="{51A3258A-222C-4488-825E-7520D001FB75}">
   <ds:schemaRefs>
     <ds:schemaRef ds:uri="http://schemas.microsoft.com/office/2006/metadata/contentType"/>
@@ -32344,4 +32294,19 @@
     <ds:schemaRef ds:uri="http://schemas.microsoft.com/office/infopath/2007/PartnerControls"/>
   </ds:schemaRefs>
 </ds:datastoreItem>
+</file>
+
+<file path=customXml/itemProps3.xml><?xml version="1.0" encoding="utf-8"?>
+<ds:datastoreItem xmlns:ds="http://schemas.openxmlformats.org/officeDocument/2006/customXml" ds:itemID="{C597C89A-FD0C-431E-81F6-90225B937683}">
+  <ds:schemaRefs>
+    <ds:schemaRef ds:uri="http://schemas.microsoft.com/office/2006/documentManagement/types"/>
+    <ds:schemaRef ds:uri="http://schemas.microsoft.com/office/2006/metadata/properties"/>
+    <ds:schemaRef ds:uri="http://purl.org/dc/terms/"/>
+    <ds:schemaRef ds:uri="http://schemas.openxmlformats.org/package/2006/metadata/core-properties"/>
+    <ds:schemaRef ds:uri="http://purl.org/dc/dcmitype/"/>
+    <ds:schemaRef ds:uri="http://schemas.microsoft.com/office/infopath/2007/PartnerControls"/>
+    <ds:schemaRef ds:uri="http://www.w3.org/XML/1998/namespace"/>
+    <ds:schemaRef ds:uri="http://purl.org/dc/elements/1.1/"/>
+  </ds:schemaRefs>
+</ds:datastoreItem>
 </file>
--- a/threat-detection-wksp/presentations/threat-detection-wksp-module2-presentation.pptx
+++ b/threat-detection-wksp/presentations/threat-detection-wksp-module2-presentation.pptx
@@ -3256,7 +3256,7 @@
             <a:fld id="{0B25AC41-3BEC-9247-8322-91B80C013F2D}" type="datetimeFigureOut">
               <a:rPr lang="en-US" smtClean="0"/>
               <a:pPr/>
-              <a:t>7/10/18</a:t>
+              <a:t>9/4/18</a:t>
             </a:fld>
             <a:endParaRPr lang="en-US" dirty="0"/>
           </a:p>
@@ -25601,7 +25601,7 @@
           </a:ln>
           <a:extLst>
             <a:ext uri="{C572A759-6A51-4108-AA02-DFA0A04FC94B}">
-              <ma14:wrappingTextBoxFlag xmlns:ma14="http://schemas.microsoft.com/office/mac/drawingml/2011/main" xmlns="" val="1"/>
+              <ma14:wrappingTextBoxFlag xmlns="" xmlns:ma14="http://schemas.microsoft.com/office/mac/drawingml/2011/main" val="1"/>
             </a:ext>
           </a:extLst>
         </p:spPr>
@@ -25655,7 +25655,7 @@
           </a:ln>
           <a:extLst>
             <a:ext uri="{C572A759-6A51-4108-AA02-DFA0A04FC94B}">
-              <ma14:wrappingTextBoxFlag xmlns:ma14="http://schemas.microsoft.com/office/mac/drawingml/2011/main" xmlns="" val="1"/>
+              <ma14:wrappingTextBoxFlag xmlns="" xmlns:ma14="http://schemas.microsoft.com/office/mac/drawingml/2011/main" val="1"/>
             </a:ext>
           </a:extLst>
         </p:spPr>
@@ -25794,7 +25794,7 @@
           </a:ln>
           <a:extLst>
             <a:ext uri="{C572A759-6A51-4108-AA02-DFA0A04FC94B}">
-              <ma14:wrappingTextBoxFlag xmlns:ma14="http://schemas.microsoft.com/office/mac/drawingml/2011/main" xmlns="" val="1"/>
+              <ma14:wrappingTextBoxFlag xmlns="" xmlns:ma14="http://schemas.microsoft.com/office/mac/drawingml/2011/main" val="1"/>
             </a:ext>
           </a:extLst>
         </p:spPr>
@@ -25874,7 +25874,7 @@
           </a:ln>
           <a:extLst>
             <a:ext uri="{C572A759-6A51-4108-AA02-DFA0A04FC94B}">
-              <ma14:wrappingTextBoxFlag xmlns:ma14="http://schemas.microsoft.com/office/mac/drawingml/2011/main" xmlns="" val="1"/>
+              <ma14:wrappingTextBoxFlag xmlns="" xmlns:ma14="http://schemas.microsoft.com/office/mac/drawingml/2011/main" val="1"/>
             </a:ext>
           </a:extLst>
         </p:spPr>
@@ -26015,7 +26015,7 @@
           </a:ln>
           <a:extLst>
             <a:ext uri="{C572A759-6A51-4108-AA02-DFA0A04FC94B}">
-              <ma14:wrappingTextBoxFlag xmlns:ma14="http://schemas.microsoft.com/office/mac/drawingml/2011/main" xmlns="" val="1"/>
+              <ma14:wrappingTextBoxFlag xmlns="" xmlns:ma14="http://schemas.microsoft.com/office/mac/drawingml/2011/main" val="1"/>
             </a:ext>
           </a:extLst>
         </p:spPr>
@@ -28739,7 +28739,7 @@
         <p:spPr>
           <a:xfrm>
             <a:off x="762903" y="1152173"/>
-            <a:ext cx="8041731" cy="2616101"/>
+            <a:ext cx="8041731" cy="2677656"/>
           </a:xfrm>
           <a:prstGeom prst="rect">
             <a:avLst/>
@@ -28752,14 +28752,8 @@
           <a:lstStyle/>
           <a:p>
             <a:r>
-              <a:rPr lang="en-US" sz="2800" b="1" dirty="0">
-                <a:hlinkClick r:id="rId3"/>
-              </a:rPr>
-              <a:t>https://tinyurl.com/y84cc3pj</a:t>
-            </a:r>
-            <a:r>
-              <a:rPr lang="en-US" sz="2800" b="1" dirty="0"/>
-              <a:t> </a:t>
+              <a:rPr lang="en-US" sz="3200" b="1" dirty="0"/>
+              <a:t>https://tinyurl.com/y84cc3pj </a:t>
             </a:r>
           </a:p>
           <a:p>
@@ -28828,14 +28822,8 @@
               <a:t>Browse to </a:t>
             </a:r>
             <a:r>
-              <a:rPr lang="en-US" sz="2000" b="1" dirty="0">
-                <a:hlinkClick r:id="rId3"/>
-              </a:rPr>
-              <a:t>https://tinyurl.com/y84cc3pj</a:t>
-            </a:r>
-            <a:r>
               <a:rPr lang="en-US" sz="2000" b="1" dirty="0"/>
-              <a:t> </a:t>
+              <a:t>https://tinyurl.com/y84cc3pj </a:t>
             </a:r>
             <a:endParaRPr lang="en-US" sz="2000" dirty="0">
               <a:latin typeface="Amazon Ember" panose="020B0603020204020204" pitchFamily="34" charset="0"/>
@@ -29262,7 +29250,7 @@
         <p:spPr>
           <a:xfrm>
             <a:off x="762903" y="1152173"/>
-            <a:ext cx="8041731" cy="2616101"/>
+            <a:ext cx="8041731" cy="2677656"/>
           </a:xfrm>
           <a:prstGeom prst="rect">
             <a:avLst/>
@@ -29275,14 +29263,8 @@
           <a:lstStyle/>
           <a:p>
             <a:r>
-              <a:rPr lang="en-US" sz="2800" b="1" dirty="0">
-                <a:hlinkClick r:id="rId3"/>
-              </a:rPr>
-              <a:t>https://tinyurl.com/y84cc3pj</a:t>
-            </a:r>
-            <a:r>
-              <a:rPr lang="en-US" sz="2800" b="1" dirty="0"/>
-              <a:t> </a:t>
+              <a:rPr lang="en-US" sz="3200" b="1" dirty="0"/>
+              <a:t>https://tinyurl.com/y84cc3pj </a:t>
             </a:r>
           </a:p>
           <a:p>
@@ -29351,14 +29333,8 @@
               <a:t>Browse to </a:t>
             </a:r>
             <a:r>
-              <a:rPr lang="en-US" sz="2000" b="1" dirty="0">
-                <a:hlinkClick r:id="rId3"/>
-              </a:rPr>
-              <a:t>https://tinyurl.com/y84cc3pj</a:t>
-            </a:r>
-            <a:r>
               <a:rPr lang="en-US" sz="2000" b="1" dirty="0"/>
-              <a:t> </a:t>
+              <a:t>https://tinyurl.com/y84cc3pj </a:t>
             </a:r>
             <a:endParaRPr lang="en-US" sz="2000" dirty="0">
               <a:latin typeface="Amazon Ember" panose="020B0603020204020204" pitchFamily="34" charset="0"/>
@@ -29385,23 +29361,7 @@
                 <a:ea typeface="Amazon Ember" panose="020B0603020204020204" pitchFamily="34" charset="0"/>
                 <a:cs typeface="Amazon Ember" panose="020B0603020204020204" pitchFamily="34" charset="0"/>
               </a:rPr>
-              <a:t> Detection </a:t>
-            </a:r>
-            <a:r>
-              <a:rPr lang="en-US" sz="2000" b="1">
-                <a:latin typeface="Amazon Ember" panose="020B0603020204020204" pitchFamily="34" charset="0"/>
-                <a:ea typeface="Amazon Ember" panose="020B0603020204020204" pitchFamily="34" charset="0"/>
-                <a:cs typeface="Amazon Ember" panose="020B0603020204020204" pitchFamily="34" charset="0"/>
-              </a:rPr>
-              <a:t>&amp; Remediation </a:t>
-            </a:r>
-            <a:r>
-              <a:rPr lang="en-US" sz="2000">
-                <a:latin typeface="Amazon Ember" panose="020B0603020204020204" pitchFamily="34" charset="0"/>
-                <a:ea typeface="Amazon Ember" panose="020B0603020204020204" pitchFamily="34" charset="0"/>
-                <a:cs typeface="Amazon Ember" panose="020B0603020204020204" pitchFamily="34" charset="0"/>
-              </a:rPr>
-              <a:t>at </a:t>
+              <a:t> Detection &amp; Remediation </a:t>
             </a:r>
             <a:r>
               <a:rPr lang="en-US" sz="2000" dirty="0">
@@ -29409,7 +29369,7 @@
                 <a:ea typeface="Amazon Ember" panose="020B0603020204020204" pitchFamily="34" charset="0"/>
                 <a:cs typeface="Amazon Ember" panose="020B0603020204020204" pitchFamily="34" charset="0"/>
               </a:rPr>
-              <a:t>the end</a:t>
+              <a:t>at the end</a:t>
             </a:r>
           </a:p>
           <a:p>
@@ -31044,10 +31004,10 @@
       </p:sp>
       <p:sp>
         <p:nvSpPr>
-          <p:cNvPr id="9" name="Rectangle 8">
+          <p:cNvPr id="10" name="Rectangle 9">
             <a:extLst>
               <a:ext uri="{FF2B5EF4-FFF2-40B4-BE49-F238E27FC236}">
-                <a16:creationId xmlns:a16="http://schemas.microsoft.com/office/drawing/2014/main" id="{899C9B8A-76D8-704D-B3B1-21F3D9EE1EA7}"/>
+                <a16:creationId xmlns:a16="http://schemas.microsoft.com/office/drawing/2014/main" id="{4AB8636A-F90A-AE4A-B3C3-3F5E68DCCDBD}"/>
               </a:ext>
             </a:extLst>
           </p:cNvPr>
@@ -31056,42 +31016,42 @@
         </p:nvSpPr>
         <p:spPr>
           <a:xfrm>
-            <a:off x="231894" y="4400806"/>
-            <a:ext cx="9549353" cy="338554"/>
+            <a:off x="1313424" y="4342663"/>
+            <a:ext cx="6252033" cy="307777"/>
           </a:xfrm>
           <a:prstGeom prst="rect">
             <a:avLst/>
           </a:prstGeom>
         </p:spPr>
         <p:txBody>
-          <a:bodyPr wrap="square">
+          <a:bodyPr wrap="none">
             <a:spAutoFit/>
           </a:bodyPr>
           <a:lstStyle/>
           <a:p>
             <a:r>
-              <a:rPr lang="en-US" sz="1600" dirty="0">
+              <a:rPr lang="en-US" sz="1400" dirty="0">
                 <a:latin typeface="Amazon Ember" panose="020B0603020204020204" pitchFamily="34" charset="0"/>
                 <a:ea typeface="Amazon Ember" panose="020B0603020204020204" pitchFamily="34" charset="0"/>
                 <a:cs typeface="Amazon Ember" panose="020B0603020204020204" pitchFamily="34" charset="0"/>
               </a:rPr>
-              <a:t>https://</a:t>
-            </a:r>
-            <a:r>
-              <a:rPr lang="en-US" sz="1600" dirty="0" err="1">
+              <a:t>Source: 2018 Data Breach Investigation Report, Verizon, 11</a:t>
+            </a:r>
+            <a:r>
+              <a:rPr lang="en-US" sz="1400" baseline="30000" dirty="0">
                 <a:latin typeface="Amazon Ember" panose="020B0603020204020204" pitchFamily="34" charset="0"/>
                 <a:ea typeface="Amazon Ember" panose="020B0603020204020204" pitchFamily="34" charset="0"/>
                 <a:cs typeface="Amazon Ember" panose="020B0603020204020204" pitchFamily="34" charset="0"/>
               </a:rPr>
-              <a:t>www.verizonenterprise.com</a:t>
-            </a:r>
-            <a:r>
-              <a:rPr lang="en-US" sz="1600" dirty="0">
+              <a:t>th</a:t>
+            </a:r>
+            <a:r>
+              <a:rPr lang="en-US" sz="1400" dirty="0">
                 <a:latin typeface="Amazon Ember" panose="020B0603020204020204" pitchFamily="34" charset="0"/>
                 <a:ea typeface="Amazon Ember" panose="020B0603020204020204" pitchFamily="34" charset="0"/>
                 <a:cs typeface="Amazon Ember" panose="020B0603020204020204" pitchFamily="34" charset="0"/>
               </a:rPr>
-              <a:t>/resources/reports/rp_DBIR_2018_Report_en_xg.pdf</a:t>
+              <a:t> edition 2018 </a:t>
             </a:r>
           </a:p>
         </p:txBody>
@@ -31243,7 +31203,7 @@
         <p:spPr>
           <a:xfrm>
             <a:off x="336789" y="737577"/>
-            <a:ext cx="5685194" cy="3867254"/>
+            <a:ext cx="5262627" cy="3579810"/>
           </a:xfrm>
           <a:prstGeom prst="rect">
             <a:avLst/>
@@ -31363,8 +31323,8 @@
         </p:nvSpPr>
         <p:spPr>
           <a:xfrm>
-            <a:off x="336788" y="737577"/>
-            <a:ext cx="1412499" cy="3867254"/>
+            <a:off x="439529" y="737577"/>
+            <a:ext cx="1091320" cy="3670036"/>
           </a:xfrm>
           <a:prstGeom prst="ellipse">
             <a:avLst/>
@@ -31392,6 +31352,44 @@
           <a:p>
             <a:pPr algn="ctr"/>
             <a:endParaRPr lang="en-US" dirty="0"/>
+          </a:p>
+        </p:txBody>
+      </p:sp>
+      <p:sp>
+        <p:nvSpPr>
+          <p:cNvPr id="8" name="Rectangle 7">
+            <a:extLst>
+              <a:ext uri="{FF2B5EF4-FFF2-40B4-BE49-F238E27FC236}">
+                <a16:creationId xmlns:a16="http://schemas.microsoft.com/office/drawing/2014/main" id="{4C3B9948-93D7-9D4C-9C71-E856E84FFB47}"/>
+              </a:ext>
+            </a:extLst>
+          </p:cNvPr>
+          <p:cNvSpPr/>
+          <p:nvPr/>
+        </p:nvSpPr>
+        <p:spPr>
+          <a:xfrm>
+            <a:off x="228993" y="4359738"/>
+            <a:ext cx="8420895" cy="307777"/>
+          </a:xfrm>
+          <a:prstGeom prst="rect">
+            <a:avLst/>
+          </a:prstGeom>
+        </p:spPr>
+        <p:txBody>
+          <a:bodyPr wrap="none">
+            <a:spAutoFit/>
+          </a:bodyPr>
+          <a:lstStyle/>
+          <a:p>
+            <a:r>
+              <a:rPr lang="en-US" sz="1400" dirty="0">
+                <a:latin typeface="Amazon Ember" panose="020B0603020204020204" pitchFamily="34" charset="0"/>
+                <a:ea typeface="Amazon Ember" panose="020B0603020204020204" pitchFamily="34" charset="0"/>
+                <a:cs typeface="Amazon Ember" panose="020B0603020204020204" pitchFamily="34" charset="0"/>
+              </a:rPr>
+              <a:t>Source: 2017 Forbes Insights – “Enterprises Reengineer Security in the Age of Digital Transformation”</a:t>
+            </a:r>
           </a:p>
         </p:txBody>
       </p:sp>
@@ -32144,15 +32142,6 @@
 </file>
 
 <file path=customXml/item1.xml><?xml version="1.0" encoding="utf-8"?>
-<?mso-contentType ?>
-<FormTemplates xmlns="http://schemas.microsoft.com/sharepoint/v3/contenttype/forms">
-  <Display>DocumentLibraryForm</Display>
-  <Edit>DocumentLibraryForm</Edit>
-  <New>DocumentLibraryForm</New>
-</FormTemplates>
-</file>
-
-<file path=customXml/item2.xml><?xml version="1.0" encoding="utf-8"?>
 <ct:contentTypeSchema xmlns:ct="http://schemas.microsoft.com/office/2006/metadata/contentType" xmlns:ma="http://schemas.microsoft.com/office/2006/metadata/properties/metaAttributes" ct:_="" ma:_="" ma:contentTypeName="Document" ma:contentTypeID="0x010100D26A3D6C04DFD740953BA1B2B9E62D60" ma:contentTypeVersion="0" ma:contentTypeDescription="Create a new document." ma:contentTypeScope="" ma:versionID="26617cd14cd3af163c0e97ff614e520a">
   <xsd:schema xmlns:xsd="http://www.w3.org/2001/XMLSchema" xmlns:xs="http://www.w3.org/2001/XMLSchema" xmlns:p="http://schemas.microsoft.com/office/2006/metadata/properties" targetNamespace="http://schemas.microsoft.com/office/2006/metadata/properties" ma:root="true" ma:fieldsID="c64490b4aec6201516c3a874156f37b2">
     <xsd:element name="properties">
@@ -32266,6 +32255,15 @@
 </ct:contentTypeSchema>
 </file>
 
+<file path=customXml/item2.xml><?xml version="1.0" encoding="utf-8"?>
+<?mso-contentType ?>
+<FormTemplates xmlns="http://schemas.microsoft.com/sharepoint/v3/contenttype/forms">
+  <Display>DocumentLibraryForm</Display>
+  <Edit>DocumentLibraryForm</Edit>
+  <New>DocumentLibraryForm</New>
+</FormTemplates>
+</file>
+
 <file path=customXml/item3.xml><?xml version="1.0" encoding="utf-8"?>
 <p:properties xmlns:p="http://schemas.microsoft.com/office/2006/metadata/properties" xmlns:xsi="http://www.w3.org/2001/XMLSchema-instance">
   <documentManagement/>
@@ -32273,14 +32271,6 @@
 </file>
 
 <file path=customXml/itemProps1.xml><?xml version="1.0" encoding="utf-8"?>
-<ds:datastoreItem xmlns:ds="http://schemas.openxmlformats.org/officeDocument/2006/customXml" ds:itemID="{705B35A6-8B52-46A5-AE45-B98C6459DC10}">
-  <ds:schemaRefs>
-    <ds:schemaRef ds:uri="http://schemas.microsoft.com/sharepoint/v3/contenttype/forms"/>
-  </ds:schemaRefs>
-</ds:datastoreItem>
-</file>
-
-<file path=customXml/itemProps2.xml><?xml version="1.0" encoding="utf-8"?>
 <ds:datastoreItem xmlns:ds="http://schemas.openxmlformats.org/officeDocument/2006/customXml" ds:itemID="{51A3258A-222C-4488-825E-7520D001FB75}">
   <ds:schemaRefs>
     <ds:schemaRef ds:uri="http://schemas.microsoft.com/office/2006/metadata/contentType"/>
@@ -32292,6 +32282,14 @@
     <ds:schemaRef ds:uri="http://purl.org/dc/terms/"/>
     <ds:schemaRef ds:uri="http://schemas.microsoft.com/internal/obd"/>
     <ds:schemaRef ds:uri="http://schemas.microsoft.com/office/infopath/2007/PartnerControls"/>
+  </ds:schemaRefs>
+</ds:datastoreItem>
+</file>
+
+<file path=customXml/itemProps2.xml><?xml version="1.0" encoding="utf-8"?>
+<ds:datastoreItem xmlns:ds="http://schemas.openxmlformats.org/officeDocument/2006/customXml" ds:itemID="{705B35A6-8B52-46A5-AE45-B98C6459DC10}">
+  <ds:schemaRefs>
+    <ds:schemaRef ds:uri="http://schemas.microsoft.com/sharepoint/v3/contenttype/forms"/>
   </ds:schemaRefs>
 </ds:datastoreItem>
 </file>
